--- a/O3653-7 Deep Dive into the Office 365 APIs for OneNote services/O3653-7 Deep Dive into the Office 365 APIs for OneNote services.pptx
+++ b/O3653-7 Deep Dive into the Office 365 APIs for OneNote services/O3653-7 Deep Dive into the Office 365 APIs for OneNote services.pptx
@@ -6,10 +6,10 @@
     <p:sldMasterId id="2147484046" r:id="rId5"/>
   </p:sldMasterIdLst>
   <p:notesMasterIdLst>
-    <p:notesMasterId r:id="rId36"/>
+    <p:notesMasterId r:id="rId37"/>
   </p:notesMasterIdLst>
   <p:handoutMasterIdLst>
-    <p:handoutMasterId r:id="rId37"/>
+    <p:handoutMasterId r:id="rId38"/>
   </p:handoutMasterIdLst>
   <p:sldIdLst>
     <p:sldId id="648" r:id="rId6"/>
@@ -41,7 +41,8 @@
     <p:sldId id="689" r:id="rId32"/>
     <p:sldId id="685" r:id="rId33"/>
     <p:sldId id="686" r:id="rId34"/>
-    <p:sldId id="654" r:id="rId35"/>
+    <p:sldId id="691" r:id="rId35"/>
+    <p:sldId id="654" r:id="rId36"/>
   </p:sldIdLst>
   <p:sldSz cx="12188825" cy="6858000"/>
   <p:notesSz cx="6858000" cy="9144000"/>
@@ -344,7 +345,7 @@
           <a:p>
             <a:fld id="{DE219B1A-AE41-483B-A766-69B9363DDA6A}" type="datetimeFigureOut">
               <a:rPr lang="en-US" smtClean="0"/>
-              <a:t>9/18/2014</a:t>
+              <a:t>10/4/2014</a:t>
             </a:fld>
             <a:endParaRPr lang="en-US"/>
           </a:p>
@@ -626,7 +627,7 @@
           <a:p>
             <a:fld id="{D51B1278-D92B-4AF3-A9C1-71DD298190CE}" type="datetimeFigureOut">
               <a:rPr lang="en-US" smtClean="0"/>
-              <a:t>9/18/2014</a:t>
+              <a:t>10/4/2014</a:t>
             </a:fld>
             <a:endParaRPr lang="en-US"/>
           </a:p>
@@ -1114,7 +1115,7 @@
           <a:p>
             <a:fld id="{D4664A66-7F43-48D1-91D2-AE7A931D6495}" type="datetime1">
               <a:rPr lang="en-US" smtClean="0"/>
-              <a:t>9/18/2014</a:t>
+              <a:t>10/4/2014</a:t>
             </a:fld>
             <a:endParaRPr lang="en-US"/>
           </a:p>
@@ -1382,65 +1383,11 @@
           <a:p>
             <a:r>
               <a:rPr lang="en-US" dirty="0" smtClean="0"/>
-              <a:t>This</a:t>
+              <a:t>Four steps to follow</a:t>
             </a:r>
             <a:r>
               <a:rPr lang="en-US" baseline="0" dirty="0" smtClean="0"/>
-              <a:t> snippet represents a simple text capture.</a:t>
-            </a:r>
-          </a:p>
-          <a:p>
-            <a:endParaRPr lang="en-US" baseline="0" dirty="0" smtClean="0"/>
-          </a:p>
-          <a:p>
-            <a:r>
-              <a:rPr lang="en-US" baseline="0" dirty="0" smtClean="0"/>
-              <a:t>In addition, it provides the basic structure that the following snippets will build upon:</a:t>
-            </a:r>
-          </a:p>
-          <a:p>
-            <a:pPr marL="171450" indent="-171450">
-              <a:buFontTx/>
-              <a:buChar char="-"/>
-            </a:pPr>
-            <a:r>
-              <a:rPr lang="en-US" baseline="0" dirty="0" smtClean="0"/>
-              <a:t>Create an </a:t>
-            </a:r>
-            <a:r>
-              <a:rPr lang="en-US" baseline="0" dirty="0" err="1" smtClean="0"/>
-              <a:t>HttpClient</a:t>
-            </a:r>
-            <a:endParaRPr lang="en-US" baseline="0" dirty="0" smtClean="0"/>
-          </a:p>
-          <a:p>
-            <a:pPr marL="171450" indent="-171450">
-              <a:buFontTx/>
-              <a:buChar char="-"/>
-            </a:pPr>
-            <a:r>
-              <a:rPr lang="en-US" baseline="0" dirty="0" smtClean="0"/>
-              <a:t>Set the Headers</a:t>
-            </a:r>
-          </a:p>
-          <a:p>
-            <a:pPr marL="171450" indent="-171450">
-              <a:buFontTx/>
-              <a:buChar char="-"/>
-            </a:pPr>
-            <a:r>
-              <a:rPr lang="en-US" baseline="0" dirty="0" smtClean="0"/>
-              <a:t>Build the content for the to-be-created page</a:t>
-            </a:r>
-          </a:p>
-          <a:p>
-            <a:pPr marL="171450" indent="-171450">
-              <a:buFontTx/>
-              <a:buChar char="-"/>
-            </a:pPr>
-            <a:r>
-              <a:rPr lang="en-US" baseline="0" dirty="0" smtClean="0"/>
-              <a:t>Post to the endpoint</a:t>
+              <a:t> when building a custom application</a:t>
             </a:r>
             <a:endParaRPr lang="en-US" dirty="0"/>
           </a:p>
@@ -1461,9 +1408,9 @@
           <a:bodyPr/>
           <a:lstStyle/>
           <a:p>
-            <a:fld id="{4AED148B-7CB7-405A-AC08-8A9064AA46CA}" type="datetime1">
+            <a:fld id="{92F23F28-E1AB-4360-A982-2D9C5C9E6804}" type="datetime1">
               <a:rPr lang="en-US" smtClean="0"/>
-              <a:t>9/18/2014</a:t>
+              <a:t>10/4/2014</a:t>
             </a:fld>
             <a:endParaRPr lang="en-US"/>
           </a:p>
@@ -1486,7 +1433,7 @@
           <a:p>
             <a:fld id="{B4008EB6-D09E-4580-8CD6-DDB14511944F}" type="slidenum">
               <a:rPr lang="en-US" smtClean="0"/>
-              <a:t>23</a:t>
+              <a:t>13</a:t>
             </a:fld>
             <a:endParaRPr lang="en-US" dirty="0"/>
           </a:p>
@@ -1594,7 +1541,7 @@
     </p:spTree>
     <p:extLst>
       <p:ext uri="{BB962C8B-B14F-4D97-AF65-F5344CB8AC3E}">
-        <p14:creationId xmlns:p14="http://schemas.microsoft.com/office/powerpoint/2010/main" val="2492462827"/>
+        <p14:creationId xmlns:p14="http://schemas.microsoft.com/office/powerpoint/2010/main" val="2562866239"/>
       </p:ext>
     </p:extLst>
   </p:cSld>
@@ -1650,77 +1597,21 @@
           <a:p>
             <a:r>
               <a:rPr lang="en-US" dirty="0" smtClean="0"/>
-              <a:t>Capturing</a:t>
+              <a:t>Step 1: Register your app</a:t>
+            </a:r>
+          </a:p>
+          <a:p>
+            <a:endParaRPr lang="en-US" dirty="0" smtClean="0"/>
+          </a:p>
+          <a:p>
+            <a:r>
+              <a:rPr lang="en-US" dirty="0" smtClean="0"/>
+              <a:t>Note that none of the options requires O365/Azure account. Inquire of the product group about timing</a:t>
             </a:r>
             <a:r>
               <a:rPr lang="en-US" baseline="0" dirty="0" smtClean="0"/>
-              <a:t> an image requires </a:t>
-            </a:r>
-            <a:r>
-              <a:rPr lang="en-US" baseline="0" dirty="0" err="1" smtClean="0"/>
-              <a:t>MultipartFormDataContent</a:t>
-            </a:r>
-            <a:r>
-              <a:rPr lang="en-US" baseline="0" dirty="0" smtClean="0"/>
-              <a:t>. The “src” attribute of the&lt;</a:t>
-            </a:r>
-            <a:r>
-              <a:rPr lang="en-US" baseline="0" dirty="0" err="1" smtClean="0"/>
-              <a:t>img</a:t>
-            </a:r>
-            <a:r>
-              <a:rPr lang="en-US" baseline="0" dirty="0" smtClean="0"/>
-              <a:t>&gt; tag has a specific protocol and value.</a:t>
-            </a:r>
-          </a:p>
-          <a:p>
-            <a:endParaRPr lang="en-US" baseline="0" dirty="0" smtClean="0"/>
-          </a:p>
-          <a:p>
-            <a:r>
-              <a:rPr lang="en-US" baseline="0" dirty="0" smtClean="0"/>
-              <a:t>The protocol “name:” indicates the image is contained in another part of the Form Data with the given name (“image1” in this example).</a:t>
-            </a:r>
-          </a:p>
-          <a:p>
-            <a:endParaRPr lang="en-US" baseline="0" dirty="0" smtClean="0"/>
-          </a:p>
-          <a:p>
-            <a:r>
-              <a:rPr lang="en-US" baseline="0" dirty="0" smtClean="0"/>
-              <a:t>Point out the names of the content in the </a:t>
-            </a:r>
-            <a:r>
-              <a:rPr lang="en-US" baseline="0" dirty="0" err="1" smtClean="0"/>
-              <a:t>MultipartFormDataContent</a:t>
-            </a:r>
-            <a:r>
-              <a:rPr lang="en-US" baseline="0" dirty="0" smtClean="0"/>
-              <a:t>. The string content (the html) is named “Presentation” and the image bytes are named the same as the value in the src attribute of the &lt;</a:t>
-            </a:r>
-            <a:r>
-              <a:rPr lang="en-US" baseline="0" dirty="0" err="1" smtClean="0"/>
-              <a:t>img</a:t>
-            </a:r>
-            <a:r>
-              <a:rPr lang="en-US" baseline="0" dirty="0" smtClean="0"/>
-              <a:t>&gt; tag.</a:t>
-            </a:r>
-          </a:p>
-          <a:p>
-            <a:endParaRPr lang="en-US" baseline="0" dirty="0" smtClean="0"/>
-          </a:p>
-          <a:p>
-            <a:r>
-              <a:rPr lang="en-US" baseline="0" dirty="0" smtClean="0"/>
-              <a:t>The name “Presentation” is required – indicates the main part of the capture.</a:t>
-            </a:r>
-            <a:endParaRPr lang="en-US" baseline="0" dirty="0" smtClean="0"/>
-          </a:p>
-          <a:p>
-            <a:endParaRPr lang="en-US" dirty="0" smtClean="0"/>
-          </a:p>
-          <a:p>
+              <a:t> of integration with Azure AD.</a:t>
+            </a:r>
             <a:endParaRPr lang="en-US" dirty="0"/>
           </a:p>
         </p:txBody>
@@ -1740,9 +1631,9 @@
           <a:bodyPr/>
           <a:lstStyle/>
           <a:p>
-            <a:fld id="{BAA480A6-A57E-488B-9D67-747E5D1E1440}" type="datetime1">
+            <a:fld id="{29CEA73E-1B28-4315-88DA-A3541AB62030}" type="datetime1">
               <a:rPr lang="en-US" smtClean="0"/>
-              <a:t>9/18/2014</a:t>
+              <a:t>10/4/2014</a:t>
             </a:fld>
             <a:endParaRPr lang="en-US"/>
           </a:p>
@@ -1765,7 +1656,7 @@
           <a:p>
             <a:fld id="{B4008EB6-D09E-4580-8CD6-DDB14511944F}" type="slidenum">
               <a:rPr lang="en-US" smtClean="0"/>
-              <a:t>24</a:t>
+              <a:t>14</a:t>
             </a:fld>
             <a:endParaRPr lang="en-US" dirty="0"/>
           </a:p>
@@ -1873,7 +1764,7 @@
     </p:spTree>
     <p:extLst>
       <p:ext uri="{BB962C8B-B14F-4D97-AF65-F5344CB8AC3E}">
-        <p14:creationId xmlns:p14="http://schemas.microsoft.com/office/powerpoint/2010/main" val="1097414061"/>
+        <p14:creationId xmlns:p14="http://schemas.microsoft.com/office/powerpoint/2010/main" val="2898303334"/>
       </p:ext>
     </p:extLst>
   </p:cSld>
@@ -1929,24 +1820,134 @@
           <a:p>
             <a:r>
               <a:rPr lang="en-US" dirty="0" smtClean="0"/>
-              <a:t>The first method </a:t>
-            </a:r>
+              <a:t>Step 2: Authenticate</a:t>
+            </a:r>
+            <a:r>
+              <a:rPr lang="en-US" baseline="0" dirty="0" smtClean="0"/>
+              <a:t> the user</a:t>
+            </a:r>
+            <a:endParaRPr lang="en-US" dirty="0" smtClean="0"/>
+          </a:p>
+          <a:p>
+            <a:endParaRPr lang="en-US" dirty="0" smtClean="0"/>
+          </a:p>
+          <a:p>
             <a:r>
               <a:rPr lang="en-US" dirty="0" smtClean="0"/>
-              <a:t>is great for archiving things you see on web sites that change frequently.</a:t>
-            </a:r>
-          </a:p>
-          <a:p>
+              <a:t>The package is “</a:t>
+            </a:r>
+            <a:r>
+              <a:rPr lang="en-US" dirty="0" err="1" smtClean="0"/>
+              <a:t>LiveSDK</a:t>
+            </a:r>
+            <a:r>
+              <a:rPr lang="en-US" dirty="0" smtClean="0"/>
+              <a:t>” for Windows</a:t>
+            </a:r>
+            <a:r>
+              <a:rPr lang="en-US" baseline="0" dirty="0" smtClean="0"/>
+              <a:t> Store and “</a:t>
+            </a:r>
+            <a:r>
+              <a:rPr lang="en-US" baseline="0" dirty="0" err="1" smtClean="0"/>
+              <a:t>LiveSDKServer</a:t>
+            </a:r>
+            <a:r>
+              <a:rPr lang="en-US" baseline="0" dirty="0" smtClean="0"/>
+              <a:t>” for ASP/MVC</a:t>
+            </a:r>
             <a:endParaRPr lang="en-US" dirty="0" smtClean="0"/>
           </a:p>
           <a:p>
+            <a:endParaRPr lang="en-US" dirty="0" smtClean="0"/>
+          </a:p>
+          <a:p>
+            <a:r>
+              <a:rPr lang="en-US" dirty="0" err="1" smtClean="0"/>
+              <a:t>WinStore</a:t>
+            </a:r>
             <a:r>
               <a:rPr lang="en-US" dirty="0" smtClean="0"/>
-              <a:t>The second method is useful when the web page is more-complex than the OneNote page can faithfully render, or when the page requires login credentials. It is important to know that the HTML in the non-presentation block cannot use the data-render-src attribute.</a:t>
-            </a:r>
-          </a:p>
-          <a:p>
-            <a:endParaRPr lang="en-US" dirty="0" smtClean="0"/>
+              <a:t>: The </a:t>
+            </a:r>
+            <a:r>
+              <a:rPr lang="en-US" dirty="0" err="1" smtClean="0"/>
+              <a:t>LiveAuthClient</a:t>
+            </a:r>
+            <a:r>
+              <a:rPr lang="en-US" dirty="0" smtClean="0"/>
+              <a:t> class will</a:t>
+            </a:r>
+            <a:r>
+              <a:rPr lang="en-US" baseline="0" dirty="0" smtClean="0"/>
+              <a:t> initiate the active login. Your code should keep that class in scope, and call its methods to get tokens for subsequent requests.</a:t>
+            </a:r>
+          </a:p>
+          <a:p>
+            <a:endParaRPr lang="en-US" baseline="0" dirty="0" smtClean="0"/>
+          </a:p>
+          <a:p>
+            <a:r>
+              <a:rPr lang="en-US" baseline="0" dirty="0" smtClean="0"/>
+              <a:t>Web: The </a:t>
+            </a:r>
+            <a:r>
+              <a:rPr lang="en-US" baseline="0" dirty="0" err="1" smtClean="0"/>
+              <a:t>LiveAuthClient</a:t>
+            </a:r>
+            <a:r>
+              <a:rPr lang="en-US" baseline="0" dirty="0" smtClean="0"/>
+              <a:t> class has a property (</a:t>
+            </a:r>
+            <a:r>
+              <a:rPr lang="en-US" baseline="0" dirty="0" err="1" smtClean="0"/>
+              <a:t>GetLoginUrl</a:t>
+            </a:r>
+            <a:r>
+              <a:rPr lang="en-US" baseline="0" dirty="0" smtClean="0"/>
+              <a:t>) that will provide the redirect. Once the login/consent happens, you can pass the </a:t>
+            </a:r>
+            <a:r>
+              <a:rPr lang="en-US" baseline="0" dirty="0" err="1" smtClean="0"/>
+              <a:t>HttpContext</a:t>
+            </a:r>
+            <a:r>
+              <a:rPr lang="en-US" baseline="0" dirty="0" smtClean="0"/>
+              <a:t> to the </a:t>
+            </a:r>
+            <a:r>
+              <a:rPr lang="en-US" baseline="0" dirty="0" err="1" smtClean="0"/>
+              <a:t>ExchangeAuthCodeAsync</a:t>
+            </a:r>
+            <a:r>
+              <a:rPr lang="en-US" baseline="0" dirty="0" smtClean="0"/>
+              <a:t> method to exchange the </a:t>
+            </a:r>
+            <a:r>
+              <a:rPr lang="en-US" baseline="0" dirty="0" err="1" smtClean="0"/>
+              <a:t>auth</a:t>
+            </a:r>
+            <a:r>
+              <a:rPr lang="en-US" baseline="0" dirty="0" smtClean="0"/>
+              <a:t> code for a token. (Similar to how the </a:t>
+            </a:r>
+            <a:r>
+              <a:rPr lang="en-US" baseline="0" dirty="0" err="1" smtClean="0"/>
+              <a:t>TokenHelper</a:t>
+            </a:r>
+            <a:r>
+              <a:rPr lang="en-US" baseline="0" dirty="0" smtClean="0"/>
+              <a:t> class will inspect the response for the appropriate </a:t>
+            </a:r>
+            <a:r>
+              <a:rPr lang="en-US" baseline="0" dirty="0" err="1" smtClean="0"/>
+              <a:t>querystring</a:t>
+            </a:r>
+            <a:r>
+              <a:rPr lang="en-US" baseline="0" dirty="0" smtClean="0"/>
+              <a:t> parameters.</a:t>
+            </a:r>
+            <a:endParaRPr lang="en-US" dirty="0"/>
           </a:p>
         </p:txBody>
       </p:sp>
@@ -1965,9 +1966,9 @@
           <a:bodyPr/>
           <a:lstStyle/>
           <a:p>
-            <a:fld id="{83076554-B7F1-4ECF-B249-05F619EE0826}" type="datetime1">
+            <a:fld id="{A818071C-18BB-4FAB-9CAB-23ED91B88EAC}" type="datetime1">
               <a:rPr lang="en-US" smtClean="0"/>
-              <a:t>9/18/2014</a:t>
+              <a:t>10/4/2014</a:t>
             </a:fld>
             <a:endParaRPr lang="en-US"/>
           </a:p>
@@ -1990,7 +1991,7 @@
           <a:p>
             <a:fld id="{B4008EB6-D09E-4580-8CD6-DDB14511944F}" type="slidenum">
               <a:rPr lang="en-US" smtClean="0"/>
-              <a:t>26</a:t>
+              <a:t>15</a:t>
             </a:fld>
             <a:endParaRPr lang="en-US" dirty="0"/>
           </a:p>
@@ -2098,7 +2099,7 @@
     </p:spTree>
     <p:extLst>
       <p:ext uri="{BB962C8B-B14F-4D97-AF65-F5344CB8AC3E}">
-        <p14:creationId xmlns:p14="http://schemas.microsoft.com/office/powerpoint/2010/main" val="1887950778"/>
+        <p14:creationId xmlns:p14="http://schemas.microsoft.com/office/powerpoint/2010/main" val="329781637"/>
       </p:ext>
     </p:extLst>
   </p:cSld>
@@ -2152,70 +2153,112 @@
           <a:bodyPr/>
           <a:lstStyle/>
           <a:p>
-            <a:endParaRPr lang="en-US"/>
+            <a:r>
+              <a:rPr lang="en-US" dirty="0" smtClean="0"/>
+              <a:t>Step 3:</a:t>
+            </a:r>
+            <a:r>
+              <a:rPr lang="en-US" baseline="0" dirty="0" smtClean="0"/>
+              <a:t> Capture the content</a:t>
+            </a:r>
+            <a:endParaRPr lang="en-US" dirty="0"/>
           </a:p>
         </p:txBody>
       </p:sp>
       <p:sp>
         <p:nvSpPr>
-          <p:cNvPr id="4" name="Header Placeholder 3"/>
+          <p:cNvPr id="4" name="Date Placeholder 3"/>
           <p:cNvSpPr>
             <a:spLocks noGrp="1"/>
           </p:cNvSpPr>
           <p:nvPr>
-            <p:ph type="hdr" sz="quarter" idx="10"/>
-          </p:nvPr>
-        </p:nvSpPr>
-        <p:spPr>
-          <a:xfrm>
-            <a:off x="0" y="0"/>
-            <a:ext cx="2971800" cy="457200"/>
-          </a:xfrm>
-          <a:prstGeom prst="rect">
-            <a:avLst/>
-          </a:prstGeom>
-        </p:spPr>
+            <p:ph type="dt" idx="10"/>
+          </p:nvPr>
+        </p:nvSpPr>
+        <p:spPr/>
         <p:txBody>
           <a:bodyPr/>
           <a:lstStyle/>
           <a:p>
-            <a:endParaRPr lang="en-US" dirty="0"/>
+            <a:fld id="{ACE61BA5-5300-46F9-8411-41C679BB1806}" type="datetime1">
+              <a:rPr lang="en-US" smtClean="0"/>
+              <a:t>10/4/2014</a:t>
+            </a:fld>
+            <a:endParaRPr lang="en-US"/>
           </a:p>
         </p:txBody>
       </p:sp>
       <p:sp>
         <p:nvSpPr>
-          <p:cNvPr id="5" name="Footer Placeholder 4"/>
+          <p:cNvPr id="5" name="Slide Number Placeholder 4"/>
           <p:cNvSpPr>
             <a:spLocks noGrp="1"/>
           </p:cNvSpPr>
           <p:nvPr>
-            <p:ph type="ftr" sz="quarter" idx="11"/>
-          </p:nvPr>
-        </p:nvSpPr>
-        <p:spPr>
-          <a:xfrm>
-            <a:off x="0" y="8686800"/>
-            <a:ext cx="5920740" cy="355964"/>
-          </a:xfrm>
-          <a:prstGeom prst="rect">
-            <a:avLst/>
-          </a:prstGeom>
-        </p:spPr>
+            <p:ph type="sldNum" sz="quarter" idx="11"/>
+          </p:nvPr>
+        </p:nvSpPr>
+        <p:spPr/>
         <p:txBody>
           <a:bodyPr/>
           <a:lstStyle/>
           <a:p>
-            <a:pPr defTabSz="914099" eaLnBrk="0" hangingPunct="0"/>
-            <a:r>
-              <a:rPr lang="en-US" sz="400" smtClean="0">
+            <a:fld id="{B4008EB6-D09E-4580-8CD6-DDB14511944F}" type="slidenum">
+              <a:rPr lang="en-US" smtClean="0"/>
+              <a:t>16</a:t>
+            </a:fld>
+            <a:endParaRPr lang="en-US" dirty="0"/>
+          </a:p>
+        </p:txBody>
+      </p:sp>
+      <p:sp>
+        <p:nvSpPr>
+          <p:cNvPr id="6" name="Header Placeholder 5"/>
+          <p:cNvSpPr>
+            <a:spLocks noGrp="1"/>
+          </p:cNvSpPr>
+          <p:nvPr>
+            <p:ph type="hdr" sz="quarter" idx="12"/>
+          </p:nvPr>
+        </p:nvSpPr>
+        <p:spPr/>
+        <p:txBody>
+          <a:bodyPr/>
+          <a:lstStyle/>
+          <a:p>
+            <a:r>
+              <a:rPr lang="en-US" smtClean="0"/>
+              <a:t>Microsoft Office</a:t>
+            </a:r>
+            <a:endParaRPr lang="en-US" dirty="0"/>
+          </a:p>
+        </p:txBody>
+      </p:sp>
+      <p:sp>
+        <p:nvSpPr>
+          <p:cNvPr id="7" name="Footer Placeholder 6"/>
+          <p:cNvSpPr>
+            <a:spLocks noGrp="1"/>
+          </p:cNvSpPr>
+          <p:nvPr>
+            <p:ph type="ftr" sz="quarter" idx="13"/>
+          </p:nvPr>
+        </p:nvSpPr>
+        <p:spPr/>
+        <p:txBody>
+          <a:bodyPr/>
+          <a:lstStyle/>
+          <a:p>
+            <a:pPr marL="231775" defTabSz="914099" eaLnBrk="0" hangingPunct="0"/>
+            <a:r>
+              <a:rPr lang="en-US" sz="500" smtClean="0">
                 <a:gradFill>
                   <a:gsLst>
                     <a:gs pos="0">
-                      <a:prstClr val="black"/>
+                      <a:schemeClr val="tx1"/>
                     </a:gs>
                     <a:gs pos="100000">
-                      <a:prstClr val="black"/>
+                      <a:schemeClr val="tx1"/>
                     </a:gs>
                   </a:gsLst>
                   <a:lin ang="5400000" scaled="0"/>
@@ -2228,16 +2271,16 @@
             </a:r>
           </a:p>
           <a:p>
-            <a:pPr defTabSz="914099" eaLnBrk="0" hangingPunct="0"/>
-            <a:r>
-              <a:rPr lang="en-US" sz="400" smtClean="0">
+            <a:pPr marL="231775" defTabSz="914099" eaLnBrk="0" hangingPunct="0"/>
+            <a:r>
+              <a:rPr lang="en-US" sz="500" smtClean="0">
                 <a:gradFill>
                   <a:gsLst>
                     <a:gs pos="0">
-                      <a:prstClr val="black"/>
+                      <a:schemeClr val="tx1"/>
                     </a:gs>
                     <a:gs pos="100000">
-                      <a:prstClr val="black"/>
+                      <a:schemeClr val="tx1"/>
                     </a:gs>
                   </a:gsLst>
                   <a:lin ang="5400000" scaled="0"/>
@@ -2248,14 +2291,14 @@
               </a:rPr>
               <a:t>The information herein is for informational purposes only and represents the current view of Microsoft Corporation as of the date of this presentation.  Because Microsoft must respond to changing market conditions, it should not be interpreted to be a commitment on the part of Microsoft, and Microsoft cannot guarantee the accuracy of any information provided after the date of this presentation.  MICROSOFT MAKES NO WARRANTIES, EXPRESS, IMPLIED OR STATUTORY, AS TO THE INFORMATION IN THIS PRESENTATION.</a:t>
             </a:r>
-            <a:endParaRPr lang="en-US" sz="400" dirty="0" smtClean="0">
+            <a:endParaRPr lang="en-US" sz="500" dirty="0">
               <a:gradFill>
                 <a:gsLst>
                   <a:gs pos="0">
-                    <a:prstClr val="black"/>
+                    <a:schemeClr val="tx1"/>
                   </a:gs>
                   <a:gs pos="100000">
-                    <a:prstClr val="black"/>
+                    <a:schemeClr val="tx1"/>
                   </a:gs>
                 </a:gsLst>
                 <a:lin ang="5400000" scaled="0"/>
@@ -2267,14 +2310,56 @@
           </a:p>
         </p:txBody>
       </p:sp>
-      <p:sp>
-        <p:nvSpPr>
-          <p:cNvPr id="6" name="Date Placeholder 5"/>
+    </p:spTree>
+    <p:extLst>
+      <p:ext uri="{BB962C8B-B14F-4D97-AF65-F5344CB8AC3E}">
+        <p14:creationId xmlns:p14="http://schemas.microsoft.com/office/powerpoint/2010/main" val="1075756660"/>
+      </p:ext>
+    </p:extLst>
+  </p:cSld>
+  <p:clrMapOvr>
+    <a:masterClrMapping/>
+  </p:clrMapOvr>
+</p:notes>
+</file>
+
+<file path=ppt/notesSlides/notesSlide14.xml><?xml version="1.0" encoding="utf-8"?>
+<p:notes xmlns:a="http://schemas.openxmlformats.org/drawingml/2006/main" xmlns:r="http://schemas.openxmlformats.org/officeDocument/2006/relationships" xmlns:p="http://schemas.openxmlformats.org/presentationml/2006/main">
+  <p:cSld>
+    <p:spTree>
+      <p:nvGrpSpPr>
+        <p:cNvPr id="1" name=""/>
+        <p:cNvGrpSpPr/>
+        <p:nvPr/>
+      </p:nvGrpSpPr>
+      <p:grpSpPr>
+        <a:xfrm>
+          <a:off x="0" y="0"/>
+          <a:ext cx="0" cy="0"/>
+          <a:chOff x="0" y="0"/>
+          <a:chExt cx="0" cy="0"/>
+        </a:xfrm>
+      </p:grpSpPr>
+      <p:sp>
+        <p:nvSpPr>
+          <p:cNvPr id="2" name="Slide Image Placeholder 1"/>
+          <p:cNvSpPr>
+            <a:spLocks noGrp="1" noRot="1" noChangeAspect="1"/>
+          </p:cNvSpPr>
+          <p:nvPr>
+            <p:ph type="sldImg"/>
+          </p:nvPr>
+        </p:nvSpPr>
+        <p:spPr/>
+      </p:sp>
+      <p:sp>
+        <p:nvSpPr>
+          <p:cNvPr id="3" name="Notes Placeholder 2"/>
           <p:cNvSpPr>
             <a:spLocks noGrp="1"/>
           </p:cNvSpPr>
           <p:nvPr>
-            <p:ph type="dt" idx="12"/>
+            <p:ph type="body" idx="1"/>
           </p:nvPr>
         </p:nvSpPr>
         <p:spPr/>
@@ -2282,22 +2367,22 @@
           <a:bodyPr/>
           <a:lstStyle/>
           <a:p>
-            <a:fld id="{0BB6559B-C68D-49B4-97AE-9BB74C417927}" type="datetime1">
-              <a:rPr lang="en-US" smtClean="0"/>
-              <a:t>9/18/2014</a:t>
-            </a:fld>
-            <a:endParaRPr lang="en-US"/>
+            <a:r>
+              <a:rPr lang="en-US" dirty="0" smtClean="0"/>
+              <a:t>Step 4: Send content to OneNote</a:t>
+            </a:r>
+            <a:endParaRPr lang="en-US" dirty="0"/>
           </a:p>
         </p:txBody>
       </p:sp>
       <p:sp>
         <p:nvSpPr>
-          <p:cNvPr id="7" name="Slide Number Placeholder 6"/>
+          <p:cNvPr id="4" name="Date Placeholder 3"/>
           <p:cNvSpPr>
             <a:spLocks noGrp="1"/>
           </p:cNvSpPr>
           <p:nvPr>
-            <p:ph type="sldNum" sz="quarter" idx="13"/>
+            <p:ph type="dt" idx="10"/>
           </p:nvPr>
         </p:nvSpPr>
         <p:spPr/>
@@ -2305,18 +2390,1346 @@
           <a:bodyPr/>
           <a:lstStyle/>
           <a:p>
+            <a:fld id="{F3DA1B79-7F74-41BE-A51E-49DEDDD9A375}" type="datetime1">
+              <a:rPr lang="en-US" smtClean="0"/>
+              <a:t>10/4/2014</a:t>
+            </a:fld>
+            <a:endParaRPr lang="en-US"/>
+          </a:p>
+        </p:txBody>
+      </p:sp>
+      <p:sp>
+        <p:nvSpPr>
+          <p:cNvPr id="5" name="Slide Number Placeholder 4"/>
+          <p:cNvSpPr>
+            <a:spLocks noGrp="1"/>
+          </p:cNvSpPr>
+          <p:nvPr>
+            <p:ph type="sldNum" sz="quarter" idx="11"/>
+          </p:nvPr>
+        </p:nvSpPr>
+        <p:spPr/>
+        <p:txBody>
+          <a:bodyPr/>
+          <a:lstStyle/>
+          <a:p>
             <a:fld id="{B4008EB6-D09E-4580-8CD6-DDB14511944F}" type="slidenum">
               <a:rPr lang="en-US" smtClean="0"/>
-              <a:t>30</a:t>
+              <a:t>17</a:t>
             </a:fld>
             <a:endParaRPr lang="en-US" dirty="0"/>
+          </a:p>
+        </p:txBody>
+      </p:sp>
+      <p:sp>
+        <p:nvSpPr>
+          <p:cNvPr id="6" name="Header Placeholder 5"/>
+          <p:cNvSpPr>
+            <a:spLocks noGrp="1"/>
+          </p:cNvSpPr>
+          <p:nvPr>
+            <p:ph type="hdr" sz="quarter" idx="12"/>
+          </p:nvPr>
+        </p:nvSpPr>
+        <p:spPr/>
+        <p:txBody>
+          <a:bodyPr/>
+          <a:lstStyle/>
+          <a:p>
+            <a:r>
+              <a:rPr lang="en-US" smtClean="0"/>
+              <a:t>Microsoft Office</a:t>
+            </a:r>
+            <a:endParaRPr lang="en-US" dirty="0"/>
+          </a:p>
+        </p:txBody>
+      </p:sp>
+      <p:sp>
+        <p:nvSpPr>
+          <p:cNvPr id="7" name="Footer Placeholder 6"/>
+          <p:cNvSpPr>
+            <a:spLocks noGrp="1"/>
+          </p:cNvSpPr>
+          <p:nvPr>
+            <p:ph type="ftr" sz="quarter" idx="13"/>
+          </p:nvPr>
+        </p:nvSpPr>
+        <p:spPr/>
+        <p:txBody>
+          <a:bodyPr/>
+          <a:lstStyle/>
+          <a:p>
+            <a:pPr marL="231775" defTabSz="914099" eaLnBrk="0" hangingPunct="0"/>
+            <a:r>
+              <a:rPr lang="en-US" sz="500" smtClean="0">
+                <a:gradFill>
+                  <a:gsLst>
+                    <a:gs pos="0">
+                      <a:schemeClr val="tx1"/>
+                    </a:gs>
+                    <a:gs pos="100000">
+                      <a:schemeClr val="tx1"/>
+                    </a:gs>
+                  </a:gsLst>
+                  <a:lin ang="5400000" scaled="0"/>
+                </a:gradFill>
+                <a:latin typeface="Segoe UI" pitchFamily="34" charset="0"/>
+                <a:ea typeface="Segoe UI" pitchFamily="34" charset="0"/>
+                <a:cs typeface="Segoe UI" pitchFamily="34" charset="0"/>
+              </a:rPr>
+              <a:t>© 2012 Microsoft Corporation. All rights reserved. Microsoft, Windows, and other product names are or may be registered trademarks and/or trademarks in the U.S. and/or other countries.</a:t>
+            </a:r>
+          </a:p>
+          <a:p>
+            <a:pPr marL="231775" defTabSz="914099" eaLnBrk="0" hangingPunct="0"/>
+            <a:r>
+              <a:rPr lang="en-US" sz="500" smtClean="0">
+                <a:gradFill>
+                  <a:gsLst>
+                    <a:gs pos="0">
+                      <a:schemeClr val="tx1"/>
+                    </a:gs>
+                    <a:gs pos="100000">
+                      <a:schemeClr val="tx1"/>
+                    </a:gs>
+                  </a:gsLst>
+                  <a:lin ang="5400000" scaled="0"/>
+                </a:gradFill>
+                <a:latin typeface="Segoe UI" pitchFamily="34" charset="0"/>
+                <a:ea typeface="Segoe UI" pitchFamily="34" charset="0"/>
+                <a:cs typeface="Segoe UI" pitchFamily="34" charset="0"/>
+              </a:rPr>
+              <a:t>The information herein is for informational purposes only and represents the current view of Microsoft Corporation as of the date of this presentation.  Because Microsoft must respond to changing market conditions, it should not be interpreted to be a commitment on the part of Microsoft, and Microsoft cannot guarantee the accuracy of any information provided after the date of this presentation.  MICROSOFT MAKES NO WARRANTIES, EXPRESS, IMPLIED OR STATUTORY, AS TO THE INFORMATION IN THIS PRESENTATION.</a:t>
+            </a:r>
+            <a:endParaRPr lang="en-US" sz="500" dirty="0">
+              <a:gradFill>
+                <a:gsLst>
+                  <a:gs pos="0">
+                    <a:schemeClr val="tx1"/>
+                  </a:gs>
+                  <a:gs pos="100000">
+                    <a:schemeClr val="tx1"/>
+                  </a:gs>
+                </a:gsLst>
+                <a:lin ang="5400000" scaled="0"/>
+              </a:gradFill>
+              <a:latin typeface="Segoe UI" pitchFamily="34" charset="0"/>
+              <a:ea typeface="Segoe UI" pitchFamily="34" charset="0"/>
+              <a:cs typeface="Segoe UI" pitchFamily="34" charset="0"/>
+            </a:endParaRPr>
           </a:p>
         </p:txBody>
       </p:sp>
     </p:spTree>
     <p:extLst>
       <p:ext uri="{BB962C8B-B14F-4D97-AF65-F5344CB8AC3E}">
-        <p14:creationId xmlns:p14="http://schemas.microsoft.com/office/powerpoint/2010/main" val="3695926200"/>
+        <p14:creationId xmlns:p14="http://schemas.microsoft.com/office/powerpoint/2010/main" val="1593538760"/>
+      </p:ext>
+    </p:extLst>
+  </p:cSld>
+  <p:clrMapOvr>
+    <a:masterClrMapping/>
+  </p:clrMapOvr>
+</p:notes>
+</file>
+
+<file path=ppt/notesSlides/notesSlide15.xml><?xml version="1.0" encoding="utf-8"?>
+<p:notes xmlns:a="http://schemas.openxmlformats.org/drawingml/2006/main" xmlns:r="http://schemas.openxmlformats.org/officeDocument/2006/relationships" xmlns:p="http://schemas.openxmlformats.org/presentationml/2006/main">
+  <p:cSld>
+    <p:spTree>
+      <p:nvGrpSpPr>
+        <p:cNvPr id="1" name=""/>
+        <p:cNvGrpSpPr/>
+        <p:nvPr/>
+      </p:nvGrpSpPr>
+      <p:grpSpPr>
+        <a:xfrm>
+          <a:off x="0" y="0"/>
+          <a:ext cx="0" cy="0"/>
+          <a:chOff x="0" y="0"/>
+          <a:chExt cx="0" cy="0"/>
+        </a:xfrm>
+      </p:grpSpPr>
+      <p:sp>
+        <p:nvSpPr>
+          <p:cNvPr id="2" name="Slide Image Placeholder 1"/>
+          <p:cNvSpPr>
+            <a:spLocks noGrp="1" noRot="1" noChangeAspect="1"/>
+          </p:cNvSpPr>
+          <p:nvPr>
+            <p:ph type="sldImg"/>
+          </p:nvPr>
+        </p:nvSpPr>
+        <p:spPr/>
+      </p:sp>
+      <p:sp>
+        <p:nvSpPr>
+          <p:cNvPr id="3" name="Notes Placeholder 2"/>
+          <p:cNvSpPr>
+            <a:spLocks noGrp="1"/>
+          </p:cNvSpPr>
+          <p:nvPr>
+            <p:ph type="body" idx="1"/>
+          </p:nvPr>
+        </p:nvSpPr>
+        <p:spPr/>
+        <p:txBody>
+          <a:bodyPr/>
+          <a:lstStyle/>
+          <a:p>
+            <a:pPr marL="107152" lvl="1" indent="0">
+              <a:buNone/>
+            </a:pPr>
+            <a:r>
+              <a:rPr lang="en-US" dirty="0" smtClean="0"/>
+              <a:t>https://apigee.com/onenote/embed/console/onenote/</a:t>
+            </a:r>
+            <a:endParaRPr lang="en-US" dirty="0"/>
+          </a:p>
+        </p:txBody>
+      </p:sp>
+      <p:sp>
+        <p:nvSpPr>
+          <p:cNvPr id="4" name="Date Placeholder 3"/>
+          <p:cNvSpPr>
+            <a:spLocks noGrp="1"/>
+          </p:cNvSpPr>
+          <p:nvPr>
+            <p:ph type="dt" idx="10"/>
+          </p:nvPr>
+        </p:nvSpPr>
+        <p:spPr/>
+        <p:txBody>
+          <a:bodyPr/>
+          <a:lstStyle/>
+          <a:p>
+            <a:fld id="{6B8BF90D-BD61-43D7-93E0-6CBEC8B2313A}" type="datetime1">
+              <a:rPr lang="en-US" smtClean="0"/>
+              <a:t>10/4/2014</a:t>
+            </a:fld>
+            <a:endParaRPr lang="en-US"/>
+          </a:p>
+        </p:txBody>
+      </p:sp>
+      <p:sp>
+        <p:nvSpPr>
+          <p:cNvPr id="5" name="Slide Number Placeholder 4"/>
+          <p:cNvSpPr>
+            <a:spLocks noGrp="1"/>
+          </p:cNvSpPr>
+          <p:nvPr>
+            <p:ph type="sldNum" sz="quarter" idx="11"/>
+          </p:nvPr>
+        </p:nvSpPr>
+        <p:spPr/>
+        <p:txBody>
+          <a:bodyPr/>
+          <a:lstStyle/>
+          <a:p>
+            <a:fld id="{B4008EB6-D09E-4580-8CD6-DDB14511944F}" type="slidenum">
+              <a:rPr lang="en-US" smtClean="0"/>
+              <a:t>20</a:t>
+            </a:fld>
+            <a:endParaRPr lang="en-US" dirty="0"/>
+          </a:p>
+        </p:txBody>
+      </p:sp>
+      <p:sp>
+        <p:nvSpPr>
+          <p:cNvPr id="6" name="Header Placeholder 5"/>
+          <p:cNvSpPr>
+            <a:spLocks noGrp="1"/>
+          </p:cNvSpPr>
+          <p:nvPr>
+            <p:ph type="hdr" sz="quarter" idx="12"/>
+          </p:nvPr>
+        </p:nvSpPr>
+        <p:spPr/>
+        <p:txBody>
+          <a:bodyPr/>
+          <a:lstStyle/>
+          <a:p>
+            <a:r>
+              <a:rPr lang="en-US" smtClean="0"/>
+              <a:t>Microsoft Office</a:t>
+            </a:r>
+            <a:endParaRPr lang="en-US" dirty="0"/>
+          </a:p>
+        </p:txBody>
+      </p:sp>
+      <p:sp>
+        <p:nvSpPr>
+          <p:cNvPr id="7" name="Footer Placeholder 6"/>
+          <p:cNvSpPr>
+            <a:spLocks noGrp="1"/>
+          </p:cNvSpPr>
+          <p:nvPr>
+            <p:ph type="ftr" sz="quarter" idx="13"/>
+          </p:nvPr>
+        </p:nvSpPr>
+        <p:spPr/>
+        <p:txBody>
+          <a:bodyPr/>
+          <a:lstStyle/>
+          <a:p>
+            <a:pPr marL="231775" defTabSz="914099" eaLnBrk="0" hangingPunct="0"/>
+            <a:r>
+              <a:rPr lang="en-US" sz="500" smtClean="0">
+                <a:gradFill>
+                  <a:gsLst>
+                    <a:gs pos="0">
+                      <a:schemeClr val="tx1"/>
+                    </a:gs>
+                    <a:gs pos="100000">
+                      <a:schemeClr val="tx1"/>
+                    </a:gs>
+                  </a:gsLst>
+                  <a:lin ang="5400000" scaled="0"/>
+                </a:gradFill>
+                <a:latin typeface="Segoe UI" pitchFamily="34" charset="0"/>
+                <a:ea typeface="Segoe UI" pitchFamily="34" charset="0"/>
+                <a:cs typeface="Segoe UI" pitchFamily="34" charset="0"/>
+              </a:rPr>
+              <a:t>© 2012 Microsoft Corporation. All rights reserved. Microsoft, Windows, and other product names are or may be registered trademarks and/or trademarks in the U.S. and/or other countries.</a:t>
+            </a:r>
+          </a:p>
+          <a:p>
+            <a:pPr marL="231775" defTabSz="914099" eaLnBrk="0" hangingPunct="0"/>
+            <a:r>
+              <a:rPr lang="en-US" sz="500" smtClean="0">
+                <a:gradFill>
+                  <a:gsLst>
+                    <a:gs pos="0">
+                      <a:schemeClr val="tx1"/>
+                    </a:gs>
+                    <a:gs pos="100000">
+                      <a:schemeClr val="tx1"/>
+                    </a:gs>
+                  </a:gsLst>
+                  <a:lin ang="5400000" scaled="0"/>
+                </a:gradFill>
+                <a:latin typeface="Segoe UI" pitchFamily="34" charset="0"/>
+                <a:ea typeface="Segoe UI" pitchFamily="34" charset="0"/>
+                <a:cs typeface="Segoe UI" pitchFamily="34" charset="0"/>
+              </a:rPr>
+              <a:t>The information herein is for informational purposes only and represents the current view of Microsoft Corporation as of the date of this presentation.  Because Microsoft must respond to changing market conditions, it should not be interpreted to be a commitment on the part of Microsoft, and Microsoft cannot guarantee the accuracy of any information provided after the date of this presentation.  MICROSOFT MAKES NO WARRANTIES, EXPRESS, IMPLIED OR STATUTORY, AS TO THE INFORMATION IN THIS PRESENTATION.</a:t>
+            </a:r>
+            <a:endParaRPr lang="en-US" sz="500" dirty="0">
+              <a:gradFill>
+                <a:gsLst>
+                  <a:gs pos="0">
+                    <a:schemeClr val="tx1"/>
+                  </a:gs>
+                  <a:gs pos="100000">
+                    <a:schemeClr val="tx1"/>
+                  </a:gs>
+                </a:gsLst>
+                <a:lin ang="5400000" scaled="0"/>
+              </a:gradFill>
+              <a:latin typeface="Segoe UI" pitchFamily="34" charset="0"/>
+              <a:ea typeface="Segoe UI" pitchFamily="34" charset="0"/>
+              <a:cs typeface="Segoe UI" pitchFamily="34" charset="0"/>
+            </a:endParaRPr>
+          </a:p>
+        </p:txBody>
+      </p:sp>
+    </p:spTree>
+    <p:extLst>
+      <p:ext uri="{BB962C8B-B14F-4D97-AF65-F5344CB8AC3E}">
+        <p14:creationId xmlns:p14="http://schemas.microsoft.com/office/powerpoint/2010/main" val="1588160795"/>
+      </p:ext>
+    </p:extLst>
+  </p:cSld>
+  <p:clrMapOvr>
+    <a:masterClrMapping/>
+  </p:clrMapOvr>
+</p:notes>
+</file>
+
+<file path=ppt/notesSlides/notesSlide16.xml><?xml version="1.0" encoding="utf-8"?>
+<p:notes xmlns:a="http://schemas.openxmlformats.org/drawingml/2006/main" xmlns:r="http://schemas.openxmlformats.org/officeDocument/2006/relationships" xmlns:p="http://schemas.openxmlformats.org/presentationml/2006/main">
+  <p:cSld>
+    <p:spTree>
+      <p:nvGrpSpPr>
+        <p:cNvPr id="1" name=""/>
+        <p:cNvGrpSpPr/>
+        <p:nvPr/>
+      </p:nvGrpSpPr>
+      <p:grpSpPr>
+        <a:xfrm>
+          <a:off x="0" y="0"/>
+          <a:ext cx="0" cy="0"/>
+          <a:chOff x="0" y="0"/>
+          <a:chExt cx="0" cy="0"/>
+        </a:xfrm>
+      </p:grpSpPr>
+      <p:sp>
+        <p:nvSpPr>
+          <p:cNvPr id="2" name="Slide Image Placeholder 1"/>
+          <p:cNvSpPr>
+            <a:spLocks noGrp="1" noRot="1" noChangeAspect="1"/>
+          </p:cNvSpPr>
+          <p:nvPr>
+            <p:ph type="sldImg"/>
+          </p:nvPr>
+        </p:nvSpPr>
+        <p:spPr/>
+      </p:sp>
+      <p:sp>
+        <p:nvSpPr>
+          <p:cNvPr id="3" name="Notes Placeholder 2"/>
+          <p:cNvSpPr>
+            <a:spLocks noGrp="1"/>
+          </p:cNvSpPr>
+          <p:nvPr>
+            <p:ph type="body" idx="1"/>
+          </p:nvPr>
+        </p:nvSpPr>
+        <p:spPr/>
+        <p:txBody>
+          <a:bodyPr/>
+          <a:lstStyle/>
+          <a:p>
+            <a:r>
+              <a:rPr lang="en-US" dirty="0" smtClean="0"/>
+              <a:t>This</a:t>
+            </a:r>
+            <a:r>
+              <a:rPr lang="en-US" baseline="0" dirty="0" smtClean="0"/>
+              <a:t> snippet represents a simple text capture.</a:t>
+            </a:r>
+          </a:p>
+          <a:p>
+            <a:endParaRPr lang="en-US" baseline="0" dirty="0" smtClean="0"/>
+          </a:p>
+          <a:p>
+            <a:r>
+              <a:rPr lang="en-US" baseline="0" dirty="0" smtClean="0"/>
+              <a:t>In addition, it provides the basic structure that the following snippets will build upon:</a:t>
+            </a:r>
+          </a:p>
+          <a:p>
+            <a:pPr marL="171450" indent="-171450">
+              <a:buFontTx/>
+              <a:buChar char="-"/>
+            </a:pPr>
+            <a:r>
+              <a:rPr lang="en-US" baseline="0" dirty="0" smtClean="0"/>
+              <a:t>Create an </a:t>
+            </a:r>
+            <a:r>
+              <a:rPr lang="en-US" baseline="0" dirty="0" err="1" smtClean="0"/>
+              <a:t>HttpClient</a:t>
+            </a:r>
+            <a:endParaRPr lang="en-US" baseline="0" dirty="0" smtClean="0"/>
+          </a:p>
+          <a:p>
+            <a:pPr marL="171450" indent="-171450">
+              <a:buFontTx/>
+              <a:buChar char="-"/>
+            </a:pPr>
+            <a:r>
+              <a:rPr lang="en-US" baseline="0" dirty="0" smtClean="0"/>
+              <a:t>Set the Headers</a:t>
+            </a:r>
+          </a:p>
+          <a:p>
+            <a:pPr marL="171450" indent="-171450">
+              <a:buFontTx/>
+              <a:buChar char="-"/>
+            </a:pPr>
+            <a:r>
+              <a:rPr lang="en-US" baseline="0" dirty="0" smtClean="0"/>
+              <a:t>Build the content for the to-be-created page</a:t>
+            </a:r>
+          </a:p>
+          <a:p>
+            <a:pPr marL="171450" indent="-171450">
+              <a:buFontTx/>
+              <a:buChar char="-"/>
+            </a:pPr>
+            <a:r>
+              <a:rPr lang="en-US" baseline="0" dirty="0" smtClean="0"/>
+              <a:t>Post to the endpoint</a:t>
+            </a:r>
+            <a:endParaRPr lang="en-US" dirty="0"/>
+          </a:p>
+        </p:txBody>
+      </p:sp>
+      <p:sp>
+        <p:nvSpPr>
+          <p:cNvPr id="4" name="Date Placeholder 3"/>
+          <p:cNvSpPr>
+            <a:spLocks noGrp="1"/>
+          </p:cNvSpPr>
+          <p:nvPr>
+            <p:ph type="dt" idx="10"/>
+          </p:nvPr>
+        </p:nvSpPr>
+        <p:spPr/>
+        <p:txBody>
+          <a:bodyPr/>
+          <a:lstStyle/>
+          <a:p>
+            <a:fld id="{4AED148B-7CB7-405A-AC08-8A9064AA46CA}" type="datetime1">
+              <a:rPr lang="en-US" smtClean="0"/>
+              <a:t>10/4/2014</a:t>
+            </a:fld>
+            <a:endParaRPr lang="en-US"/>
+          </a:p>
+        </p:txBody>
+      </p:sp>
+      <p:sp>
+        <p:nvSpPr>
+          <p:cNvPr id="5" name="Slide Number Placeholder 4"/>
+          <p:cNvSpPr>
+            <a:spLocks noGrp="1"/>
+          </p:cNvSpPr>
+          <p:nvPr>
+            <p:ph type="sldNum" sz="quarter" idx="11"/>
+          </p:nvPr>
+        </p:nvSpPr>
+        <p:spPr/>
+        <p:txBody>
+          <a:bodyPr/>
+          <a:lstStyle/>
+          <a:p>
+            <a:fld id="{B4008EB6-D09E-4580-8CD6-DDB14511944F}" type="slidenum">
+              <a:rPr lang="en-US" smtClean="0"/>
+              <a:t>23</a:t>
+            </a:fld>
+            <a:endParaRPr lang="en-US" dirty="0"/>
+          </a:p>
+        </p:txBody>
+      </p:sp>
+      <p:sp>
+        <p:nvSpPr>
+          <p:cNvPr id="6" name="Header Placeholder 5"/>
+          <p:cNvSpPr>
+            <a:spLocks noGrp="1"/>
+          </p:cNvSpPr>
+          <p:nvPr>
+            <p:ph type="hdr" sz="quarter" idx="12"/>
+          </p:nvPr>
+        </p:nvSpPr>
+        <p:spPr/>
+        <p:txBody>
+          <a:bodyPr/>
+          <a:lstStyle/>
+          <a:p>
+            <a:r>
+              <a:rPr lang="en-US" smtClean="0"/>
+              <a:t>Microsoft Office</a:t>
+            </a:r>
+            <a:endParaRPr lang="en-US" dirty="0"/>
+          </a:p>
+        </p:txBody>
+      </p:sp>
+      <p:sp>
+        <p:nvSpPr>
+          <p:cNvPr id="7" name="Footer Placeholder 6"/>
+          <p:cNvSpPr>
+            <a:spLocks noGrp="1"/>
+          </p:cNvSpPr>
+          <p:nvPr>
+            <p:ph type="ftr" sz="quarter" idx="13"/>
+          </p:nvPr>
+        </p:nvSpPr>
+        <p:spPr/>
+        <p:txBody>
+          <a:bodyPr/>
+          <a:lstStyle/>
+          <a:p>
+            <a:pPr marL="231775" defTabSz="914099" eaLnBrk="0" hangingPunct="0"/>
+            <a:r>
+              <a:rPr lang="en-US" sz="500" smtClean="0">
+                <a:gradFill>
+                  <a:gsLst>
+                    <a:gs pos="0">
+                      <a:schemeClr val="tx1"/>
+                    </a:gs>
+                    <a:gs pos="100000">
+                      <a:schemeClr val="tx1"/>
+                    </a:gs>
+                  </a:gsLst>
+                  <a:lin ang="5400000" scaled="0"/>
+                </a:gradFill>
+                <a:latin typeface="Segoe UI" pitchFamily="34" charset="0"/>
+                <a:ea typeface="Segoe UI" pitchFamily="34" charset="0"/>
+                <a:cs typeface="Segoe UI" pitchFamily="34" charset="0"/>
+              </a:rPr>
+              <a:t>© 2012 Microsoft Corporation. All rights reserved. Microsoft, Windows, and other product names are or may be registered trademarks and/or trademarks in the U.S. and/or other countries.</a:t>
+            </a:r>
+          </a:p>
+          <a:p>
+            <a:pPr marL="231775" defTabSz="914099" eaLnBrk="0" hangingPunct="0"/>
+            <a:r>
+              <a:rPr lang="en-US" sz="500" smtClean="0">
+                <a:gradFill>
+                  <a:gsLst>
+                    <a:gs pos="0">
+                      <a:schemeClr val="tx1"/>
+                    </a:gs>
+                    <a:gs pos="100000">
+                      <a:schemeClr val="tx1"/>
+                    </a:gs>
+                  </a:gsLst>
+                  <a:lin ang="5400000" scaled="0"/>
+                </a:gradFill>
+                <a:latin typeface="Segoe UI" pitchFamily="34" charset="0"/>
+                <a:ea typeface="Segoe UI" pitchFamily="34" charset="0"/>
+                <a:cs typeface="Segoe UI" pitchFamily="34" charset="0"/>
+              </a:rPr>
+              <a:t>The information herein is for informational purposes only and represents the current view of Microsoft Corporation as of the date of this presentation.  Because Microsoft must respond to changing market conditions, it should not be interpreted to be a commitment on the part of Microsoft, and Microsoft cannot guarantee the accuracy of any information provided after the date of this presentation.  MICROSOFT MAKES NO WARRANTIES, EXPRESS, IMPLIED OR STATUTORY, AS TO THE INFORMATION IN THIS PRESENTATION.</a:t>
+            </a:r>
+            <a:endParaRPr lang="en-US" sz="500" dirty="0">
+              <a:gradFill>
+                <a:gsLst>
+                  <a:gs pos="0">
+                    <a:schemeClr val="tx1"/>
+                  </a:gs>
+                  <a:gs pos="100000">
+                    <a:schemeClr val="tx1"/>
+                  </a:gs>
+                </a:gsLst>
+                <a:lin ang="5400000" scaled="0"/>
+              </a:gradFill>
+              <a:latin typeface="Segoe UI" pitchFamily="34" charset="0"/>
+              <a:ea typeface="Segoe UI" pitchFamily="34" charset="0"/>
+              <a:cs typeface="Segoe UI" pitchFamily="34" charset="0"/>
+            </a:endParaRPr>
+          </a:p>
+        </p:txBody>
+      </p:sp>
+    </p:spTree>
+    <p:extLst>
+      <p:ext uri="{BB962C8B-B14F-4D97-AF65-F5344CB8AC3E}">
+        <p14:creationId xmlns:p14="http://schemas.microsoft.com/office/powerpoint/2010/main" val="2492462827"/>
+      </p:ext>
+    </p:extLst>
+  </p:cSld>
+  <p:clrMapOvr>
+    <a:masterClrMapping/>
+  </p:clrMapOvr>
+</p:notes>
+</file>
+
+<file path=ppt/notesSlides/notesSlide17.xml><?xml version="1.0" encoding="utf-8"?>
+<p:notes xmlns:a="http://schemas.openxmlformats.org/drawingml/2006/main" xmlns:r="http://schemas.openxmlformats.org/officeDocument/2006/relationships" xmlns:p="http://schemas.openxmlformats.org/presentationml/2006/main">
+  <p:cSld>
+    <p:spTree>
+      <p:nvGrpSpPr>
+        <p:cNvPr id="1" name=""/>
+        <p:cNvGrpSpPr/>
+        <p:nvPr/>
+      </p:nvGrpSpPr>
+      <p:grpSpPr>
+        <a:xfrm>
+          <a:off x="0" y="0"/>
+          <a:ext cx="0" cy="0"/>
+          <a:chOff x="0" y="0"/>
+          <a:chExt cx="0" cy="0"/>
+        </a:xfrm>
+      </p:grpSpPr>
+      <p:sp>
+        <p:nvSpPr>
+          <p:cNvPr id="2" name="Slide Image Placeholder 1"/>
+          <p:cNvSpPr>
+            <a:spLocks noGrp="1" noRot="1" noChangeAspect="1"/>
+          </p:cNvSpPr>
+          <p:nvPr>
+            <p:ph type="sldImg"/>
+          </p:nvPr>
+        </p:nvSpPr>
+        <p:spPr/>
+      </p:sp>
+      <p:sp>
+        <p:nvSpPr>
+          <p:cNvPr id="3" name="Notes Placeholder 2"/>
+          <p:cNvSpPr>
+            <a:spLocks noGrp="1"/>
+          </p:cNvSpPr>
+          <p:nvPr>
+            <p:ph type="body" idx="1"/>
+          </p:nvPr>
+        </p:nvSpPr>
+        <p:spPr/>
+        <p:txBody>
+          <a:bodyPr/>
+          <a:lstStyle/>
+          <a:p>
+            <a:r>
+              <a:rPr lang="en-US" dirty="0" smtClean="0"/>
+              <a:t>Capturing</a:t>
+            </a:r>
+            <a:r>
+              <a:rPr lang="en-US" baseline="0" dirty="0" smtClean="0"/>
+              <a:t> an image requires </a:t>
+            </a:r>
+            <a:r>
+              <a:rPr lang="en-US" baseline="0" dirty="0" err="1" smtClean="0"/>
+              <a:t>MultipartFormDataContent</a:t>
+            </a:r>
+            <a:r>
+              <a:rPr lang="en-US" baseline="0" dirty="0" smtClean="0"/>
+              <a:t>. The “src” attribute of the&lt;</a:t>
+            </a:r>
+            <a:r>
+              <a:rPr lang="en-US" baseline="0" dirty="0" err="1" smtClean="0"/>
+              <a:t>img</a:t>
+            </a:r>
+            <a:r>
+              <a:rPr lang="en-US" baseline="0" dirty="0" smtClean="0"/>
+              <a:t>&gt; tag has a specific protocol and value.</a:t>
+            </a:r>
+          </a:p>
+          <a:p>
+            <a:endParaRPr lang="en-US" baseline="0" dirty="0" smtClean="0"/>
+          </a:p>
+          <a:p>
+            <a:r>
+              <a:rPr lang="en-US" baseline="0" dirty="0" smtClean="0"/>
+              <a:t>The protocol “name:” indicates the image is contained in another part of the Form Data with the given name (“image1” in this example).</a:t>
+            </a:r>
+          </a:p>
+          <a:p>
+            <a:endParaRPr lang="en-US" baseline="0" dirty="0" smtClean="0"/>
+          </a:p>
+          <a:p>
+            <a:r>
+              <a:rPr lang="en-US" baseline="0" dirty="0" smtClean="0"/>
+              <a:t>Point out the names of the content in the </a:t>
+            </a:r>
+            <a:r>
+              <a:rPr lang="en-US" baseline="0" dirty="0" err="1" smtClean="0"/>
+              <a:t>MultipartFormDataContent</a:t>
+            </a:r>
+            <a:r>
+              <a:rPr lang="en-US" baseline="0" dirty="0" smtClean="0"/>
+              <a:t>. The string content (the html) is named “Presentation” and the image bytes are named the same as the value in the src attribute of the &lt;</a:t>
+            </a:r>
+            <a:r>
+              <a:rPr lang="en-US" baseline="0" dirty="0" err="1" smtClean="0"/>
+              <a:t>img</a:t>
+            </a:r>
+            <a:r>
+              <a:rPr lang="en-US" baseline="0" dirty="0" smtClean="0"/>
+              <a:t>&gt; tag.</a:t>
+            </a:r>
+          </a:p>
+          <a:p>
+            <a:endParaRPr lang="en-US" baseline="0" dirty="0" smtClean="0"/>
+          </a:p>
+          <a:p>
+            <a:r>
+              <a:rPr lang="en-US" baseline="0" dirty="0" smtClean="0"/>
+              <a:t>The name “Presentation” is required – indicates the main part of the capture.</a:t>
+            </a:r>
+          </a:p>
+          <a:p>
+            <a:endParaRPr lang="en-US" dirty="0" smtClean="0"/>
+          </a:p>
+          <a:p>
+            <a:endParaRPr lang="en-US" dirty="0"/>
+          </a:p>
+        </p:txBody>
+      </p:sp>
+      <p:sp>
+        <p:nvSpPr>
+          <p:cNvPr id="4" name="Date Placeholder 3"/>
+          <p:cNvSpPr>
+            <a:spLocks noGrp="1"/>
+          </p:cNvSpPr>
+          <p:nvPr>
+            <p:ph type="dt" idx="10"/>
+          </p:nvPr>
+        </p:nvSpPr>
+        <p:spPr/>
+        <p:txBody>
+          <a:bodyPr/>
+          <a:lstStyle/>
+          <a:p>
+            <a:fld id="{BAA480A6-A57E-488B-9D67-747E5D1E1440}" type="datetime1">
+              <a:rPr lang="en-US" smtClean="0"/>
+              <a:t>10/4/2014</a:t>
+            </a:fld>
+            <a:endParaRPr lang="en-US"/>
+          </a:p>
+        </p:txBody>
+      </p:sp>
+      <p:sp>
+        <p:nvSpPr>
+          <p:cNvPr id="5" name="Slide Number Placeholder 4"/>
+          <p:cNvSpPr>
+            <a:spLocks noGrp="1"/>
+          </p:cNvSpPr>
+          <p:nvPr>
+            <p:ph type="sldNum" sz="quarter" idx="11"/>
+          </p:nvPr>
+        </p:nvSpPr>
+        <p:spPr/>
+        <p:txBody>
+          <a:bodyPr/>
+          <a:lstStyle/>
+          <a:p>
+            <a:fld id="{B4008EB6-D09E-4580-8CD6-DDB14511944F}" type="slidenum">
+              <a:rPr lang="en-US" smtClean="0"/>
+              <a:t>24</a:t>
+            </a:fld>
+            <a:endParaRPr lang="en-US" dirty="0"/>
+          </a:p>
+        </p:txBody>
+      </p:sp>
+      <p:sp>
+        <p:nvSpPr>
+          <p:cNvPr id="6" name="Header Placeholder 5"/>
+          <p:cNvSpPr>
+            <a:spLocks noGrp="1"/>
+          </p:cNvSpPr>
+          <p:nvPr>
+            <p:ph type="hdr" sz="quarter" idx="12"/>
+          </p:nvPr>
+        </p:nvSpPr>
+        <p:spPr/>
+        <p:txBody>
+          <a:bodyPr/>
+          <a:lstStyle/>
+          <a:p>
+            <a:r>
+              <a:rPr lang="en-US" smtClean="0"/>
+              <a:t>Microsoft Office</a:t>
+            </a:r>
+            <a:endParaRPr lang="en-US" dirty="0"/>
+          </a:p>
+        </p:txBody>
+      </p:sp>
+      <p:sp>
+        <p:nvSpPr>
+          <p:cNvPr id="7" name="Footer Placeholder 6"/>
+          <p:cNvSpPr>
+            <a:spLocks noGrp="1"/>
+          </p:cNvSpPr>
+          <p:nvPr>
+            <p:ph type="ftr" sz="quarter" idx="13"/>
+          </p:nvPr>
+        </p:nvSpPr>
+        <p:spPr/>
+        <p:txBody>
+          <a:bodyPr/>
+          <a:lstStyle/>
+          <a:p>
+            <a:pPr marL="231775" defTabSz="914099" eaLnBrk="0" hangingPunct="0"/>
+            <a:r>
+              <a:rPr lang="en-US" sz="500" smtClean="0">
+                <a:gradFill>
+                  <a:gsLst>
+                    <a:gs pos="0">
+                      <a:schemeClr val="tx1"/>
+                    </a:gs>
+                    <a:gs pos="100000">
+                      <a:schemeClr val="tx1"/>
+                    </a:gs>
+                  </a:gsLst>
+                  <a:lin ang="5400000" scaled="0"/>
+                </a:gradFill>
+                <a:latin typeface="Segoe UI" pitchFamily="34" charset="0"/>
+                <a:ea typeface="Segoe UI" pitchFamily="34" charset="0"/>
+                <a:cs typeface="Segoe UI" pitchFamily="34" charset="0"/>
+              </a:rPr>
+              <a:t>© 2012 Microsoft Corporation. All rights reserved. Microsoft, Windows, and other product names are or may be registered trademarks and/or trademarks in the U.S. and/or other countries.</a:t>
+            </a:r>
+          </a:p>
+          <a:p>
+            <a:pPr marL="231775" defTabSz="914099" eaLnBrk="0" hangingPunct="0"/>
+            <a:r>
+              <a:rPr lang="en-US" sz="500" smtClean="0">
+                <a:gradFill>
+                  <a:gsLst>
+                    <a:gs pos="0">
+                      <a:schemeClr val="tx1"/>
+                    </a:gs>
+                    <a:gs pos="100000">
+                      <a:schemeClr val="tx1"/>
+                    </a:gs>
+                  </a:gsLst>
+                  <a:lin ang="5400000" scaled="0"/>
+                </a:gradFill>
+                <a:latin typeface="Segoe UI" pitchFamily="34" charset="0"/>
+                <a:ea typeface="Segoe UI" pitchFamily="34" charset="0"/>
+                <a:cs typeface="Segoe UI" pitchFamily="34" charset="0"/>
+              </a:rPr>
+              <a:t>The information herein is for informational purposes only and represents the current view of Microsoft Corporation as of the date of this presentation.  Because Microsoft must respond to changing market conditions, it should not be interpreted to be a commitment on the part of Microsoft, and Microsoft cannot guarantee the accuracy of any information provided after the date of this presentation.  MICROSOFT MAKES NO WARRANTIES, EXPRESS, IMPLIED OR STATUTORY, AS TO THE INFORMATION IN THIS PRESENTATION.</a:t>
+            </a:r>
+            <a:endParaRPr lang="en-US" sz="500" dirty="0">
+              <a:gradFill>
+                <a:gsLst>
+                  <a:gs pos="0">
+                    <a:schemeClr val="tx1"/>
+                  </a:gs>
+                  <a:gs pos="100000">
+                    <a:schemeClr val="tx1"/>
+                  </a:gs>
+                </a:gsLst>
+                <a:lin ang="5400000" scaled="0"/>
+              </a:gradFill>
+              <a:latin typeface="Segoe UI" pitchFamily="34" charset="0"/>
+              <a:ea typeface="Segoe UI" pitchFamily="34" charset="0"/>
+              <a:cs typeface="Segoe UI" pitchFamily="34" charset="0"/>
+            </a:endParaRPr>
+          </a:p>
+        </p:txBody>
+      </p:sp>
+    </p:spTree>
+    <p:extLst>
+      <p:ext uri="{BB962C8B-B14F-4D97-AF65-F5344CB8AC3E}">
+        <p14:creationId xmlns:p14="http://schemas.microsoft.com/office/powerpoint/2010/main" val="1097414061"/>
+      </p:ext>
+    </p:extLst>
+  </p:cSld>
+  <p:clrMapOvr>
+    <a:masterClrMapping/>
+  </p:clrMapOvr>
+</p:notes>
+</file>
+
+<file path=ppt/notesSlides/notesSlide18.xml><?xml version="1.0" encoding="utf-8"?>
+<p:notes xmlns:a="http://schemas.openxmlformats.org/drawingml/2006/main" xmlns:r="http://schemas.openxmlformats.org/officeDocument/2006/relationships" xmlns:p="http://schemas.openxmlformats.org/presentationml/2006/main">
+  <p:cSld>
+    <p:spTree>
+      <p:nvGrpSpPr>
+        <p:cNvPr id="1" name=""/>
+        <p:cNvGrpSpPr/>
+        <p:nvPr/>
+      </p:nvGrpSpPr>
+      <p:grpSpPr>
+        <a:xfrm>
+          <a:off x="0" y="0"/>
+          <a:ext cx="0" cy="0"/>
+          <a:chOff x="0" y="0"/>
+          <a:chExt cx="0" cy="0"/>
+        </a:xfrm>
+      </p:grpSpPr>
+      <p:sp>
+        <p:nvSpPr>
+          <p:cNvPr id="2" name="Slide Image Placeholder 1"/>
+          <p:cNvSpPr>
+            <a:spLocks noGrp="1" noRot="1" noChangeAspect="1"/>
+          </p:cNvSpPr>
+          <p:nvPr>
+            <p:ph type="sldImg"/>
+          </p:nvPr>
+        </p:nvSpPr>
+        <p:spPr/>
+      </p:sp>
+      <p:sp>
+        <p:nvSpPr>
+          <p:cNvPr id="3" name="Notes Placeholder 2"/>
+          <p:cNvSpPr>
+            <a:spLocks noGrp="1"/>
+          </p:cNvSpPr>
+          <p:nvPr>
+            <p:ph type="body" idx="1"/>
+          </p:nvPr>
+        </p:nvSpPr>
+        <p:spPr/>
+        <p:txBody>
+          <a:bodyPr/>
+          <a:lstStyle/>
+          <a:p>
+            <a:r>
+              <a:rPr lang="en-US" dirty="0" smtClean="0"/>
+              <a:t>This example is capturing a web page at URL specified</a:t>
+            </a:r>
+            <a:r>
+              <a:rPr lang="en-US" baseline="0" dirty="0" smtClean="0"/>
+              <a:t> in the data-render-</a:t>
+            </a:r>
+            <a:r>
+              <a:rPr lang="en-US" baseline="0" dirty="0" err="1" smtClean="0"/>
+              <a:t>src</a:t>
+            </a:r>
+            <a:r>
+              <a:rPr lang="en-US" baseline="0" dirty="0" smtClean="0"/>
+              <a:t> attribute</a:t>
+            </a:r>
+            <a:r>
+              <a:rPr lang="en-US" dirty="0" smtClean="0"/>
+              <a:t>.</a:t>
+            </a:r>
+            <a:endParaRPr lang="en-US" dirty="0"/>
+          </a:p>
+        </p:txBody>
+      </p:sp>
+      <p:sp>
+        <p:nvSpPr>
+          <p:cNvPr id="4" name="Date Placeholder 3"/>
+          <p:cNvSpPr>
+            <a:spLocks noGrp="1"/>
+          </p:cNvSpPr>
+          <p:nvPr>
+            <p:ph type="dt" idx="10"/>
+          </p:nvPr>
+        </p:nvSpPr>
+        <p:spPr/>
+        <p:txBody>
+          <a:bodyPr/>
+          <a:lstStyle/>
+          <a:p>
+            <a:fld id="{03C3A010-1704-49FC-8235-F1F418F61595}" type="datetime1">
+              <a:rPr lang="en-US" smtClean="0"/>
+              <a:t>10/4/2014</a:t>
+            </a:fld>
+            <a:endParaRPr lang="en-US"/>
+          </a:p>
+        </p:txBody>
+      </p:sp>
+      <p:sp>
+        <p:nvSpPr>
+          <p:cNvPr id="5" name="Slide Number Placeholder 4"/>
+          <p:cNvSpPr>
+            <a:spLocks noGrp="1"/>
+          </p:cNvSpPr>
+          <p:nvPr>
+            <p:ph type="sldNum" sz="quarter" idx="11"/>
+          </p:nvPr>
+        </p:nvSpPr>
+        <p:spPr/>
+        <p:txBody>
+          <a:bodyPr/>
+          <a:lstStyle/>
+          <a:p>
+            <a:fld id="{B4008EB6-D09E-4580-8CD6-DDB14511944F}" type="slidenum">
+              <a:rPr lang="en-US" smtClean="0"/>
+              <a:t>25</a:t>
+            </a:fld>
+            <a:endParaRPr lang="en-US" dirty="0"/>
+          </a:p>
+        </p:txBody>
+      </p:sp>
+      <p:sp>
+        <p:nvSpPr>
+          <p:cNvPr id="6" name="Header Placeholder 5"/>
+          <p:cNvSpPr>
+            <a:spLocks noGrp="1"/>
+          </p:cNvSpPr>
+          <p:nvPr>
+            <p:ph type="hdr" sz="quarter" idx="12"/>
+          </p:nvPr>
+        </p:nvSpPr>
+        <p:spPr/>
+        <p:txBody>
+          <a:bodyPr/>
+          <a:lstStyle/>
+          <a:p>
+            <a:r>
+              <a:rPr lang="en-US" smtClean="0"/>
+              <a:t>Microsoft Office</a:t>
+            </a:r>
+            <a:endParaRPr lang="en-US" dirty="0"/>
+          </a:p>
+        </p:txBody>
+      </p:sp>
+      <p:sp>
+        <p:nvSpPr>
+          <p:cNvPr id="7" name="Footer Placeholder 6"/>
+          <p:cNvSpPr>
+            <a:spLocks noGrp="1"/>
+          </p:cNvSpPr>
+          <p:nvPr>
+            <p:ph type="ftr" sz="quarter" idx="13"/>
+          </p:nvPr>
+        </p:nvSpPr>
+        <p:spPr/>
+        <p:txBody>
+          <a:bodyPr/>
+          <a:lstStyle/>
+          <a:p>
+            <a:pPr marL="231775" defTabSz="914099" eaLnBrk="0" hangingPunct="0"/>
+            <a:r>
+              <a:rPr lang="en-US" sz="500" smtClean="0">
+                <a:gradFill>
+                  <a:gsLst>
+                    <a:gs pos="0">
+                      <a:schemeClr val="tx1"/>
+                    </a:gs>
+                    <a:gs pos="100000">
+                      <a:schemeClr val="tx1"/>
+                    </a:gs>
+                  </a:gsLst>
+                  <a:lin ang="5400000" scaled="0"/>
+                </a:gradFill>
+                <a:latin typeface="Segoe UI" pitchFamily="34" charset="0"/>
+                <a:ea typeface="Segoe UI" pitchFamily="34" charset="0"/>
+                <a:cs typeface="Segoe UI" pitchFamily="34" charset="0"/>
+              </a:rPr>
+              <a:t>© 2012 Microsoft Corporation. All rights reserved. Microsoft, Windows, and other product names are or may be registered trademarks and/or trademarks in the U.S. and/or other countries.</a:t>
+            </a:r>
+          </a:p>
+          <a:p>
+            <a:pPr marL="231775" defTabSz="914099" eaLnBrk="0" hangingPunct="0"/>
+            <a:r>
+              <a:rPr lang="en-US" sz="500" smtClean="0">
+                <a:gradFill>
+                  <a:gsLst>
+                    <a:gs pos="0">
+                      <a:schemeClr val="tx1"/>
+                    </a:gs>
+                    <a:gs pos="100000">
+                      <a:schemeClr val="tx1"/>
+                    </a:gs>
+                  </a:gsLst>
+                  <a:lin ang="5400000" scaled="0"/>
+                </a:gradFill>
+                <a:latin typeface="Segoe UI" pitchFamily="34" charset="0"/>
+                <a:ea typeface="Segoe UI" pitchFamily="34" charset="0"/>
+                <a:cs typeface="Segoe UI" pitchFamily="34" charset="0"/>
+              </a:rPr>
+              <a:t>The information herein is for informational purposes only and represents the current view of Microsoft Corporation as of the date of this presentation.  Because Microsoft must respond to changing market conditions, it should not be interpreted to be a commitment on the part of Microsoft, and Microsoft cannot guarantee the accuracy of any information provided after the date of this presentation.  MICROSOFT MAKES NO WARRANTIES, EXPRESS, IMPLIED OR STATUTORY, AS TO THE INFORMATION IN THIS PRESENTATION.</a:t>
+            </a:r>
+            <a:endParaRPr lang="en-US" sz="500" dirty="0">
+              <a:gradFill>
+                <a:gsLst>
+                  <a:gs pos="0">
+                    <a:schemeClr val="tx1"/>
+                  </a:gs>
+                  <a:gs pos="100000">
+                    <a:schemeClr val="tx1"/>
+                  </a:gs>
+                </a:gsLst>
+                <a:lin ang="5400000" scaled="0"/>
+              </a:gradFill>
+              <a:latin typeface="Segoe UI" pitchFamily="34" charset="0"/>
+              <a:ea typeface="Segoe UI" pitchFamily="34" charset="0"/>
+              <a:cs typeface="Segoe UI" pitchFamily="34" charset="0"/>
+            </a:endParaRPr>
+          </a:p>
+        </p:txBody>
+      </p:sp>
+    </p:spTree>
+    <p:extLst>
+      <p:ext uri="{BB962C8B-B14F-4D97-AF65-F5344CB8AC3E}">
+        <p14:creationId xmlns:p14="http://schemas.microsoft.com/office/powerpoint/2010/main" val="905963875"/>
+      </p:ext>
+    </p:extLst>
+  </p:cSld>
+  <p:clrMapOvr>
+    <a:masterClrMapping/>
+  </p:clrMapOvr>
+</p:notes>
+</file>
+
+<file path=ppt/notesSlides/notesSlide19.xml><?xml version="1.0" encoding="utf-8"?>
+<p:notes xmlns:a="http://schemas.openxmlformats.org/drawingml/2006/main" xmlns:r="http://schemas.openxmlformats.org/officeDocument/2006/relationships" xmlns:p="http://schemas.openxmlformats.org/presentationml/2006/main">
+  <p:cSld>
+    <p:spTree>
+      <p:nvGrpSpPr>
+        <p:cNvPr id="1" name=""/>
+        <p:cNvGrpSpPr/>
+        <p:nvPr/>
+      </p:nvGrpSpPr>
+      <p:grpSpPr>
+        <a:xfrm>
+          <a:off x="0" y="0"/>
+          <a:ext cx="0" cy="0"/>
+          <a:chOff x="0" y="0"/>
+          <a:chExt cx="0" cy="0"/>
+        </a:xfrm>
+      </p:grpSpPr>
+      <p:sp>
+        <p:nvSpPr>
+          <p:cNvPr id="2" name="Slide Image Placeholder 1"/>
+          <p:cNvSpPr>
+            <a:spLocks noGrp="1" noRot="1" noChangeAspect="1"/>
+          </p:cNvSpPr>
+          <p:nvPr>
+            <p:ph type="sldImg"/>
+          </p:nvPr>
+        </p:nvSpPr>
+        <p:spPr/>
+      </p:sp>
+      <p:sp>
+        <p:nvSpPr>
+          <p:cNvPr id="3" name="Notes Placeholder 2"/>
+          <p:cNvSpPr>
+            <a:spLocks noGrp="1"/>
+          </p:cNvSpPr>
+          <p:nvPr>
+            <p:ph type="body" idx="1"/>
+          </p:nvPr>
+        </p:nvSpPr>
+        <p:spPr/>
+        <p:txBody>
+          <a:bodyPr/>
+          <a:lstStyle/>
+          <a:p>
+            <a:r>
+              <a:rPr lang="en-US" dirty="0" smtClean="0"/>
+              <a:t>The first method is great for archiving things you see on web sites that change frequently.</a:t>
+            </a:r>
+          </a:p>
+          <a:p>
+            <a:endParaRPr lang="en-US" dirty="0" smtClean="0"/>
+          </a:p>
+          <a:p>
+            <a:r>
+              <a:rPr lang="en-US" dirty="0" smtClean="0"/>
+              <a:t>The second method is useful when the web page is more-complex than the OneNote page can faithfully render, or when the page requires login credentials. It is important to know that the HTML in the non-presentation block cannot use the data-render-src attribute.</a:t>
+            </a:r>
+          </a:p>
+          <a:p>
+            <a:endParaRPr lang="en-US" dirty="0" smtClean="0"/>
+          </a:p>
+        </p:txBody>
+      </p:sp>
+      <p:sp>
+        <p:nvSpPr>
+          <p:cNvPr id="4" name="Date Placeholder 3"/>
+          <p:cNvSpPr>
+            <a:spLocks noGrp="1"/>
+          </p:cNvSpPr>
+          <p:nvPr>
+            <p:ph type="dt" idx="10"/>
+          </p:nvPr>
+        </p:nvSpPr>
+        <p:spPr/>
+        <p:txBody>
+          <a:bodyPr/>
+          <a:lstStyle/>
+          <a:p>
+            <a:fld id="{83076554-B7F1-4ECF-B249-05F619EE0826}" type="datetime1">
+              <a:rPr lang="en-US" smtClean="0"/>
+              <a:t>10/4/2014</a:t>
+            </a:fld>
+            <a:endParaRPr lang="en-US"/>
+          </a:p>
+        </p:txBody>
+      </p:sp>
+      <p:sp>
+        <p:nvSpPr>
+          <p:cNvPr id="5" name="Slide Number Placeholder 4"/>
+          <p:cNvSpPr>
+            <a:spLocks noGrp="1"/>
+          </p:cNvSpPr>
+          <p:nvPr>
+            <p:ph type="sldNum" sz="quarter" idx="11"/>
+          </p:nvPr>
+        </p:nvSpPr>
+        <p:spPr/>
+        <p:txBody>
+          <a:bodyPr/>
+          <a:lstStyle/>
+          <a:p>
+            <a:fld id="{B4008EB6-D09E-4580-8CD6-DDB14511944F}" type="slidenum">
+              <a:rPr lang="en-US" smtClean="0"/>
+              <a:t>26</a:t>
+            </a:fld>
+            <a:endParaRPr lang="en-US" dirty="0"/>
+          </a:p>
+        </p:txBody>
+      </p:sp>
+      <p:sp>
+        <p:nvSpPr>
+          <p:cNvPr id="6" name="Header Placeholder 5"/>
+          <p:cNvSpPr>
+            <a:spLocks noGrp="1"/>
+          </p:cNvSpPr>
+          <p:nvPr>
+            <p:ph type="hdr" sz="quarter" idx="12"/>
+          </p:nvPr>
+        </p:nvSpPr>
+        <p:spPr/>
+        <p:txBody>
+          <a:bodyPr/>
+          <a:lstStyle/>
+          <a:p>
+            <a:r>
+              <a:rPr lang="en-US" smtClean="0"/>
+              <a:t>Microsoft Office</a:t>
+            </a:r>
+            <a:endParaRPr lang="en-US" dirty="0"/>
+          </a:p>
+        </p:txBody>
+      </p:sp>
+      <p:sp>
+        <p:nvSpPr>
+          <p:cNvPr id="7" name="Footer Placeholder 6"/>
+          <p:cNvSpPr>
+            <a:spLocks noGrp="1"/>
+          </p:cNvSpPr>
+          <p:nvPr>
+            <p:ph type="ftr" sz="quarter" idx="13"/>
+          </p:nvPr>
+        </p:nvSpPr>
+        <p:spPr/>
+        <p:txBody>
+          <a:bodyPr/>
+          <a:lstStyle/>
+          <a:p>
+            <a:pPr marL="231775" defTabSz="914099" eaLnBrk="0" hangingPunct="0"/>
+            <a:r>
+              <a:rPr lang="en-US" sz="500" smtClean="0">
+                <a:gradFill>
+                  <a:gsLst>
+                    <a:gs pos="0">
+                      <a:schemeClr val="tx1"/>
+                    </a:gs>
+                    <a:gs pos="100000">
+                      <a:schemeClr val="tx1"/>
+                    </a:gs>
+                  </a:gsLst>
+                  <a:lin ang="5400000" scaled="0"/>
+                </a:gradFill>
+                <a:latin typeface="Segoe UI" pitchFamily="34" charset="0"/>
+                <a:ea typeface="Segoe UI" pitchFamily="34" charset="0"/>
+                <a:cs typeface="Segoe UI" pitchFamily="34" charset="0"/>
+              </a:rPr>
+              <a:t>© 2012 Microsoft Corporation. All rights reserved. Microsoft, Windows, and other product names are or may be registered trademarks and/or trademarks in the U.S. and/or other countries.</a:t>
+            </a:r>
+          </a:p>
+          <a:p>
+            <a:pPr marL="231775" defTabSz="914099" eaLnBrk="0" hangingPunct="0"/>
+            <a:r>
+              <a:rPr lang="en-US" sz="500" smtClean="0">
+                <a:gradFill>
+                  <a:gsLst>
+                    <a:gs pos="0">
+                      <a:schemeClr val="tx1"/>
+                    </a:gs>
+                    <a:gs pos="100000">
+                      <a:schemeClr val="tx1"/>
+                    </a:gs>
+                  </a:gsLst>
+                  <a:lin ang="5400000" scaled="0"/>
+                </a:gradFill>
+                <a:latin typeface="Segoe UI" pitchFamily="34" charset="0"/>
+                <a:ea typeface="Segoe UI" pitchFamily="34" charset="0"/>
+                <a:cs typeface="Segoe UI" pitchFamily="34" charset="0"/>
+              </a:rPr>
+              <a:t>The information herein is for informational purposes only and represents the current view of Microsoft Corporation as of the date of this presentation.  Because Microsoft must respond to changing market conditions, it should not be interpreted to be a commitment on the part of Microsoft, and Microsoft cannot guarantee the accuracy of any information provided after the date of this presentation.  MICROSOFT MAKES NO WARRANTIES, EXPRESS, IMPLIED OR STATUTORY, AS TO THE INFORMATION IN THIS PRESENTATION.</a:t>
+            </a:r>
+            <a:endParaRPr lang="en-US" sz="500" dirty="0">
+              <a:gradFill>
+                <a:gsLst>
+                  <a:gs pos="0">
+                    <a:schemeClr val="tx1"/>
+                  </a:gs>
+                  <a:gs pos="100000">
+                    <a:schemeClr val="tx1"/>
+                  </a:gs>
+                </a:gsLst>
+                <a:lin ang="5400000" scaled="0"/>
+              </a:gradFill>
+              <a:latin typeface="Segoe UI" pitchFamily="34" charset="0"/>
+              <a:ea typeface="Segoe UI" pitchFamily="34" charset="0"/>
+              <a:cs typeface="Segoe UI" pitchFamily="34" charset="0"/>
+            </a:endParaRPr>
+          </a:p>
+        </p:txBody>
+      </p:sp>
+    </p:spTree>
+    <p:extLst>
+      <p:ext uri="{BB962C8B-B14F-4D97-AF65-F5344CB8AC3E}">
+        <p14:creationId xmlns:p14="http://schemas.microsoft.com/office/powerpoint/2010/main" val="1887950778"/>
       </p:ext>
     </p:extLst>
   </p:cSld>
@@ -2445,7 +3858,7 @@
           <a:p>
             <a:fld id="{B079C3B8-7366-4A44-A34B-3977080C19E7}" type="datetime1">
               <a:rPr lang="en-US" smtClean="0"/>
-              <a:t>9/18/2014</a:t>
+              <a:t>10/4/2014</a:t>
             </a:fld>
             <a:endParaRPr lang="en-US" dirty="0"/>
           </a:p>
@@ -2502,6 +3915,1350 @@
     <p:extLst>
       <p:ext uri="{BB962C8B-B14F-4D97-AF65-F5344CB8AC3E}">
         <p14:creationId xmlns:p14="http://schemas.microsoft.com/office/powerpoint/2010/main" val="1709623921"/>
+      </p:ext>
+    </p:extLst>
+  </p:cSld>
+  <p:clrMapOvr>
+    <a:masterClrMapping/>
+  </p:clrMapOvr>
+</p:notes>
+</file>
+
+<file path=ppt/notesSlides/notesSlide20.xml><?xml version="1.0" encoding="utf-8"?>
+<p:notes xmlns:a="http://schemas.openxmlformats.org/drawingml/2006/main" xmlns:r="http://schemas.openxmlformats.org/officeDocument/2006/relationships" xmlns:p="http://schemas.openxmlformats.org/presentationml/2006/main">
+  <p:cSld>
+    <p:spTree>
+      <p:nvGrpSpPr>
+        <p:cNvPr id="1" name=""/>
+        <p:cNvGrpSpPr/>
+        <p:nvPr/>
+      </p:nvGrpSpPr>
+      <p:grpSpPr>
+        <a:xfrm>
+          <a:off x="0" y="0"/>
+          <a:ext cx="0" cy="0"/>
+          <a:chOff x="0" y="0"/>
+          <a:chExt cx="0" cy="0"/>
+        </a:xfrm>
+      </p:grpSpPr>
+      <p:sp>
+        <p:nvSpPr>
+          <p:cNvPr id="2" name="Slide Image Placeholder 1"/>
+          <p:cNvSpPr>
+            <a:spLocks noGrp="1" noRot="1" noChangeAspect="1"/>
+          </p:cNvSpPr>
+          <p:nvPr>
+            <p:ph type="sldImg"/>
+          </p:nvPr>
+        </p:nvSpPr>
+        <p:spPr/>
+      </p:sp>
+      <p:sp>
+        <p:nvSpPr>
+          <p:cNvPr id="3" name="Notes Placeholder 2"/>
+          <p:cNvSpPr>
+            <a:spLocks noGrp="1"/>
+          </p:cNvSpPr>
+          <p:nvPr>
+            <p:ph type="body" idx="1"/>
+          </p:nvPr>
+        </p:nvSpPr>
+        <p:spPr/>
+        <p:txBody>
+          <a:bodyPr/>
+          <a:lstStyle/>
+          <a:p>
+            <a:r>
+              <a:rPr lang="en-US" dirty="0" smtClean="0"/>
+              <a:t>Some pointers</a:t>
+            </a:r>
+            <a:r>
+              <a:rPr lang="en-US" baseline="0" dirty="0" smtClean="0"/>
+              <a:t> for determine which approach to use when capturing a page.</a:t>
+            </a:r>
+          </a:p>
+          <a:p>
+            <a:endParaRPr lang="en-US" baseline="0" dirty="0" smtClean="0"/>
+          </a:p>
+          <a:p>
+            <a:r>
+              <a:rPr lang="en-US" baseline="0" dirty="0" smtClean="0"/>
+              <a:t>If the page has complex HTML, then perhaps just let OneNote capture instead of trying to parse the HTML yourself</a:t>
+            </a:r>
+          </a:p>
+          <a:p>
+            <a:endParaRPr lang="en-US" baseline="0" dirty="0" smtClean="0"/>
+          </a:p>
+          <a:p>
+            <a:r>
+              <a:rPr lang="en-US" baseline="0" dirty="0" smtClean="0"/>
+              <a:t>If you *must* have editable text, then you will need to send html instead of a URL</a:t>
+            </a:r>
+            <a:endParaRPr lang="en-US" dirty="0"/>
+          </a:p>
+        </p:txBody>
+      </p:sp>
+      <p:sp>
+        <p:nvSpPr>
+          <p:cNvPr id="4" name="Date Placeholder 3"/>
+          <p:cNvSpPr>
+            <a:spLocks noGrp="1"/>
+          </p:cNvSpPr>
+          <p:nvPr>
+            <p:ph type="dt" idx="10"/>
+          </p:nvPr>
+        </p:nvSpPr>
+        <p:spPr/>
+        <p:txBody>
+          <a:bodyPr/>
+          <a:lstStyle/>
+          <a:p>
+            <a:fld id="{07F7AC47-5374-444A-9582-0A8C8163A3B5}" type="datetime1">
+              <a:rPr lang="en-US" smtClean="0"/>
+              <a:t>10/4/2014</a:t>
+            </a:fld>
+            <a:endParaRPr lang="en-US"/>
+          </a:p>
+        </p:txBody>
+      </p:sp>
+      <p:sp>
+        <p:nvSpPr>
+          <p:cNvPr id="5" name="Slide Number Placeholder 4"/>
+          <p:cNvSpPr>
+            <a:spLocks noGrp="1"/>
+          </p:cNvSpPr>
+          <p:nvPr>
+            <p:ph type="sldNum" sz="quarter" idx="11"/>
+          </p:nvPr>
+        </p:nvSpPr>
+        <p:spPr/>
+        <p:txBody>
+          <a:bodyPr/>
+          <a:lstStyle/>
+          <a:p>
+            <a:fld id="{B4008EB6-D09E-4580-8CD6-DDB14511944F}" type="slidenum">
+              <a:rPr lang="en-US" smtClean="0"/>
+              <a:t>27</a:t>
+            </a:fld>
+            <a:endParaRPr lang="en-US" dirty="0"/>
+          </a:p>
+        </p:txBody>
+      </p:sp>
+      <p:sp>
+        <p:nvSpPr>
+          <p:cNvPr id="6" name="Header Placeholder 5"/>
+          <p:cNvSpPr>
+            <a:spLocks noGrp="1"/>
+          </p:cNvSpPr>
+          <p:nvPr>
+            <p:ph type="hdr" sz="quarter" idx="12"/>
+          </p:nvPr>
+        </p:nvSpPr>
+        <p:spPr/>
+        <p:txBody>
+          <a:bodyPr/>
+          <a:lstStyle/>
+          <a:p>
+            <a:r>
+              <a:rPr lang="en-US" smtClean="0"/>
+              <a:t>Microsoft Office</a:t>
+            </a:r>
+            <a:endParaRPr lang="en-US" dirty="0"/>
+          </a:p>
+        </p:txBody>
+      </p:sp>
+      <p:sp>
+        <p:nvSpPr>
+          <p:cNvPr id="7" name="Footer Placeholder 6"/>
+          <p:cNvSpPr>
+            <a:spLocks noGrp="1"/>
+          </p:cNvSpPr>
+          <p:nvPr>
+            <p:ph type="ftr" sz="quarter" idx="13"/>
+          </p:nvPr>
+        </p:nvSpPr>
+        <p:spPr/>
+        <p:txBody>
+          <a:bodyPr/>
+          <a:lstStyle/>
+          <a:p>
+            <a:pPr marL="231775" defTabSz="914099" eaLnBrk="0" hangingPunct="0"/>
+            <a:r>
+              <a:rPr lang="en-US" sz="500" smtClean="0">
+                <a:gradFill>
+                  <a:gsLst>
+                    <a:gs pos="0">
+                      <a:schemeClr val="tx1"/>
+                    </a:gs>
+                    <a:gs pos="100000">
+                      <a:schemeClr val="tx1"/>
+                    </a:gs>
+                  </a:gsLst>
+                  <a:lin ang="5400000" scaled="0"/>
+                </a:gradFill>
+                <a:latin typeface="Segoe UI" pitchFamily="34" charset="0"/>
+                <a:ea typeface="Segoe UI" pitchFamily="34" charset="0"/>
+                <a:cs typeface="Segoe UI" pitchFamily="34" charset="0"/>
+              </a:rPr>
+              <a:t>© 2012 Microsoft Corporation. All rights reserved. Microsoft, Windows, and other product names are or may be registered trademarks and/or trademarks in the U.S. and/or other countries.</a:t>
+            </a:r>
+          </a:p>
+          <a:p>
+            <a:pPr marL="231775" defTabSz="914099" eaLnBrk="0" hangingPunct="0"/>
+            <a:r>
+              <a:rPr lang="en-US" sz="500" smtClean="0">
+                <a:gradFill>
+                  <a:gsLst>
+                    <a:gs pos="0">
+                      <a:schemeClr val="tx1"/>
+                    </a:gs>
+                    <a:gs pos="100000">
+                      <a:schemeClr val="tx1"/>
+                    </a:gs>
+                  </a:gsLst>
+                  <a:lin ang="5400000" scaled="0"/>
+                </a:gradFill>
+                <a:latin typeface="Segoe UI" pitchFamily="34" charset="0"/>
+                <a:ea typeface="Segoe UI" pitchFamily="34" charset="0"/>
+                <a:cs typeface="Segoe UI" pitchFamily="34" charset="0"/>
+              </a:rPr>
+              <a:t>The information herein is for informational purposes only and represents the current view of Microsoft Corporation as of the date of this presentation.  Because Microsoft must respond to changing market conditions, it should not be interpreted to be a commitment on the part of Microsoft, and Microsoft cannot guarantee the accuracy of any information provided after the date of this presentation.  MICROSOFT MAKES NO WARRANTIES, EXPRESS, IMPLIED OR STATUTORY, AS TO THE INFORMATION IN THIS PRESENTATION.</a:t>
+            </a:r>
+            <a:endParaRPr lang="en-US" sz="500" dirty="0">
+              <a:gradFill>
+                <a:gsLst>
+                  <a:gs pos="0">
+                    <a:schemeClr val="tx1"/>
+                  </a:gs>
+                  <a:gs pos="100000">
+                    <a:schemeClr val="tx1"/>
+                  </a:gs>
+                </a:gsLst>
+                <a:lin ang="5400000" scaled="0"/>
+              </a:gradFill>
+              <a:latin typeface="Segoe UI" pitchFamily="34" charset="0"/>
+              <a:ea typeface="Segoe UI" pitchFamily="34" charset="0"/>
+              <a:cs typeface="Segoe UI" pitchFamily="34" charset="0"/>
+            </a:endParaRPr>
+          </a:p>
+        </p:txBody>
+      </p:sp>
+    </p:spTree>
+    <p:extLst>
+      <p:ext uri="{BB962C8B-B14F-4D97-AF65-F5344CB8AC3E}">
+        <p14:creationId xmlns:p14="http://schemas.microsoft.com/office/powerpoint/2010/main" val="151335234"/>
+      </p:ext>
+    </p:extLst>
+  </p:cSld>
+  <p:clrMapOvr>
+    <a:masterClrMapping/>
+  </p:clrMapOvr>
+</p:notes>
+</file>
+
+<file path=ppt/notesSlides/notesSlide21.xml><?xml version="1.0" encoding="utf-8"?>
+<p:notes xmlns:a="http://schemas.openxmlformats.org/drawingml/2006/main" xmlns:r="http://schemas.openxmlformats.org/officeDocument/2006/relationships" xmlns:p="http://schemas.openxmlformats.org/presentationml/2006/main">
+  <p:cSld>
+    <p:spTree>
+      <p:nvGrpSpPr>
+        <p:cNvPr id="1" name=""/>
+        <p:cNvGrpSpPr/>
+        <p:nvPr/>
+      </p:nvGrpSpPr>
+      <p:grpSpPr>
+        <a:xfrm>
+          <a:off x="0" y="0"/>
+          <a:ext cx="0" cy="0"/>
+          <a:chOff x="0" y="0"/>
+          <a:chExt cx="0" cy="0"/>
+        </a:xfrm>
+      </p:grpSpPr>
+      <p:sp>
+        <p:nvSpPr>
+          <p:cNvPr id="2" name="Slide Image Placeholder 1"/>
+          <p:cNvSpPr>
+            <a:spLocks noGrp="1" noRot="1" noChangeAspect="1"/>
+          </p:cNvSpPr>
+          <p:nvPr>
+            <p:ph type="sldImg"/>
+          </p:nvPr>
+        </p:nvSpPr>
+        <p:spPr/>
+      </p:sp>
+      <p:sp>
+        <p:nvSpPr>
+          <p:cNvPr id="3" name="Notes Placeholder 2"/>
+          <p:cNvSpPr>
+            <a:spLocks noGrp="1"/>
+          </p:cNvSpPr>
+          <p:nvPr>
+            <p:ph type="body" idx="1"/>
+          </p:nvPr>
+        </p:nvSpPr>
+        <p:spPr/>
+        <p:txBody>
+          <a:bodyPr/>
+          <a:lstStyle/>
+          <a:p>
+            <a:r>
+              <a:rPr lang="en-US" dirty="0" smtClean="0"/>
+              <a:t>The &lt;object&gt; tag in the “Presentation” html will embed the file and show an icon.</a:t>
+            </a:r>
+          </a:p>
+          <a:p>
+            <a:endParaRPr lang="en-US" dirty="0" smtClean="0"/>
+          </a:p>
+          <a:p>
+            <a:r>
+              <a:rPr lang="en-US" dirty="0" smtClean="0"/>
+              <a:t>The available media types:</a:t>
+            </a:r>
+            <a:r>
+              <a:rPr lang="en-US" baseline="0" dirty="0" smtClean="0"/>
+              <a:t> http://blogs.msdn.com/b/vsofficedeveloper/archive/2008/05/08/office-2007-open-xml-mime-types.aspx</a:t>
+            </a:r>
+          </a:p>
+          <a:p>
+            <a:endParaRPr lang="en-US" baseline="0" dirty="0" smtClean="0"/>
+          </a:p>
+          <a:p>
+            <a:pPr marL="0" marR="0" indent="0" algn="l" defTabSz="914363" rtl="0" eaLnBrk="1" fontAlgn="auto" latinLnBrk="0" hangingPunct="1">
+              <a:lnSpc>
+                <a:spcPct val="90000"/>
+              </a:lnSpc>
+              <a:spcBef>
+                <a:spcPts val="0"/>
+              </a:spcBef>
+              <a:spcAft>
+                <a:spcPts val="333"/>
+              </a:spcAft>
+              <a:buClrTx/>
+              <a:buSzTx/>
+              <a:buFontTx/>
+              <a:buNone/>
+              <a:tabLst/>
+              <a:defRPr/>
+            </a:pPr>
+            <a:r>
+              <a:rPr lang="en-US" dirty="0" err="1" smtClean="0"/>
+              <a:t>docx</a:t>
+            </a:r>
+            <a:r>
+              <a:rPr lang="en-US" dirty="0" smtClean="0"/>
+              <a:t> == </a:t>
+            </a:r>
+            <a:r>
+              <a:rPr lang="en-US" sz="900" kern="1200" dirty="0" smtClean="0">
+                <a:solidFill>
+                  <a:schemeClr val="tx1"/>
+                </a:solidFill>
+                <a:effectLst/>
+                <a:latin typeface="Segoe UI Light" pitchFamily="34" charset="0"/>
+                <a:ea typeface="+mn-ea"/>
+                <a:cs typeface="+mn-cs"/>
+              </a:rPr>
+              <a:t>application/</a:t>
+            </a:r>
+            <a:r>
+              <a:rPr lang="en-US" sz="900" kern="1200" dirty="0" err="1" smtClean="0">
+                <a:solidFill>
+                  <a:schemeClr val="tx1"/>
+                </a:solidFill>
+                <a:effectLst/>
+                <a:latin typeface="Segoe UI Light" pitchFamily="34" charset="0"/>
+                <a:ea typeface="+mn-ea"/>
+                <a:cs typeface="+mn-cs"/>
+              </a:rPr>
+              <a:t>vnd.openxmlformats-officedocument.wordprocessingml.document</a:t>
+            </a:r>
+            <a:endParaRPr lang="en-US" dirty="0" smtClean="0">
+              <a:effectLst/>
+            </a:endParaRPr>
+          </a:p>
+          <a:p>
+            <a:pPr marL="0" marR="0" indent="0" algn="l" defTabSz="914363" rtl="0" eaLnBrk="1" fontAlgn="auto" latinLnBrk="0" hangingPunct="1">
+              <a:lnSpc>
+                <a:spcPct val="90000"/>
+              </a:lnSpc>
+              <a:spcBef>
+                <a:spcPts val="0"/>
+              </a:spcBef>
+              <a:spcAft>
+                <a:spcPts val="333"/>
+              </a:spcAft>
+              <a:buClrTx/>
+              <a:buSzTx/>
+              <a:buFontTx/>
+              <a:buNone/>
+              <a:tabLst/>
+              <a:defRPr/>
+            </a:pPr>
+            <a:r>
+              <a:rPr lang="en-US" dirty="0" err="1" smtClean="0"/>
+              <a:t>xlsx</a:t>
+            </a:r>
+            <a:r>
+              <a:rPr lang="en-US" dirty="0" smtClean="0"/>
+              <a:t> == </a:t>
+            </a:r>
+            <a:r>
+              <a:rPr lang="en-US" sz="900" kern="1200" dirty="0" smtClean="0">
+                <a:solidFill>
+                  <a:schemeClr val="tx1"/>
+                </a:solidFill>
+                <a:effectLst/>
+                <a:latin typeface="Segoe UI Light" pitchFamily="34" charset="0"/>
+                <a:ea typeface="+mn-ea"/>
+                <a:cs typeface="+mn-cs"/>
+              </a:rPr>
+              <a:t>application/</a:t>
+            </a:r>
+            <a:r>
+              <a:rPr lang="en-US" sz="900" kern="1200" dirty="0" err="1" smtClean="0">
+                <a:solidFill>
+                  <a:schemeClr val="tx1"/>
+                </a:solidFill>
+                <a:effectLst/>
+                <a:latin typeface="Segoe UI Light" pitchFamily="34" charset="0"/>
+                <a:ea typeface="+mn-ea"/>
+                <a:cs typeface="+mn-cs"/>
+              </a:rPr>
+              <a:t>vnd.openxmlformats-officedocument.spreadsheetml.sheet</a:t>
+            </a:r>
+            <a:endParaRPr lang="en-US" dirty="0" smtClean="0">
+              <a:effectLst/>
+            </a:endParaRPr>
+          </a:p>
+          <a:p>
+            <a:pPr marL="0" marR="0" indent="0" algn="l" defTabSz="914363" rtl="0" eaLnBrk="1" fontAlgn="auto" latinLnBrk="0" hangingPunct="1">
+              <a:lnSpc>
+                <a:spcPct val="90000"/>
+              </a:lnSpc>
+              <a:spcBef>
+                <a:spcPts val="0"/>
+              </a:spcBef>
+              <a:spcAft>
+                <a:spcPts val="333"/>
+              </a:spcAft>
+              <a:buClrTx/>
+              <a:buSzTx/>
+              <a:buFontTx/>
+              <a:buNone/>
+              <a:tabLst/>
+              <a:defRPr/>
+            </a:pPr>
+            <a:r>
+              <a:rPr lang="en-US" dirty="0" err="1" smtClean="0"/>
+              <a:t>pptx</a:t>
+            </a:r>
+            <a:r>
+              <a:rPr lang="en-US" dirty="0" smtClean="0"/>
+              <a:t> == </a:t>
+            </a:r>
+            <a:r>
+              <a:rPr lang="en-US" sz="900" kern="1200" dirty="0" smtClean="0">
+                <a:solidFill>
+                  <a:schemeClr val="tx1"/>
+                </a:solidFill>
+                <a:effectLst/>
+                <a:latin typeface="Segoe UI Light" pitchFamily="34" charset="0"/>
+                <a:ea typeface="+mn-ea"/>
+                <a:cs typeface="+mn-cs"/>
+              </a:rPr>
+              <a:t>application/</a:t>
+            </a:r>
+            <a:r>
+              <a:rPr lang="en-US" sz="900" kern="1200" dirty="0" err="1" smtClean="0">
+                <a:solidFill>
+                  <a:schemeClr val="tx1"/>
+                </a:solidFill>
+                <a:effectLst/>
+                <a:latin typeface="Segoe UI Light" pitchFamily="34" charset="0"/>
+                <a:ea typeface="+mn-ea"/>
+                <a:cs typeface="+mn-cs"/>
+              </a:rPr>
+              <a:t>vnd.openxmlformats-officedocument.presentationml.presentation</a:t>
+            </a:r>
+            <a:endParaRPr lang="en-US" dirty="0" smtClean="0">
+              <a:effectLst/>
+            </a:endParaRPr>
+          </a:p>
+          <a:p>
+            <a:endParaRPr lang="en-US" dirty="0"/>
+          </a:p>
+        </p:txBody>
+      </p:sp>
+      <p:sp>
+        <p:nvSpPr>
+          <p:cNvPr id="4" name="Date Placeholder 3"/>
+          <p:cNvSpPr>
+            <a:spLocks noGrp="1"/>
+          </p:cNvSpPr>
+          <p:nvPr>
+            <p:ph type="dt" idx="10"/>
+          </p:nvPr>
+        </p:nvSpPr>
+        <p:spPr/>
+        <p:txBody>
+          <a:bodyPr/>
+          <a:lstStyle/>
+          <a:p>
+            <a:fld id="{C52E1354-054B-4436-8C69-DD1EE4477A9C}" type="datetime1">
+              <a:rPr lang="en-US" smtClean="0"/>
+              <a:t>10/4/2014</a:t>
+            </a:fld>
+            <a:endParaRPr lang="en-US"/>
+          </a:p>
+        </p:txBody>
+      </p:sp>
+      <p:sp>
+        <p:nvSpPr>
+          <p:cNvPr id="5" name="Slide Number Placeholder 4"/>
+          <p:cNvSpPr>
+            <a:spLocks noGrp="1"/>
+          </p:cNvSpPr>
+          <p:nvPr>
+            <p:ph type="sldNum" sz="quarter" idx="11"/>
+          </p:nvPr>
+        </p:nvSpPr>
+        <p:spPr/>
+        <p:txBody>
+          <a:bodyPr/>
+          <a:lstStyle/>
+          <a:p>
+            <a:fld id="{B4008EB6-D09E-4580-8CD6-DDB14511944F}" type="slidenum">
+              <a:rPr lang="en-US" smtClean="0"/>
+              <a:t>28</a:t>
+            </a:fld>
+            <a:endParaRPr lang="en-US" dirty="0"/>
+          </a:p>
+        </p:txBody>
+      </p:sp>
+      <p:sp>
+        <p:nvSpPr>
+          <p:cNvPr id="6" name="Header Placeholder 5"/>
+          <p:cNvSpPr>
+            <a:spLocks noGrp="1"/>
+          </p:cNvSpPr>
+          <p:nvPr>
+            <p:ph type="hdr" sz="quarter" idx="12"/>
+          </p:nvPr>
+        </p:nvSpPr>
+        <p:spPr/>
+        <p:txBody>
+          <a:bodyPr/>
+          <a:lstStyle/>
+          <a:p>
+            <a:r>
+              <a:rPr lang="en-US" smtClean="0"/>
+              <a:t>Microsoft Office</a:t>
+            </a:r>
+            <a:endParaRPr lang="en-US" dirty="0"/>
+          </a:p>
+        </p:txBody>
+      </p:sp>
+      <p:sp>
+        <p:nvSpPr>
+          <p:cNvPr id="7" name="Footer Placeholder 6"/>
+          <p:cNvSpPr>
+            <a:spLocks noGrp="1"/>
+          </p:cNvSpPr>
+          <p:nvPr>
+            <p:ph type="ftr" sz="quarter" idx="13"/>
+          </p:nvPr>
+        </p:nvSpPr>
+        <p:spPr/>
+        <p:txBody>
+          <a:bodyPr/>
+          <a:lstStyle/>
+          <a:p>
+            <a:pPr marL="231775" defTabSz="914099" eaLnBrk="0" hangingPunct="0"/>
+            <a:r>
+              <a:rPr lang="en-US" sz="500" smtClean="0">
+                <a:gradFill>
+                  <a:gsLst>
+                    <a:gs pos="0">
+                      <a:schemeClr val="tx1"/>
+                    </a:gs>
+                    <a:gs pos="100000">
+                      <a:schemeClr val="tx1"/>
+                    </a:gs>
+                  </a:gsLst>
+                  <a:lin ang="5400000" scaled="0"/>
+                </a:gradFill>
+                <a:latin typeface="Segoe UI" pitchFamily="34" charset="0"/>
+                <a:ea typeface="Segoe UI" pitchFamily="34" charset="0"/>
+                <a:cs typeface="Segoe UI" pitchFamily="34" charset="0"/>
+              </a:rPr>
+              <a:t>© 2012 Microsoft Corporation. All rights reserved. Microsoft, Windows, and other product names are or may be registered trademarks and/or trademarks in the U.S. and/or other countries.</a:t>
+            </a:r>
+          </a:p>
+          <a:p>
+            <a:pPr marL="231775" defTabSz="914099" eaLnBrk="0" hangingPunct="0"/>
+            <a:r>
+              <a:rPr lang="en-US" sz="500" smtClean="0">
+                <a:gradFill>
+                  <a:gsLst>
+                    <a:gs pos="0">
+                      <a:schemeClr val="tx1"/>
+                    </a:gs>
+                    <a:gs pos="100000">
+                      <a:schemeClr val="tx1"/>
+                    </a:gs>
+                  </a:gsLst>
+                  <a:lin ang="5400000" scaled="0"/>
+                </a:gradFill>
+                <a:latin typeface="Segoe UI" pitchFamily="34" charset="0"/>
+                <a:ea typeface="Segoe UI" pitchFamily="34" charset="0"/>
+                <a:cs typeface="Segoe UI" pitchFamily="34" charset="0"/>
+              </a:rPr>
+              <a:t>The information herein is for informational purposes only and represents the current view of Microsoft Corporation as of the date of this presentation.  Because Microsoft must respond to changing market conditions, it should not be interpreted to be a commitment on the part of Microsoft, and Microsoft cannot guarantee the accuracy of any information provided after the date of this presentation.  MICROSOFT MAKES NO WARRANTIES, EXPRESS, IMPLIED OR STATUTORY, AS TO THE INFORMATION IN THIS PRESENTATION.</a:t>
+            </a:r>
+            <a:endParaRPr lang="en-US" sz="500" dirty="0">
+              <a:gradFill>
+                <a:gsLst>
+                  <a:gs pos="0">
+                    <a:schemeClr val="tx1"/>
+                  </a:gs>
+                  <a:gs pos="100000">
+                    <a:schemeClr val="tx1"/>
+                  </a:gs>
+                </a:gsLst>
+                <a:lin ang="5400000" scaled="0"/>
+              </a:gradFill>
+              <a:latin typeface="Segoe UI" pitchFamily="34" charset="0"/>
+              <a:ea typeface="Segoe UI" pitchFamily="34" charset="0"/>
+              <a:cs typeface="Segoe UI" pitchFamily="34" charset="0"/>
+            </a:endParaRPr>
+          </a:p>
+        </p:txBody>
+      </p:sp>
+    </p:spTree>
+    <p:extLst>
+      <p:ext uri="{BB962C8B-B14F-4D97-AF65-F5344CB8AC3E}">
+        <p14:creationId xmlns:p14="http://schemas.microsoft.com/office/powerpoint/2010/main" val="1578194203"/>
+      </p:ext>
+    </p:extLst>
+  </p:cSld>
+  <p:clrMapOvr>
+    <a:masterClrMapping/>
+  </p:clrMapOvr>
+</p:notes>
+</file>
+
+<file path=ppt/notesSlides/notesSlide22.xml><?xml version="1.0" encoding="utf-8"?>
+<p:notes xmlns:a="http://schemas.openxmlformats.org/drawingml/2006/main" xmlns:r="http://schemas.openxmlformats.org/officeDocument/2006/relationships" xmlns:p="http://schemas.openxmlformats.org/presentationml/2006/main">
+  <p:cSld>
+    <p:spTree>
+      <p:nvGrpSpPr>
+        <p:cNvPr id="1" name=""/>
+        <p:cNvGrpSpPr/>
+        <p:nvPr/>
+      </p:nvGrpSpPr>
+      <p:grpSpPr>
+        <a:xfrm>
+          <a:off x="0" y="0"/>
+          <a:ext cx="0" cy="0"/>
+          <a:chOff x="0" y="0"/>
+          <a:chExt cx="0" cy="0"/>
+        </a:xfrm>
+      </p:grpSpPr>
+      <p:sp>
+        <p:nvSpPr>
+          <p:cNvPr id="2" name="Slide Image Placeholder 1"/>
+          <p:cNvSpPr>
+            <a:spLocks noGrp="1" noRot="1" noChangeAspect="1"/>
+          </p:cNvSpPr>
+          <p:nvPr>
+            <p:ph type="sldImg"/>
+          </p:nvPr>
+        </p:nvSpPr>
+        <p:spPr/>
+      </p:sp>
+      <p:sp>
+        <p:nvSpPr>
+          <p:cNvPr id="3" name="Notes Placeholder 2"/>
+          <p:cNvSpPr>
+            <a:spLocks noGrp="1"/>
+          </p:cNvSpPr>
+          <p:nvPr>
+            <p:ph type="body" idx="1"/>
+          </p:nvPr>
+        </p:nvSpPr>
+        <p:spPr/>
+        <p:txBody>
+          <a:bodyPr/>
+          <a:lstStyle/>
+          <a:p>
+            <a:r>
+              <a:rPr lang="en-US" dirty="0" smtClean="0"/>
+              <a:t>As</a:t>
+            </a:r>
+            <a:r>
+              <a:rPr lang="en-US" baseline="0" dirty="0" smtClean="0"/>
+              <a:t> mentioned, the &lt;object&gt; tag will embed the pdf.</a:t>
+            </a:r>
+          </a:p>
+          <a:p>
+            <a:endParaRPr lang="en-US" baseline="0" dirty="0" smtClean="0"/>
+          </a:p>
+          <a:p>
+            <a:r>
+              <a:rPr lang="en-US" baseline="0" dirty="0" smtClean="0"/>
+              <a:t>An &lt;</a:t>
+            </a:r>
+            <a:r>
+              <a:rPr lang="en-US" baseline="0" dirty="0" err="1" smtClean="0"/>
+              <a:t>img</a:t>
+            </a:r>
+            <a:r>
+              <a:rPr lang="en-US" baseline="0" dirty="0" smtClean="0"/>
+              <a:t>&gt; tag, when pointed to a </a:t>
+            </a:r>
+            <a:r>
+              <a:rPr lang="en-US" baseline="0" dirty="0" err="1" smtClean="0"/>
+              <a:t>StreamContent</a:t>
+            </a:r>
+            <a:r>
+              <a:rPr lang="en-US" baseline="0" dirty="0" smtClean="0"/>
+              <a:t> that represents a pdf will create an image for each page.</a:t>
+            </a:r>
+            <a:endParaRPr lang="en-US" dirty="0"/>
+          </a:p>
+        </p:txBody>
+      </p:sp>
+      <p:sp>
+        <p:nvSpPr>
+          <p:cNvPr id="4" name="Date Placeholder 3"/>
+          <p:cNvSpPr>
+            <a:spLocks noGrp="1"/>
+          </p:cNvSpPr>
+          <p:nvPr>
+            <p:ph type="dt" idx="10"/>
+          </p:nvPr>
+        </p:nvSpPr>
+        <p:spPr/>
+        <p:txBody>
+          <a:bodyPr/>
+          <a:lstStyle/>
+          <a:p>
+            <a:fld id="{C27B0470-8B2F-4431-8CEC-555856810907}" type="datetime1">
+              <a:rPr lang="en-US" smtClean="0"/>
+              <a:t>10/4/2014</a:t>
+            </a:fld>
+            <a:endParaRPr lang="en-US"/>
+          </a:p>
+        </p:txBody>
+      </p:sp>
+      <p:sp>
+        <p:nvSpPr>
+          <p:cNvPr id="5" name="Slide Number Placeholder 4"/>
+          <p:cNvSpPr>
+            <a:spLocks noGrp="1"/>
+          </p:cNvSpPr>
+          <p:nvPr>
+            <p:ph type="sldNum" sz="quarter" idx="11"/>
+          </p:nvPr>
+        </p:nvSpPr>
+        <p:spPr/>
+        <p:txBody>
+          <a:bodyPr/>
+          <a:lstStyle/>
+          <a:p>
+            <a:fld id="{B4008EB6-D09E-4580-8CD6-DDB14511944F}" type="slidenum">
+              <a:rPr lang="en-US" smtClean="0"/>
+              <a:t>29</a:t>
+            </a:fld>
+            <a:endParaRPr lang="en-US" dirty="0"/>
+          </a:p>
+        </p:txBody>
+      </p:sp>
+      <p:sp>
+        <p:nvSpPr>
+          <p:cNvPr id="6" name="Header Placeholder 5"/>
+          <p:cNvSpPr>
+            <a:spLocks noGrp="1"/>
+          </p:cNvSpPr>
+          <p:nvPr>
+            <p:ph type="hdr" sz="quarter" idx="12"/>
+          </p:nvPr>
+        </p:nvSpPr>
+        <p:spPr/>
+        <p:txBody>
+          <a:bodyPr/>
+          <a:lstStyle/>
+          <a:p>
+            <a:r>
+              <a:rPr lang="en-US" smtClean="0"/>
+              <a:t>Microsoft Office</a:t>
+            </a:r>
+            <a:endParaRPr lang="en-US" dirty="0"/>
+          </a:p>
+        </p:txBody>
+      </p:sp>
+      <p:sp>
+        <p:nvSpPr>
+          <p:cNvPr id="7" name="Footer Placeholder 6"/>
+          <p:cNvSpPr>
+            <a:spLocks noGrp="1"/>
+          </p:cNvSpPr>
+          <p:nvPr>
+            <p:ph type="ftr" sz="quarter" idx="13"/>
+          </p:nvPr>
+        </p:nvSpPr>
+        <p:spPr/>
+        <p:txBody>
+          <a:bodyPr/>
+          <a:lstStyle/>
+          <a:p>
+            <a:pPr marL="231775" defTabSz="914099" eaLnBrk="0" hangingPunct="0"/>
+            <a:r>
+              <a:rPr lang="en-US" sz="500" smtClean="0">
+                <a:gradFill>
+                  <a:gsLst>
+                    <a:gs pos="0">
+                      <a:schemeClr val="tx1"/>
+                    </a:gs>
+                    <a:gs pos="100000">
+                      <a:schemeClr val="tx1"/>
+                    </a:gs>
+                  </a:gsLst>
+                  <a:lin ang="5400000" scaled="0"/>
+                </a:gradFill>
+                <a:latin typeface="Segoe UI" pitchFamily="34" charset="0"/>
+                <a:ea typeface="Segoe UI" pitchFamily="34" charset="0"/>
+                <a:cs typeface="Segoe UI" pitchFamily="34" charset="0"/>
+              </a:rPr>
+              <a:t>© 2012 Microsoft Corporation. All rights reserved. Microsoft, Windows, and other product names are or may be registered trademarks and/or trademarks in the U.S. and/or other countries.</a:t>
+            </a:r>
+          </a:p>
+          <a:p>
+            <a:pPr marL="231775" defTabSz="914099" eaLnBrk="0" hangingPunct="0"/>
+            <a:r>
+              <a:rPr lang="en-US" sz="500" smtClean="0">
+                <a:gradFill>
+                  <a:gsLst>
+                    <a:gs pos="0">
+                      <a:schemeClr val="tx1"/>
+                    </a:gs>
+                    <a:gs pos="100000">
+                      <a:schemeClr val="tx1"/>
+                    </a:gs>
+                  </a:gsLst>
+                  <a:lin ang="5400000" scaled="0"/>
+                </a:gradFill>
+                <a:latin typeface="Segoe UI" pitchFamily="34" charset="0"/>
+                <a:ea typeface="Segoe UI" pitchFamily="34" charset="0"/>
+                <a:cs typeface="Segoe UI" pitchFamily="34" charset="0"/>
+              </a:rPr>
+              <a:t>The information herein is for informational purposes only and represents the current view of Microsoft Corporation as of the date of this presentation.  Because Microsoft must respond to changing market conditions, it should not be interpreted to be a commitment on the part of Microsoft, and Microsoft cannot guarantee the accuracy of any information provided after the date of this presentation.  MICROSOFT MAKES NO WARRANTIES, EXPRESS, IMPLIED OR STATUTORY, AS TO THE INFORMATION IN THIS PRESENTATION.</a:t>
+            </a:r>
+            <a:endParaRPr lang="en-US" sz="500" dirty="0">
+              <a:gradFill>
+                <a:gsLst>
+                  <a:gs pos="0">
+                    <a:schemeClr val="tx1"/>
+                  </a:gs>
+                  <a:gs pos="100000">
+                    <a:schemeClr val="tx1"/>
+                  </a:gs>
+                </a:gsLst>
+                <a:lin ang="5400000" scaled="0"/>
+              </a:gradFill>
+              <a:latin typeface="Segoe UI" pitchFamily="34" charset="0"/>
+              <a:ea typeface="Segoe UI" pitchFamily="34" charset="0"/>
+              <a:cs typeface="Segoe UI" pitchFamily="34" charset="0"/>
+            </a:endParaRPr>
+          </a:p>
+        </p:txBody>
+      </p:sp>
+    </p:spTree>
+    <p:extLst>
+      <p:ext uri="{BB962C8B-B14F-4D97-AF65-F5344CB8AC3E}">
+        <p14:creationId xmlns:p14="http://schemas.microsoft.com/office/powerpoint/2010/main" val="1546061638"/>
+      </p:ext>
+    </p:extLst>
+  </p:cSld>
+  <p:clrMapOvr>
+    <a:masterClrMapping/>
+  </p:clrMapOvr>
+</p:notes>
+</file>
+
+<file path=ppt/notesSlides/notesSlide23.xml><?xml version="1.0" encoding="utf-8"?>
+<p:notes xmlns:a="http://schemas.openxmlformats.org/drawingml/2006/main" xmlns:r="http://schemas.openxmlformats.org/officeDocument/2006/relationships" xmlns:p="http://schemas.openxmlformats.org/presentationml/2006/main">
+  <p:cSld>
+    <p:spTree>
+      <p:nvGrpSpPr>
+        <p:cNvPr id="1" name=""/>
+        <p:cNvGrpSpPr/>
+        <p:nvPr/>
+      </p:nvGrpSpPr>
+      <p:grpSpPr>
+        <a:xfrm>
+          <a:off x="0" y="0"/>
+          <a:ext cx="0" cy="0"/>
+          <a:chOff x="0" y="0"/>
+          <a:chExt cx="0" cy="0"/>
+        </a:xfrm>
+      </p:grpSpPr>
+      <p:sp>
+        <p:nvSpPr>
+          <p:cNvPr id="2" name="Slide Image Placeholder 1"/>
+          <p:cNvSpPr>
+            <a:spLocks noGrp="1" noRot="1" noChangeAspect="1"/>
+          </p:cNvSpPr>
+          <p:nvPr>
+            <p:ph type="sldImg"/>
+          </p:nvPr>
+        </p:nvSpPr>
+        <p:spPr/>
+      </p:sp>
+      <p:sp>
+        <p:nvSpPr>
+          <p:cNvPr id="3" name="Notes Placeholder 2"/>
+          <p:cNvSpPr>
+            <a:spLocks noGrp="1"/>
+          </p:cNvSpPr>
+          <p:nvPr>
+            <p:ph type="body" idx="1"/>
+          </p:nvPr>
+        </p:nvSpPr>
+        <p:spPr/>
+        <p:txBody>
+          <a:bodyPr/>
+          <a:lstStyle/>
+          <a:p>
+            <a:r>
+              <a:rPr lang="en-US" dirty="0" smtClean="0"/>
+              <a:t>Demos\</a:t>
+            </a:r>
+            <a:r>
+              <a:rPr lang="en-US" dirty="0" err="1" smtClean="0"/>
+              <a:t>OneNoteAPISampleWinStore</a:t>
+            </a:r>
+            <a:r>
+              <a:rPr lang="en-US" baseline="0" dirty="0" smtClean="0"/>
+              <a:t> folder:</a:t>
+            </a:r>
+          </a:p>
+          <a:p>
+            <a:endParaRPr lang="en-US" baseline="0" dirty="0" smtClean="0"/>
+          </a:p>
+          <a:p>
+            <a:r>
+              <a:rPr lang="en-US" baseline="0" dirty="0" smtClean="0"/>
+              <a:t>Check authentication status in upper right. Click Authenticate if necessary. In the </a:t>
+            </a:r>
+            <a:r>
+              <a:rPr lang="en-US" baseline="0" dirty="0" err="1" smtClean="0"/>
+              <a:t>flyout</a:t>
+            </a:r>
+            <a:r>
+              <a:rPr lang="en-US" baseline="0" dirty="0" smtClean="0"/>
+              <a:t>, click Account</a:t>
+            </a:r>
+          </a:p>
+          <a:p>
+            <a:r>
+              <a:rPr lang="en-US" baseline="0" dirty="0" smtClean="0"/>
+              <a:t>In left navigation, select a scenario.</a:t>
+            </a:r>
+          </a:p>
+          <a:p>
+            <a:r>
+              <a:rPr lang="en-US" baseline="0" dirty="0" smtClean="0"/>
+              <a:t>In center, enter a section name. If it does not exist, it will be created.</a:t>
+            </a:r>
+          </a:p>
+          <a:p>
+            <a:r>
+              <a:rPr lang="en-US" baseline="0" dirty="0" smtClean="0"/>
+              <a:t>Click the Create Page button to create the page. Review Response and link boxes.</a:t>
+            </a:r>
+          </a:p>
+          <a:p>
+            <a:r>
+              <a:rPr lang="en-US" baseline="0" dirty="0" smtClean="0"/>
+              <a:t>** Do not click “Step through create page code” button at this time. **</a:t>
+            </a:r>
+          </a:p>
+          <a:p>
+            <a:r>
+              <a:rPr lang="en-US" baseline="0" dirty="0" smtClean="0"/>
+              <a:t>After running a few scenarios, return to the slides to explain the steps.</a:t>
+            </a:r>
+            <a:endParaRPr lang="en-US" dirty="0"/>
+          </a:p>
+        </p:txBody>
+      </p:sp>
+      <p:sp>
+        <p:nvSpPr>
+          <p:cNvPr id="4" name="Date Placeholder 3"/>
+          <p:cNvSpPr>
+            <a:spLocks noGrp="1"/>
+          </p:cNvSpPr>
+          <p:nvPr>
+            <p:ph type="dt" idx="10"/>
+          </p:nvPr>
+        </p:nvSpPr>
+        <p:spPr/>
+        <p:txBody>
+          <a:bodyPr/>
+          <a:lstStyle/>
+          <a:p>
+            <a:fld id="{6B8BF90D-BD61-43D7-93E0-6CBEC8B2313A}" type="datetime1">
+              <a:rPr lang="en-US" smtClean="0"/>
+              <a:t>10/4/2014</a:t>
+            </a:fld>
+            <a:endParaRPr lang="en-US"/>
+          </a:p>
+        </p:txBody>
+      </p:sp>
+      <p:sp>
+        <p:nvSpPr>
+          <p:cNvPr id="5" name="Slide Number Placeholder 4"/>
+          <p:cNvSpPr>
+            <a:spLocks noGrp="1"/>
+          </p:cNvSpPr>
+          <p:nvPr>
+            <p:ph type="sldNum" sz="quarter" idx="11"/>
+          </p:nvPr>
+        </p:nvSpPr>
+        <p:spPr/>
+        <p:txBody>
+          <a:bodyPr/>
+          <a:lstStyle/>
+          <a:p>
+            <a:fld id="{B4008EB6-D09E-4580-8CD6-DDB14511944F}" type="slidenum">
+              <a:rPr lang="en-US" smtClean="0"/>
+              <a:t>30</a:t>
+            </a:fld>
+            <a:endParaRPr lang="en-US" dirty="0"/>
+          </a:p>
+        </p:txBody>
+      </p:sp>
+      <p:sp>
+        <p:nvSpPr>
+          <p:cNvPr id="6" name="Header Placeholder 5"/>
+          <p:cNvSpPr>
+            <a:spLocks noGrp="1"/>
+          </p:cNvSpPr>
+          <p:nvPr>
+            <p:ph type="hdr" sz="quarter" idx="12"/>
+          </p:nvPr>
+        </p:nvSpPr>
+        <p:spPr/>
+        <p:txBody>
+          <a:bodyPr/>
+          <a:lstStyle/>
+          <a:p>
+            <a:r>
+              <a:rPr lang="en-US" smtClean="0"/>
+              <a:t>Microsoft Office</a:t>
+            </a:r>
+            <a:endParaRPr lang="en-US" dirty="0"/>
+          </a:p>
+        </p:txBody>
+      </p:sp>
+      <p:sp>
+        <p:nvSpPr>
+          <p:cNvPr id="7" name="Footer Placeholder 6"/>
+          <p:cNvSpPr>
+            <a:spLocks noGrp="1"/>
+          </p:cNvSpPr>
+          <p:nvPr>
+            <p:ph type="ftr" sz="quarter" idx="13"/>
+          </p:nvPr>
+        </p:nvSpPr>
+        <p:spPr/>
+        <p:txBody>
+          <a:bodyPr/>
+          <a:lstStyle/>
+          <a:p>
+            <a:pPr marL="231775" defTabSz="914099" eaLnBrk="0" hangingPunct="0"/>
+            <a:r>
+              <a:rPr lang="en-US" sz="500" smtClean="0">
+                <a:gradFill>
+                  <a:gsLst>
+                    <a:gs pos="0">
+                      <a:schemeClr val="tx1"/>
+                    </a:gs>
+                    <a:gs pos="100000">
+                      <a:schemeClr val="tx1"/>
+                    </a:gs>
+                  </a:gsLst>
+                  <a:lin ang="5400000" scaled="0"/>
+                </a:gradFill>
+                <a:latin typeface="Segoe UI" pitchFamily="34" charset="0"/>
+                <a:ea typeface="Segoe UI" pitchFamily="34" charset="0"/>
+                <a:cs typeface="Segoe UI" pitchFamily="34" charset="0"/>
+              </a:rPr>
+              <a:t>© 2012 Microsoft Corporation. All rights reserved. Microsoft, Windows, and other product names are or may be registered trademarks and/or trademarks in the U.S. and/or other countries.</a:t>
+            </a:r>
+          </a:p>
+          <a:p>
+            <a:pPr marL="231775" defTabSz="914099" eaLnBrk="0" hangingPunct="0"/>
+            <a:r>
+              <a:rPr lang="en-US" sz="500" smtClean="0">
+                <a:gradFill>
+                  <a:gsLst>
+                    <a:gs pos="0">
+                      <a:schemeClr val="tx1"/>
+                    </a:gs>
+                    <a:gs pos="100000">
+                      <a:schemeClr val="tx1"/>
+                    </a:gs>
+                  </a:gsLst>
+                  <a:lin ang="5400000" scaled="0"/>
+                </a:gradFill>
+                <a:latin typeface="Segoe UI" pitchFamily="34" charset="0"/>
+                <a:ea typeface="Segoe UI" pitchFamily="34" charset="0"/>
+                <a:cs typeface="Segoe UI" pitchFamily="34" charset="0"/>
+              </a:rPr>
+              <a:t>The information herein is for informational purposes only and represents the current view of Microsoft Corporation as of the date of this presentation.  Because Microsoft must respond to changing market conditions, it should not be interpreted to be a commitment on the part of Microsoft, and Microsoft cannot guarantee the accuracy of any information provided after the date of this presentation.  MICROSOFT MAKES NO WARRANTIES, EXPRESS, IMPLIED OR STATUTORY, AS TO THE INFORMATION IN THIS PRESENTATION.</a:t>
+            </a:r>
+            <a:endParaRPr lang="en-US" sz="500" dirty="0">
+              <a:gradFill>
+                <a:gsLst>
+                  <a:gs pos="0">
+                    <a:schemeClr val="tx1"/>
+                  </a:gs>
+                  <a:gs pos="100000">
+                    <a:schemeClr val="tx1"/>
+                  </a:gs>
+                </a:gsLst>
+                <a:lin ang="5400000" scaled="0"/>
+              </a:gradFill>
+              <a:latin typeface="Segoe UI" pitchFamily="34" charset="0"/>
+              <a:ea typeface="Segoe UI" pitchFamily="34" charset="0"/>
+              <a:cs typeface="Segoe UI" pitchFamily="34" charset="0"/>
+            </a:endParaRPr>
+          </a:p>
+        </p:txBody>
+      </p:sp>
+    </p:spTree>
+    <p:extLst>
+      <p:ext uri="{BB962C8B-B14F-4D97-AF65-F5344CB8AC3E}">
+        <p14:creationId xmlns:p14="http://schemas.microsoft.com/office/powerpoint/2010/main" val="1282694547"/>
+      </p:ext>
+    </p:extLst>
+  </p:cSld>
+  <p:clrMapOvr>
+    <a:masterClrMapping/>
+  </p:clrMapOvr>
+</p:notes>
+</file>
+
+<file path=ppt/notesSlides/notesSlide24.xml><?xml version="1.0" encoding="utf-8"?>
+<p:notes xmlns:a="http://schemas.openxmlformats.org/drawingml/2006/main" xmlns:r="http://schemas.openxmlformats.org/officeDocument/2006/relationships" xmlns:p="http://schemas.openxmlformats.org/presentationml/2006/main">
+  <p:cSld>
+    <p:spTree>
+      <p:nvGrpSpPr>
+        <p:cNvPr id="1" name=""/>
+        <p:cNvGrpSpPr/>
+        <p:nvPr/>
+      </p:nvGrpSpPr>
+      <p:grpSpPr>
+        <a:xfrm>
+          <a:off x="0" y="0"/>
+          <a:ext cx="0" cy="0"/>
+          <a:chOff x="0" y="0"/>
+          <a:chExt cx="0" cy="0"/>
+        </a:xfrm>
+      </p:grpSpPr>
+      <p:sp>
+        <p:nvSpPr>
+          <p:cNvPr id="2" name="Slide Image Placeholder 1"/>
+          <p:cNvSpPr>
+            <a:spLocks noGrp="1" noRot="1" noChangeAspect="1"/>
+          </p:cNvSpPr>
+          <p:nvPr>
+            <p:ph type="sldImg"/>
+          </p:nvPr>
+        </p:nvSpPr>
+        <p:spPr/>
+      </p:sp>
+      <p:sp>
+        <p:nvSpPr>
+          <p:cNvPr id="3" name="Notes Placeholder 2"/>
+          <p:cNvSpPr>
+            <a:spLocks noGrp="1"/>
+          </p:cNvSpPr>
+          <p:nvPr>
+            <p:ph type="body" idx="1"/>
+          </p:nvPr>
+        </p:nvSpPr>
+        <p:spPr/>
+        <p:txBody>
+          <a:bodyPr/>
+          <a:lstStyle/>
+          <a:p>
+            <a:endParaRPr lang="en-US"/>
+          </a:p>
+        </p:txBody>
+      </p:sp>
+      <p:sp>
+        <p:nvSpPr>
+          <p:cNvPr id="4" name="Header Placeholder 3"/>
+          <p:cNvSpPr>
+            <a:spLocks noGrp="1"/>
+          </p:cNvSpPr>
+          <p:nvPr>
+            <p:ph type="hdr" sz="quarter" idx="10"/>
+          </p:nvPr>
+        </p:nvSpPr>
+        <p:spPr>
+          <a:xfrm>
+            <a:off x="0" y="0"/>
+            <a:ext cx="2971800" cy="457200"/>
+          </a:xfrm>
+          <a:prstGeom prst="rect">
+            <a:avLst/>
+          </a:prstGeom>
+        </p:spPr>
+        <p:txBody>
+          <a:bodyPr/>
+          <a:lstStyle/>
+          <a:p>
+            <a:endParaRPr lang="en-US" dirty="0"/>
+          </a:p>
+        </p:txBody>
+      </p:sp>
+      <p:sp>
+        <p:nvSpPr>
+          <p:cNvPr id="5" name="Footer Placeholder 4"/>
+          <p:cNvSpPr>
+            <a:spLocks noGrp="1"/>
+          </p:cNvSpPr>
+          <p:nvPr>
+            <p:ph type="ftr" sz="quarter" idx="11"/>
+          </p:nvPr>
+        </p:nvSpPr>
+        <p:spPr>
+          <a:xfrm>
+            <a:off x="0" y="8686800"/>
+            <a:ext cx="5920740" cy="355964"/>
+          </a:xfrm>
+          <a:prstGeom prst="rect">
+            <a:avLst/>
+          </a:prstGeom>
+        </p:spPr>
+        <p:txBody>
+          <a:bodyPr/>
+          <a:lstStyle/>
+          <a:p>
+            <a:pPr defTabSz="914099" eaLnBrk="0" hangingPunct="0"/>
+            <a:r>
+              <a:rPr lang="en-US" sz="400" smtClean="0">
+                <a:gradFill>
+                  <a:gsLst>
+                    <a:gs pos="0">
+                      <a:prstClr val="black"/>
+                    </a:gs>
+                    <a:gs pos="100000">
+                      <a:prstClr val="black"/>
+                    </a:gs>
+                  </a:gsLst>
+                  <a:lin ang="5400000" scaled="0"/>
+                </a:gradFill>
+                <a:latin typeface="Segoe UI" pitchFamily="34" charset="0"/>
+                <a:ea typeface="Segoe UI" pitchFamily="34" charset="0"/>
+                <a:cs typeface="Segoe UI" pitchFamily="34" charset="0"/>
+              </a:rPr>
+              <a:t>© 2012 Microsoft Corporation. All rights reserved. Microsoft, Windows, and other product names are or may be registered trademarks and/or trademarks in the U.S. and/or other countries.</a:t>
+            </a:r>
+          </a:p>
+          <a:p>
+            <a:pPr defTabSz="914099" eaLnBrk="0" hangingPunct="0"/>
+            <a:r>
+              <a:rPr lang="en-US" sz="400" smtClean="0">
+                <a:gradFill>
+                  <a:gsLst>
+                    <a:gs pos="0">
+                      <a:prstClr val="black"/>
+                    </a:gs>
+                    <a:gs pos="100000">
+                      <a:prstClr val="black"/>
+                    </a:gs>
+                  </a:gsLst>
+                  <a:lin ang="5400000" scaled="0"/>
+                </a:gradFill>
+                <a:latin typeface="Segoe UI" pitchFamily="34" charset="0"/>
+                <a:ea typeface="Segoe UI" pitchFamily="34" charset="0"/>
+                <a:cs typeface="Segoe UI" pitchFamily="34" charset="0"/>
+              </a:rPr>
+              <a:t>The information herein is for informational purposes only and represents the current view of Microsoft Corporation as of the date of this presentation.  Because Microsoft must respond to changing market conditions, it should not be interpreted to be a commitment on the part of Microsoft, and Microsoft cannot guarantee the accuracy of any information provided after the date of this presentation.  MICROSOFT MAKES NO WARRANTIES, EXPRESS, IMPLIED OR STATUTORY, AS TO THE INFORMATION IN THIS PRESENTATION.</a:t>
+            </a:r>
+            <a:endParaRPr lang="en-US" sz="400" dirty="0" smtClean="0">
+              <a:gradFill>
+                <a:gsLst>
+                  <a:gs pos="0">
+                    <a:prstClr val="black"/>
+                  </a:gs>
+                  <a:gs pos="100000">
+                    <a:prstClr val="black"/>
+                  </a:gs>
+                </a:gsLst>
+                <a:lin ang="5400000" scaled="0"/>
+              </a:gradFill>
+              <a:latin typeface="Segoe UI" pitchFamily="34" charset="0"/>
+              <a:ea typeface="Segoe UI" pitchFamily="34" charset="0"/>
+              <a:cs typeface="Segoe UI" pitchFamily="34" charset="0"/>
+            </a:endParaRPr>
+          </a:p>
+        </p:txBody>
+      </p:sp>
+      <p:sp>
+        <p:nvSpPr>
+          <p:cNvPr id="6" name="Date Placeholder 5"/>
+          <p:cNvSpPr>
+            <a:spLocks noGrp="1"/>
+          </p:cNvSpPr>
+          <p:nvPr>
+            <p:ph type="dt" idx="12"/>
+          </p:nvPr>
+        </p:nvSpPr>
+        <p:spPr/>
+        <p:txBody>
+          <a:bodyPr/>
+          <a:lstStyle/>
+          <a:p>
+            <a:fld id="{0BB6559B-C68D-49B4-97AE-9BB74C417927}" type="datetime1">
+              <a:rPr lang="en-US" smtClean="0"/>
+              <a:t>10/4/2014</a:t>
+            </a:fld>
+            <a:endParaRPr lang="en-US"/>
+          </a:p>
+        </p:txBody>
+      </p:sp>
+      <p:sp>
+        <p:nvSpPr>
+          <p:cNvPr id="7" name="Slide Number Placeholder 6"/>
+          <p:cNvSpPr>
+            <a:spLocks noGrp="1"/>
+          </p:cNvSpPr>
+          <p:nvPr>
+            <p:ph type="sldNum" sz="quarter" idx="13"/>
+          </p:nvPr>
+        </p:nvSpPr>
+        <p:spPr/>
+        <p:txBody>
+          <a:bodyPr/>
+          <a:lstStyle/>
+          <a:p>
+            <a:fld id="{B4008EB6-D09E-4580-8CD6-DDB14511944F}" type="slidenum">
+              <a:rPr lang="en-US" smtClean="0"/>
+              <a:t>31</a:t>
+            </a:fld>
+            <a:endParaRPr lang="en-US" dirty="0"/>
+          </a:p>
+        </p:txBody>
+      </p:sp>
+    </p:spTree>
+    <p:extLst>
+      <p:ext uri="{BB962C8B-B14F-4D97-AF65-F5344CB8AC3E}">
+        <p14:creationId xmlns:p14="http://schemas.microsoft.com/office/powerpoint/2010/main" val="3695926200"/>
       </p:ext>
     </p:extLst>
   </p:cSld>
@@ -2589,7 +5346,7 @@
                 </a:solidFill>
               </a:rPr>
               <a:pPr/>
-              <a:t>9/18/2014</a:t>
+              <a:t>10/4/2014</a:t>
             </a:fld>
             <a:endParaRPr lang="en-US" dirty="0">
               <a:solidFill>
@@ -2767,7 +5524,7 @@
           <a:p>
             <a:fld id="{74871D00-66CD-407D-8F22-D00C75CBC23A}" type="datetime1">
               <a:rPr lang="en-US" smtClean="0"/>
-              <a:t>9/18/2014</a:t>
+              <a:t>10/4/2014</a:t>
             </a:fld>
             <a:endParaRPr lang="en-US"/>
           </a:p>
@@ -2973,7 +5730,7 @@
           <a:p>
             <a:fld id="{9D411708-D367-4C5A-9983-F6101344A5A8}" type="datetime1">
               <a:rPr lang="en-US" smtClean="0"/>
-              <a:t>9/18/2014</a:t>
+              <a:t>10/4/2014</a:t>
             </a:fld>
             <a:endParaRPr lang="en-US"/>
           </a:p>
@@ -3158,6 +5915,10 @@
           <a:bodyPr/>
           <a:lstStyle/>
           <a:p>
+            <a:r>
+              <a:rPr lang="en-US" dirty="0" smtClean="0"/>
+              <a:t>The second level items are examples of ways to create the captures</a:t>
+            </a:r>
             <a:endParaRPr lang="en-US" dirty="0"/>
           </a:p>
         </p:txBody>
@@ -3179,7 +5940,7 @@
           <a:p>
             <a:fld id="{B39A9A41-7C1A-4478-B25E-FCF894C810B8}" type="datetime1">
               <a:rPr lang="en-US" smtClean="0"/>
-              <a:t>9/18/2014</a:t>
+              <a:t>10/4/2014</a:t>
             </a:fld>
             <a:endParaRPr lang="en-US"/>
           </a:p>
@@ -3364,6 +6125,14 @@
           <a:bodyPr/>
           <a:lstStyle/>
           <a:p>
+            <a:r>
+              <a:rPr lang="en-US" dirty="0" smtClean="0"/>
+              <a:t>The</a:t>
+            </a:r>
+            <a:r>
+              <a:rPr lang="en-US" baseline="0" dirty="0" smtClean="0"/>
+              <a:t> second level items are steps to take to accomplish these captures (this is different than the previous slide)</a:t>
+            </a:r>
             <a:endParaRPr lang="en-US" dirty="0"/>
           </a:p>
         </p:txBody>
@@ -3383,9 +6152,9 @@
           <a:bodyPr/>
           <a:lstStyle/>
           <a:p>
-            <a:fld id="{C45CE394-BDF4-42B3-A02F-AC542AC28186}" type="datetime1">
+            <a:fld id="{C4BE6E85-17BC-4957-9354-2F2AC178507C}" type="datetime1">
               <a:rPr lang="en-US" smtClean="0"/>
-              <a:t>9/18/2014</a:t>
+              <a:t>10/4/2014</a:t>
             </a:fld>
             <a:endParaRPr lang="en-US"/>
           </a:p>
@@ -3408,7 +6177,7 @@
           <a:p>
             <a:fld id="{B4008EB6-D09E-4580-8CD6-DDB14511944F}" type="slidenum">
               <a:rPr lang="en-US" smtClean="0"/>
-              <a:t>11</a:t>
+              <a:t>8</a:t>
             </a:fld>
             <a:endParaRPr lang="en-US" dirty="0"/>
           </a:p>
@@ -3516,7 +6285,7 @@
     </p:spTree>
     <p:extLst>
       <p:ext uri="{BB962C8B-B14F-4D97-AF65-F5344CB8AC3E}">
-        <p14:creationId xmlns:p14="http://schemas.microsoft.com/office/powerpoint/2010/main" val="1360934755"/>
+        <p14:creationId xmlns:p14="http://schemas.microsoft.com/office/powerpoint/2010/main" val="3363995168"/>
       </p:ext>
     </p:extLst>
   </p:cSld>
@@ -3570,27 +6339,6 @@
           <a:bodyPr/>
           <a:lstStyle/>
           <a:p>
-            <a:r>
-              <a:rPr lang="en-US" dirty="0" smtClean="0"/>
-              <a:t>OneNote Clipper: https://www.onenote.com/Clipper/OneNote</a:t>
-            </a:r>
-          </a:p>
-          <a:p>
-            <a:endParaRPr lang="en-US" dirty="0" smtClean="0"/>
-          </a:p>
-          <a:p>
-            <a:r>
-              <a:rPr lang="en-US" dirty="0" smtClean="0"/>
-              <a:t>Demos\</a:t>
-            </a:r>
-            <a:r>
-              <a:rPr lang="en-US" dirty="0" err="1" smtClean="0"/>
-              <a:t>OneNoteSaveDialog</a:t>
-            </a:r>
-            <a:r>
-              <a:rPr lang="en-US" baseline="0" dirty="0" smtClean="0"/>
-              <a:t> folder: The html page contains two links for the Save Dialog. The first will capture a page from MSDN. The second uses jQuery to dynamically set the page to capture to be the current page. Running the page from http://localhost will cause the capture to omit the picture of the page. This is because the OneNote service cannot access localhost. This is an important distinction that will be discussed later in the module.</a:t>
-            </a:r>
             <a:endParaRPr lang="en-US" dirty="0"/>
           </a:p>
         </p:txBody>
@@ -3610,9 +6358,9 @@
           <a:bodyPr/>
           <a:lstStyle/>
           <a:p>
-            <a:fld id="{6B8BF90D-BD61-43D7-93E0-6CBEC8B2313A}" type="datetime1">
+            <a:fld id="{C45CE394-BDF4-42B3-A02F-AC542AC28186}" type="datetime1">
               <a:rPr lang="en-US" smtClean="0"/>
-              <a:t>9/18/2014</a:t>
+              <a:t>10/4/2014</a:t>
             </a:fld>
             <a:endParaRPr lang="en-US"/>
           </a:p>
@@ -3635,7 +6383,7 @@
           <a:p>
             <a:fld id="{B4008EB6-D09E-4580-8CD6-DDB14511944F}" type="slidenum">
               <a:rPr lang="en-US" smtClean="0"/>
-              <a:t>12</a:t>
+              <a:t>11</a:t>
             </a:fld>
             <a:endParaRPr lang="en-US" dirty="0"/>
           </a:p>
@@ -3743,7 +6491,7 @@
     </p:spTree>
     <p:extLst>
       <p:ext uri="{BB962C8B-B14F-4D97-AF65-F5344CB8AC3E}">
-        <p14:creationId xmlns:p14="http://schemas.microsoft.com/office/powerpoint/2010/main" val="2081928627"/>
+        <p14:creationId xmlns:p14="http://schemas.microsoft.com/office/powerpoint/2010/main" val="1360934755"/>
       </p:ext>
     </p:extLst>
   </p:cSld>
@@ -3799,62 +6547,24 @@
           <a:p>
             <a:r>
               <a:rPr lang="en-US" dirty="0" smtClean="0"/>
+              <a:t>OneNote Clipper: https://www.onenote.com/Clipper/OneNote</a:t>
+            </a:r>
+          </a:p>
+          <a:p>
+            <a:endParaRPr lang="en-US" dirty="0" smtClean="0"/>
+          </a:p>
+          <a:p>
+            <a:r>
+              <a:rPr lang="en-US" dirty="0" smtClean="0"/>
               <a:t>Demos\</a:t>
             </a:r>
             <a:r>
               <a:rPr lang="en-US" dirty="0" err="1" smtClean="0"/>
-              <a:t>OneNoteAPISampleWinStore</a:t>
+              <a:t>OneNoteSaveDialog</a:t>
             </a:r>
             <a:r>
               <a:rPr lang="en-US" baseline="0" dirty="0" smtClean="0"/>
-              <a:t> folder:</a:t>
-            </a:r>
-          </a:p>
-          <a:p>
-            <a:endParaRPr lang="en-US" baseline="0" dirty="0" smtClean="0"/>
-          </a:p>
-          <a:p>
-            <a:r>
-              <a:rPr lang="en-US" baseline="0" dirty="0" smtClean="0"/>
-              <a:t>Check authentication status in upper right. Click Authenticate if necessary. In the </a:t>
-            </a:r>
-            <a:r>
-              <a:rPr lang="en-US" baseline="0" dirty="0" err="1" smtClean="0"/>
-              <a:t>flyout</a:t>
-            </a:r>
-            <a:r>
-              <a:rPr lang="en-US" baseline="0" dirty="0" smtClean="0"/>
-              <a:t>, click Account</a:t>
-            </a:r>
-          </a:p>
-          <a:p>
-            <a:r>
-              <a:rPr lang="en-US" baseline="0" dirty="0" smtClean="0"/>
-              <a:t>In left navigation, select a scenario.</a:t>
-            </a:r>
-          </a:p>
-          <a:p>
-            <a:r>
-              <a:rPr lang="en-US" baseline="0" dirty="0" smtClean="0"/>
-              <a:t>In center, enter a section name. If it does not exist, it will be created.</a:t>
-            </a:r>
-          </a:p>
-          <a:p>
-            <a:r>
-              <a:rPr lang="en-US" baseline="0" dirty="0" smtClean="0"/>
-              <a:t>Click the Create Page button to create the page. Review Response and link boxes.</a:t>
-            </a:r>
-          </a:p>
-          <a:p>
-            <a:r>
-              <a:rPr lang="en-US" baseline="0" dirty="0" smtClean="0"/>
-              <a:t>** Do not click “Step through create page code” button at this time. **</a:t>
-            </a:r>
-          </a:p>
-          <a:p>
-            <a:r>
-              <a:rPr lang="en-US" baseline="0" dirty="0" smtClean="0"/>
-              <a:t>After running a few scenarios, return to the slides to explain the steps.</a:t>
+              <a:t> folder: The html page contains two links for the Save Dialog. The first will capture a page from MSDN. The second uses jQuery to dynamically set the page to capture to be the current page. Running the page from http://localhost will cause the capture to omit the picture of the page. This is because the OneNote service cannot access localhost. This is an important distinction that will be discussed later in the module.</a:t>
             </a:r>
             <a:endParaRPr lang="en-US" dirty="0"/>
           </a:p>
@@ -3877,7 +6587,7 @@
           <a:p>
             <a:fld id="{6B8BF90D-BD61-43D7-93E0-6CBEC8B2313A}" type="datetime1">
               <a:rPr lang="en-US" smtClean="0"/>
-              <a:t>9/18/2014</a:t>
+              <a:t>10/4/2014</a:t>
             </a:fld>
             <a:endParaRPr lang="en-US"/>
           </a:p>
@@ -3900,7 +6610,7 @@
           <a:p>
             <a:fld id="{B4008EB6-D09E-4580-8CD6-DDB14511944F}" type="slidenum">
               <a:rPr lang="en-US" smtClean="0"/>
-              <a:t>20</a:t>
+              <a:t>12</a:t>
             </a:fld>
             <a:endParaRPr lang="en-US" dirty="0"/>
           </a:p>
@@ -4008,7 +6718,7 @@
     </p:spTree>
     <p:extLst>
       <p:ext uri="{BB962C8B-B14F-4D97-AF65-F5344CB8AC3E}">
-        <p14:creationId xmlns:p14="http://schemas.microsoft.com/office/powerpoint/2010/main" val="1588160795"/>
+        <p14:creationId xmlns:p14="http://schemas.microsoft.com/office/powerpoint/2010/main" val="2081928627"/>
       </p:ext>
     </p:extLst>
   </p:cSld>
@@ -14537,7 +17247,7 @@
           <p:nvPr/>
         </p:nvPicPr>
         <p:blipFill>
-          <a:blip r:embed="rId2"/>
+          <a:blip r:embed="rId3"/>
           <a:stretch>
             <a:fillRect/>
           </a:stretch>
@@ -14721,7 +17431,7 @@
           <p:nvPr/>
         </p:nvPicPr>
         <p:blipFill>
-          <a:blip r:embed="rId2"/>
+          <a:blip r:embed="rId3"/>
           <a:stretch>
             <a:fillRect/>
           </a:stretch>
@@ -15838,7 +18548,15 @@
           <a:p>
             <a:r>
               <a:rPr lang="en-US" dirty="0" smtClean="0"/>
-              <a:t>Creating Content from Windows Store App</a:t>
+              <a:t>Explore the REST API usin</a:t>
+            </a:r>
+            <a:r>
+              <a:rPr lang="en-US" dirty="0" smtClean="0"/>
+              <a:t>g </a:t>
+            </a:r>
+            <a:r>
+              <a:rPr lang="en-US" dirty="0" err="1" smtClean="0"/>
+              <a:t>apigee</a:t>
             </a:r>
             <a:endParaRPr lang="en-US" dirty="0"/>
           </a:p>
@@ -16152,19 +18870,6 @@
               </a:rPr>
               <a:t>The debugger approach is preferred, but the slides can be used if necessary (network outage, other issues).</a:t>
             </a:r>
-            <a:endParaRPr lang="en-US" sz="2400" spc="-70" dirty="0" smtClean="0">
-              <a:gradFill>
-                <a:gsLst>
-                  <a:gs pos="2917">
-                    <a:schemeClr val="bg2"/>
-                  </a:gs>
-                  <a:gs pos="95000">
-                    <a:schemeClr val="bg2"/>
-                  </a:gs>
-                </a:gsLst>
-                <a:lin ang="5400000" scaled="0"/>
-              </a:gradFill>
-            </a:endParaRPr>
           </a:p>
         </p:txBody>
       </p:sp>
@@ -24832,6 +27537,101 @@
 </file>
 
 <file path=ppt/slides/slide30.xml><?xml version="1.0" encoding="utf-8"?>
+<p:sld xmlns:a="http://schemas.openxmlformats.org/drawingml/2006/main" xmlns:r="http://schemas.openxmlformats.org/officeDocument/2006/relationships" xmlns:p="http://schemas.openxmlformats.org/presentationml/2006/main">
+  <p:cSld>
+    <p:spTree>
+      <p:nvGrpSpPr>
+        <p:cNvPr id="1" name=""/>
+        <p:cNvGrpSpPr/>
+        <p:nvPr/>
+      </p:nvGrpSpPr>
+      <p:grpSpPr>
+        <a:xfrm>
+          <a:off x="0" y="0"/>
+          <a:ext cx="0" cy="0"/>
+          <a:chOff x="0" y="0"/>
+          <a:chExt cx="0" cy="0"/>
+        </a:xfrm>
+      </p:grpSpPr>
+      <p:sp>
+        <p:nvSpPr>
+          <p:cNvPr id="2" name="Title 1"/>
+          <p:cNvSpPr>
+            <a:spLocks noGrp="1"/>
+          </p:cNvSpPr>
+          <p:nvPr>
+            <p:ph type="title"/>
+          </p:nvPr>
+        </p:nvSpPr>
+        <p:spPr/>
+        <p:txBody>
+          <a:bodyPr/>
+          <a:lstStyle/>
+          <a:p>
+            <a:r>
+              <a:rPr lang="en-US" dirty="0" smtClean="0"/>
+              <a:t>demo</a:t>
+            </a:r>
+            <a:endParaRPr lang="en-US" dirty="0"/>
+          </a:p>
+        </p:txBody>
+      </p:sp>
+      <p:sp>
+        <p:nvSpPr>
+          <p:cNvPr id="3" name="Text Placeholder 2"/>
+          <p:cNvSpPr>
+            <a:spLocks noGrp="1"/>
+          </p:cNvSpPr>
+          <p:nvPr>
+            <p:ph type="body" sz="quarter" idx="12"/>
+          </p:nvPr>
+        </p:nvSpPr>
+        <p:spPr/>
+        <p:txBody>
+          <a:bodyPr/>
+          <a:lstStyle/>
+          <a:p>
+            <a:r>
+              <a:rPr lang="en-US" dirty="0" smtClean="0"/>
+              <a:t>Creating Content from Windows Store App</a:t>
+            </a:r>
+            <a:endParaRPr lang="en-US" dirty="0"/>
+          </a:p>
+        </p:txBody>
+      </p:sp>
+    </p:spTree>
+    <p:extLst>
+      <p:ext uri="{BB962C8B-B14F-4D97-AF65-F5344CB8AC3E}">
+        <p14:creationId xmlns:p14="http://schemas.microsoft.com/office/powerpoint/2010/main" val="3794811237"/>
+      </p:ext>
+    </p:extLst>
+  </p:cSld>
+  <p:clrMapOvr>
+    <a:masterClrMapping/>
+  </p:clrMapOvr>
+  <mc:AlternateContent xmlns:mc="http://schemas.openxmlformats.org/markup-compatibility/2006">
+    <mc:Choice xmlns:p14="http://schemas.microsoft.com/office/powerpoint/2010/main" Requires="p14">
+      <p:transition spd="slow" p14:dur="3400">
+        <p14:reveal/>
+      </p:transition>
+    </mc:Choice>
+    <mc:Fallback>
+      <p:transition spd="slow">
+        <p:fade/>
+      </p:transition>
+    </mc:Fallback>
+  </mc:AlternateContent>
+  <p:timing>
+    <p:tnLst>
+      <p:par>
+        <p:cTn id="1" dur="indefinite" restart="never" nodeType="tmRoot"/>
+      </p:par>
+    </p:tnLst>
+  </p:timing>
+</p:sld>
+</file>
+
+<file path=ppt/slides/slide31.xml><?xml version="1.0" encoding="utf-8"?>
 <p:sld xmlns:a="http://schemas.openxmlformats.org/drawingml/2006/main" xmlns:r="http://schemas.openxmlformats.org/officeDocument/2006/relationships" xmlns:p="http://schemas.openxmlformats.org/presentationml/2006/main">
   <p:cSld>
     <p:spTree>
@@ -27546,6 +30346,24 @@
 </file>
 
 <file path=customXml/item1.xml><?xml version="1.0" encoding="utf-8"?>
+<?mso-contentType ?>
+<FormTemplates xmlns="http://schemas.microsoft.com/sharepoint/v3/contenttype/forms">
+  <Display>DocumentLibraryForm</Display>
+  <Edit>DocumentLibraryForm</Edit>
+  <New>DocumentLibraryForm</New>
+</FormTemplates>
+</file>
+
+<file path=customXml/item2.xml><?xml version="1.0" encoding="utf-8"?>
+<p:properties xmlns:p="http://schemas.microsoft.com/office/2006/metadata/properties" xmlns:xsi="http://www.w3.org/2001/XMLSchema-instance" xmlns:pc="http://schemas.microsoft.com/office/infopath/2007/PartnerControls">
+  <documentManagement>
+    <Company xmlns="http://schemas.microsoft.com/sharepoint/v3">Critical Path</Company>
+    <Project xmlns="c7dd7a47-5eb0-4219-9c75-8258c822be9e" xsi:nil="true"/>
+  </documentManagement>
+</p:properties>
+</file>
+
+<file path=customXml/item3.xml><?xml version="1.0" encoding="utf-8"?>
 <ct:contentTypeSchema xmlns:ct="http://schemas.microsoft.com/office/2006/metadata/contentType" xmlns:ma="http://schemas.microsoft.com/office/2006/metadata/properties/metaAttributes" ct:_="" ma:_="" ma:contentTypeName="Document" ma:contentTypeID="0x0101006D61B4CFCB5D8D4A8E65D32A29D8DB3E" ma:contentTypeVersion="3" ma:contentTypeDescription="Create a new document." ma:contentTypeScope="" ma:versionID="f0276697cd14aa124c054602ce8fe3c5">
   <xsd:schema xmlns:xsd="http://www.w3.org/2001/XMLSchema" xmlns:xs="http://www.w3.org/2001/XMLSchema" xmlns:p="http://schemas.microsoft.com/office/2006/metadata/properties" xmlns:ns1="http://schemas.microsoft.com/sharepoint/v3" xmlns:ns2="c7dd7a47-5eb0-4219-9c75-8258c822be9e" targetNamespace="http://schemas.microsoft.com/office/2006/metadata/properties" ma:root="true" ma:fieldsID="ce85d22485e5625b9ccd59583b658dde" ns1:_="" ns2:_="">
     <xsd:import namespace="http://schemas.microsoft.com/sharepoint/v3"/>
@@ -27684,39 +30502,10 @@
 </ct:contentTypeSchema>
 </file>
 
-<file path=customXml/item2.xml><?xml version="1.0" encoding="utf-8"?>
-<p:properties xmlns:p="http://schemas.microsoft.com/office/2006/metadata/properties" xmlns:xsi="http://www.w3.org/2001/XMLSchema-instance" xmlns:pc="http://schemas.microsoft.com/office/infopath/2007/PartnerControls">
-  <documentManagement>
-    <Company xmlns="http://schemas.microsoft.com/sharepoint/v3">Critical Path</Company>
-    <Project xmlns="c7dd7a47-5eb0-4219-9c75-8258c822be9e" xsi:nil="true"/>
-  </documentManagement>
-</p:properties>
-</file>
-
-<file path=customXml/item3.xml><?xml version="1.0" encoding="utf-8"?>
-<?mso-contentType ?>
-<FormTemplates xmlns="http://schemas.microsoft.com/sharepoint/v3/contenttype/forms">
-  <Display>DocumentLibraryForm</Display>
-  <Edit>DocumentLibraryForm</Edit>
-  <New>DocumentLibraryForm</New>
-</FormTemplates>
-</file>
-
 <file path=customXml/itemProps1.xml><?xml version="1.0" encoding="utf-8"?>
-<ds:datastoreItem xmlns:ds="http://schemas.openxmlformats.org/officeDocument/2006/customXml" ds:itemID="{68E324C1-CE8D-4EC4-8ED1-D3EE4E50ABA1}">
+<ds:datastoreItem xmlns:ds="http://schemas.openxmlformats.org/officeDocument/2006/customXml" ds:itemID="{E1E0CE18-CA03-4891-9CD8-3448778E3D53}">
   <ds:schemaRefs>
-    <ds:schemaRef ds:uri="http://schemas.microsoft.com/office/2006/metadata/contentType"/>
-    <ds:schemaRef ds:uri="http://schemas.microsoft.com/office/2006/metadata/properties/metaAttributes"/>
-    <ds:schemaRef ds:uri="http://www.w3.org/2001/XMLSchema"/>
-    <ds:schemaRef ds:uri="http://schemas.microsoft.com/office/2006/metadata/properties"/>
-    <ds:schemaRef ds:uri="http://schemas.microsoft.com/sharepoint/v3"/>
-    <ds:schemaRef ds:uri="c7dd7a47-5eb0-4219-9c75-8258c822be9e"/>
-    <ds:schemaRef ds:uri="http://schemas.microsoft.com/office/2006/documentManagement/types"/>
-    <ds:schemaRef ds:uri="http://schemas.microsoft.com/office/infopath/2007/PartnerControls"/>
-    <ds:schemaRef ds:uri="http://schemas.openxmlformats.org/package/2006/metadata/core-properties"/>
-    <ds:schemaRef ds:uri="http://purl.org/dc/elements/1.1/"/>
-    <ds:schemaRef ds:uri="http://purl.org/dc/terms/"/>
-    <ds:schemaRef ds:uri="http://schemas.microsoft.com/internal/obd"/>
+    <ds:schemaRef ds:uri="http://schemas.microsoft.com/sharepoint/v3/contenttype/forms"/>
   </ds:schemaRefs>
 </ds:datastoreItem>
 </file>
@@ -27739,9 +30528,20 @@
 </file>
 
 <file path=customXml/itemProps3.xml><?xml version="1.0" encoding="utf-8"?>
-<ds:datastoreItem xmlns:ds="http://schemas.openxmlformats.org/officeDocument/2006/customXml" ds:itemID="{E1E0CE18-CA03-4891-9CD8-3448778E3D53}">
+<ds:datastoreItem xmlns:ds="http://schemas.openxmlformats.org/officeDocument/2006/customXml" ds:itemID="{68E324C1-CE8D-4EC4-8ED1-D3EE4E50ABA1}">
   <ds:schemaRefs>
-    <ds:schemaRef ds:uri="http://schemas.microsoft.com/sharepoint/v3/contenttype/forms"/>
+    <ds:schemaRef ds:uri="http://schemas.microsoft.com/office/2006/metadata/contentType"/>
+    <ds:schemaRef ds:uri="http://schemas.microsoft.com/office/2006/metadata/properties/metaAttributes"/>
+    <ds:schemaRef ds:uri="http://www.w3.org/2001/XMLSchema"/>
+    <ds:schemaRef ds:uri="http://schemas.microsoft.com/office/2006/metadata/properties"/>
+    <ds:schemaRef ds:uri="http://schemas.microsoft.com/sharepoint/v3"/>
+    <ds:schemaRef ds:uri="c7dd7a47-5eb0-4219-9c75-8258c822be9e"/>
+    <ds:schemaRef ds:uri="http://schemas.microsoft.com/office/2006/documentManagement/types"/>
+    <ds:schemaRef ds:uri="http://schemas.microsoft.com/office/infopath/2007/PartnerControls"/>
+    <ds:schemaRef ds:uri="http://schemas.openxmlformats.org/package/2006/metadata/core-properties"/>
+    <ds:schemaRef ds:uri="http://purl.org/dc/elements/1.1/"/>
+    <ds:schemaRef ds:uri="http://purl.org/dc/terms/"/>
+    <ds:schemaRef ds:uri="http://schemas.microsoft.com/internal/obd"/>
   </ds:schemaRefs>
 </ds:datastoreItem>
 </file>
--- a/O3653-7 Deep Dive into the Office 365 APIs for OneNote services/O3653-7 Deep Dive into the Office 365 APIs for OneNote services.pptx
+++ b/O3653-7 Deep Dive into the Office 365 APIs for OneNote services/O3653-7 Deep Dive into the Office 365 APIs for OneNote services.pptx
@@ -151,7 +151,7 @@
   </p:defaultTextStyle>
   <p:extLst>
     <p:ext uri="{EFAFB233-063F-42B5-8137-9DF3F51BA10A}">
-      <p15:sldGuideLst xmlns:p15="http://schemas.microsoft.com/office/powerpoint/2012/main">
+      <p15:sldGuideLst xmlns:p15="http://schemas.microsoft.com/office/powerpoint/2012/main" xmlns="">
         <p15:guide id="1" orient="horz" pos="142">
           <p15:clr>
             <a:srgbClr val="A4A3A4"/>
@@ -250,7 +250,7 @@
       </p15:sldGuideLst>
     </p:ext>
     <p:ext uri="{2D200454-40CA-4A62-9FC3-DE9A4176ACB9}">
-      <p15:notesGuideLst xmlns:p15="http://schemas.microsoft.com/office/powerpoint/2012/main">
+      <p15:notesGuideLst xmlns:p15="http://schemas.microsoft.com/office/powerpoint/2012/main" xmlns="">
         <p15:guide id="1" orient="horz" pos="2880">
           <p15:clr>
             <a:srgbClr val="A4A3A4"/>
@@ -353,7 +353,7 @@
           <a:p>
             <a:fld id="{DE219B1A-AE41-483B-A766-69B9363DDA6A}" type="datetimeFigureOut">
               <a:rPr lang="en-US" smtClean="0"/>
-              <a:t>11/3/2014</a:t>
+              <a:t>11/5/14</a:t>
             </a:fld>
             <a:endParaRPr lang="en-US"/>
           </a:p>
@@ -635,7 +635,7 @@
           <a:p>
             <a:fld id="{D51B1278-D92B-4AF3-A9C1-71DD298190CE}" type="datetimeFigureOut">
               <a:rPr lang="en-US" smtClean="0"/>
-              <a:t>11/3/2014</a:t>
+              <a:t>11/5/14</a:t>
             </a:fld>
             <a:endParaRPr lang="en-US"/>
           </a:p>
@@ -1220,7 +1220,7 @@
           <a:p>
             <a:fld id="{D9457FDC-8CBB-442A-9789-D9CBE4FF6CAC}" type="datetime1">
               <a:rPr lang="en-US" smtClean="0"/>
-              <a:t>11/3/2014</a:t>
+              <a:t>11/5/14</a:t>
             </a:fld>
             <a:endParaRPr lang="en-US"/>
           </a:p>
@@ -1436,7 +1436,7 @@
           <a:p>
             <a:fld id="{1C57A713-B7BF-46AB-995B-E26ED61D581C}" type="datetime1">
               <a:rPr lang="en-US" smtClean="0"/>
-              <a:t>11/3/2014</a:t>
+              <a:t>11/5/14</a:t>
             </a:fld>
             <a:endParaRPr lang="en-US"/>
           </a:p>
@@ -1642,7 +1642,7 @@
           <a:p>
             <a:fld id="{C23DC68B-26B3-4996-AE84-42AD14AFCDB7}" type="datetime1">
               <a:rPr lang="en-US" smtClean="0"/>
-              <a:t>11/3/2014</a:t>
+              <a:t>11/5/14</a:t>
             </a:fld>
             <a:endParaRPr lang="en-US"/>
           </a:p>
@@ -1848,7 +1848,7 @@
           <a:p>
             <a:fld id="{D7265871-651F-44AE-B535-A861B59C3250}" type="datetime1">
               <a:rPr lang="en-US" smtClean="0"/>
-              <a:t>11/3/2014</a:t>
+              <a:t>11/5/14</a:t>
             </a:fld>
             <a:endParaRPr lang="en-US"/>
           </a:p>
@@ -2066,7 +2066,7 @@
                 </a:solidFill>
               </a:rPr>
               <a:pPr/>
-              <a:t>11/3/2014</a:t>
+              <a:t>11/5/14</a:t>
             </a:fld>
             <a:endParaRPr lang="en-US">
               <a:solidFill>
@@ -2355,7 +2355,7 @@
           <a:p>
             <a:fld id="{4AED148B-7CB7-405A-AC08-8A9064AA46CA}" type="datetime1">
               <a:rPr lang="en-US" smtClean="0"/>
-              <a:t>11/3/2014</a:t>
+              <a:t>11/5/14</a:t>
             </a:fld>
             <a:endParaRPr lang="en-US"/>
           </a:p>
@@ -2633,7 +2633,7 @@
           <a:p>
             <a:fld id="{BAA480A6-A57E-488B-9D67-747E5D1E1440}" type="datetime1">
               <a:rPr lang="en-US" smtClean="0"/>
-              <a:t>11/3/2014</a:t>
+              <a:t>11/5/14</a:t>
             </a:fld>
             <a:endParaRPr lang="en-US"/>
           </a:p>
@@ -2854,7 +2854,7 @@
           <a:p>
             <a:fld id="{83076554-B7F1-4ECF-B249-05F619EE0826}" type="datetime1">
               <a:rPr lang="en-US" smtClean="0"/>
-              <a:t>11/3/2014</a:t>
+              <a:t>11/5/14</a:t>
             </a:fld>
             <a:endParaRPr lang="en-US"/>
           </a:p>
@@ -3124,7 +3124,7 @@
                 </a:solidFill>
               </a:rPr>
               <a:pPr/>
-              <a:t>11/3/2014</a:t>
+              <a:t>11/5/14</a:t>
             </a:fld>
             <a:endParaRPr lang="en-US">
               <a:solidFill>
@@ -3351,7 +3351,7 @@
           <a:p>
             <a:fld id="{43B71FE5-80AF-4505-81BD-E96F6E90730E}" type="datetime1">
               <a:rPr lang="en-US" smtClean="0"/>
-              <a:t>11/3/2014</a:t>
+              <a:t>11/5/14</a:t>
             </a:fld>
             <a:endParaRPr lang="en-US"/>
           </a:p>
@@ -3557,7 +3557,7 @@
           <a:p>
             <a:fld id="{B62F5349-7E3C-4547-B73A-61A22D60B6C7}" type="datetime1">
               <a:rPr lang="en-US" smtClean="0"/>
-              <a:t>11/3/2014</a:t>
+              <a:t>11/5/14</a:t>
             </a:fld>
             <a:endParaRPr lang="en-US"/>
           </a:p>
@@ -3817,7 +3817,7 @@
           <a:p>
             <a:fld id="{B079C3B8-7366-4A44-A34B-3977080C19E7}" type="datetime1">
               <a:rPr lang="en-US" smtClean="0"/>
-              <a:t>11/3/2014</a:t>
+              <a:t>11/5/14</a:t>
             </a:fld>
             <a:endParaRPr lang="en-US" dirty="0"/>
           </a:p>
@@ -3958,7 +3958,7 @@
                 </a:solidFill>
               </a:rPr>
               <a:pPr/>
-              <a:t>11/3/2014</a:t>
+              <a:t>11/5/14</a:t>
             </a:fld>
             <a:endParaRPr lang="en-US" dirty="0">
               <a:solidFill>
@@ -4159,7 +4159,7 @@
                 </a:solidFill>
               </a:rPr>
               <a:pPr/>
-              <a:t>11/3/2014</a:t>
+              <a:t>11/5/14</a:t>
             </a:fld>
             <a:endParaRPr lang="en-US" dirty="0">
               <a:solidFill>
@@ -4390,7 +4390,7 @@
           <a:p>
             <a:fld id="{0BB6559B-C68D-49B4-97AE-9BB74C417927}" type="datetime1">
               <a:rPr lang="en-US" smtClean="0"/>
-              <a:t>11/3/2014</a:t>
+              <a:t>11/5/14</a:t>
             </a:fld>
             <a:endParaRPr lang="en-US"/>
           </a:p>
@@ -4551,7 +4551,7 @@
           <a:p>
             <a:fld id="{B079C3B8-7366-4A44-A34B-3977080C19E7}" type="datetime1">
               <a:rPr lang="en-US" smtClean="0"/>
-              <a:t>11/3/2014</a:t>
+              <a:t>11/5/14</a:t>
             </a:fld>
             <a:endParaRPr lang="en-US" dirty="0"/>
           </a:p>
@@ -4695,7 +4695,7 @@
                 </a:solidFill>
               </a:rPr>
               <a:pPr/>
-              <a:t>11/3/2014</a:t>
+              <a:t>11/5/14</a:t>
             </a:fld>
             <a:endParaRPr lang="en-US" dirty="0">
               <a:solidFill>
@@ -4873,7 +4873,7 @@
           <a:p>
             <a:fld id="{74871D00-66CD-407D-8F22-D00C75CBC23A}" type="datetime1">
               <a:rPr lang="en-US" smtClean="0"/>
-              <a:t>11/3/2014</a:t>
+              <a:t>11/5/14</a:t>
             </a:fld>
             <a:endParaRPr lang="en-US"/>
           </a:p>
@@ -5079,7 +5079,7 @@
           <a:p>
             <a:fld id="{9D411708-D367-4C5A-9983-F6101344A5A8}" type="datetime1">
               <a:rPr lang="en-US" smtClean="0"/>
-              <a:t>11/3/2014</a:t>
+              <a:t>11/5/14</a:t>
             </a:fld>
             <a:endParaRPr lang="en-US"/>
           </a:p>
@@ -5285,7 +5285,7 @@
           <a:p>
             <a:fld id="{B39A9A41-7C1A-4478-B25E-FCF894C810B8}" type="datetime1">
               <a:rPr lang="en-US" smtClean="0"/>
-              <a:t>11/3/2014</a:t>
+              <a:t>11/5/14</a:t>
             </a:fld>
             <a:endParaRPr lang="en-US"/>
           </a:p>
@@ -5675,7 +5675,7 @@
           <a:p>
             <a:fld id="{C45CE394-BDF4-42B3-A02F-AC542AC28186}" type="datetime1">
               <a:rPr lang="en-US" smtClean="0"/>
-              <a:t>11/3/2014</a:t>
+              <a:t>11/5/14</a:t>
             </a:fld>
             <a:endParaRPr lang="en-US"/>
           </a:p>
@@ -5902,7 +5902,7 @@
           <a:p>
             <a:fld id="{6B8BF90D-BD61-43D7-93E0-6CBEC8B2313A}" type="datetime1">
               <a:rPr lang="en-US" smtClean="0"/>
-              <a:t>11/3/2014</a:t>
+              <a:t>11/5/14</a:t>
             </a:fld>
             <a:endParaRPr lang="en-US"/>
           </a:p>
@@ -6219,7 +6219,7 @@
   <p:timing>
     <p:tnLst>
       <p:par>
-        <p:cTn id="1" dur="indefinite" restart="never" nodeType="tmRoot"/>
+        <p:cTn xmlns:p14="http://schemas.microsoft.com/office/powerpoint/2010/main" id="1" dur="indefinite" restart="never" nodeType="tmRoot"/>
       </p:par>
     </p:tnLst>
   </p:timing>
@@ -6562,7 +6562,7 @@
   <p:timing>
     <p:tnLst>
       <p:par>
-        <p:cTn id="1" dur="indefinite" restart="never" nodeType="tmRoot"/>
+        <p:cTn xmlns:p14="http://schemas.microsoft.com/office/powerpoint/2010/main" id="1" dur="indefinite" restart="never" nodeType="tmRoot"/>
       </p:par>
     </p:tnLst>
   </p:timing>
@@ -6910,7 +6910,7 @@
   <p:timing>
     <p:tnLst>
       <p:par>
-        <p:cTn id="1" dur="indefinite" restart="never" nodeType="tmRoot"/>
+        <p:cTn xmlns:p14="http://schemas.microsoft.com/office/powerpoint/2010/main" id="1" dur="indefinite" restart="never" nodeType="tmRoot"/>
       </p:par>
     </p:tnLst>
   </p:timing>
@@ -7210,7 +7210,7 @@
   <p:timing>
     <p:tnLst>
       <p:par>
-        <p:cTn id="1" dur="indefinite" restart="never" nodeType="tmRoot"/>
+        <p:cTn xmlns:p14="http://schemas.microsoft.com/office/powerpoint/2010/main" id="1" dur="indefinite" restart="never" nodeType="tmRoot"/>
       </p:par>
     </p:tnLst>
   </p:timing>
@@ -7549,7 +7549,7 @@
   <p:timing>
     <p:tnLst>
       <p:par>
-        <p:cTn id="1" dur="indefinite" restart="never" nodeType="tmRoot"/>
+        <p:cTn xmlns:p14="http://schemas.microsoft.com/office/powerpoint/2010/main" id="1" dur="indefinite" restart="never" nodeType="tmRoot"/>
       </p:par>
     </p:tnLst>
   </p:timing>
@@ -7922,7 +7922,7 @@
   <p:timing>
     <p:tnLst>
       <p:par>
-        <p:cTn id="1" dur="indefinite" restart="never" nodeType="tmRoot"/>
+        <p:cTn xmlns:p14="http://schemas.microsoft.com/office/powerpoint/2010/main" id="1" dur="indefinite" restart="never" nodeType="tmRoot"/>
       </p:par>
     </p:tnLst>
   </p:timing>
@@ -8295,7 +8295,7 @@
   <p:timing>
     <p:tnLst>
       <p:par>
-        <p:cTn id="1" dur="indefinite" restart="never" nodeType="tmRoot"/>
+        <p:cTn xmlns:p14="http://schemas.microsoft.com/office/powerpoint/2010/main" id="1" dur="indefinite" restart="never" nodeType="tmRoot"/>
       </p:par>
     </p:tnLst>
   </p:timing>
@@ -8751,7 +8751,7 @@
   <p:clrMapOvr>
     <a:masterClrMapping/>
   </p:clrMapOvr>
-  <p:transition>
+  <p:transition xmlns:p14="http://schemas.microsoft.com/office/powerpoint/2010/main">
     <p:fade/>
   </p:transition>
 </p:sldLayout>
@@ -8784,7 +8784,7 @@
   <p:clrMapOvr>
     <a:masterClrMapping/>
   </p:clrMapOvr>
-  <p:transition>
+  <p:transition xmlns:p14="http://schemas.microsoft.com/office/powerpoint/2010/main">
     <p:fade/>
   </p:transition>
 </p:sldLayout>
@@ -9092,7 +9092,7 @@
   <p:clrMapOvr>
     <a:masterClrMapping/>
   </p:clrMapOvr>
-  <p:transition>
+  <p:transition xmlns:p14="http://schemas.microsoft.com/office/powerpoint/2010/main">
     <p:fade/>
   </p:transition>
 </p:sldLayout>
@@ -9207,13 +9207,13 @@
   <p:clrMapOvr>
     <a:masterClrMapping/>
   </p:clrMapOvr>
-  <p:transition>
+  <p:transition xmlns:p14="http://schemas.microsoft.com/office/powerpoint/2010/main">
     <p:fade/>
   </p:transition>
   <p:timing>
     <p:tnLst>
       <p:par>
-        <p:cTn id="1" dur="indefinite" restart="never" nodeType="tmRoot"/>
+        <p:cTn xmlns:p14="http://schemas.microsoft.com/office/powerpoint/2010/main" id="1" dur="indefinite" restart="never" nodeType="tmRoot"/>
       </p:par>
     </p:tnLst>
   </p:timing>
@@ -9541,13 +9541,13 @@
   <p:clrMapOvr>
     <a:masterClrMapping/>
   </p:clrMapOvr>
-  <p:transition>
+  <p:transition xmlns:p14="http://schemas.microsoft.com/office/powerpoint/2010/main">
     <p:fade/>
   </p:transition>
   <p:timing>
     <p:tnLst>
       <p:par>
-        <p:cTn id="1" dur="indefinite" restart="never" nodeType="tmRoot"/>
+        <p:cTn xmlns:p14="http://schemas.microsoft.com/office/powerpoint/2010/main" id="1" dur="indefinite" restart="never" nodeType="tmRoot"/>
       </p:par>
     </p:tnLst>
   </p:timing>
@@ -9962,19 +9962,19 @@
   <p:clrMapOvr>
     <a:masterClrMapping/>
   </p:clrMapOvr>
-  <p:transition>
+  <p:transition xmlns:p14="http://schemas.microsoft.com/office/powerpoint/2010/main">
     <p:fade/>
   </p:transition>
   <p:timing>
     <p:tnLst>
       <p:par>
-        <p:cTn id="1" dur="indefinite" restart="never" nodeType="tmRoot"/>
+        <p:cTn xmlns:p14="http://schemas.microsoft.com/office/powerpoint/2010/main" id="1" dur="indefinite" restart="never" nodeType="tmRoot"/>
       </p:par>
     </p:tnLst>
   </p:timing>
   <p:extLst mod="1">
     <p:ext uri="{DCECCB84-F9BA-43D5-87BE-67443E8EF086}">
-      <p15:sldGuideLst xmlns:p15="http://schemas.microsoft.com/office/powerpoint/2012/main">
+      <p15:sldGuideLst xmlns:p15="http://schemas.microsoft.com/office/powerpoint/2012/main" xmlns="">
         <p15:guide id="1" orient="horz" pos="2203">
           <p15:clr>
             <a:srgbClr val="FBAE40"/>
@@ -10272,13 +10272,13 @@
   <p:clrMapOvr>
     <a:masterClrMapping/>
   </p:clrMapOvr>
-  <p:transition>
+  <p:transition xmlns:p14="http://schemas.microsoft.com/office/powerpoint/2010/main">
     <p:fade/>
   </p:transition>
   <p:timing>
     <p:tnLst>
       <p:par>
-        <p:cTn id="1" dur="indefinite" restart="never" nodeType="tmRoot"/>
+        <p:cTn xmlns:p14="http://schemas.microsoft.com/office/powerpoint/2010/main" id="1" dur="indefinite" restart="never" nodeType="tmRoot"/>
       </p:par>
     </p:tnLst>
   </p:timing>
@@ -10485,13 +10485,13 @@
   <p:clrMapOvr>
     <a:masterClrMapping/>
   </p:clrMapOvr>
-  <p:transition>
+  <p:transition xmlns:p14="http://schemas.microsoft.com/office/powerpoint/2010/main">
     <p:fade/>
   </p:transition>
   <p:timing>
     <p:tnLst>
       <p:par>
-        <p:cTn id="1" dur="indefinite" restart="never" nodeType="tmRoot"/>
+        <p:cTn xmlns:p14="http://schemas.microsoft.com/office/powerpoint/2010/main" id="1" dur="indefinite" restart="never" nodeType="tmRoot"/>
       </p:par>
     </p:tnLst>
   </p:timing>
@@ -10742,13 +10742,13 @@
   <p:clrMapOvr>
     <a:masterClrMapping/>
   </p:clrMapOvr>
-  <p:transition>
+  <p:transition xmlns:p14="http://schemas.microsoft.com/office/powerpoint/2010/main">
     <p:fade/>
   </p:transition>
   <p:timing>
     <p:tnLst>
       <p:par>
-        <p:cTn id="1" dur="indefinite" restart="never" nodeType="tmRoot"/>
+        <p:cTn xmlns:p14="http://schemas.microsoft.com/office/powerpoint/2010/main" id="1" dur="indefinite" restart="never" nodeType="tmRoot"/>
       </p:par>
     </p:tnLst>
   </p:timing>
@@ -10926,7 +10926,7 @@
   <p:timing>
     <p:tnLst>
       <p:par>
-        <p:cTn id="1" dur="indefinite" restart="never" nodeType="tmRoot"/>
+        <p:cTn xmlns:p14="http://schemas.microsoft.com/office/powerpoint/2010/main" id="1" dur="indefinite" restart="never" nodeType="tmRoot"/>
       </p:par>
     </p:tnLst>
   </p:timing>
@@ -11103,7 +11103,7 @@
   <p:timing>
     <p:tnLst>
       <p:par>
-        <p:cTn id="1" dur="indefinite" restart="never" nodeType="tmRoot"/>
+        <p:cTn xmlns:p14="http://schemas.microsoft.com/office/powerpoint/2010/main" id="1" dur="indefinite" restart="never" nodeType="tmRoot"/>
       </p:par>
     </p:tnLst>
   </p:timing>
@@ -11280,7 +11280,7 @@
   <p:timing>
     <p:tnLst>
       <p:par>
-        <p:cTn id="1" dur="indefinite" restart="never" nodeType="tmRoot"/>
+        <p:cTn xmlns:p14="http://schemas.microsoft.com/office/powerpoint/2010/main" id="1" dur="indefinite" restart="never" nodeType="tmRoot"/>
       </p:par>
     </p:tnLst>
   </p:timing>
@@ -11457,7 +11457,7 @@
   <p:timing>
     <p:tnLst>
       <p:par>
-        <p:cTn id="1" dur="indefinite" restart="never" nodeType="tmRoot"/>
+        <p:cTn xmlns:p14="http://schemas.microsoft.com/office/powerpoint/2010/main" id="1" dur="indefinite" restart="never" nodeType="tmRoot"/>
       </p:par>
     </p:tnLst>
   </p:timing>
@@ -11576,13 +11576,13 @@
   <p:clrMapOvr>
     <a:masterClrMapping/>
   </p:clrMapOvr>
-  <p:transition>
+  <p:transition xmlns:p14="http://schemas.microsoft.com/office/powerpoint/2010/main">
     <p:fade/>
   </p:transition>
   <p:timing>
     <p:tnLst>
       <p:par>
-        <p:cTn id="1" dur="indefinite" restart="never" nodeType="tmRoot"/>
+        <p:cTn xmlns:p14="http://schemas.microsoft.com/office/powerpoint/2010/main" id="1" dur="indefinite" restart="never" nodeType="tmRoot"/>
       </p:par>
     </p:tnLst>
   </p:timing>
@@ -11885,7 +11885,7 @@
   <p:timing>
     <p:tnLst>
       <p:par>
-        <p:cTn id="1" dur="indefinite" restart="never" nodeType="tmRoot"/>
+        <p:cTn xmlns:p14="http://schemas.microsoft.com/office/powerpoint/2010/main" id="1" dur="indefinite" restart="never" nodeType="tmRoot"/>
       </p:par>
     </p:tnLst>
   </p:timing>
@@ -12004,13 +12004,13 @@
   <p:clrMapOvr>
     <a:masterClrMapping/>
   </p:clrMapOvr>
-  <p:transition>
+  <p:transition xmlns:p14="http://schemas.microsoft.com/office/powerpoint/2010/main">
     <p:fade/>
   </p:transition>
   <p:timing>
     <p:tnLst>
       <p:par>
-        <p:cTn id="1" dur="indefinite" restart="never" nodeType="tmRoot"/>
+        <p:cTn xmlns:p14="http://schemas.microsoft.com/office/powerpoint/2010/main" id="1" dur="indefinite" restart="never" nodeType="tmRoot"/>
       </p:par>
     </p:tnLst>
   </p:timing>
@@ -12129,13 +12129,13 @@
   <p:clrMapOvr>
     <a:masterClrMapping/>
   </p:clrMapOvr>
-  <p:transition>
+  <p:transition xmlns:p14="http://schemas.microsoft.com/office/powerpoint/2010/main">
     <p:fade/>
   </p:transition>
   <p:timing>
     <p:tnLst>
       <p:par>
-        <p:cTn id="1" dur="indefinite" restart="never" nodeType="tmRoot"/>
+        <p:cTn xmlns:p14="http://schemas.microsoft.com/office/powerpoint/2010/main" id="1" dur="indefinite" restart="never" nodeType="tmRoot"/>
       </p:par>
     </p:tnLst>
   </p:timing>
@@ -12254,13 +12254,13 @@
   <p:clrMapOvr>
     <a:masterClrMapping/>
   </p:clrMapOvr>
-  <p:transition>
+  <p:transition xmlns:p14="http://schemas.microsoft.com/office/powerpoint/2010/main">
     <p:fade/>
   </p:transition>
   <p:timing>
     <p:tnLst>
       <p:par>
-        <p:cTn id="1" dur="indefinite" restart="never" nodeType="tmRoot"/>
+        <p:cTn xmlns:p14="http://schemas.microsoft.com/office/powerpoint/2010/main" id="1" dur="indefinite" restart="never" nodeType="tmRoot"/>
       </p:par>
     </p:tnLst>
   </p:timing>
@@ -12302,7 +12302,7 @@
   <p:clrMapOvr>
     <a:masterClrMapping/>
   </p:clrMapOvr>
-  <p:transition>
+  <p:transition xmlns:p14="http://schemas.microsoft.com/office/powerpoint/2010/main">
     <p:fade/>
   </p:transition>
 </p:sldLayout>
@@ -12343,7 +12343,7 @@
   <p:clrMapOvr>
     <a:masterClrMapping/>
   </p:clrMapOvr>
-  <p:transition>
+  <p:transition xmlns:p14="http://schemas.microsoft.com/office/powerpoint/2010/main">
     <p:fade/>
   </p:transition>
 </p:sldLayout>
@@ -12384,7 +12384,7 @@
   <p:clrMapOvr>
     <a:masterClrMapping/>
   </p:clrMapOvr>
-  <p:transition>
+  <p:transition xmlns:p14="http://schemas.microsoft.com/office/powerpoint/2010/main">
     <p:fade/>
   </p:transition>
 </p:sldLayout>
@@ -12425,7 +12425,7 @@
   <p:clrMapOvr>
     <a:masterClrMapping/>
   </p:clrMapOvr>
-  <p:transition>
+  <p:transition xmlns:p14="http://schemas.microsoft.com/office/powerpoint/2010/main">
     <p:fade/>
   </p:transition>
 </p:sldLayout>
@@ -12720,13 +12720,13 @@
   <p:clrMapOvr>
     <a:masterClrMapping/>
   </p:clrMapOvr>
-  <p:transition>
+  <p:transition xmlns:p14="http://schemas.microsoft.com/office/powerpoint/2010/main">
     <p:fade/>
   </p:transition>
   <p:timing>
     <p:tnLst>
       <p:par>
-        <p:cTn id="1" dur="indefinite" restart="never" nodeType="tmRoot"/>
+        <p:cTn xmlns:p14="http://schemas.microsoft.com/office/powerpoint/2010/main" id="1" dur="indefinite" restart="never" nodeType="tmRoot"/>
       </p:par>
     </p:tnLst>
   </p:timing>
@@ -13022,13 +13022,13 @@
   <p:clrMapOvr>
     <a:masterClrMapping/>
   </p:clrMapOvr>
-  <p:transition>
+  <p:transition xmlns:p14="http://schemas.microsoft.com/office/powerpoint/2010/main">
     <p:fade/>
   </p:transition>
   <p:timing>
     <p:tnLst>
       <p:par>
-        <p:cTn id="1" dur="indefinite" restart="never" nodeType="tmRoot"/>
+        <p:cTn xmlns:p14="http://schemas.microsoft.com/office/powerpoint/2010/main" id="1" dur="indefinite" restart="never" nodeType="tmRoot"/>
       </p:par>
     </p:tnLst>
   </p:timing>
@@ -13280,13 +13280,13 @@
   <p:clrMapOvr>
     <a:masterClrMapping/>
   </p:clrMapOvr>
-  <p:transition>
+  <p:transition xmlns:p14="http://schemas.microsoft.com/office/powerpoint/2010/main">
     <p:fade/>
   </p:transition>
   <p:timing>
     <p:tnLst>
       <p:par>
-        <p:cTn id="1" dur="indefinite" restart="never" nodeType="tmRoot"/>
+        <p:cTn xmlns:p14="http://schemas.microsoft.com/office/powerpoint/2010/main" id="1" dur="indefinite" restart="never" nodeType="tmRoot"/>
       </p:par>
     </p:tnLst>
   </p:timing>
@@ -13814,13 +13814,13 @@
   <p:clrMapOvr>
     <a:masterClrMapping/>
   </p:clrMapOvr>
-  <p:transition>
+  <p:transition xmlns:p14="http://schemas.microsoft.com/office/powerpoint/2010/main">
     <p:fade/>
   </p:transition>
   <p:timing>
     <p:tnLst>
       <p:par>
-        <p:cTn id="1" dur="indefinite" restart="never" nodeType="tmRoot"/>
+        <p:cTn xmlns:p14="http://schemas.microsoft.com/office/powerpoint/2010/main" id="1" dur="indefinite" restart="never" nodeType="tmRoot"/>
       </p:par>
     </p:tnLst>
   </p:timing>
@@ -14396,7 +14396,7 @@
   <p:clrMapOvr>
     <a:masterClrMapping/>
   </p:clrMapOvr>
-  <p:transition>
+  <p:transition xmlns:p14="http://schemas.microsoft.com/office/powerpoint/2010/main">
     <p:fade/>
   </p:transition>
 </p:sldLayout>
@@ -14890,7 +14890,7 @@
   <p:clrMapOvr>
     <a:masterClrMapping/>
   </p:clrMapOvr>
-  <p:transition>
+  <p:transition xmlns:p14="http://schemas.microsoft.com/office/powerpoint/2010/main">
     <p:fade/>
   </p:transition>
 </p:sldLayout>
@@ -15047,13 +15047,13 @@
     <p:sldLayoutId id="2147484149" r:id="rId23"/>
     <p:sldLayoutId id="2147484150" r:id="rId24"/>
   </p:sldLayoutIdLst>
-  <p:transition>
+  <p:transition xmlns:p14="http://schemas.microsoft.com/office/powerpoint/2010/main">
     <p:fade/>
   </p:transition>
   <p:timing>
     <p:tnLst>
       <p:par>
-        <p:cTn id="1" dur="indefinite" restart="never" nodeType="tmRoot"/>
+        <p:cTn xmlns:p14="http://schemas.microsoft.com/office/powerpoint/2010/main" id="1" dur="indefinite" restart="never" nodeType="tmRoot"/>
       </p:par>
     </p:tnLst>
   </p:timing>
@@ -15459,13 +15459,13 @@
     <p:sldLayoutId id="2147484066" r:id="rId11"/>
     <p:sldLayoutId id="2147484098" r:id="rId12"/>
   </p:sldLayoutIdLst>
-  <p:transition>
+  <p:transition xmlns:p14="http://schemas.microsoft.com/office/powerpoint/2010/main">
     <p:fade/>
   </p:transition>
   <p:timing>
     <p:tnLst>
       <p:par>
-        <p:cTn id="1" dur="indefinite" restart="never" nodeType="tmRoot"/>
+        <p:cTn xmlns:p14="http://schemas.microsoft.com/office/powerpoint/2010/main" id="1" dur="indefinite" restart="never" nodeType="tmRoot"/>
       </p:par>
     </p:tnLst>
   </p:timing>
@@ -15910,7 +15910,7 @@
   <p:timing>
     <p:tnLst>
       <p:par>
-        <p:cTn id="1" dur="indefinite" restart="never" nodeType="tmRoot"/>
+        <p:cTn xmlns:p14="http://schemas.microsoft.com/office/powerpoint/2010/main" id="1" dur="indefinite" restart="never" nodeType="tmRoot"/>
       </p:par>
     </p:tnLst>
   </p:timing>
@@ -16093,13 +16093,13 @@
   <p:clrMapOvr>
     <a:masterClrMapping/>
   </p:clrMapOvr>
-  <p:transition>
+  <p:transition xmlns:p14="http://schemas.microsoft.com/office/powerpoint/2010/main">
     <p:fade/>
   </p:transition>
   <p:timing>
     <p:tnLst>
       <p:par>
-        <p:cTn id="1" dur="indefinite" restart="never" nodeType="tmRoot"/>
+        <p:cTn xmlns:p14="http://schemas.microsoft.com/office/powerpoint/2010/main" id="1" dur="indefinite" restart="never" nodeType="tmRoot"/>
       </p:par>
     </p:tnLst>
   </p:timing>
@@ -16195,11 +16195,7 @@
             </a:r>
             <a:r>
               <a:rPr lang="en-US" baseline="0" dirty="0" smtClean="0"/>
-              <a:t> display each page as an </a:t>
-            </a:r>
-            <a:r>
-              <a:rPr lang="en-US" baseline="0" dirty="0" smtClean="0"/>
-              <a:t>image</a:t>
+              <a:t> display each page as an image</a:t>
             </a:r>
           </a:p>
         </p:txBody>
@@ -16265,13 +16261,13 @@
   <p:clrMapOvr>
     <a:masterClrMapping/>
   </p:clrMapOvr>
-  <p:transition>
+  <p:transition xmlns:p14="http://schemas.microsoft.com/office/powerpoint/2010/main">
     <p:fade/>
   </p:transition>
   <p:timing>
     <p:tnLst>
       <p:par>
-        <p:cTn id="1" dur="indefinite" restart="never" nodeType="tmRoot"/>
+        <p:cTn xmlns:p14="http://schemas.microsoft.com/office/powerpoint/2010/main" id="1" dur="indefinite" restart="never" nodeType="tmRoot"/>
       </p:par>
     </p:tnLst>
   </p:timing>
@@ -16341,15 +16337,131 @@
             <a:pPr lvl="0"/>
             <a:r>
               <a:rPr lang="en-US" baseline="0" dirty="0" smtClean="0"/>
-              <a:t>Enabling new scenarios</a:t>
+              <a:t>Future Scenarios</a:t>
             </a:r>
           </a:p>
           <a:p>
             <a:pPr lvl="1"/>
             <a:r>
+              <a:rPr lang="en-US" baseline="0" dirty="0" smtClean="0">
+                <a:solidFill>
+                  <a:schemeClr val="bg2">
+                    <a:lumMod val="60000"/>
+                    <a:lumOff val="40000"/>
+                  </a:schemeClr>
+                </a:solidFill>
+              </a:rPr>
+              <a:t>O365 API support</a:t>
+            </a:r>
+          </a:p>
+          <a:p>
+            <a:pPr lvl="1"/>
+            <a:r>
+              <a:rPr lang="en-US" dirty="0" smtClean="0">
+                <a:solidFill>
+                  <a:schemeClr val="bg2">
+                    <a:lumMod val="60000"/>
+                    <a:lumOff val="40000"/>
+                  </a:schemeClr>
+                </a:solidFill>
+              </a:rPr>
+              <a:t>Embeddable pages</a:t>
+            </a:r>
+          </a:p>
+          <a:p>
+            <a:pPr lvl="1"/>
+            <a:r>
+              <a:rPr lang="en-US" baseline="0" dirty="0" smtClean="0">
+                <a:solidFill>
+                  <a:schemeClr val="bg2">
+                    <a:lumMod val="60000"/>
+                    <a:lumOff val="40000"/>
+                  </a:schemeClr>
+                </a:solidFill>
+              </a:rPr>
+              <a:t>Copying</a:t>
+            </a:r>
+          </a:p>
+          <a:p>
+            <a:pPr lvl="1"/>
+            <a:r>
+              <a:rPr lang="en-US" baseline="0" dirty="0" smtClean="0">
+                <a:solidFill>
+                  <a:schemeClr val="bg2">
+                    <a:lumMod val="60000"/>
+                    <a:lumOff val="40000"/>
+                  </a:schemeClr>
+                </a:solidFill>
+              </a:rPr>
+              <a:t>Sharing</a:t>
+            </a:r>
+          </a:p>
+          <a:p>
+            <a:pPr lvl="1"/>
+            <a:r>
+              <a:rPr lang="en-US" dirty="0" smtClean="0">
+                <a:solidFill>
+                  <a:schemeClr val="bg2">
+                    <a:lumMod val="60000"/>
+                    <a:lumOff val="40000"/>
+                  </a:schemeClr>
+                </a:solidFill>
+              </a:rPr>
+              <a:t>See Dev Center and Dev Blog:</a:t>
+            </a:r>
+            <a:endParaRPr lang="en-US" baseline="0" dirty="0" smtClean="0">
+              <a:solidFill>
+                <a:schemeClr val="bg2">
+                  <a:lumMod val="60000"/>
+                  <a:lumOff val="40000"/>
+                </a:schemeClr>
+              </a:solidFill>
+            </a:endParaRPr>
+          </a:p>
+          <a:p>
+            <a:pPr marL="574675" lvl="2" indent="-342900">
+              <a:buFont typeface="Arial"/>
+              <a:buChar char="•"/>
+            </a:pPr>
+            <a:r>
+              <a:rPr lang="en-US" baseline="0" dirty="0" smtClean="0">
+                <a:hlinkClick r:id="rId2"/>
+              </a:rPr>
+              <a:t>http://dev.onenote.com</a:t>
+            </a:r>
+            <a:r>
               <a:rPr lang="en-US" baseline="0" dirty="0" smtClean="0"/>
-              <a:t>http://dev.onenote.com</a:t>
-            </a:r>
+              <a:t> </a:t>
+            </a:r>
+          </a:p>
+          <a:p>
+            <a:pPr marL="574675" lvl="2" indent="-342900">
+              <a:buFont typeface="Arial"/>
+              <a:buChar char="•"/>
+            </a:pPr>
+            <a:r>
+              <a:rPr lang="en-US" dirty="0" smtClean="0">
+                <a:hlinkClick r:id="rId3"/>
+              </a:rPr>
+              <a:t>http</a:t>
+            </a:r>
+            <a:r>
+              <a:rPr lang="en-US" dirty="0">
+                <a:hlinkClick r:id="rId3"/>
+              </a:rPr>
+              <a:t>://blogs.msdn.com/b/onenotedev</a:t>
+            </a:r>
+            <a:r>
+              <a:rPr lang="en-US" dirty="0" smtClean="0">
+                <a:hlinkClick r:id="rId3"/>
+              </a:rPr>
+              <a:t>/</a:t>
+            </a:r>
+            <a:endParaRPr lang="en-US" dirty="0" smtClean="0"/>
+          </a:p>
+          <a:p>
+            <a:pPr lvl="1"/>
+            <a:endParaRPr lang="en-US" baseline="0" dirty="0" smtClean="0"/>
           </a:p>
           <a:p>
             <a:pPr lvl="0"/>
@@ -16414,7 +16526,7 @@
   <p:clrMapOvr>
     <a:masterClrMapping/>
   </p:clrMapOvr>
-  <p:transition>
+  <p:transition xmlns:p14="http://schemas.microsoft.com/office/powerpoint/2010/main">
     <p:fade/>
   </p:transition>
 </p:sld>
@@ -16528,13 +16640,13 @@
   <p:clrMapOvr>
     <a:masterClrMapping/>
   </p:clrMapOvr>
-  <p:transition>
+  <p:transition xmlns:p14="http://schemas.microsoft.com/office/powerpoint/2010/main">
     <p:fade/>
   </p:transition>
   <p:timing>
     <p:tnLst>
       <p:par>
-        <p:cTn id="1" dur="indefinite" restart="never" nodeType="tmRoot"/>
+        <p:cTn xmlns:p14="http://schemas.microsoft.com/office/powerpoint/2010/main" id="1" dur="indefinite" restart="never" nodeType="tmRoot"/>
       </p:par>
     </p:tnLst>
   </p:timing>
@@ -16657,7 +16769,7 @@
   <p:timing>
     <p:tnLst>
       <p:par>
-        <p:cTn id="1" dur="indefinite" restart="never" nodeType="tmRoot"/>
+        <p:cTn xmlns:p14="http://schemas.microsoft.com/office/powerpoint/2010/main" id="1" dur="indefinite" restart="never" nodeType="tmRoot"/>
       </p:par>
     </p:tnLst>
   </p:timing>
@@ -16762,13 +16874,13 @@
   <p:clrMapOvr>
     <a:masterClrMapping/>
   </p:clrMapOvr>
-  <p:transition>
+  <p:transition xmlns:p14="http://schemas.microsoft.com/office/powerpoint/2010/main">
     <p:fade/>
   </p:transition>
   <p:timing>
     <p:tnLst>
       <p:par>
-        <p:cTn id="1" dur="indefinite" restart="never" nodeType="tmRoot"/>
+        <p:cTn xmlns:p14="http://schemas.microsoft.com/office/powerpoint/2010/main" id="1" dur="indefinite" restart="never" nodeType="tmRoot"/>
       </p:par>
     </p:tnLst>
   </p:timing>
@@ -16863,7 +16975,7 @@
   <p:timing>
     <p:tnLst>
       <p:par>
-        <p:cTn id="1" dur="indefinite" restart="never" nodeType="tmRoot"/>
+        <p:cTn xmlns:p14="http://schemas.microsoft.com/office/powerpoint/2010/main" id="1" dur="indefinite" restart="never" nodeType="tmRoot"/>
       </p:par>
     </p:tnLst>
   </p:timing>
@@ -16897,7 +17009,12 @@
             <p:ph type="body" sz="quarter" idx="10"/>
           </p:nvPr>
         </p:nvSpPr>
-        <p:spPr/>
+        <p:spPr>
+          <a:xfrm>
+            <a:off x="519112" y="1447799"/>
+            <a:ext cx="11149013" cy="4272784"/>
+          </a:xfrm>
+        </p:spPr>
         <p:txBody>
           <a:bodyPr/>
           <a:lstStyle/>
@@ -16950,10 +17067,10 @@
           <a:lstStyle/>
           <a:p>
             <a:r>
-              <a:rPr lang="en-US" dirty="0" smtClean="0"/>
+              <a:rPr lang="en-US" sz="4800" dirty="0" smtClean="0"/>
               <a:t>Getting Started with custom application</a:t>
             </a:r>
-            <a:endParaRPr lang="en-US" dirty="0"/>
+            <a:endParaRPr lang="en-US" sz="4800" dirty="0"/>
           </a:p>
         </p:txBody>
       </p:sp>
@@ -16991,7 +17108,7 @@
   <p:clrMapOvr>
     <a:masterClrMapping/>
   </p:clrMapOvr>
-  <p:transition>
+  <p:transition xmlns:p14="http://schemas.microsoft.com/office/powerpoint/2010/main">
     <p:fade/>
   </p:transition>
 </p:sld>
@@ -17030,37 +17147,70 @@
           <a:lstStyle/>
           <a:p>
             <a:r>
-              <a:rPr lang="en-US" dirty="0" smtClean="0"/>
-              <a:t>OneNote uses OneDrive – requires Live Service</a:t>
+              <a:rPr lang="en-US" sz="3600" dirty="0" smtClean="0"/>
+              <a:t>OneNote </a:t>
+            </a:r>
+            <a:r>
+              <a:rPr lang="en-US" sz="3600" dirty="0" smtClean="0"/>
+              <a:t>API uses </a:t>
+            </a:r>
+            <a:r>
+              <a:rPr lang="en-US" sz="3600" dirty="0" smtClean="0"/>
+              <a:t>OneDrive – requires Live Service</a:t>
             </a:r>
           </a:p>
           <a:p>
             <a:pPr lvl="1"/>
             <a:r>
-              <a:rPr lang="en-US" dirty="0"/>
+              <a:rPr lang="en-US" dirty="0">
+                <a:hlinkClick r:id="rId3"/>
+              </a:rPr>
               <a:t>https://</a:t>
             </a:r>
             <a:r>
-              <a:rPr lang="en-US" dirty="0" smtClean="0"/>
+              <a:rPr lang="en-US" dirty="0" smtClean="0">
+                <a:hlinkClick r:id="rId3"/>
+              </a:rPr>
               <a:t>account.live.com/developers/applications/create</a:t>
             </a:r>
+            <a:endParaRPr lang="en-US" dirty="0" smtClean="0"/>
           </a:p>
           <a:p>
             <a:pPr lvl="0"/>
             <a:r>
-              <a:rPr lang="en-US" dirty="0" smtClean="0"/>
-              <a:t>Not</a:t>
-            </a:r>
+              <a:rPr lang="en-US" sz="3600" dirty="0" smtClean="0"/>
+              <a:t>Does n</a:t>
+            </a:r>
+            <a:r>
+              <a:rPr lang="en-US" sz="3600" dirty="0" smtClean="0"/>
+              <a:t>ot</a:t>
+            </a:r>
+            <a:r>
+              <a:rPr lang="en-US" sz="3600" baseline="0" dirty="0" smtClean="0"/>
+              <a:t> </a:t>
+            </a:r>
+            <a:r>
+              <a:rPr lang="en-US" sz="3600" baseline="0" dirty="0" smtClean="0"/>
+              <a:t>yet </a:t>
+            </a:r>
+            <a:r>
+              <a:rPr lang="en-US" sz="3600" baseline="0" dirty="0" smtClean="0"/>
+              <a:t>support </a:t>
+            </a:r>
+            <a:r>
+              <a:rPr lang="en-US" sz="3600" baseline="0" dirty="0" smtClean="0"/>
+              <a:t>Office 365</a:t>
+            </a:r>
+          </a:p>
+          <a:p>
+            <a:pPr lvl="1"/>
             <a:r>
               <a:rPr lang="en-US" baseline="0" dirty="0" smtClean="0"/>
-              <a:t> yet supporting Office 365</a:t>
-            </a:r>
-          </a:p>
-          <a:p>
-            <a:pPr lvl="1"/>
+              <a:t>Requires Microsoft </a:t>
+            </a:r>
             <a:r>
               <a:rPr lang="en-US" baseline="0" dirty="0" smtClean="0"/>
-              <a:t>Uses Microsoft Account</a:t>
+              <a:t>Account</a:t>
             </a:r>
             <a:endParaRPr lang="en-US" dirty="0" smtClean="0"/>
           </a:p>
@@ -17122,13 +17272,13 @@
           <p:nvPr>
             <p:extLst>
               <p:ext uri="{D42A27DB-BD31-4B8C-83A1-F6EECF244321}">
-                <p14:modId xmlns:p14="http://schemas.microsoft.com/office/powerpoint/2010/main" val="2379858750"/>
+                <p14:modId xmlns:p14="http://schemas.microsoft.com/office/powerpoint/2010/main" val="1002275853"/>
               </p:ext>
             </p:extLst>
           </p:nvPr>
         </p:nvGraphicFramePr>
         <p:xfrm>
-          <a:off x="519110" y="3735048"/>
+          <a:off x="460853" y="4072924"/>
           <a:ext cx="11149014" cy="2021840"/>
         </p:xfrm>
         <a:graphic>
@@ -17344,7 +17494,7 @@
   <p:clrMapOvr>
     <a:masterClrMapping/>
   </p:clrMapOvr>
-  <p:transition>
+  <p:transition xmlns:p14="http://schemas.microsoft.com/office/powerpoint/2010/main">
     <p:fade/>
   </p:transition>
 </p:sld>
@@ -17448,7 +17598,7 @@
   <p:clrMapOvr>
     <a:masterClrMapping/>
   </p:clrMapOvr>
-  <p:transition>
+  <p:transition xmlns:p14="http://schemas.microsoft.com/office/powerpoint/2010/main">
     <p:fade/>
   </p:transition>
 </p:sld>
@@ -17783,7 +17933,7 @@
               <a:noFill/>
             </a:ln>
             <a:extLst>
-              <a:ext uri="{91240B29-F687-4F45-9708-019B960494DF}">
+              <a:ext uri="{91240B29-F687-4f45-9708-019B960494DF}">
                 <a14:hiddenLine xmlns:a14="http://schemas.microsoft.com/office/drawing/2010/main" w="9525">
                   <a:solidFill>
                     <a:srgbClr val="000000"/>
@@ -17980,7 +18130,7 @@
               <a:noFill/>
             </a:ln>
             <a:extLst>
-              <a:ext uri="{91240B29-F687-4F45-9708-019B960494DF}">
+              <a:ext uri="{91240B29-F687-4f45-9708-019B960494DF}">
                 <a14:hiddenLine xmlns:a14="http://schemas.microsoft.com/office/drawing/2010/main" w="9525">
                   <a:solidFill>
                     <a:srgbClr val="000000"/>
@@ -18131,7 +18281,7 @@
               <a:noFill/>
             </a:ln>
             <a:extLst>
-              <a:ext uri="{91240B29-F687-4F45-9708-019B960494DF}">
+              <a:ext uri="{91240B29-F687-4f45-9708-019B960494DF}">
                 <a14:hiddenLine xmlns:a14="http://schemas.microsoft.com/office/drawing/2010/main" w="9525">
                   <a:solidFill>
                     <a:srgbClr val="000000"/>
@@ -18185,7 +18335,7 @@
               <a:noFill/>
             </a:ln>
             <a:extLst>
-              <a:ext uri="{91240B29-F687-4F45-9708-019B960494DF}">
+              <a:ext uri="{91240B29-F687-4f45-9708-019B960494DF}">
                 <a14:hiddenLine xmlns:a14="http://schemas.microsoft.com/office/drawing/2010/main" w="9525">
                   <a:solidFill>
                     <a:srgbClr val="000000"/>
@@ -18239,7 +18389,7 @@
               <a:noFill/>
             </a:ln>
             <a:extLst>
-              <a:ext uri="{91240B29-F687-4F45-9708-019B960494DF}">
+              <a:ext uri="{91240B29-F687-4f45-9708-019B960494DF}">
                 <a14:hiddenLine xmlns:a14="http://schemas.microsoft.com/office/drawing/2010/main" w="9525">
                   <a:solidFill>
                     <a:srgbClr val="000000"/>
@@ -18344,7 +18494,7 @@
               <a:noFill/>
             </a:ln>
             <a:extLst>
-              <a:ext uri="{91240B29-F687-4F45-9708-019B960494DF}">
+              <a:ext uri="{91240B29-F687-4f45-9708-019B960494DF}">
                 <a14:hiddenLine xmlns:a14="http://schemas.microsoft.com/office/drawing/2010/main" w="9525">
                   <a:solidFill>
                     <a:srgbClr val="000000"/>
@@ -18432,7 +18582,7 @@
                 <a:gridCol w="5760278">
                   <a:extLst>
                     <a:ext uri="{9D8B030D-6E8A-4147-A177-3AD203B41FA5}">
-                      <a16:colId xmlns="" xmlns:a16="http://schemas.microsoft.com/office/drawing/2014/main" val="1253488153"/>
+                      <a16:colId xmlns:a16="http://schemas.microsoft.com/office/drawing/2014/main" xmlns="" val="1253488153"/>
                     </a:ext>
                   </a:extLst>
                 </a:gridCol>
@@ -18458,7 +18608,7 @@
                 </a:tc>
                 <a:extLst>
                   <a:ext uri="{0D108BD9-81ED-4DB2-BD59-A6C34878D82A}">
-                    <a16:rowId xmlns="" xmlns:a16="http://schemas.microsoft.com/office/drawing/2014/main" val="829859176"/>
+                    <a16:rowId xmlns:a16="http://schemas.microsoft.com/office/drawing/2014/main" xmlns="" val="829859176"/>
                   </a:ext>
                 </a:extLst>
               </a:tr>
@@ -18483,7 +18633,7 @@
                 </a:tc>
                 <a:extLst>
                   <a:ext uri="{0D108BD9-81ED-4DB2-BD59-A6C34878D82A}">
-                    <a16:rowId xmlns="" xmlns:a16="http://schemas.microsoft.com/office/drawing/2014/main" val="1946132611"/>
+                    <a16:rowId xmlns:a16="http://schemas.microsoft.com/office/drawing/2014/main" xmlns="" val="1946132611"/>
                   </a:ext>
                 </a:extLst>
               </a:tr>
@@ -18525,7 +18675,7 @@
                 </a:tc>
                 <a:extLst>
                   <a:ext uri="{0D108BD9-81ED-4DB2-BD59-A6C34878D82A}">
-                    <a16:rowId xmlns="" xmlns:a16="http://schemas.microsoft.com/office/drawing/2014/main" val="3204002662"/>
+                    <a16:rowId xmlns:a16="http://schemas.microsoft.com/office/drawing/2014/main" xmlns="" val="3204002662"/>
                   </a:ext>
                 </a:extLst>
               </a:tr>
@@ -18562,7 +18712,7 @@
                 </a:tc>
                 <a:extLst>
                   <a:ext uri="{0D108BD9-81ED-4DB2-BD59-A6C34878D82A}">
-                    <a16:rowId xmlns="" xmlns:a16="http://schemas.microsoft.com/office/drawing/2014/main" val="3774542436"/>
+                    <a16:rowId xmlns:a16="http://schemas.microsoft.com/office/drawing/2014/main" xmlns="" val="3774542436"/>
                   </a:ext>
                 </a:extLst>
               </a:tr>
@@ -18614,7 +18764,7 @@
                 </a:tc>
                 <a:extLst>
                   <a:ext uri="{0D108BD9-81ED-4DB2-BD59-A6C34878D82A}">
-                    <a16:rowId xmlns="" xmlns:a16="http://schemas.microsoft.com/office/drawing/2014/main" val="4266278162"/>
+                    <a16:rowId xmlns:a16="http://schemas.microsoft.com/office/drawing/2014/main" xmlns="" val="4266278162"/>
                   </a:ext>
                 </a:extLst>
               </a:tr>
@@ -18651,7 +18801,7 @@
                 </a:tc>
                 <a:extLst>
                   <a:ext uri="{0D108BD9-81ED-4DB2-BD59-A6C34878D82A}">
-                    <a16:rowId xmlns="" xmlns:a16="http://schemas.microsoft.com/office/drawing/2014/main" val="1208832343"/>
+                    <a16:rowId xmlns:a16="http://schemas.microsoft.com/office/drawing/2014/main" xmlns="" val="1208832343"/>
                   </a:ext>
                 </a:extLst>
               </a:tr>
@@ -18705,13 +18855,13 @@
   <p:clrMapOvr>
     <a:masterClrMapping/>
   </p:clrMapOvr>
-  <p:transition>
+  <p:transition xmlns:p14="http://schemas.microsoft.com/office/powerpoint/2010/main">
     <p:fade/>
   </p:transition>
   <p:timing>
     <p:tnLst>
       <p:par>
-        <p:cTn id="1" dur="indefinite" restart="never" nodeType="tmRoot">
+        <p:cTn xmlns:p14="http://schemas.microsoft.com/office/powerpoint/2010/main" id="1" dur="indefinite" restart="never" nodeType="tmRoot">
           <p:childTnLst>
             <p:seq concurrent="1" nextAc="seek">
               <p:cTn id="2" dur="indefinite" nodeType="mainSeq">
@@ -19257,33 +19407,83 @@
           <a:p>
             <a:pPr lvl="1"/>
             <a:r>
-              <a:rPr lang="en-US" dirty="0" err="1" smtClean="0"/>
+              <a:rPr lang="en-US" sz="1800" dirty="0" err="1" smtClean="0"/>
               <a:t>Office.OneNote_Create</a:t>
             </a:r>
-            <a:endParaRPr lang="en-US" dirty="0" smtClean="0"/>
+            <a:r>
+              <a:rPr lang="en-US" sz="1800" dirty="0" smtClean="0"/>
+              <a:t>, </a:t>
+            </a:r>
+            <a:r>
+              <a:rPr lang="en-US" sz="1800" dirty="0" err="1" smtClean="0"/>
+              <a:t>Office.OneNote_Update</a:t>
+            </a:r>
+            <a:r>
+              <a:rPr lang="en-US" sz="1800" dirty="0" smtClean="0"/>
+              <a:t>, </a:t>
+            </a:r>
+            <a:r>
+              <a:rPr lang="en-US" sz="1800" dirty="0" err="1" smtClean="0"/>
+              <a:t>Office.OneNote_Update_By_App</a:t>
+            </a:r>
+            <a:r>
+              <a:rPr lang="en-US" sz="1800" dirty="0" smtClean="0"/>
+              <a:t>, </a:t>
+            </a:r>
+            <a:r>
+              <a:rPr lang="en-US" sz="1800" dirty="0" err="1" smtClean="0"/>
+              <a:t>Office.OneNote</a:t>
+            </a:r>
+            <a:endParaRPr lang="en-US" sz="1800" dirty="0" smtClean="0"/>
           </a:p>
           <a:p>
             <a:pPr lvl="1"/>
             <a:r>
-              <a:rPr lang="en-US" dirty="0" smtClean="0"/>
+              <a:rPr lang="en-US" sz="1800" dirty="0" smtClean="0"/>
               <a:t>(</a:t>
             </a:r>
             <a:r>
-              <a:rPr lang="en-US" dirty="0" err="1" smtClean="0"/>
+              <a:rPr lang="en-US" sz="1800" dirty="0" err="1" smtClean="0"/>
               <a:t>WL.SignIn</a:t>
             </a:r>
             <a:r>
-              <a:rPr lang="en-US" dirty="0" smtClean="0"/>
+              <a:rPr lang="en-US" sz="1800" dirty="0" smtClean="0"/>
               <a:t> &amp; </a:t>
             </a:r>
             <a:r>
-              <a:rPr lang="en-US" dirty="0" err="1" smtClean="0"/>
+              <a:rPr lang="en-US" sz="1800" dirty="0" err="1" smtClean="0"/>
               <a:t>WL.Offline_Access</a:t>
             </a:r>
             <a:r>
-              <a:rPr lang="en-US" dirty="0" smtClean="0"/>
-              <a:t> required for using Refresh Token)</a:t>
-            </a:r>
+              <a:rPr lang="en-US" sz="1800" dirty="0" smtClean="0"/>
+              <a:t> required for using Refresh Token</a:t>
+            </a:r>
+            <a:r>
+              <a:rPr lang="en-US" sz="1800" dirty="0" smtClean="0"/>
+              <a:t>)</a:t>
+            </a:r>
+          </a:p>
+          <a:p>
+            <a:pPr lvl="1"/>
+            <a:r>
+              <a:rPr lang="en-US" sz="1800" dirty="0" smtClean="0">
+                <a:hlinkClick r:id="rId2"/>
+              </a:rPr>
+              <a:t>Permission Scope reference</a:t>
+            </a:r>
+            <a:r>
+              <a:rPr lang="en-US" sz="1800" dirty="0">
+                <a:hlinkClick r:id="rId2"/>
+              </a:rPr>
+              <a:t> </a:t>
+            </a:r>
+            <a:r>
+              <a:rPr lang="en-US" sz="1800" dirty="0" smtClean="0">
+                <a:hlinkClick r:id="rId2"/>
+              </a:rPr>
+              <a:t>documentation on MSDN</a:t>
+            </a:r>
+            <a:endParaRPr lang="en-US" sz="1800" dirty="0" smtClean="0"/>
           </a:p>
         </p:txBody>
       </p:sp>
@@ -19344,7 +19544,7 @@
   <p:clrMapOvr>
     <a:masterClrMapping/>
   </p:clrMapOvr>
-  <p:transition>
+  <p:transition xmlns:p14="http://schemas.microsoft.com/office/powerpoint/2010/main">
     <p:fade/>
   </p:transition>
 </p:sld>
@@ -19506,7 +19706,7 @@
   <p:clrMapOvr>
     <a:masterClrMapping/>
   </p:clrMapOvr>
-  <p:transition>
+  <p:transition xmlns:p14="http://schemas.microsoft.com/office/powerpoint/2010/main">
     <p:fade/>
   </p:transition>
 </p:sld>
@@ -19605,9 +19805,56 @@
           <a:p>
             <a:pPr lvl="1"/>
             <a:r>
+              <a:rPr lang="en-US" dirty="0" smtClean="0">
+                <a:hlinkClick r:id="rId2"/>
+              </a:rPr>
+              <a:t>https://apigee.com/onenote/embed/console/onenote</a:t>
+            </a:r>
+            <a:r>
+              <a:rPr lang="en-US" dirty="0" smtClean="0">
+                <a:hlinkClick r:id="rId2"/>
+              </a:rPr>
+              <a:t>/</a:t>
+            </a:r>
+            <a:r>
               <a:rPr lang="en-US" dirty="0" smtClean="0"/>
-              <a:t>https://apigee.com/onenote/embed/console/onenote/</a:t>
-            </a:r>
+              <a:t> (production)</a:t>
+            </a:r>
+          </a:p>
+          <a:p>
+            <a:pPr lvl="1"/>
+            <a:r>
+              <a:rPr lang="en-US" dirty="0">
+                <a:hlinkClick r:id="rId3"/>
+              </a:rPr>
+              <a:t>https://apigee.com/</a:t>
+            </a:r>
+            <a:r>
+              <a:rPr lang="en-US" dirty="0" smtClean="0">
+                <a:hlinkClick r:id="rId3"/>
+              </a:rPr>
+              <a:t>onenote_beta/</a:t>
+            </a:r>
+            <a:r>
+              <a:rPr lang="en-US" dirty="0">
+                <a:hlinkClick r:id="rId3"/>
+              </a:rPr>
+              <a:t>embed/console/</a:t>
+            </a:r>
+            <a:r>
+              <a:rPr lang="en-US" dirty="0" smtClean="0">
+                <a:hlinkClick r:id="rId3"/>
+              </a:rPr>
+              <a:t>onenote_beta/ </a:t>
+            </a:r>
+            <a:r>
+              <a:rPr lang="en-US" dirty="0" smtClean="0"/>
+              <a:t>(bleeding edge, beta)</a:t>
+            </a:r>
+            <a:endParaRPr lang="en-US" dirty="0"/>
+          </a:p>
+          <a:p>
+            <a:pPr lvl="1"/>
             <a:endParaRPr lang="en-US" dirty="0"/>
           </a:p>
         </p:txBody>
@@ -19668,7 +19915,7 @@
           <p:nvPr/>
         </p:nvPicPr>
         <p:blipFill>
-          <a:blip r:embed="rId2"/>
+          <a:blip r:embed="rId4"/>
           <a:stretch>
             <a:fillRect/>
           </a:stretch>
@@ -19693,7 +19940,7 @@
   <p:clrMapOvr>
     <a:masterClrMapping/>
   </p:clrMapOvr>
-  <p:transition>
+  <p:transition xmlns:p14="http://schemas.microsoft.com/office/powerpoint/2010/main">
     <p:fade/>
   </p:transition>
 </p:sld>
@@ -19897,18 +20144,7 @@
                 <a:latin typeface="Consolas" panose="020B0609020204030204" pitchFamily="49" charset="0"/>
                 <a:cs typeface="Consolas" panose="020B0609020204030204" pitchFamily="49" charset="0"/>
               </a:rPr>
-              <a:t>https://www.onenote.com/api/v1.0</a:t>
-            </a:r>
-            <a:r>
-              <a:rPr lang="en-US" sz="2400" kern="1200" spc="-70" baseline="0" dirty="0" smtClean="0">
-                <a:solidFill>
-                  <a:schemeClr val="tx1"/>
-                </a:solidFill>
-                <a:effectLst/>
-                <a:latin typeface="Consolas" panose="020B0609020204030204" pitchFamily="49" charset="0"/>
-                <a:cs typeface="Consolas" panose="020B0609020204030204" pitchFamily="49" charset="0"/>
-              </a:rPr>
-              <a:t>/</a:t>
+              <a:t>https://www.onenote.com/api/v1.0/</a:t>
             </a:r>
             <a:br>
               <a:rPr lang="en-US" sz="2400" kern="1200" spc="-70" baseline="0" dirty="0" smtClean="0">
@@ -20055,7 +20291,7 @@
   <p:clrMapOvr>
     <a:masterClrMapping/>
   </p:clrMapOvr>
-  <p:transition>
+  <p:transition xmlns:p14="http://schemas.microsoft.com/office/powerpoint/2010/main">
     <p:fade/>
   </p:transition>
 </p:sld>
@@ -20153,7 +20389,7 @@
   <p:timing>
     <p:tnLst>
       <p:par>
-        <p:cTn id="1" dur="indefinite" restart="never" nodeType="tmRoot"/>
+        <p:cTn xmlns:p14="http://schemas.microsoft.com/office/powerpoint/2010/main" id="1" dur="indefinite" restart="never" nodeType="tmRoot"/>
       </p:par>
     </p:tnLst>
   </p:timing>
@@ -20276,7 +20512,7 @@
   <p:timing>
     <p:tnLst>
       <p:par>
-        <p:cTn id="1" dur="indefinite" restart="never" nodeType="tmRoot"/>
+        <p:cTn xmlns:p14="http://schemas.microsoft.com/office/powerpoint/2010/main" id="1" dur="indefinite" restart="never" nodeType="tmRoot"/>
       </p:par>
     </p:tnLst>
   </p:timing>
@@ -22151,13 +22387,13 @@
   <p:clrMapOvr>
     <a:masterClrMapping/>
   </p:clrMapOvr>
-  <p:transition>
+  <p:transition xmlns:p14="http://schemas.microsoft.com/office/powerpoint/2010/main">
     <p:fade/>
   </p:transition>
   <p:timing>
     <p:tnLst>
       <p:par>
-        <p:cTn id="1" dur="indefinite" restart="never" nodeType="tmRoot"/>
+        <p:cTn xmlns:p14="http://schemas.microsoft.com/office/powerpoint/2010/main" id="1" dur="indefinite" restart="never" nodeType="tmRoot"/>
       </p:par>
     </p:tnLst>
   </p:timing>
@@ -23887,13 +24123,13 @@
   <p:clrMapOvr>
     <a:masterClrMapping/>
   </p:clrMapOvr>
-  <p:transition>
+  <p:transition xmlns:p14="http://schemas.microsoft.com/office/powerpoint/2010/main">
     <p:fade/>
   </p:transition>
   <p:timing>
     <p:tnLst>
       <p:par>
-        <p:cTn id="1" dur="indefinite" restart="never" nodeType="tmRoot"/>
+        <p:cTn xmlns:p14="http://schemas.microsoft.com/office/powerpoint/2010/main" id="1" dur="indefinite" restart="never" nodeType="tmRoot"/>
       </p:par>
     </p:tnLst>
   </p:timing>
@@ -24918,13 +25154,13 @@
   <p:clrMapOvr>
     <a:masterClrMapping/>
   </p:clrMapOvr>
-  <p:transition>
+  <p:transition xmlns:p14="http://schemas.microsoft.com/office/powerpoint/2010/main">
     <p:fade/>
   </p:transition>
   <p:timing>
     <p:tnLst>
       <p:par>
-        <p:cTn id="1" dur="indefinite" restart="never" nodeType="tmRoot"/>
+        <p:cTn xmlns:p14="http://schemas.microsoft.com/office/powerpoint/2010/main" id="1" dur="indefinite" restart="never" nodeType="tmRoot"/>
       </p:par>
     </p:tnLst>
   </p:timing>
@@ -25127,7 +25363,7 @@
   <p:clrMapOvr>
     <a:masterClrMapping/>
   </p:clrMapOvr>
-  <p:transition>
+  <p:transition xmlns:p14="http://schemas.microsoft.com/office/powerpoint/2010/main">
     <p:fade/>
   </p:transition>
 </p:sld>
@@ -25202,7 +25438,7 @@
                 <a:gridCol w="11225057">
                   <a:extLst>
                     <a:ext uri="{9D8B030D-6E8A-4147-A177-3AD203B41FA5}">
-                      <a16:colId xmlns:a16="http://schemas.microsoft.com/office/drawing/2014/main" xmlns="" val="1253488153"/>
+                      <a16:colId xmlns="" xmlns:a16="http://schemas.microsoft.com/office/drawing/2014/main" val="1253488153"/>
                     </a:ext>
                   </a:extLst>
                 </a:gridCol>
@@ -25224,7 +25460,7 @@
                 </a:tc>
                 <a:extLst>
                   <a:ext uri="{0D108BD9-81ED-4DB2-BD59-A6C34878D82A}">
-                    <a16:rowId xmlns:a16="http://schemas.microsoft.com/office/drawing/2014/main" xmlns="" val="829859176"/>
+                    <a16:rowId xmlns="" xmlns:a16="http://schemas.microsoft.com/office/drawing/2014/main" val="829859176"/>
                   </a:ext>
                 </a:extLst>
               </a:tr>
@@ -25245,7 +25481,7 @@
                 </a:tc>
                 <a:extLst>
                   <a:ext uri="{0D108BD9-81ED-4DB2-BD59-A6C34878D82A}">
-                    <a16:rowId xmlns:a16="http://schemas.microsoft.com/office/drawing/2014/main" xmlns="" val="1946132611"/>
+                    <a16:rowId xmlns="" xmlns:a16="http://schemas.microsoft.com/office/drawing/2014/main" val="1946132611"/>
                   </a:ext>
                 </a:extLst>
               </a:tr>
@@ -25287,7 +25523,7 @@
                 </a:tc>
                 <a:extLst>
                   <a:ext uri="{0D108BD9-81ED-4DB2-BD59-A6C34878D82A}">
-                    <a16:rowId xmlns:a16="http://schemas.microsoft.com/office/drawing/2014/main" xmlns="" val="3204002662"/>
+                    <a16:rowId xmlns="" xmlns:a16="http://schemas.microsoft.com/office/drawing/2014/main" val="3204002662"/>
                   </a:ext>
                 </a:extLst>
               </a:tr>
@@ -25324,7 +25560,7 @@
                 </a:tc>
                 <a:extLst>
                   <a:ext uri="{0D108BD9-81ED-4DB2-BD59-A6C34878D82A}">
-                    <a16:rowId xmlns:a16="http://schemas.microsoft.com/office/drawing/2014/main" xmlns="" val="4266278162"/>
+                    <a16:rowId xmlns="" xmlns:a16="http://schemas.microsoft.com/office/drawing/2014/main" val="4266278162"/>
                   </a:ext>
                 </a:extLst>
               </a:tr>
@@ -25478,13 +25714,13 @@
   <p:clrMapOvr>
     <a:masterClrMapping/>
   </p:clrMapOvr>
-  <p:transition>
+  <p:transition xmlns:p14="http://schemas.microsoft.com/office/powerpoint/2010/main">
     <p:fade/>
   </p:transition>
   <p:timing>
     <p:tnLst>
       <p:par>
-        <p:cTn id="1" dur="indefinite" restart="never" nodeType="tmRoot"/>
+        <p:cTn xmlns:p14="http://schemas.microsoft.com/office/powerpoint/2010/main" id="1" dur="indefinite" restart="never" nodeType="tmRoot"/>
       </p:par>
     </p:tnLst>
   </p:timing>
@@ -27225,7 +27461,7 @@
   <p:clrMapOvr>
     <a:masterClrMapping/>
   </p:clrMapOvr>
-  <p:transition>
+  <p:transition xmlns:p14="http://schemas.microsoft.com/office/powerpoint/2010/main">
     <p:fade/>
   </p:transition>
 </p:sld>
@@ -29002,7 +29238,7 @@
   <p:clrMapOvr>
     <a:masterClrMapping/>
   </p:clrMapOvr>
-  <p:transition>
+  <p:transition xmlns:p14="http://schemas.microsoft.com/office/powerpoint/2010/main">
     <p:fade/>
   </p:transition>
 </p:sld>
@@ -29096,7 +29332,7 @@
   <p:timing>
     <p:tnLst>
       <p:par>
-        <p:cTn id="1" dur="indefinite" restart="never" nodeType="tmRoot"/>
+        <p:cTn xmlns:p14="http://schemas.microsoft.com/office/powerpoint/2010/main" id="1" dur="indefinite" restart="never" nodeType="tmRoot"/>
       </p:par>
     </p:tnLst>
   </p:timing>
@@ -29141,108 +29377,206 @@
           <a:lstStyle/>
           <a:p>
             <a:r>
-              <a:rPr lang="en-US" dirty="0" smtClean="0"/>
+              <a:rPr lang="en-US" sz="3200" dirty="0" smtClean="0"/>
               <a:t>OneNote</a:t>
             </a:r>
           </a:p>
           <a:p>
             <a:pPr lvl="1"/>
             <a:r>
-              <a:rPr lang="en-US" dirty="0" smtClean="0"/>
+              <a:rPr lang="en-US" dirty="0" smtClean="0">
+                <a:hlinkClick r:id="rId3"/>
+              </a:rPr>
               <a:t>https</a:t>
             </a:r>
             <a:r>
-              <a:rPr lang="en-US" dirty="0"/>
+              <a:rPr lang="en-US" dirty="0">
+                <a:hlinkClick r:id="rId3"/>
+              </a:rPr>
               <a:t>://</a:t>
             </a:r>
             <a:r>
-              <a:rPr lang="en-US" dirty="0" smtClean="0"/>
+              <a:rPr lang="en-US" dirty="0" smtClean="0">
+                <a:hlinkClick r:id="rId3"/>
+              </a:rPr>
               <a:t>www.onenote.com</a:t>
             </a:r>
-          </a:p>
-          <a:p>
-            <a:r>
-              <a:rPr lang="en-US" dirty="0" smtClean="0"/>
-              <a:t>API Documentation</a:t>
-            </a:r>
+            <a:endParaRPr lang="en-US" dirty="0" smtClean="0"/>
+          </a:p>
+          <a:p>
+            <a:r>
+              <a:rPr lang="en-US" sz="3200" dirty="0" smtClean="0"/>
+              <a:t>OneNote </a:t>
+            </a:r>
+            <a:r>
+              <a:rPr lang="en-US" sz="3200" dirty="0" err="1" smtClean="0"/>
+              <a:t>Dev</a:t>
+            </a:r>
+            <a:r>
+              <a:rPr lang="en-US" sz="3200" dirty="0" smtClean="0"/>
+              <a:t> Center</a:t>
+            </a:r>
+            <a:endParaRPr lang="en-US" sz="3200" dirty="0" smtClean="0"/>
           </a:p>
           <a:p>
             <a:pPr lvl="1"/>
             <a:r>
-              <a:rPr lang="en-US" dirty="0" smtClean="0"/>
+              <a:rPr lang="en-US" dirty="0" smtClean="0">
+                <a:hlinkClick r:id="rId4"/>
+              </a:rPr>
               <a:t>http</a:t>
             </a:r>
             <a:r>
-              <a:rPr lang="en-US" dirty="0"/>
+              <a:rPr lang="en-US" dirty="0">
+                <a:hlinkClick r:id="rId4"/>
+              </a:rPr>
               <a:t>://</a:t>
             </a:r>
             <a:r>
-              <a:rPr lang="en-US" dirty="0" smtClean="0"/>
+              <a:rPr lang="en-US" dirty="0" smtClean="0">
+                <a:hlinkClick r:id="rId4"/>
+              </a:rPr>
               <a:t>dev.onenote.com</a:t>
             </a:r>
-          </a:p>
-          <a:p>
-            <a:r>
-              <a:rPr lang="en-US" dirty="0" smtClean="0"/>
-              <a:t>Clipper</a:t>
-            </a:r>
+            <a:endParaRPr lang="en-US" dirty="0" smtClean="0"/>
+          </a:p>
+          <a:p>
+            <a:r>
+              <a:rPr lang="en-US" sz="3200" dirty="0" smtClean="0"/>
+              <a:t>OneNote </a:t>
+            </a:r>
+            <a:r>
+              <a:rPr lang="en-US" sz="3200" dirty="0" err="1" smtClean="0"/>
+              <a:t>Dev</a:t>
+            </a:r>
+            <a:r>
+              <a:rPr lang="en-US" sz="3200" dirty="0" smtClean="0"/>
+              <a:t> Blog</a:t>
+            </a:r>
+            <a:endParaRPr lang="en-US" sz="3200" dirty="0" smtClean="0"/>
           </a:p>
           <a:p>
             <a:pPr lvl="1"/>
             <a:r>
-              <a:rPr lang="en-US" dirty="0" smtClean="0"/>
+              <a:rPr lang="en-US" dirty="0">
+                <a:hlinkClick r:id="rId5"/>
+              </a:rPr>
+              <a:t>http://</a:t>
+            </a:r>
+            <a:r>
+              <a:rPr lang="en-US" dirty="0" err="1">
+                <a:hlinkClick r:id="rId5"/>
+              </a:rPr>
+              <a:t>blogs.msdn.com</a:t>
+            </a:r>
+            <a:r>
+              <a:rPr lang="en-US" dirty="0">
+                <a:hlinkClick r:id="rId5"/>
+              </a:rPr>
+              <a:t>/b/</a:t>
+            </a:r>
+            <a:r>
+              <a:rPr lang="en-US" dirty="0" err="1">
+                <a:hlinkClick r:id="rId5"/>
+              </a:rPr>
+              <a:t>onenotedev</a:t>
+            </a:r>
+            <a:r>
+              <a:rPr lang="en-US" dirty="0" smtClean="0">
+                <a:hlinkClick r:id="rId5"/>
+              </a:rPr>
+              <a:t>/</a:t>
+            </a:r>
+            <a:endParaRPr lang="en-US" dirty="0" smtClean="0"/>
+          </a:p>
+          <a:p>
+            <a:r>
+              <a:rPr lang="en-US" sz="3200" dirty="0" smtClean="0"/>
+              <a:t>App Registration</a:t>
+            </a:r>
+          </a:p>
+          <a:p>
+            <a:pPr lvl="1"/>
+            <a:r>
+              <a:rPr lang="en-US" dirty="0" smtClean="0">
+                <a:hlinkClick r:id="rId6"/>
+              </a:rPr>
+              <a:t>http://</a:t>
+            </a:r>
+            <a:r>
+              <a:rPr lang="en-US" dirty="0" err="1" smtClean="0">
+                <a:hlinkClick r:id="rId6"/>
+              </a:rPr>
+              <a:t>msdn.microsoft.com</a:t>
+            </a:r>
+            <a:r>
+              <a:rPr lang="en-US" dirty="0" smtClean="0">
+                <a:hlinkClick r:id="rId6"/>
+              </a:rPr>
+              <a:t>/en-us/library/ff751474.aspx</a:t>
+            </a:r>
+            <a:endParaRPr lang="en-US" dirty="0" smtClean="0"/>
+          </a:p>
+          <a:p>
+            <a:r>
+              <a:rPr lang="en-US" sz="3200" dirty="0" smtClean="0"/>
+              <a:t>API Playground</a:t>
+            </a:r>
+          </a:p>
+          <a:p>
+            <a:pPr lvl="1"/>
+            <a:r>
+              <a:rPr lang="en-US" dirty="0" smtClean="0">
+                <a:hlinkClick r:id="rId7"/>
+              </a:rPr>
               <a:t>https</a:t>
             </a:r>
             <a:r>
-              <a:rPr lang="en-US" dirty="0"/>
+              <a:rPr lang="en-US" dirty="0">
+                <a:hlinkClick r:id="rId7"/>
+              </a:rPr>
               <a:t>://</a:t>
             </a:r>
             <a:r>
-              <a:rPr lang="en-US" dirty="0" smtClean="0"/>
-              <a:t>www.onenote.com/Clipper/OneNote</a:t>
-            </a:r>
-          </a:p>
-          <a:p>
-            <a:r>
-              <a:rPr lang="en-US" dirty="0" smtClean="0"/>
-              <a:t>App Registration</a:t>
-            </a:r>
-          </a:p>
-          <a:p>
-            <a:pPr lvl="1"/>
-            <a:r>
-              <a:rPr lang="en-US" dirty="0" smtClean="0"/>
-              <a:t>http</a:t>
-            </a:r>
-            <a:r>
-              <a:rPr lang="en-US" dirty="0"/>
-              <a:t>://</a:t>
-            </a:r>
-            <a:r>
-              <a:rPr lang="en-US" dirty="0" smtClean="0"/>
-              <a:t>msdn.microsoft.com/en-us/library/ff751474.aspx</a:t>
-            </a:r>
-          </a:p>
-          <a:p>
-            <a:r>
-              <a:rPr lang="en-US" dirty="0" smtClean="0"/>
-              <a:t>Test Console</a:t>
-            </a:r>
-          </a:p>
-          <a:p>
-            <a:pPr lvl="1"/>
-            <a:r>
-              <a:rPr lang="en-US" dirty="0" smtClean="0"/>
-              <a:t>https</a:t>
-            </a:r>
-            <a:r>
-              <a:rPr lang="en-US" dirty="0"/>
-              <a:t>://</a:t>
-            </a:r>
-            <a:r>
-              <a:rPr lang="en-US" dirty="0" smtClean="0"/>
+              <a:rPr lang="en-US" dirty="0" smtClean="0">
+                <a:hlinkClick r:id="rId7"/>
+              </a:rPr>
               <a:t>apigee.com/onenote/embed/console/onenote</a:t>
             </a:r>
+            <a:endParaRPr lang="en-US" dirty="0" smtClean="0"/>
+          </a:p>
+          <a:p>
+            <a:pPr lvl="1">
+              <a:spcBef>
+                <a:spcPts val="600"/>
+              </a:spcBef>
+              <a:buSzPct val="80000"/>
+            </a:pPr>
+            <a:r>
+              <a:rPr lang="en-US" dirty="0">
+                <a:hlinkClick r:id="rId8"/>
+              </a:rPr>
+              <a:t>https://apigee.com/</a:t>
+            </a:r>
+            <a:r>
+              <a:rPr lang="en-US" dirty="0" smtClean="0">
+                <a:hlinkClick r:id="rId8"/>
+              </a:rPr>
+              <a:t>onenote_beta/</a:t>
+            </a:r>
+            <a:r>
+              <a:rPr lang="en-US" dirty="0">
+                <a:hlinkClick r:id="rId8"/>
+              </a:rPr>
+              <a:t>embed/console/</a:t>
+            </a:r>
+            <a:r>
+              <a:rPr lang="en-US" dirty="0" err="1" smtClean="0">
+                <a:hlinkClick r:id="rId8"/>
+              </a:rPr>
+              <a:t>onenote_beta</a:t>
+            </a:r>
+            <a:endParaRPr lang="en-US" dirty="0"/>
           </a:p>
           <a:p>
             <a:endParaRPr lang="en-US" dirty="0"/>
@@ -29291,7 +29625,7 @@
   <p:clrMapOvr>
     <a:masterClrMapping/>
   </p:clrMapOvr>
-  <p:transition>
+  <p:transition xmlns:p14="http://schemas.microsoft.com/office/powerpoint/2010/main">
     <p:fade/>
   </p:transition>
 </p:sld>
@@ -29458,7 +29792,7 @@
   <p:timing>
     <p:tnLst>
       <p:par>
-        <p:cTn id="1" dur="indefinite" restart="never" nodeType="tmRoot"/>
+        <p:cTn xmlns:p14="http://schemas.microsoft.com/office/powerpoint/2010/main" id="1" dur="indefinite" restart="never" nodeType="tmRoot"/>
       </p:par>
     </p:tnLst>
   </p:timing>
@@ -32219,7 +32553,7 @@
   <p:timing>
     <p:tnLst>
       <p:par>
-        <p:cTn id="1" dur="indefinite" restart="never" nodeType="tmRoot">
+        <p:cTn xmlns:p14="http://schemas.microsoft.com/office/powerpoint/2010/main" id="1" dur="indefinite" restart="never" nodeType="tmRoot">
           <p:childTnLst>
             <p:seq concurrent="1" nextAc="seek">
               <p:cTn id="2" dur="indefinite" nodeType="mainSeq">
@@ -35114,7 +35448,7 @@
               <a:noFill/>
             </a:ln>
             <a:extLst>
-              <a:ext uri="{91240B29-F687-4F45-9708-019B960494DF}">
+              <a:ext uri="{91240B29-F687-4f45-9708-019B960494DF}">
                 <a14:hiddenLine xmlns:a14="http://schemas.microsoft.com/office/drawing/2010/main" w="9525">
                   <a:solidFill>
                     <a:srgbClr val="000000"/>
@@ -35307,7 +35641,7 @@
               <a:noFill/>
             </a:ln>
             <a:extLst>
-              <a:ext uri="{91240B29-F687-4F45-9708-019B960494DF}">
+              <a:ext uri="{91240B29-F687-4f45-9708-019B960494DF}">
                 <a14:hiddenLine xmlns:a14="http://schemas.microsoft.com/office/drawing/2010/main" w="9525">
                   <a:solidFill>
                     <a:srgbClr val="000000"/>
@@ -35456,7 +35790,7 @@
               <a:noFill/>
             </a:ln>
             <a:extLst>
-              <a:ext uri="{91240B29-F687-4F45-9708-019B960494DF}">
+              <a:ext uri="{91240B29-F687-4f45-9708-019B960494DF}">
                 <a14:hiddenLine xmlns:a14="http://schemas.microsoft.com/office/drawing/2010/main" w="9525">
                   <a:solidFill>
                     <a:srgbClr val="000000"/>
@@ -35508,7 +35842,7 @@
               <a:noFill/>
             </a:ln>
             <a:extLst>
-              <a:ext uri="{91240B29-F687-4F45-9708-019B960494DF}">
+              <a:ext uri="{91240B29-F687-4f45-9708-019B960494DF}">
                 <a14:hiddenLine xmlns:a14="http://schemas.microsoft.com/office/drawing/2010/main" w="9525">
                   <a:solidFill>
                     <a:srgbClr val="000000"/>
@@ -35560,7 +35894,7 @@
               <a:noFill/>
             </a:ln>
             <a:extLst>
-              <a:ext uri="{91240B29-F687-4F45-9708-019B960494DF}">
+              <a:ext uri="{91240B29-F687-4f45-9708-019B960494DF}">
                 <a14:hiddenLine xmlns:a14="http://schemas.microsoft.com/office/drawing/2010/main" w="9525">
                   <a:solidFill>
                     <a:srgbClr val="000000"/>
@@ -35663,7 +35997,7 @@
               <a:noFill/>
             </a:ln>
             <a:extLst>
-              <a:ext uri="{91240B29-F687-4F45-9708-019B960494DF}">
+              <a:ext uri="{91240B29-F687-4f45-9708-019B960494DF}">
                 <a14:hiddenLine xmlns:a14="http://schemas.microsoft.com/office/drawing/2010/main" w="9525">
                   <a:solidFill>
                     <a:srgbClr val="000000"/>
@@ -35796,7 +36130,7 @@
   <p:timing>
     <p:tnLst>
       <p:par>
-        <p:cTn id="1" dur="indefinite" restart="never" nodeType="tmRoot">
+        <p:cTn xmlns:p14="http://schemas.microsoft.com/office/powerpoint/2010/main" id="1" dur="indefinite" restart="never" nodeType="tmRoot">
           <p:childTnLst>
             <p:seq concurrent="1" nextAc="seek">
               <p:cTn id="2" dur="indefinite" nodeType="mainSeq">
@@ -37296,14 +37630,14 @@
             <a:noFill/>
           </a:ln>
           <a:extLst>
-            <a:ext uri="{909E8E84-426E-40DD-AFC4-6F175D3DCCD1}">
+            <a:ext uri="{909E8E84-426E-40dd-AFC4-6F175D3DCCD1}">
               <a14:hiddenFill xmlns:a14="http://schemas.microsoft.com/office/drawing/2010/main">
                 <a:solidFill>
                   <a:srgbClr val="FFFFFF"/>
                 </a:solidFill>
               </a14:hiddenFill>
             </a:ext>
-            <a:ext uri="{91240B29-F687-4F45-9708-019B960494DF}">
+            <a:ext uri="{91240B29-F687-4f45-9708-019B960494DF}">
               <a14:hiddenLine xmlns:a14="http://schemas.microsoft.com/office/drawing/2010/main" w="9525">
                 <a:solidFill>
                   <a:srgbClr val="000000"/>
@@ -37341,7 +37675,7 @@
   <p:timing>
     <p:tnLst>
       <p:par>
-        <p:cTn id="1" dur="indefinite" restart="never" nodeType="tmRoot">
+        <p:cTn xmlns:p14="http://schemas.microsoft.com/office/powerpoint/2010/main" id="1" dur="indefinite" restart="never" nodeType="tmRoot">
           <p:childTnLst>
             <p:seq concurrent="1" nextAc="seek">
               <p:cTn id="2" dur="indefinite" nodeType="mainSeq">
@@ -40140,13 +40474,13 @@
   <p:clrMapOvr>
     <a:masterClrMapping/>
   </p:clrMapOvr>
-  <p:transition>
+  <p:transition xmlns:p14="http://schemas.microsoft.com/office/powerpoint/2010/main">
     <p:fade/>
   </p:transition>
   <p:timing>
     <p:tnLst>
       <p:par>
-        <p:cTn id="1" dur="indefinite" restart="never" nodeType="tmRoot"/>
+        <p:cTn xmlns:p14="http://schemas.microsoft.com/office/powerpoint/2010/main" id="1" dur="indefinite" restart="never" nodeType="tmRoot"/>
       </p:par>
     </p:tnLst>
   </p:timing>
@@ -40531,7 +40865,7 @@
   <p:timing>
     <p:tnLst>
       <p:par>
-        <p:cTn id="1" dur="indefinite" restart="never" nodeType="tmRoot"/>
+        <p:cTn xmlns:p14="http://schemas.microsoft.com/office/powerpoint/2010/main" id="1" dur="indefinite" restart="never" nodeType="tmRoot"/>
       </p:par>
     </p:tnLst>
   </p:timing>
@@ -40629,13 +40963,13 @@
   <p:clrMapOvr>
     <a:masterClrMapping/>
   </p:clrMapOvr>
-  <p:transition>
+  <p:transition xmlns:p14="http://schemas.microsoft.com/office/powerpoint/2010/main">
     <p:fade/>
   </p:transition>
   <p:timing>
     <p:tnLst>
       <p:par>
-        <p:cTn id="1" dur="indefinite" restart="never" nodeType="tmRoot"/>
+        <p:cTn xmlns:p14="http://schemas.microsoft.com/office/powerpoint/2010/main" id="1" dur="indefinite" restart="never" nodeType="tmRoot"/>
       </p:par>
     </p:tnLst>
   </p:timing>
@@ -40799,7 +41133,7 @@
   <p:timing>
     <p:tnLst>
       <p:par>
-        <p:cTn id="1" dur="indefinite" restart="never" nodeType="tmRoot"/>
+        <p:cTn xmlns:p14="http://schemas.microsoft.com/office/powerpoint/2010/main" id="1" dur="indefinite" restart="never" nodeType="tmRoot"/>
       </p:par>
     </p:tnLst>
   </p:timing>
@@ -40890,7 +41224,7 @@
   <p:timing>
     <p:tnLst>
       <p:par>
-        <p:cTn id="1" dur="indefinite" restart="never" nodeType="tmRoot"/>
+        <p:cTn xmlns:p14="http://schemas.microsoft.com/office/powerpoint/2010/main" id="1" dur="indefinite" restart="never" nodeType="tmRoot"/>
       </p:par>
     </p:tnLst>
   </p:timing>
@@ -40960,11 +41294,7 @@
           <a:p>
             <a:r>
               <a:rPr lang="en-US" dirty="0" smtClean="0"/>
-              <a:t>Find </a:t>
-            </a:r>
-            <a:r>
-              <a:rPr lang="en-US" dirty="0" smtClean="0"/>
-              <a:t>anything quickly</a:t>
+              <a:t>Find anything quickly</a:t>
             </a:r>
           </a:p>
           <a:p>
@@ -40981,11 +41311,7 @@
           <a:p>
             <a:r>
               <a:rPr lang="en-US" dirty="0" smtClean="0"/>
-              <a:t>Your </a:t>
-            </a:r>
-            <a:r>
-              <a:rPr lang="en-US" dirty="0" smtClean="0"/>
-              <a:t>digital memory store in the cloud</a:t>
+              <a:t>Your digital memory store in the cloud</a:t>
             </a:r>
             <a:endParaRPr lang="en-US" dirty="0"/>
           </a:p>
@@ -41068,7 +41394,7 @@
   <p:timing>
     <p:tnLst>
       <p:par>
-        <p:cTn id="1" dur="indefinite" restart="never" nodeType="tmRoot"/>
+        <p:cTn xmlns:p14="http://schemas.microsoft.com/office/powerpoint/2010/main" id="1" dur="indefinite" restart="never" nodeType="tmRoot"/>
       </p:par>
     </p:tnLst>
   </p:timing>
@@ -41485,13 +41811,13 @@
   <p:clrMapOvr>
     <a:masterClrMapping/>
   </p:clrMapOvr>
-  <p:transition>
+  <p:transition xmlns:p14="http://schemas.microsoft.com/office/powerpoint/2010/main">
     <p:fade/>
   </p:transition>
   <p:timing>
     <p:tnLst>
       <p:par>
-        <p:cTn id="1" dur="indefinite" restart="never" nodeType="tmRoot"/>
+        <p:cTn xmlns:p14="http://schemas.microsoft.com/office/powerpoint/2010/main" id="1" dur="indefinite" restart="never" nodeType="tmRoot"/>
       </p:par>
     </p:tnLst>
   </p:timing>
@@ -41582,7 +41908,7 @@
   <p:timing>
     <p:tnLst>
       <p:par>
-        <p:cTn id="1" dur="indefinite" restart="never" nodeType="tmRoot"/>
+        <p:cTn xmlns:p14="http://schemas.microsoft.com/office/powerpoint/2010/main" id="1" dur="indefinite" restart="never" nodeType="tmRoot"/>
       </p:par>
     </p:tnLst>
   </p:timing>
@@ -41876,7 +42202,7 @@
   <a:extraClrSchemeLst/>
   <a:extLst>
     <a:ext uri="{05A4C25C-085E-4340-85A3-A5531E510DB2}">
-      <thm15:themeFamily xmlns:thm15="http://schemas.microsoft.com/office/thememl/2012/main" name="Office_Template_16x9_WHITE.potx" id="{BAC85760-2BE3-4369-8D6A-792FA239637A}" vid="{0B6ECECE-D832-4A6D-9382-4D4E764C03DC}"/>
+      <thm15:themeFamily xmlns:thm15="http://schemas.microsoft.com/office/thememl/2012/main" xmlns="" name="Office_Template_16x9_WHITE.potx" id="{BAC85760-2BE3-4369-8D6A-792FA239637A}" vid="{0B6ECECE-D832-4A6D-9382-4D4E764C03DC}"/>
     </a:ext>
   </a:extLst>
 </a:theme>
@@ -42169,7 +42495,7 @@
   <a:extraClrSchemeLst/>
   <a:extLst>
     <a:ext uri="{05A4C25C-085E-4340-85A3-A5531E510DB2}">
-      <thm15:themeFamily xmlns:thm15="http://schemas.microsoft.com/office/thememl/2012/main" name="Office_Template_16x9_WHITE.potx" id="{BAC85760-2BE3-4369-8D6A-792FA239637A}" vid="{A93E73D1-45C6-4FF9-A009-9C9E7F69F4DC}"/>
+      <thm15:themeFamily xmlns:thm15="http://schemas.microsoft.com/office/thememl/2012/main" xmlns="" name="Office_Template_16x9_WHITE.potx" id="{BAC85760-2BE3-4369-8D6A-792FA239637A}" vid="{A93E73D1-45C6-4FF9-A009-9C9E7F69F4DC}"/>
     </a:ext>
   </a:extLst>
 </a:theme>

--- a/O3653-7 Deep Dive into the Office 365 APIs for OneNote services/O3653-7 Deep Dive into the Office 365 APIs for OneNote services.pptx
+++ b/O3653-7 Deep Dive into the Office 365 APIs for OneNote services/O3653-7 Deep Dive into the Office 365 APIs for OneNote services.pptx
@@ -6,10 +6,10 @@
     <p:sldMasterId id="2147484046" r:id="rId5"/>
   </p:sldMasterIdLst>
   <p:notesMasterIdLst>
-    <p:notesMasterId r:id="rId44"/>
+    <p:notesMasterId r:id="rId45"/>
   </p:notesMasterIdLst>
   <p:handoutMasterIdLst>
-    <p:handoutMasterId r:id="rId45"/>
+    <p:handoutMasterId r:id="rId46"/>
   </p:handoutMasterIdLst>
   <p:sldIdLst>
     <p:sldId id="691" r:id="rId6"/>
@@ -23,33 +23,34 @@
     <p:sldId id="660" r:id="rId14"/>
     <p:sldId id="663" r:id="rId15"/>
     <p:sldId id="667" r:id="rId16"/>
-    <p:sldId id="669" r:id="rId17"/>
-    <p:sldId id="670" r:id="rId18"/>
-    <p:sldId id="671" r:id="rId19"/>
-    <p:sldId id="662" r:id="rId20"/>
-    <p:sldId id="676" r:id="rId21"/>
-    <p:sldId id="673" r:id="rId22"/>
-    <p:sldId id="702" r:id="rId23"/>
-    <p:sldId id="677" r:id="rId24"/>
-    <p:sldId id="678" r:id="rId25"/>
-    <p:sldId id="679" r:id="rId26"/>
-    <p:sldId id="674" r:id="rId27"/>
-    <p:sldId id="701" r:id="rId28"/>
-    <p:sldId id="672" r:id="rId29"/>
-    <p:sldId id="682" r:id="rId30"/>
-    <p:sldId id="683" r:id="rId31"/>
-    <p:sldId id="684" r:id="rId32"/>
-    <p:sldId id="688" r:id="rId33"/>
-    <p:sldId id="685" r:id="rId34"/>
-    <p:sldId id="686" r:id="rId35"/>
-    <p:sldId id="700" r:id="rId36"/>
-    <p:sldId id="703" r:id="rId37"/>
-    <p:sldId id="694" r:id="rId38"/>
-    <p:sldId id="696" r:id="rId39"/>
-    <p:sldId id="697" r:id="rId40"/>
-    <p:sldId id="698" r:id="rId41"/>
-    <p:sldId id="699" r:id="rId42"/>
-    <p:sldId id="654" r:id="rId43"/>
+    <p:sldId id="704" r:id="rId17"/>
+    <p:sldId id="669" r:id="rId18"/>
+    <p:sldId id="670" r:id="rId19"/>
+    <p:sldId id="671" r:id="rId20"/>
+    <p:sldId id="662" r:id="rId21"/>
+    <p:sldId id="676" r:id="rId22"/>
+    <p:sldId id="673" r:id="rId23"/>
+    <p:sldId id="702" r:id="rId24"/>
+    <p:sldId id="677" r:id="rId25"/>
+    <p:sldId id="678" r:id="rId26"/>
+    <p:sldId id="679" r:id="rId27"/>
+    <p:sldId id="674" r:id="rId28"/>
+    <p:sldId id="701" r:id="rId29"/>
+    <p:sldId id="672" r:id="rId30"/>
+    <p:sldId id="682" r:id="rId31"/>
+    <p:sldId id="683" r:id="rId32"/>
+    <p:sldId id="684" r:id="rId33"/>
+    <p:sldId id="688" r:id="rId34"/>
+    <p:sldId id="685" r:id="rId35"/>
+    <p:sldId id="686" r:id="rId36"/>
+    <p:sldId id="700" r:id="rId37"/>
+    <p:sldId id="703" r:id="rId38"/>
+    <p:sldId id="694" r:id="rId39"/>
+    <p:sldId id="696" r:id="rId40"/>
+    <p:sldId id="697" r:id="rId41"/>
+    <p:sldId id="698" r:id="rId42"/>
+    <p:sldId id="699" r:id="rId43"/>
+    <p:sldId id="654" r:id="rId44"/>
   </p:sldIdLst>
   <p:sldSz cx="12188825" cy="6858000"/>
   <p:notesSz cx="6858000" cy="9144000"/>
@@ -150,7 +151,7 @@
   </p:defaultTextStyle>
   <p:extLst>
     <p:ext uri="{EFAFB233-063F-42B5-8137-9DF3F51BA10A}">
-      <p15:sldGuideLst xmlns:p15="http://schemas.microsoft.com/office/powerpoint/2012/main">
+      <p15:sldGuideLst xmlns:p15="http://schemas.microsoft.com/office/powerpoint/2012/main" xmlns="">
         <p15:guide id="1" orient="horz" pos="142">
           <p15:clr>
             <a:srgbClr val="A4A3A4"/>
@@ -249,7 +250,7 @@
       </p15:sldGuideLst>
     </p:ext>
     <p:ext uri="{2D200454-40CA-4A62-9FC3-DE9A4176ACB9}">
-      <p15:notesGuideLst xmlns:p15="http://schemas.microsoft.com/office/powerpoint/2012/main">
+      <p15:notesGuideLst xmlns:p15="http://schemas.microsoft.com/office/powerpoint/2012/main" xmlns="">
         <p15:guide id="1" orient="horz" pos="2880">
           <p15:clr>
             <a:srgbClr val="A4A3A4"/>
@@ -352,7 +353,7 @@
           <a:p>
             <a:fld id="{DE219B1A-AE41-483B-A766-69B9363DDA6A}" type="datetimeFigureOut">
               <a:rPr lang="en-US" smtClean="0"/>
-              <a:t>10/7/2014</a:t>
+              <a:t>11/5/14</a:t>
             </a:fld>
             <a:endParaRPr lang="en-US"/>
           </a:p>
@@ -634,7 +635,7 @@
           <a:p>
             <a:fld id="{D51B1278-D92B-4AF3-A9C1-71DD298190CE}" type="datetimeFigureOut">
               <a:rPr lang="en-US" smtClean="0"/>
-              <a:t>10/7/2014</a:t>
+              <a:t>11/5/14</a:t>
             </a:fld>
             <a:endParaRPr lang="en-US"/>
           </a:p>
@@ -1219,7 +1220,7 @@
           <a:p>
             <a:fld id="{D9457FDC-8CBB-442A-9789-D9CBE4FF6CAC}" type="datetime1">
               <a:rPr lang="en-US" smtClean="0"/>
-              <a:t>10/7/2014</a:t>
+              <a:t>11/5/14</a:t>
             </a:fld>
             <a:endParaRPr lang="en-US"/>
           </a:p>
@@ -1242,7 +1243,7 @@
           <a:p>
             <a:fld id="{B4008EB6-D09E-4580-8CD6-DDB14511944F}" type="slidenum">
               <a:rPr lang="en-US" smtClean="0"/>
-              <a:t>16</a:t>
+              <a:t>17</a:t>
             </a:fld>
             <a:endParaRPr lang="en-US" dirty="0"/>
           </a:p>
@@ -1435,7 +1436,7 @@
           <a:p>
             <a:fld id="{1C57A713-B7BF-46AB-995B-E26ED61D581C}" type="datetime1">
               <a:rPr lang="en-US" smtClean="0"/>
-              <a:t>10/7/2014</a:t>
+              <a:t>11/5/14</a:t>
             </a:fld>
             <a:endParaRPr lang="en-US"/>
           </a:p>
@@ -1458,7 +1459,7 @@
           <a:p>
             <a:fld id="{B4008EB6-D09E-4580-8CD6-DDB14511944F}" type="slidenum">
               <a:rPr lang="en-US" smtClean="0"/>
-              <a:t>17</a:t>
+              <a:t>18</a:t>
             </a:fld>
             <a:endParaRPr lang="en-US" dirty="0"/>
           </a:p>
@@ -1641,7 +1642,7 @@
           <a:p>
             <a:fld id="{C23DC68B-26B3-4996-AE84-42AD14AFCDB7}" type="datetime1">
               <a:rPr lang="en-US" smtClean="0"/>
-              <a:t>10/7/2014</a:t>
+              <a:t>11/5/14</a:t>
             </a:fld>
             <a:endParaRPr lang="en-US"/>
           </a:p>
@@ -1664,7 +1665,7 @@
           <a:p>
             <a:fld id="{B4008EB6-D09E-4580-8CD6-DDB14511944F}" type="slidenum">
               <a:rPr lang="en-US" smtClean="0"/>
-              <a:t>18</a:t>
+              <a:t>19</a:t>
             </a:fld>
             <a:endParaRPr lang="en-US" dirty="0"/>
           </a:p>
@@ -1847,7 +1848,7 @@
           <a:p>
             <a:fld id="{D7265871-651F-44AE-B535-A861B59C3250}" type="datetime1">
               <a:rPr lang="en-US" smtClean="0"/>
-              <a:t>10/7/2014</a:t>
+              <a:t>11/5/14</a:t>
             </a:fld>
             <a:endParaRPr lang="en-US"/>
           </a:p>
@@ -1870,7 +1871,7 @@
           <a:p>
             <a:fld id="{B4008EB6-D09E-4580-8CD6-DDB14511944F}" type="slidenum">
               <a:rPr lang="en-US" smtClean="0"/>
-              <a:t>20</a:t>
+              <a:t>21</a:t>
             </a:fld>
             <a:endParaRPr lang="en-US" dirty="0"/>
           </a:p>
@@ -2065,7 +2066,7 @@
                 </a:solidFill>
               </a:rPr>
               <a:pPr/>
-              <a:t>10/7/2014</a:t>
+              <a:t>11/5/14</a:t>
             </a:fld>
             <a:endParaRPr lang="en-US">
               <a:solidFill>
@@ -2097,7 +2098,7 @@
                 </a:solidFill>
               </a:rPr>
               <a:pPr/>
-              <a:t>23</a:t>
+              <a:t>24</a:t>
             </a:fld>
             <a:endParaRPr lang="en-US" dirty="0">
               <a:solidFill>
@@ -2354,7 +2355,7 @@
           <a:p>
             <a:fld id="{4AED148B-7CB7-405A-AC08-8A9064AA46CA}" type="datetime1">
               <a:rPr lang="en-US" smtClean="0"/>
-              <a:t>10/7/2014</a:t>
+              <a:t>11/5/14</a:t>
             </a:fld>
             <a:endParaRPr lang="en-US"/>
           </a:p>
@@ -2377,7 +2378,7 @@
           <a:p>
             <a:fld id="{B4008EB6-D09E-4580-8CD6-DDB14511944F}" type="slidenum">
               <a:rPr lang="en-US" smtClean="0"/>
-              <a:t>25</a:t>
+              <a:t>26</a:t>
             </a:fld>
             <a:endParaRPr lang="en-US" dirty="0"/>
           </a:p>
@@ -2632,7 +2633,7 @@
           <a:p>
             <a:fld id="{BAA480A6-A57E-488B-9D67-747E5D1E1440}" type="datetime1">
               <a:rPr lang="en-US" smtClean="0"/>
-              <a:t>10/7/2014</a:t>
+              <a:t>11/5/14</a:t>
             </a:fld>
             <a:endParaRPr lang="en-US"/>
           </a:p>
@@ -2655,7 +2656,7 @@
           <a:p>
             <a:fld id="{B4008EB6-D09E-4580-8CD6-DDB14511944F}" type="slidenum">
               <a:rPr lang="en-US" smtClean="0"/>
-              <a:t>26</a:t>
+              <a:t>27</a:t>
             </a:fld>
             <a:endParaRPr lang="en-US" dirty="0"/>
           </a:p>
@@ -2853,7 +2854,7 @@
           <a:p>
             <a:fld id="{83076554-B7F1-4ECF-B249-05F619EE0826}" type="datetime1">
               <a:rPr lang="en-US" smtClean="0"/>
-              <a:t>10/7/2014</a:t>
+              <a:t>11/5/14</a:t>
             </a:fld>
             <a:endParaRPr lang="en-US"/>
           </a:p>
@@ -2876,7 +2877,7 @@
           <a:p>
             <a:fld id="{B4008EB6-D09E-4580-8CD6-DDB14511944F}" type="slidenum">
               <a:rPr lang="en-US" smtClean="0"/>
-              <a:t>28</a:t>
+              <a:t>29</a:t>
             </a:fld>
             <a:endParaRPr lang="en-US" dirty="0"/>
           </a:p>
@@ -3123,7 +3124,7 @@
                 </a:solidFill>
               </a:rPr>
               <a:pPr/>
-              <a:t>10/7/2014</a:t>
+              <a:t>11/5/14</a:t>
             </a:fld>
             <a:endParaRPr lang="en-US">
               <a:solidFill>
@@ -3155,7 +3156,7 @@
                 </a:solidFill>
               </a:rPr>
               <a:pPr/>
-              <a:t>31</a:t>
+              <a:t>32</a:t>
             </a:fld>
             <a:endParaRPr lang="en-US" dirty="0">
               <a:solidFill>
@@ -3350,7 +3351,7 @@
           <a:p>
             <a:fld id="{43B71FE5-80AF-4505-81BD-E96F6E90730E}" type="datetime1">
               <a:rPr lang="en-US" smtClean="0"/>
-              <a:t>10/7/2014</a:t>
+              <a:t>11/5/14</a:t>
             </a:fld>
             <a:endParaRPr lang="en-US"/>
           </a:p>
@@ -3373,7 +3374,7 @@
           <a:p>
             <a:fld id="{B4008EB6-D09E-4580-8CD6-DDB14511944F}" type="slidenum">
               <a:rPr lang="en-US" smtClean="0"/>
-              <a:t>32</a:t>
+              <a:t>33</a:t>
             </a:fld>
             <a:endParaRPr lang="en-US" dirty="0"/>
           </a:p>
@@ -3556,7 +3557,7 @@
           <a:p>
             <a:fld id="{B62F5349-7E3C-4547-B73A-61A22D60B6C7}" type="datetime1">
               <a:rPr lang="en-US" smtClean="0"/>
-              <a:t>10/7/2014</a:t>
+              <a:t>11/5/14</a:t>
             </a:fld>
             <a:endParaRPr lang="en-US"/>
           </a:p>
@@ -3816,7 +3817,7 @@
           <a:p>
             <a:fld id="{B079C3B8-7366-4A44-A34B-3977080C19E7}" type="datetime1">
               <a:rPr lang="en-US" smtClean="0"/>
-              <a:t>10/7/2014</a:t>
+              <a:t>11/5/14</a:t>
             </a:fld>
             <a:endParaRPr lang="en-US" dirty="0"/>
           </a:p>
@@ -3840,7 +3841,7 @@
             <a:fld id="{B4008EB6-D09E-4580-8CD6-DDB14511944F}" type="slidenum">
               <a:rPr lang="en-US" smtClean="0"/>
               <a:pPr/>
-              <a:t>33</a:t>
+              <a:t>34</a:t>
             </a:fld>
             <a:endParaRPr lang="en-US" dirty="0"/>
           </a:p>
@@ -3957,7 +3958,7 @@
                 </a:solidFill>
               </a:rPr>
               <a:pPr/>
-              <a:t>10/7/2014</a:t>
+              <a:t>11/5/14</a:t>
             </a:fld>
             <a:endParaRPr lang="en-US" dirty="0">
               <a:solidFill>
@@ -3989,7 +3990,7 @@
                 </a:solidFill>
               </a:rPr>
               <a:pPr/>
-              <a:t>35</a:t>
+              <a:t>36</a:t>
             </a:fld>
             <a:endParaRPr lang="en-US" dirty="0">
               <a:solidFill>
@@ -4158,7 +4159,7 @@
                 </a:solidFill>
               </a:rPr>
               <a:pPr/>
-              <a:t>10/7/2014</a:t>
+              <a:t>11/5/14</a:t>
             </a:fld>
             <a:endParaRPr lang="en-US" dirty="0">
               <a:solidFill>
@@ -4190,7 +4191,7 @@
                 </a:solidFill>
               </a:rPr>
               <a:pPr/>
-              <a:t>37</a:t>
+              <a:t>38</a:t>
             </a:fld>
             <a:endParaRPr lang="en-US" dirty="0">
               <a:solidFill>
@@ -4389,7 +4390,7 @@
           <a:p>
             <a:fld id="{0BB6559B-C68D-49B4-97AE-9BB74C417927}" type="datetime1">
               <a:rPr lang="en-US" smtClean="0"/>
-              <a:t>10/7/2014</a:t>
+              <a:t>11/5/14</a:t>
             </a:fld>
             <a:endParaRPr lang="en-US"/>
           </a:p>
@@ -4412,7 +4413,7 @@
           <a:p>
             <a:fld id="{B4008EB6-D09E-4580-8CD6-DDB14511944F}" type="slidenum">
               <a:rPr lang="en-US" smtClean="0"/>
-              <a:t>38</a:t>
+              <a:t>39</a:t>
             </a:fld>
             <a:endParaRPr lang="en-US" dirty="0"/>
           </a:p>
@@ -4550,7 +4551,7 @@
           <a:p>
             <a:fld id="{B079C3B8-7366-4A44-A34B-3977080C19E7}" type="datetime1">
               <a:rPr lang="en-US" smtClean="0"/>
-              <a:t>10/7/2014</a:t>
+              <a:t>11/5/14</a:t>
             </a:fld>
             <a:endParaRPr lang="en-US" dirty="0"/>
           </a:p>
@@ -4694,7 +4695,7 @@
                 </a:solidFill>
               </a:rPr>
               <a:pPr/>
-              <a:t>10/7/2014</a:t>
+              <a:t>11/5/14</a:t>
             </a:fld>
             <a:endParaRPr lang="en-US" dirty="0">
               <a:solidFill>
@@ -4872,7 +4873,7 @@
           <a:p>
             <a:fld id="{74871D00-66CD-407D-8F22-D00C75CBC23A}" type="datetime1">
               <a:rPr lang="en-US" smtClean="0"/>
-              <a:t>10/7/2014</a:t>
+              <a:t>11/5/14</a:t>
             </a:fld>
             <a:endParaRPr lang="en-US"/>
           </a:p>
@@ -5078,7 +5079,7 @@
           <a:p>
             <a:fld id="{9D411708-D367-4C5A-9983-F6101344A5A8}" type="datetime1">
               <a:rPr lang="en-US" smtClean="0"/>
-              <a:t>10/7/2014</a:t>
+              <a:t>11/5/14</a:t>
             </a:fld>
             <a:endParaRPr lang="en-US"/>
           </a:p>
@@ -5284,7 +5285,7 @@
           <a:p>
             <a:fld id="{B39A9A41-7C1A-4478-B25E-FCF894C810B8}" type="datetime1">
               <a:rPr lang="en-US" smtClean="0"/>
-              <a:t>10/7/2014</a:t>
+              <a:t>11/5/14</a:t>
             </a:fld>
             <a:endParaRPr lang="en-US"/>
           </a:p>
@@ -5674,7 +5675,7 @@
           <a:p>
             <a:fld id="{C45CE394-BDF4-42B3-A02F-AC542AC28186}" type="datetime1">
               <a:rPr lang="en-US" smtClean="0"/>
-              <a:t>10/7/2014</a:t>
+              <a:t>11/5/14</a:t>
             </a:fld>
             <a:endParaRPr lang="en-US"/>
           </a:p>
@@ -5697,7 +5698,7 @@
           <a:p>
             <a:fld id="{B4008EB6-D09E-4580-8CD6-DDB14511944F}" type="slidenum">
               <a:rPr lang="en-US" smtClean="0"/>
-              <a:t>14</a:t>
+              <a:t>15</a:t>
             </a:fld>
             <a:endParaRPr lang="en-US" dirty="0"/>
           </a:p>
@@ -5901,7 +5902,7 @@
           <a:p>
             <a:fld id="{6B8BF90D-BD61-43D7-93E0-6CBEC8B2313A}" type="datetime1">
               <a:rPr lang="en-US" smtClean="0"/>
-              <a:t>10/7/2014</a:t>
+              <a:t>11/5/14</a:t>
             </a:fld>
             <a:endParaRPr lang="en-US"/>
           </a:p>
@@ -5924,7 +5925,7 @@
           <a:p>
             <a:fld id="{B4008EB6-D09E-4580-8CD6-DDB14511944F}" type="slidenum">
               <a:rPr lang="en-US" smtClean="0"/>
-              <a:t>15</a:t>
+              <a:t>16</a:t>
             </a:fld>
             <a:endParaRPr lang="en-US" dirty="0"/>
           </a:p>
@@ -6218,7 +6219,7 @@
   <p:timing>
     <p:tnLst>
       <p:par>
-        <p:cTn id="1" dur="indefinite" restart="never" nodeType="tmRoot"/>
+        <p:cTn xmlns:p14="http://schemas.microsoft.com/office/powerpoint/2010/main" id="1" dur="indefinite" restart="never" nodeType="tmRoot"/>
       </p:par>
     </p:tnLst>
   </p:timing>
@@ -6561,7 +6562,7 @@
   <p:timing>
     <p:tnLst>
       <p:par>
-        <p:cTn id="1" dur="indefinite" restart="never" nodeType="tmRoot"/>
+        <p:cTn xmlns:p14="http://schemas.microsoft.com/office/powerpoint/2010/main" id="1" dur="indefinite" restart="never" nodeType="tmRoot"/>
       </p:par>
     </p:tnLst>
   </p:timing>
@@ -6909,7 +6910,7 @@
   <p:timing>
     <p:tnLst>
       <p:par>
-        <p:cTn id="1" dur="indefinite" restart="never" nodeType="tmRoot"/>
+        <p:cTn xmlns:p14="http://schemas.microsoft.com/office/powerpoint/2010/main" id="1" dur="indefinite" restart="never" nodeType="tmRoot"/>
       </p:par>
     </p:tnLst>
   </p:timing>
@@ -7209,7 +7210,7 @@
   <p:timing>
     <p:tnLst>
       <p:par>
-        <p:cTn id="1" dur="indefinite" restart="never" nodeType="tmRoot"/>
+        <p:cTn xmlns:p14="http://schemas.microsoft.com/office/powerpoint/2010/main" id="1" dur="indefinite" restart="never" nodeType="tmRoot"/>
       </p:par>
     </p:tnLst>
   </p:timing>
@@ -7548,7 +7549,7 @@
   <p:timing>
     <p:tnLst>
       <p:par>
-        <p:cTn id="1" dur="indefinite" restart="never" nodeType="tmRoot"/>
+        <p:cTn xmlns:p14="http://schemas.microsoft.com/office/powerpoint/2010/main" id="1" dur="indefinite" restart="never" nodeType="tmRoot"/>
       </p:par>
     </p:tnLst>
   </p:timing>
@@ -7921,7 +7922,7 @@
   <p:timing>
     <p:tnLst>
       <p:par>
-        <p:cTn id="1" dur="indefinite" restart="never" nodeType="tmRoot"/>
+        <p:cTn xmlns:p14="http://schemas.microsoft.com/office/powerpoint/2010/main" id="1" dur="indefinite" restart="never" nodeType="tmRoot"/>
       </p:par>
     </p:tnLst>
   </p:timing>
@@ -8294,7 +8295,7 @@
   <p:timing>
     <p:tnLst>
       <p:par>
-        <p:cTn id="1" dur="indefinite" restart="never" nodeType="tmRoot"/>
+        <p:cTn xmlns:p14="http://schemas.microsoft.com/office/powerpoint/2010/main" id="1" dur="indefinite" restart="never" nodeType="tmRoot"/>
       </p:par>
     </p:tnLst>
   </p:timing>
@@ -8750,7 +8751,7 @@
   <p:clrMapOvr>
     <a:masterClrMapping/>
   </p:clrMapOvr>
-  <p:transition>
+  <p:transition xmlns:p14="http://schemas.microsoft.com/office/powerpoint/2010/main">
     <p:fade/>
   </p:transition>
 </p:sldLayout>
@@ -8783,7 +8784,7 @@
   <p:clrMapOvr>
     <a:masterClrMapping/>
   </p:clrMapOvr>
-  <p:transition>
+  <p:transition xmlns:p14="http://schemas.microsoft.com/office/powerpoint/2010/main">
     <p:fade/>
   </p:transition>
 </p:sldLayout>
@@ -9091,7 +9092,7 @@
   <p:clrMapOvr>
     <a:masterClrMapping/>
   </p:clrMapOvr>
-  <p:transition>
+  <p:transition xmlns:p14="http://schemas.microsoft.com/office/powerpoint/2010/main">
     <p:fade/>
   </p:transition>
 </p:sldLayout>
@@ -9206,13 +9207,13 @@
   <p:clrMapOvr>
     <a:masterClrMapping/>
   </p:clrMapOvr>
-  <p:transition>
+  <p:transition xmlns:p14="http://schemas.microsoft.com/office/powerpoint/2010/main">
     <p:fade/>
   </p:transition>
   <p:timing>
     <p:tnLst>
       <p:par>
-        <p:cTn id="1" dur="indefinite" restart="never" nodeType="tmRoot"/>
+        <p:cTn xmlns:p14="http://schemas.microsoft.com/office/powerpoint/2010/main" id="1" dur="indefinite" restart="never" nodeType="tmRoot"/>
       </p:par>
     </p:tnLst>
   </p:timing>
@@ -9540,13 +9541,13 @@
   <p:clrMapOvr>
     <a:masterClrMapping/>
   </p:clrMapOvr>
-  <p:transition>
+  <p:transition xmlns:p14="http://schemas.microsoft.com/office/powerpoint/2010/main">
     <p:fade/>
   </p:transition>
   <p:timing>
     <p:tnLst>
       <p:par>
-        <p:cTn id="1" dur="indefinite" restart="never" nodeType="tmRoot"/>
+        <p:cTn xmlns:p14="http://schemas.microsoft.com/office/powerpoint/2010/main" id="1" dur="indefinite" restart="never" nodeType="tmRoot"/>
       </p:par>
     </p:tnLst>
   </p:timing>
@@ -9961,19 +9962,19 @@
   <p:clrMapOvr>
     <a:masterClrMapping/>
   </p:clrMapOvr>
-  <p:transition>
+  <p:transition xmlns:p14="http://schemas.microsoft.com/office/powerpoint/2010/main">
     <p:fade/>
   </p:transition>
   <p:timing>
     <p:tnLst>
       <p:par>
-        <p:cTn id="1" dur="indefinite" restart="never" nodeType="tmRoot"/>
+        <p:cTn xmlns:p14="http://schemas.microsoft.com/office/powerpoint/2010/main" id="1" dur="indefinite" restart="never" nodeType="tmRoot"/>
       </p:par>
     </p:tnLst>
   </p:timing>
   <p:extLst mod="1">
     <p:ext uri="{DCECCB84-F9BA-43D5-87BE-67443E8EF086}">
-      <p15:sldGuideLst xmlns:p15="http://schemas.microsoft.com/office/powerpoint/2012/main">
+      <p15:sldGuideLst xmlns:p15="http://schemas.microsoft.com/office/powerpoint/2012/main" xmlns="">
         <p15:guide id="1" orient="horz" pos="2203">
           <p15:clr>
             <a:srgbClr val="FBAE40"/>
@@ -10271,13 +10272,13 @@
   <p:clrMapOvr>
     <a:masterClrMapping/>
   </p:clrMapOvr>
-  <p:transition>
+  <p:transition xmlns:p14="http://schemas.microsoft.com/office/powerpoint/2010/main">
     <p:fade/>
   </p:transition>
   <p:timing>
     <p:tnLst>
       <p:par>
-        <p:cTn id="1" dur="indefinite" restart="never" nodeType="tmRoot"/>
+        <p:cTn xmlns:p14="http://schemas.microsoft.com/office/powerpoint/2010/main" id="1" dur="indefinite" restart="never" nodeType="tmRoot"/>
       </p:par>
     </p:tnLst>
   </p:timing>
@@ -10484,13 +10485,13 @@
   <p:clrMapOvr>
     <a:masterClrMapping/>
   </p:clrMapOvr>
-  <p:transition>
+  <p:transition xmlns:p14="http://schemas.microsoft.com/office/powerpoint/2010/main">
     <p:fade/>
   </p:transition>
   <p:timing>
     <p:tnLst>
       <p:par>
-        <p:cTn id="1" dur="indefinite" restart="never" nodeType="tmRoot"/>
+        <p:cTn xmlns:p14="http://schemas.microsoft.com/office/powerpoint/2010/main" id="1" dur="indefinite" restart="never" nodeType="tmRoot"/>
       </p:par>
     </p:tnLst>
   </p:timing>
@@ -10741,13 +10742,13 @@
   <p:clrMapOvr>
     <a:masterClrMapping/>
   </p:clrMapOvr>
-  <p:transition>
+  <p:transition xmlns:p14="http://schemas.microsoft.com/office/powerpoint/2010/main">
     <p:fade/>
   </p:transition>
   <p:timing>
     <p:tnLst>
       <p:par>
-        <p:cTn id="1" dur="indefinite" restart="never" nodeType="tmRoot"/>
+        <p:cTn xmlns:p14="http://schemas.microsoft.com/office/powerpoint/2010/main" id="1" dur="indefinite" restart="never" nodeType="tmRoot"/>
       </p:par>
     </p:tnLst>
   </p:timing>
@@ -10925,7 +10926,7 @@
   <p:timing>
     <p:tnLst>
       <p:par>
-        <p:cTn id="1" dur="indefinite" restart="never" nodeType="tmRoot"/>
+        <p:cTn xmlns:p14="http://schemas.microsoft.com/office/powerpoint/2010/main" id="1" dur="indefinite" restart="never" nodeType="tmRoot"/>
       </p:par>
     </p:tnLst>
   </p:timing>
@@ -11102,7 +11103,7 @@
   <p:timing>
     <p:tnLst>
       <p:par>
-        <p:cTn id="1" dur="indefinite" restart="never" nodeType="tmRoot"/>
+        <p:cTn xmlns:p14="http://schemas.microsoft.com/office/powerpoint/2010/main" id="1" dur="indefinite" restart="never" nodeType="tmRoot"/>
       </p:par>
     </p:tnLst>
   </p:timing>
@@ -11279,7 +11280,7 @@
   <p:timing>
     <p:tnLst>
       <p:par>
-        <p:cTn id="1" dur="indefinite" restart="never" nodeType="tmRoot"/>
+        <p:cTn xmlns:p14="http://schemas.microsoft.com/office/powerpoint/2010/main" id="1" dur="indefinite" restart="never" nodeType="tmRoot"/>
       </p:par>
     </p:tnLst>
   </p:timing>
@@ -11456,7 +11457,7 @@
   <p:timing>
     <p:tnLst>
       <p:par>
-        <p:cTn id="1" dur="indefinite" restart="never" nodeType="tmRoot"/>
+        <p:cTn xmlns:p14="http://schemas.microsoft.com/office/powerpoint/2010/main" id="1" dur="indefinite" restart="never" nodeType="tmRoot"/>
       </p:par>
     </p:tnLst>
   </p:timing>
@@ -11575,13 +11576,13 @@
   <p:clrMapOvr>
     <a:masterClrMapping/>
   </p:clrMapOvr>
-  <p:transition>
+  <p:transition xmlns:p14="http://schemas.microsoft.com/office/powerpoint/2010/main">
     <p:fade/>
   </p:transition>
   <p:timing>
     <p:tnLst>
       <p:par>
-        <p:cTn id="1" dur="indefinite" restart="never" nodeType="tmRoot"/>
+        <p:cTn xmlns:p14="http://schemas.microsoft.com/office/powerpoint/2010/main" id="1" dur="indefinite" restart="never" nodeType="tmRoot"/>
       </p:par>
     </p:tnLst>
   </p:timing>
@@ -11884,7 +11885,7 @@
   <p:timing>
     <p:tnLst>
       <p:par>
-        <p:cTn id="1" dur="indefinite" restart="never" nodeType="tmRoot"/>
+        <p:cTn xmlns:p14="http://schemas.microsoft.com/office/powerpoint/2010/main" id="1" dur="indefinite" restart="never" nodeType="tmRoot"/>
       </p:par>
     </p:tnLst>
   </p:timing>
@@ -12003,13 +12004,13 @@
   <p:clrMapOvr>
     <a:masterClrMapping/>
   </p:clrMapOvr>
-  <p:transition>
+  <p:transition xmlns:p14="http://schemas.microsoft.com/office/powerpoint/2010/main">
     <p:fade/>
   </p:transition>
   <p:timing>
     <p:tnLst>
       <p:par>
-        <p:cTn id="1" dur="indefinite" restart="never" nodeType="tmRoot"/>
+        <p:cTn xmlns:p14="http://schemas.microsoft.com/office/powerpoint/2010/main" id="1" dur="indefinite" restart="never" nodeType="tmRoot"/>
       </p:par>
     </p:tnLst>
   </p:timing>
@@ -12128,13 +12129,13 @@
   <p:clrMapOvr>
     <a:masterClrMapping/>
   </p:clrMapOvr>
-  <p:transition>
+  <p:transition xmlns:p14="http://schemas.microsoft.com/office/powerpoint/2010/main">
     <p:fade/>
   </p:transition>
   <p:timing>
     <p:tnLst>
       <p:par>
-        <p:cTn id="1" dur="indefinite" restart="never" nodeType="tmRoot"/>
+        <p:cTn xmlns:p14="http://schemas.microsoft.com/office/powerpoint/2010/main" id="1" dur="indefinite" restart="never" nodeType="tmRoot"/>
       </p:par>
     </p:tnLst>
   </p:timing>
@@ -12253,13 +12254,13 @@
   <p:clrMapOvr>
     <a:masterClrMapping/>
   </p:clrMapOvr>
-  <p:transition>
+  <p:transition xmlns:p14="http://schemas.microsoft.com/office/powerpoint/2010/main">
     <p:fade/>
   </p:transition>
   <p:timing>
     <p:tnLst>
       <p:par>
-        <p:cTn id="1" dur="indefinite" restart="never" nodeType="tmRoot"/>
+        <p:cTn xmlns:p14="http://schemas.microsoft.com/office/powerpoint/2010/main" id="1" dur="indefinite" restart="never" nodeType="tmRoot"/>
       </p:par>
     </p:tnLst>
   </p:timing>
@@ -12301,7 +12302,7 @@
   <p:clrMapOvr>
     <a:masterClrMapping/>
   </p:clrMapOvr>
-  <p:transition>
+  <p:transition xmlns:p14="http://schemas.microsoft.com/office/powerpoint/2010/main">
     <p:fade/>
   </p:transition>
 </p:sldLayout>
@@ -12342,7 +12343,7 @@
   <p:clrMapOvr>
     <a:masterClrMapping/>
   </p:clrMapOvr>
-  <p:transition>
+  <p:transition xmlns:p14="http://schemas.microsoft.com/office/powerpoint/2010/main">
     <p:fade/>
   </p:transition>
 </p:sldLayout>
@@ -12383,7 +12384,7 @@
   <p:clrMapOvr>
     <a:masterClrMapping/>
   </p:clrMapOvr>
-  <p:transition>
+  <p:transition xmlns:p14="http://schemas.microsoft.com/office/powerpoint/2010/main">
     <p:fade/>
   </p:transition>
 </p:sldLayout>
@@ -12424,7 +12425,7 @@
   <p:clrMapOvr>
     <a:masterClrMapping/>
   </p:clrMapOvr>
-  <p:transition>
+  <p:transition xmlns:p14="http://schemas.microsoft.com/office/powerpoint/2010/main">
     <p:fade/>
   </p:transition>
 </p:sldLayout>
@@ -12719,13 +12720,13 @@
   <p:clrMapOvr>
     <a:masterClrMapping/>
   </p:clrMapOvr>
-  <p:transition>
+  <p:transition xmlns:p14="http://schemas.microsoft.com/office/powerpoint/2010/main">
     <p:fade/>
   </p:transition>
   <p:timing>
     <p:tnLst>
       <p:par>
-        <p:cTn id="1" dur="indefinite" restart="never" nodeType="tmRoot"/>
+        <p:cTn xmlns:p14="http://schemas.microsoft.com/office/powerpoint/2010/main" id="1" dur="indefinite" restart="never" nodeType="tmRoot"/>
       </p:par>
     </p:tnLst>
   </p:timing>
@@ -13021,13 +13022,13 @@
   <p:clrMapOvr>
     <a:masterClrMapping/>
   </p:clrMapOvr>
-  <p:transition>
+  <p:transition xmlns:p14="http://schemas.microsoft.com/office/powerpoint/2010/main">
     <p:fade/>
   </p:transition>
   <p:timing>
     <p:tnLst>
       <p:par>
-        <p:cTn id="1" dur="indefinite" restart="never" nodeType="tmRoot"/>
+        <p:cTn xmlns:p14="http://schemas.microsoft.com/office/powerpoint/2010/main" id="1" dur="indefinite" restart="never" nodeType="tmRoot"/>
       </p:par>
     </p:tnLst>
   </p:timing>
@@ -13279,13 +13280,13 @@
   <p:clrMapOvr>
     <a:masterClrMapping/>
   </p:clrMapOvr>
-  <p:transition>
+  <p:transition xmlns:p14="http://schemas.microsoft.com/office/powerpoint/2010/main">
     <p:fade/>
   </p:transition>
   <p:timing>
     <p:tnLst>
       <p:par>
-        <p:cTn id="1" dur="indefinite" restart="never" nodeType="tmRoot"/>
+        <p:cTn xmlns:p14="http://schemas.microsoft.com/office/powerpoint/2010/main" id="1" dur="indefinite" restart="never" nodeType="tmRoot"/>
       </p:par>
     </p:tnLst>
   </p:timing>
@@ -13813,13 +13814,13 @@
   <p:clrMapOvr>
     <a:masterClrMapping/>
   </p:clrMapOvr>
-  <p:transition>
+  <p:transition xmlns:p14="http://schemas.microsoft.com/office/powerpoint/2010/main">
     <p:fade/>
   </p:transition>
   <p:timing>
     <p:tnLst>
       <p:par>
-        <p:cTn id="1" dur="indefinite" restart="never" nodeType="tmRoot"/>
+        <p:cTn xmlns:p14="http://schemas.microsoft.com/office/powerpoint/2010/main" id="1" dur="indefinite" restart="never" nodeType="tmRoot"/>
       </p:par>
     </p:tnLst>
   </p:timing>
@@ -14395,7 +14396,7 @@
   <p:clrMapOvr>
     <a:masterClrMapping/>
   </p:clrMapOvr>
-  <p:transition>
+  <p:transition xmlns:p14="http://schemas.microsoft.com/office/powerpoint/2010/main">
     <p:fade/>
   </p:transition>
 </p:sldLayout>
@@ -14889,7 +14890,7 @@
   <p:clrMapOvr>
     <a:masterClrMapping/>
   </p:clrMapOvr>
-  <p:transition>
+  <p:transition xmlns:p14="http://schemas.microsoft.com/office/powerpoint/2010/main">
     <p:fade/>
   </p:transition>
 </p:sldLayout>
@@ -15046,13 +15047,13 @@
     <p:sldLayoutId id="2147484149" r:id="rId23"/>
     <p:sldLayoutId id="2147484150" r:id="rId24"/>
   </p:sldLayoutIdLst>
-  <p:transition>
+  <p:transition xmlns:p14="http://schemas.microsoft.com/office/powerpoint/2010/main">
     <p:fade/>
   </p:transition>
   <p:timing>
     <p:tnLst>
       <p:par>
-        <p:cTn id="1" dur="indefinite" restart="never" nodeType="tmRoot"/>
+        <p:cTn xmlns:p14="http://schemas.microsoft.com/office/powerpoint/2010/main" id="1" dur="indefinite" restart="never" nodeType="tmRoot"/>
       </p:par>
     </p:tnLst>
   </p:timing>
@@ -15458,13 +15459,13 @@
     <p:sldLayoutId id="2147484066" r:id="rId11"/>
     <p:sldLayoutId id="2147484098" r:id="rId12"/>
   </p:sldLayoutIdLst>
-  <p:transition>
+  <p:transition xmlns:p14="http://schemas.microsoft.com/office/powerpoint/2010/main">
     <p:fade/>
   </p:transition>
   <p:timing>
     <p:tnLst>
       <p:par>
-        <p:cTn id="1" dur="indefinite" restart="never" nodeType="tmRoot"/>
+        <p:cTn xmlns:p14="http://schemas.microsoft.com/office/powerpoint/2010/main" id="1" dur="indefinite" restart="never" nodeType="tmRoot"/>
       </p:par>
     </p:tnLst>
   </p:timing>
@@ -15909,7 +15910,7 @@
   <p:timing>
     <p:tnLst>
       <p:par>
-        <p:cTn id="1" dur="indefinite" restart="never" nodeType="tmRoot"/>
+        <p:cTn xmlns:p14="http://schemas.microsoft.com/office/powerpoint/2010/main" id="1" dur="indefinite" restart="never" nodeType="tmRoot"/>
       </p:par>
     </p:tnLst>
   </p:timing>
@@ -16092,13 +16093,13 @@
   <p:clrMapOvr>
     <a:masterClrMapping/>
   </p:clrMapOvr>
-  <p:transition>
+  <p:transition xmlns:p14="http://schemas.microsoft.com/office/powerpoint/2010/main">
     <p:fade/>
   </p:transition>
   <p:timing>
     <p:tnLst>
       <p:par>
-        <p:cTn id="1" dur="indefinite" restart="never" nodeType="tmRoot"/>
+        <p:cTn xmlns:p14="http://schemas.microsoft.com/office/powerpoint/2010/main" id="1" dur="indefinite" restart="never" nodeType="tmRoot"/>
       </p:par>
     </p:tnLst>
   </p:timing>
@@ -16196,7 +16197,6 @@
               <a:rPr lang="en-US" baseline="0" dirty="0" smtClean="0"/>
               <a:t> display each page as an image</a:t>
             </a:r>
-            <a:endParaRPr lang="en-US" dirty="0"/>
           </a:p>
         </p:txBody>
       </p:sp>
@@ -16261,13 +16261,13 @@
   <p:clrMapOvr>
     <a:masterClrMapping/>
   </p:clrMapOvr>
-  <p:transition>
+  <p:transition xmlns:p14="http://schemas.microsoft.com/office/powerpoint/2010/main">
     <p:fade/>
   </p:transition>
   <p:timing>
     <p:tnLst>
       <p:par>
-        <p:cTn id="1" dur="indefinite" restart="never" nodeType="tmRoot"/>
+        <p:cTn xmlns:p14="http://schemas.microsoft.com/office/powerpoint/2010/main" id="1" dur="indefinite" restart="never" nodeType="tmRoot"/>
       </p:par>
     </p:tnLst>
   </p:timing>
@@ -16306,22 +16306,166 @@
           <a:bodyPr/>
           <a:lstStyle/>
           <a:p>
-            <a:r>
-              <a:rPr lang="en-US" dirty="0" smtClean="0"/>
-              <a:t>Do you require editable content or just an image?</a:t>
-            </a:r>
-          </a:p>
-          <a:p>
-            <a:r>
-              <a:rPr lang="en-US" dirty="0" smtClean="0"/>
-              <a:t>Content is “local” or at some URL?</a:t>
-            </a:r>
-          </a:p>
-          <a:p>
-            <a:r>
-              <a:rPr lang="en-US" dirty="0" smtClean="0"/>
-              <a:t>Content is accessible by OneNote service, or requires authentication?</a:t>
-            </a:r>
+            <a:pPr lvl="0"/>
+            <a:r>
+              <a:rPr lang="en-US" baseline="0" dirty="0" smtClean="0"/>
+              <a:t>Pages</a:t>
+            </a:r>
+          </a:p>
+          <a:p>
+            <a:pPr lvl="1"/>
+            <a:r>
+              <a:rPr lang="en-US" baseline="0" dirty="0" smtClean="0"/>
+              <a:t>Query List</a:t>
+            </a:r>
+          </a:p>
+          <a:p>
+            <a:pPr lvl="1"/>
+            <a:r>
+              <a:rPr lang="en-US" baseline="0" dirty="0" smtClean="0"/>
+              <a:t>Recall Page Content</a:t>
+            </a:r>
+          </a:p>
+          <a:p>
+            <a:pPr lvl="1"/>
+            <a:r>
+              <a:rPr lang="en-US" baseline="0" dirty="0" smtClean="0"/>
+              <a:t>Page Updates</a:t>
+            </a:r>
+          </a:p>
+          <a:p>
+            <a:pPr lvl="0"/>
+            <a:r>
+              <a:rPr lang="en-US" baseline="0" dirty="0" smtClean="0"/>
+              <a:t>Future Scenarios</a:t>
+            </a:r>
+          </a:p>
+          <a:p>
+            <a:pPr lvl="1"/>
+            <a:r>
+              <a:rPr lang="en-US" baseline="0" dirty="0" smtClean="0">
+                <a:solidFill>
+                  <a:schemeClr val="bg2">
+                    <a:lumMod val="60000"/>
+                    <a:lumOff val="40000"/>
+                  </a:schemeClr>
+                </a:solidFill>
+              </a:rPr>
+              <a:t>O365 API support</a:t>
+            </a:r>
+          </a:p>
+          <a:p>
+            <a:pPr lvl="1"/>
+            <a:r>
+              <a:rPr lang="en-US" dirty="0" smtClean="0">
+                <a:solidFill>
+                  <a:schemeClr val="bg2">
+                    <a:lumMod val="60000"/>
+                    <a:lumOff val="40000"/>
+                  </a:schemeClr>
+                </a:solidFill>
+              </a:rPr>
+              <a:t>Embeddable pages</a:t>
+            </a:r>
+          </a:p>
+          <a:p>
+            <a:pPr lvl="1"/>
+            <a:r>
+              <a:rPr lang="en-US" baseline="0" dirty="0" smtClean="0">
+                <a:solidFill>
+                  <a:schemeClr val="bg2">
+                    <a:lumMod val="60000"/>
+                    <a:lumOff val="40000"/>
+                  </a:schemeClr>
+                </a:solidFill>
+              </a:rPr>
+              <a:t>Copying</a:t>
+            </a:r>
+          </a:p>
+          <a:p>
+            <a:pPr lvl="1"/>
+            <a:r>
+              <a:rPr lang="en-US" baseline="0" dirty="0" smtClean="0">
+                <a:solidFill>
+                  <a:schemeClr val="bg2">
+                    <a:lumMod val="60000"/>
+                    <a:lumOff val="40000"/>
+                  </a:schemeClr>
+                </a:solidFill>
+              </a:rPr>
+              <a:t>Sharing</a:t>
+            </a:r>
+          </a:p>
+          <a:p>
+            <a:pPr lvl="1"/>
+            <a:r>
+              <a:rPr lang="en-US" dirty="0" smtClean="0">
+                <a:solidFill>
+                  <a:schemeClr val="bg2">
+                    <a:lumMod val="60000"/>
+                    <a:lumOff val="40000"/>
+                  </a:schemeClr>
+                </a:solidFill>
+              </a:rPr>
+              <a:t>See Dev Center and Dev Blog:</a:t>
+            </a:r>
+            <a:endParaRPr lang="en-US" baseline="0" dirty="0" smtClean="0">
+              <a:solidFill>
+                <a:schemeClr val="bg2">
+                  <a:lumMod val="60000"/>
+                  <a:lumOff val="40000"/>
+                </a:schemeClr>
+              </a:solidFill>
+            </a:endParaRPr>
+          </a:p>
+          <a:p>
+            <a:pPr marL="574675" lvl="2" indent="-342900">
+              <a:buFont typeface="Arial"/>
+              <a:buChar char="•"/>
+            </a:pPr>
+            <a:r>
+              <a:rPr lang="en-US" baseline="0" dirty="0" smtClean="0">
+                <a:hlinkClick r:id="rId2"/>
+              </a:rPr>
+              <a:t>http://dev.onenote.com</a:t>
+            </a:r>
+            <a:r>
+              <a:rPr lang="en-US" baseline="0" dirty="0" smtClean="0"/>
+              <a:t> </a:t>
+            </a:r>
+          </a:p>
+          <a:p>
+            <a:pPr marL="574675" lvl="2" indent="-342900">
+              <a:buFont typeface="Arial"/>
+              <a:buChar char="•"/>
+            </a:pPr>
+            <a:r>
+              <a:rPr lang="en-US" dirty="0" smtClean="0">
+                <a:hlinkClick r:id="rId3"/>
+              </a:rPr>
+              <a:t>http</a:t>
+            </a:r>
+            <a:r>
+              <a:rPr lang="en-US" dirty="0">
+                <a:hlinkClick r:id="rId3"/>
+              </a:rPr>
+              <a:t>://blogs.msdn.com/b/onenotedev</a:t>
+            </a:r>
+            <a:r>
+              <a:rPr lang="en-US" dirty="0" smtClean="0">
+                <a:hlinkClick r:id="rId3"/>
+              </a:rPr>
+              <a:t>/</a:t>
+            </a:r>
+            <a:endParaRPr lang="en-US" dirty="0" smtClean="0"/>
+          </a:p>
+          <a:p>
+            <a:pPr lvl="1"/>
+            <a:endParaRPr lang="en-US" baseline="0" dirty="0" smtClean="0"/>
+          </a:p>
+          <a:p>
+            <a:pPr lvl="0"/>
+            <a:endParaRPr lang="en-US" dirty="0"/>
           </a:p>
         </p:txBody>
       </p:sp>
@@ -16342,7 +16486,7 @@
           <a:p>
             <a:r>
               <a:rPr lang="en-US" dirty="0" smtClean="0"/>
-              <a:t>Which Scenario?</a:t>
+              <a:t>OneNote API Scenarios</a:t>
             </a:r>
             <a:endParaRPr lang="en-US" dirty="0"/>
           </a:p>
@@ -16375,6 +16519,120 @@
     </p:spTree>
     <p:extLst>
       <p:ext uri="{BB962C8B-B14F-4D97-AF65-F5344CB8AC3E}">
+        <p14:creationId xmlns:p14="http://schemas.microsoft.com/office/powerpoint/2010/main" val="1076426907"/>
+      </p:ext>
+    </p:extLst>
+  </p:cSld>
+  <p:clrMapOvr>
+    <a:masterClrMapping/>
+  </p:clrMapOvr>
+  <p:transition xmlns:p14="http://schemas.microsoft.com/office/powerpoint/2010/main">
+    <p:fade/>
+  </p:transition>
+</p:sld>
+</file>
+
+<file path=ppt/slides/slide13.xml><?xml version="1.0" encoding="utf-8"?>
+<p:sld xmlns:a="http://schemas.openxmlformats.org/drawingml/2006/main" xmlns:r="http://schemas.openxmlformats.org/officeDocument/2006/relationships" xmlns:p="http://schemas.openxmlformats.org/presentationml/2006/main">
+  <p:cSld>
+    <p:spTree>
+      <p:nvGrpSpPr>
+        <p:cNvPr id="1" name=""/>
+        <p:cNvGrpSpPr/>
+        <p:nvPr/>
+      </p:nvGrpSpPr>
+      <p:grpSpPr>
+        <a:xfrm>
+          <a:off x="0" y="0"/>
+          <a:ext cx="0" cy="0"/>
+          <a:chOff x="0" y="0"/>
+          <a:chExt cx="0" cy="0"/>
+        </a:xfrm>
+      </p:grpSpPr>
+      <p:sp>
+        <p:nvSpPr>
+          <p:cNvPr id="2" name="Text Placeholder 1"/>
+          <p:cNvSpPr>
+            <a:spLocks noGrp="1"/>
+          </p:cNvSpPr>
+          <p:nvPr>
+            <p:ph type="body" sz="quarter" idx="10"/>
+          </p:nvPr>
+        </p:nvSpPr>
+        <p:spPr/>
+        <p:txBody>
+          <a:bodyPr/>
+          <a:lstStyle/>
+          <a:p>
+            <a:r>
+              <a:rPr lang="en-US" dirty="0" smtClean="0"/>
+              <a:t>Do you require editable content or just an image?</a:t>
+            </a:r>
+          </a:p>
+          <a:p>
+            <a:r>
+              <a:rPr lang="en-US" dirty="0" smtClean="0"/>
+              <a:t>Content is “local” or at some URL?</a:t>
+            </a:r>
+          </a:p>
+          <a:p>
+            <a:r>
+              <a:rPr lang="en-US" dirty="0" smtClean="0"/>
+              <a:t>Content is accessible by OneNote service, or requires authentication?</a:t>
+            </a:r>
+          </a:p>
+        </p:txBody>
+      </p:sp>
+      <p:sp>
+        <p:nvSpPr>
+          <p:cNvPr id="3" name="Title 2"/>
+          <p:cNvSpPr>
+            <a:spLocks noGrp="1"/>
+          </p:cNvSpPr>
+          <p:nvPr>
+            <p:ph type="title"/>
+          </p:nvPr>
+        </p:nvSpPr>
+        <p:spPr/>
+        <p:txBody>
+          <a:bodyPr/>
+          <a:lstStyle/>
+          <a:p>
+            <a:r>
+              <a:rPr lang="en-US" dirty="0" smtClean="0"/>
+              <a:t>Which Scenario?</a:t>
+            </a:r>
+            <a:endParaRPr lang="en-US" dirty="0"/>
+          </a:p>
+        </p:txBody>
+      </p:sp>
+      <p:sp>
+        <p:nvSpPr>
+          <p:cNvPr id="4" name="Slide Number Placeholder 3"/>
+          <p:cNvSpPr>
+            <a:spLocks noGrp="1"/>
+          </p:cNvSpPr>
+          <p:nvPr>
+            <p:ph type="sldNum" sz="quarter" idx="12"/>
+          </p:nvPr>
+        </p:nvSpPr>
+        <p:spPr/>
+        <p:txBody>
+          <a:bodyPr/>
+          <a:lstStyle/>
+          <a:p>
+            <a:fld id="{727B4C2D-45E2-4621-8491-2995EB46A674}" type="slidenum">
+              <a:rPr lang="en-US" smtClean="0"/>
+              <a:pPr/>
+              <a:t>13</a:t>
+            </a:fld>
+            <a:endParaRPr lang="en-US" dirty="0"/>
+          </a:p>
+        </p:txBody>
+      </p:sp>
+    </p:spTree>
+    <p:extLst>
+      <p:ext uri="{BB962C8B-B14F-4D97-AF65-F5344CB8AC3E}">
         <p14:creationId xmlns:p14="http://schemas.microsoft.com/office/powerpoint/2010/main" val="1088855977"/>
       </p:ext>
     </p:extLst>
@@ -16382,20 +16640,20 @@
   <p:clrMapOvr>
     <a:masterClrMapping/>
   </p:clrMapOvr>
-  <p:transition>
+  <p:transition xmlns:p14="http://schemas.microsoft.com/office/powerpoint/2010/main">
     <p:fade/>
   </p:transition>
   <p:timing>
     <p:tnLst>
       <p:par>
-        <p:cTn id="1" dur="indefinite" restart="never" nodeType="tmRoot"/>
+        <p:cTn xmlns:p14="http://schemas.microsoft.com/office/powerpoint/2010/main" id="1" dur="indefinite" restart="never" nodeType="tmRoot"/>
       </p:par>
     </p:tnLst>
   </p:timing>
 </p:sld>
 </file>
 
-<file path=ppt/slides/slide13.xml><?xml version="1.0" encoding="utf-8"?>
+<file path=ppt/slides/slide14.xml><?xml version="1.0" encoding="utf-8"?>
 <p:sld xmlns:a="http://schemas.openxmlformats.org/drawingml/2006/main" xmlns:r="http://schemas.openxmlformats.org/officeDocument/2006/relationships" xmlns:p="http://schemas.openxmlformats.org/presentationml/2006/main">
   <p:cSld>
     <p:spTree>
@@ -16480,7 +16738,7 @@
             <a:fld id="{727B4C2D-45E2-4621-8491-2995EB46A674}" type="slidenum">
               <a:rPr lang="en-US" smtClean="0"/>
               <a:pPr/>
-              <a:t>13</a:t>
+              <a:t>14</a:t>
             </a:fld>
             <a:endParaRPr lang="en-US" dirty="0"/>
           </a:p>
@@ -16511,14 +16769,14 @@
   <p:timing>
     <p:tnLst>
       <p:par>
-        <p:cTn id="1" dur="indefinite" restart="never" nodeType="tmRoot"/>
+        <p:cTn xmlns:p14="http://schemas.microsoft.com/office/powerpoint/2010/main" id="1" dur="indefinite" restart="never" nodeType="tmRoot"/>
       </p:par>
     </p:tnLst>
   </p:timing>
 </p:sld>
 </file>
 
-<file path=ppt/slides/slide14.xml><?xml version="1.0" encoding="utf-8"?>
+<file path=ppt/slides/slide15.xml><?xml version="1.0" encoding="utf-8"?>
 <p:sld xmlns:a="http://schemas.openxmlformats.org/drawingml/2006/main" xmlns:r="http://schemas.openxmlformats.org/officeDocument/2006/relationships" xmlns:p="http://schemas.openxmlformats.org/presentationml/2006/main">
   <p:cSld>
     <p:spTree>
@@ -16616,20 +16874,20 @@
   <p:clrMapOvr>
     <a:masterClrMapping/>
   </p:clrMapOvr>
-  <p:transition>
+  <p:transition xmlns:p14="http://schemas.microsoft.com/office/powerpoint/2010/main">
     <p:fade/>
   </p:transition>
   <p:timing>
     <p:tnLst>
       <p:par>
-        <p:cTn id="1" dur="indefinite" restart="never" nodeType="tmRoot"/>
+        <p:cTn xmlns:p14="http://schemas.microsoft.com/office/powerpoint/2010/main" id="1" dur="indefinite" restart="never" nodeType="tmRoot"/>
       </p:par>
     </p:tnLst>
   </p:timing>
 </p:sld>
 </file>
 
-<file path=ppt/slides/slide15.xml><?xml version="1.0" encoding="utf-8"?>
+<file path=ppt/slides/slide16.xml><?xml version="1.0" encoding="utf-8"?>
 <p:sld xmlns:a="http://schemas.openxmlformats.org/drawingml/2006/main" xmlns:r="http://schemas.openxmlformats.org/officeDocument/2006/relationships" xmlns:p="http://schemas.openxmlformats.org/presentationml/2006/main">
   <p:cSld>
     <p:spTree>
@@ -16717,14 +16975,146 @@
   <p:timing>
     <p:tnLst>
       <p:par>
-        <p:cTn id="1" dur="indefinite" restart="never" nodeType="tmRoot"/>
+        <p:cTn xmlns:p14="http://schemas.microsoft.com/office/powerpoint/2010/main" id="1" dur="indefinite" restart="never" nodeType="tmRoot"/>
       </p:par>
     </p:tnLst>
   </p:timing>
 </p:sld>
 </file>
 
-<file path=ppt/slides/slide16.xml><?xml version="1.0" encoding="utf-8"?>
+<file path=ppt/slides/slide17.xml><?xml version="1.0" encoding="utf-8"?>
+<p:sld xmlns:a="http://schemas.openxmlformats.org/drawingml/2006/main" xmlns:r="http://schemas.openxmlformats.org/officeDocument/2006/relationships" xmlns:p="http://schemas.openxmlformats.org/presentationml/2006/main">
+  <p:cSld>
+    <p:spTree>
+      <p:nvGrpSpPr>
+        <p:cNvPr id="1" name=""/>
+        <p:cNvGrpSpPr/>
+        <p:nvPr/>
+      </p:nvGrpSpPr>
+      <p:grpSpPr>
+        <a:xfrm>
+          <a:off x="0" y="0"/>
+          <a:ext cx="0" cy="0"/>
+          <a:chOff x="0" y="0"/>
+          <a:chExt cx="0" cy="0"/>
+        </a:xfrm>
+      </p:grpSpPr>
+      <p:sp>
+        <p:nvSpPr>
+          <p:cNvPr id="2" name="Text Placeholder 1"/>
+          <p:cNvSpPr>
+            <a:spLocks noGrp="1"/>
+          </p:cNvSpPr>
+          <p:nvPr>
+            <p:ph type="body" sz="quarter" idx="10"/>
+          </p:nvPr>
+        </p:nvSpPr>
+        <p:spPr>
+          <a:xfrm>
+            <a:off x="519112" y="1447799"/>
+            <a:ext cx="11149013" cy="4272784"/>
+          </a:xfrm>
+        </p:spPr>
+        <p:txBody>
+          <a:bodyPr/>
+          <a:lstStyle/>
+          <a:p>
+            <a:r>
+              <a:rPr lang="en-US" dirty="0" smtClean="0"/>
+              <a:t>Register your app</a:t>
+            </a:r>
+          </a:p>
+          <a:p>
+            <a:pPr lvl="0"/>
+            <a:r>
+              <a:rPr lang="en-US" dirty="0" smtClean="0"/>
+              <a:t>Authenticate the user</a:t>
+            </a:r>
+          </a:p>
+          <a:p>
+            <a:pPr lvl="0"/>
+            <a:r>
+              <a:rPr lang="en-US" dirty="0" smtClean="0"/>
+              <a:t>Capture</a:t>
+            </a:r>
+            <a:r>
+              <a:rPr lang="en-US" baseline="0" dirty="0" smtClean="0"/>
+              <a:t> Content</a:t>
+            </a:r>
+          </a:p>
+          <a:p>
+            <a:pPr lvl="0"/>
+            <a:r>
+              <a:rPr lang="en-US" baseline="0" dirty="0" smtClean="0"/>
+              <a:t>Add to OneNote Service</a:t>
+            </a:r>
+          </a:p>
+        </p:txBody>
+      </p:sp>
+      <p:sp>
+        <p:nvSpPr>
+          <p:cNvPr id="3" name="Title 2"/>
+          <p:cNvSpPr>
+            <a:spLocks noGrp="1"/>
+          </p:cNvSpPr>
+          <p:nvPr>
+            <p:ph type="title"/>
+          </p:nvPr>
+        </p:nvSpPr>
+        <p:spPr/>
+        <p:txBody>
+          <a:bodyPr/>
+          <a:lstStyle/>
+          <a:p>
+            <a:r>
+              <a:rPr lang="en-US" sz="4800" dirty="0" smtClean="0"/>
+              <a:t>Getting Started with custom application</a:t>
+            </a:r>
+            <a:endParaRPr lang="en-US" sz="4800" dirty="0"/>
+          </a:p>
+        </p:txBody>
+      </p:sp>
+      <p:sp>
+        <p:nvSpPr>
+          <p:cNvPr id="4" name="Slide Number Placeholder 3"/>
+          <p:cNvSpPr>
+            <a:spLocks noGrp="1"/>
+          </p:cNvSpPr>
+          <p:nvPr>
+            <p:ph type="sldNum" sz="quarter" idx="12"/>
+          </p:nvPr>
+        </p:nvSpPr>
+        <p:spPr/>
+        <p:txBody>
+          <a:bodyPr/>
+          <a:lstStyle/>
+          <a:p>
+            <a:fld id="{727B4C2D-45E2-4621-8491-2995EB46A674}" type="slidenum">
+              <a:rPr lang="en-US" smtClean="0"/>
+              <a:pPr/>
+              <a:t>17</a:t>
+            </a:fld>
+            <a:endParaRPr lang="en-US" dirty="0"/>
+          </a:p>
+        </p:txBody>
+      </p:sp>
+    </p:spTree>
+    <p:extLst>
+      <p:ext uri="{BB962C8B-B14F-4D97-AF65-F5344CB8AC3E}">
+        <p14:creationId xmlns:p14="http://schemas.microsoft.com/office/powerpoint/2010/main" val="3203138729"/>
+      </p:ext>
+    </p:extLst>
+  </p:cSld>
+  <p:clrMapOvr>
+    <a:masterClrMapping/>
+  </p:clrMapOvr>
+  <p:transition xmlns:p14="http://schemas.microsoft.com/office/powerpoint/2010/main">
+    <p:fade/>
+  </p:transition>
+</p:sld>
+</file>
+
+<file path=ppt/slides/slide18.xml><?xml version="1.0" encoding="utf-8"?>
 <p:sld xmlns:a="http://schemas.openxmlformats.org/drawingml/2006/main" xmlns:r="http://schemas.openxmlformats.org/officeDocument/2006/relationships" xmlns:p="http://schemas.openxmlformats.org/presentationml/2006/main">
   <p:cSld>
     <p:spTree>
@@ -16757,34 +17147,72 @@
           <a:lstStyle/>
           <a:p>
             <a:r>
-              <a:rPr lang="en-US" dirty="0" smtClean="0"/>
-              <a:t>Register your app</a:t>
-            </a:r>
+              <a:rPr lang="en-US" sz="3600" dirty="0" smtClean="0"/>
+              <a:t>OneNote </a:t>
+            </a:r>
+            <a:r>
+              <a:rPr lang="en-US" sz="3600" dirty="0" smtClean="0"/>
+              <a:t>API uses </a:t>
+            </a:r>
+            <a:r>
+              <a:rPr lang="en-US" sz="3600" dirty="0" smtClean="0"/>
+              <a:t>OneDrive – requires Live Service</a:t>
+            </a:r>
+          </a:p>
+          <a:p>
+            <a:pPr lvl="1"/>
+            <a:r>
+              <a:rPr lang="en-US" dirty="0">
+                <a:hlinkClick r:id="rId3"/>
+              </a:rPr>
+              <a:t>https://</a:t>
+            </a:r>
+            <a:r>
+              <a:rPr lang="en-US" dirty="0" smtClean="0">
+                <a:hlinkClick r:id="rId3"/>
+              </a:rPr>
+              <a:t>account.live.com/developers/applications/create</a:t>
+            </a:r>
+            <a:endParaRPr lang="en-US" dirty="0" smtClean="0"/>
           </a:p>
           <a:p>
             <a:pPr lvl="0"/>
             <a:r>
-              <a:rPr lang="en-US" dirty="0" smtClean="0"/>
-              <a:t>Authenticate the user</a:t>
-            </a:r>
-          </a:p>
-          <a:p>
-            <a:pPr lvl="0"/>
-            <a:r>
-              <a:rPr lang="en-US" dirty="0" smtClean="0"/>
-              <a:t>Capture</a:t>
-            </a:r>
+              <a:rPr lang="en-US" sz="3600" dirty="0" smtClean="0"/>
+              <a:t>Does n</a:t>
+            </a:r>
+            <a:r>
+              <a:rPr lang="en-US" sz="3600" dirty="0" smtClean="0"/>
+              <a:t>ot</a:t>
+            </a:r>
+            <a:r>
+              <a:rPr lang="en-US" sz="3600" baseline="0" dirty="0" smtClean="0"/>
+              <a:t> </a:t>
+            </a:r>
+            <a:r>
+              <a:rPr lang="en-US" sz="3600" baseline="0" dirty="0" smtClean="0"/>
+              <a:t>yet </a:t>
+            </a:r>
+            <a:r>
+              <a:rPr lang="en-US" sz="3600" baseline="0" dirty="0" smtClean="0"/>
+              <a:t>support </a:t>
+            </a:r>
+            <a:r>
+              <a:rPr lang="en-US" sz="3600" baseline="0" dirty="0" smtClean="0"/>
+              <a:t>Office 365</a:t>
+            </a:r>
+          </a:p>
+          <a:p>
+            <a:pPr lvl="1"/>
             <a:r>
               <a:rPr lang="en-US" baseline="0" dirty="0" smtClean="0"/>
-              <a:t> Content</a:t>
-            </a:r>
-          </a:p>
-          <a:p>
-            <a:pPr lvl="0"/>
+              <a:t>Requires Microsoft </a:t>
+            </a:r>
             <a:r>
               <a:rPr lang="en-US" baseline="0" dirty="0" smtClean="0"/>
-              <a:t>Add to OneNote Service</a:t>
-            </a:r>
+              <a:t>Account</a:t>
+            </a:r>
+            <a:endParaRPr lang="en-US" dirty="0" smtClean="0"/>
           </a:p>
         </p:txBody>
       </p:sp>
@@ -16805,7 +17233,7 @@
           <a:p>
             <a:r>
               <a:rPr lang="en-US" dirty="0" smtClean="0"/>
-              <a:t>Getting Started with custom application</a:t>
+              <a:t>Register with Microsoft Live Service</a:t>
             </a:r>
             <a:endParaRPr lang="en-US" dirty="0"/>
           </a:p>
@@ -16829,117 +17257,7 @@
             <a:fld id="{727B4C2D-45E2-4621-8491-2995EB46A674}" type="slidenum">
               <a:rPr lang="en-US" smtClean="0"/>
               <a:pPr/>
-              <a:t>16</a:t>
-            </a:fld>
-            <a:endParaRPr lang="en-US" dirty="0"/>
-          </a:p>
-        </p:txBody>
-      </p:sp>
-    </p:spTree>
-    <p:extLst>
-      <p:ext uri="{BB962C8B-B14F-4D97-AF65-F5344CB8AC3E}">
-        <p14:creationId xmlns:p14="http://schemas.microsoft.com/office/powerpoint/2010/main" val="3203138729"/>
-      </p:ext>
-    </p:extLst>
-  </p:cSld>
-  <p:clrMapOvr>
-    <a:masterClrMapping/>
-  </p:clrMapOvr>
-  <p:transition>
-    <p:fade/>
-  </p:transition>
-</p:sld>
-</file>
-
-<file path=ppt/slides/slide17.xml><?xml version="1.0" encoding="utf-8"?>
-<p:sld xmlns:a="http://schemas.openxmlformats.org/drawingml/2006/main" xmlns:r="http://schemas.openxmlformats.org/officeDocument/2006/relationships" xmlns:p="http://schemas.openxmlformats.org/presentationml/2006/main">
-  <p:cSld>
-    <p:spTree>
-      <p:nvGrpSpPr>
-        <p:cNvPr id="1" name=""/>
-        <p:cNvGrpSpPr/>
-        <p:nvPr/>
-      </p:nvGrpSpPr>
-      <p:grpSpPr>
-        <a:xfrm>
-          <a:off x="0" y="0"/>
-          <a:ext cx="0" cy="0"/>
-          <a:chOff x="0" y="0"/>
-          <a:chExt cx="0" cy="0"/>
-        </a:xfrm>
-      </p:grpSpPr>
-      <p:sp>
-        <p:nvSpPr>
-          <p:cNvPr id="2" name="Text Placeholder 1"/>
-          <p:cNvSpPr>
-            <a:spLocks noGrp="1"/>
-          </p:cNvSpPr>
-          <p:nvPr>
-            <p:ph type="body" sz="quarter" idx="10"/>
-          </p:nvPr>
-        </p:nvSpPr>
-        <p:spPr/>
-        <p:txBody>
-          <a:bodyPr/>
-          <a:lstStyle/>
-          <a:p>
-            <a:r>
-              <a:rPr lang="en-US" dirty="0" smtClean="0"/>
-              <a:t>OneNote uses OneDrive – requires Live Service</a:t>
-            </a:r>
-          </a:p>
-          <a:p>
-            <a:pPr lvl="1"/>
-            <a:r>
-              <a:rPr lang="en-US" dirty="0"/>
-              <a:t>https://account.live.com/developers/applications/create</a:t>
-            </a:r>
-            <a:endParaRPr lang="en-US" dirty="0" smtClean="0"/>
-          </a:p>
-        </p:txBody>
-      </p:sp>
-      <p:sp>
-        <p:nvSpPr>
-          <p:cNvPr id="3" name="Title 2"/>
-          <p:cNvSpPr>
-            <a:spLocks noGrp="1"/>
-          </p:cNvSpPr>
-          <p:nvPr>
-            <p:ph type="title"/>
-          </p:nvPr>
-        </p:nvSpPr>
-        <p:spPr/>
-        <p:txBody>
-          <a:bodyPr/>
-          <a:lstStyle/>
-          <a:p>
-            <a:r>
-              <a:rPr lang="en-US" dirty="0" smtClean="0"/>
-              <a:t>Register with Microsoft Live Service</a:t>
-            </a:r>
-            <a:endParaRPr lang="en-US" dirty="0"/>
-          </a:p>
-        </p:txBody>
-      </p:sp>
-      <p:sp>
-        <p:nvSpPr>
-          <p:cNvPr id="4" name="Slide Number Placeholder 3"/>
-          <p:cNvSpPr>
-            <a:spLocks noGrp="1"/>
-          </p:cNvSpPr>
-          <p:nvPr>
-            <p:ph type="sldNum" sz="quarter" idx="12"/>
-          </p:nvPr>
-        </p:nvSpPr>
-        <p:spPr/>
-        <p:txBody>
-          <a:bodyPr/>
-          <a:lstStyle/>
-          <a:p>
-            <a:fld id="{727B4C2D-45E2-4621-8491-2995EB46A674}" type="slidenum">
-              <a:rPr lang="en-US" smtClean="0"/>
-              <a:pPr/>
-              <a:t>17</a:t>
+              <a:t>18</a:t>
             </a:fld>
             <a:endParaRPr lang="en-US" dirty="0"/>
           </a:p>
@@ -16954,13 +17272,13 @@
           <p:nvPr>
             <p:extLst>
               <p:ext uri="{D42A27DB-BD31-4B8C-83A1-F6EECF244321}">
-                <p14:modId xmlns:p14="http://schemas.microsoft.com/office/powerpoint/2010/main" val="1038032009"/>
+                <p14:modId xmlns:p14="http://schemas.microsoft.com/office/powerpoint/2010/main" val="1002275853"/>
               </p:ext>
             </p:extLst>
           </p:nvPr>
         </p:nvGraphicFramePr>
         <p:xfrm>
-          <a:off x="519110" y="3077810"/>
+          <a:off x="460853" y="4072924"/>
           <a:ext cx="11149014" cy="2021840"/>
         </p:xfrm>
         <a:graphic>
@@ -17176,13 +17494,13 @@
   <p:clrMapOvr>
     <a:masterClrMapping/>
   </p:clrMapOvr>
-  <p:transition>
+  <p:transition xmlns:p14="http://schemas.microsoft.com/office/powerpoint/2010/main">
     <p:fade/>
   </p:transition>
 </p:sld>
 </file>
 
-<file path=ppt/slides/slide18.xml><?xml version="1.0" encoding="utf-8"?>
+<file path=ppt/slides/slide19.xml><?xml version="1.0" encoding="utf-8"?>
 <p:sld xmlns:a="http://schemas.openxmlformats.org/drawingml/2006/main" xmlns:r="http://schemas.openxmlformats.org/officeDocument/2006/relationships" xmlns:p="http://schemas.openxmlformats.org/presentationml/2006/main">
   <p:cSld>
     <p:spTree>
@@ -17240,7 +17558,7 @@
             <a:fld id="{727B4C2D-45E2-4621-8491-2995EB46A674}" type="slidenum">
               <a:rPr lang="en-US" smtClean="0"/>
               <a:pPr/>
-              <a:t>18</a:t>
+              <a:t>19</a:t>
             </a:fld>
             <a:endParaRPr lang="en-US" dirty="0"/>
           </a:p>
@@ -17280,186 +17598,7 @@
   <p:clrMapOvr>
     <a:masterClrMapping/>
   </p:clrMapOvr>
-  <p:transition>
-    <p:fade/>
-  </p:transition>
-</p:sld>
-</file>
-
-<file path=ppt/slides/slide19.xml><?xml version="1.0" encoding="utf-8"?>
-<p:sld xmlns:a="http://schemas.openxmlformats.org/drawingml/2006/main" xmlns:r="http://schemas.openxmlformats.org/officeDocument/2006/relationships" xmlns:p="http://schemas.openxmlformats.org/presentationml/2006/main">
-  <p:cSld>
-    <p:spTree>
-      <p:nvGrpSpPr>
-        <p:cNvPr id="1" name=""/>
-        <p:cNvGrpSpPr/>
-        <p:nvPr/>
-      </p:nvGrpSpPr>
-      <p:grpSpPr>
-        <a:xfrm>
-          <a:off x="0" y="0"/>
-          <a:ext cx="0" cy="0"/>
-          <a:chOff x="0" y="0"/>
-          <a:chExt cx="0" cy="0"/>
-        </a:xfrm>
-      </p:grpSpPr>
-      <p:sp>
-        <p:nvSpPr>
-          <p:cNvPr id="2" name="Text Placeholder 1"/>
-          <p:cNvSpPr>
-            <a:spLocks noGrp="1"/>
-          </p:cNvSpPr>
-          <p:nvPr>
-            <p:ph type="body" sz="quarter" idx="10"/>
-          </p:nvPr>
-        </p:nvSpPr>
-        <p:spPr>
-          <a:xfrm>
-            <a:off x="519112" y="1447799"/>
-            <a:ext cx="11149013" cy="4424364"/>
-          </a:xfrm>
-        </p:spPr>
-        <p:txBody>
-          <a:bodyPr/>
-          <a:lstStyle/>
-          <a:p>
-            <a:r>
-              <a:rPr lang="en-US" dirty="0" smtClean="0"/>
-              <a:t>Live SDK</a:t>
-            </a:r>
-            <a:r>
-              <a:rPr lang="en-US" baseline="0" dirty="0" smtClean="0"/>
-              <a:t> </a:t>
-            </a:r>
-          </a:p>
-          <a:p>
-            <a:pPr lvl="1"/>
-            <a:r>
-              <a:rPr lang="en-US" dirty="0" smtClean="0"/>
-              <a:t>Available via </a:t>
-            </a:r>
-            <a:r>
-              <a:rPr lang="en-US" dirty="0" err="1" smtClean="0"/>
-              <a:t>NuGet</a:t>
-            </a:r>
-            <a:endParaRPr lang="en-US" dirty="0" smtClean="0"/>
-          </a:p>
-          <a:p>
-            <a:pPr lvl="0"/>
-            <a:r>
-              <a:rPr lang="en-US" dirty="0" err="1" smtClean="0"/>
-              <a:t>Microsoft.Live.LiveAuthClient</a:t>
-            </a:r>
-            <a:r>
-              <a:rPr lang="en-US" dirty="0" smtClean="0"/>
-              <a:t> class</a:t>
-            </a:r>
-          </a:p>
-          <a:p>
-            <a:pPr lvl="1"/>
-            <a:r>
-              <a:rPr lang="en-US" dirty="0" smtClean="0"/>
-              <a:t>Manages Access / Refresh tokens</a:t>
-            </a:r>
-          </a:p>
-          <a:p>
-            <a:pPr lvl="0"/>
-            <a:r>
-              <a:rPr lang="en-US" dirty="0" smtClean="0"/>
-              <a:t>Scope</a:t>
-            </a:r>
-          </a:p>
-          <a:p>
-            <a:pPr lvl="1"/>
-            <a:r>
-              <a:rPr lang="en-US" dirty="0" err="1" smtClean="0"/>
-              <a:t>Office.OneNote_Create</a:t>
-            </a:r>
-            <a:endParaRPr lang="en-US" dirty="0" smtClean="0"/>
-          </a:p>
-          <a:p>
-            <a:pPr lvl="1"/>
-            <a:r>
-              <a:rPr lang="en-US" dirty="0" smtClean="0"/>
-              <a:t>(</a:t>
-            </a:r>
-            <a:r>
-              <a:rPr lang="en-US" dirty="0" err="1" smtClean="0"/>
-              <a:t>WL.SignIn</a:t>
-            </a:r>
-            <a:r>
-              <a:rPr lang="en-US" dirty="0" smtClean="0"/>
-              <a:t> &amp; </a:t>
-            </a:r>
-            <a:r>
-              <a:rPr lang="en-US" dirty="0" err="1" smtClean="0"/>
-              <a:t>WL.Offline_Access</a:t>
-            </a:r>
-            <a:r>
-              <a:rPr lang="en-US" dirty="0" smtClean="0"/>
-              <a:t> required for using Refresh Token)</a:t>
-            </a:r>
-          </a:p>
-        </p:txBody>
-      </p:sp>
-      <p:sp>
-        <p:nvSpPr>
-          <p:cNvPr id="3" name="Title 2"/>
-          <p:cNvSpPr>
-            <a:spLocks noGrp="1"/>
-          </p:cNvSpPr>
-          <p:nvPr>
-            <p:ph type="title"/>
-          </p:nvPr>
-        </p:nvSpPr>
-        <p:spPr/>
-        <p:txBody>
-          <a:bodyPr/>
-          <a:lstStyle/>
-          <a:p>
-            <a:r>
-              <a:rPr lang="en-US" dirty="0" smtClean="0"/>
-              <a:t>Authenticate the User</a:t>
-            </a:r>
-            <a:endParaRPr lang="en-US" dirty="0"/>
-          </a:p>
-        </p:txBody>
-      </p:sp>
-      <p:sp>
-        <p:nvSpPr>
-          <p:cNvPr id="4" name="Slide Number Placeholder 3"/>
-          <p:cNvSpPr>
-            <a:spLocks noGrp="1"/>
-          </p:cNvSpPr>
-          <p:nvPr>
-            <p:ph type="sldNum" sz="quarter" idx="12"/>
-          </p:nvPr>
-        </p:nvSpPr>
-        <p:spPr/>
-        <p:txBody>
-          <a:bodyPr/>
-          <a:lstStyle/>
-          <a:p>
-            <a:fld id="{727B4C2D-45E2-4621-8491-2995EB46A674}" type="slidenum">
-              <a:rPr lang="en-US" smtClean="0"/>
-              <a:pPr/>
-              <a:t>19</a:t>
-            </a:fld>
-            <a:endParaRPr lang="en-US" dirty="0"/>
-          </a:p>
-        </p:txBody>
-      </p:sp>
-    </p:spTree>
-    <p:extLst>
-      <p:ext uri="{BB962C8B-B14F-4D97-AF65-F5344CB8AC3E}">
-        <p14:creationId xmlns:p14="http://schemas.microsoft.com/office/powerpoint/2010/main" val="935314102"/>
-      </p:ext>
-    </p:extLst>
-  </p:cSld>
-  <p:clrMapOvr>
-    <a:masterClrMapping/>
-  </p:clrMapOvr>
-  <p:transition>
+  <p:transition xmlns:p14="http://schemas.microsoft.com/office/powerpoint/2010/main">
     <p:fade/>
   </p:transition>
 </p:sld>
@@ -17794,7 +17933,7 @@
               <a:noFill/>
             </a:ln>
             <a:extLst>
-              <a:ext uri="{91240B29-F687-4F45-9708-019B960494DF}">
+              <a:ext uri="{91240B29-F687-4f45-9708-019B960494DF}">
                 <a14:hiddenLine xmlns:a14="http://schemas.microsoft.com/office/drawing/2010/main" w="9525">
                   <a:solidFill>
                     <a:srgbClr val="000000"/>
@@ -17991,7 +18130,7 @@
               <a:noFill/>
             </a:ln>
             <a:extLst>
-              <a:ext uri="{91240B29-F687-4F45-9708-019B960494DF}">
+              <a:ext uri="{91240B29-F687-4f45-9708-019B960494DF}">
                 <a14:hiddenLine xmlns:a14="http://schemas.microsoft.com/office/drawing/2010/main" w="9525">
                   <a:solidFill>
                     <a:srgbClr val="000000"/>
@@ -18142,7 +18281,7 @@
               <a:noFill/>
             </a:ln>
             <a:extLst>
-              <a:ext uri="{91240B29-F687-4F45-9708-019B960494DF}">
+              <a:ext uri="{91240B29-F687-4f45-9708-019B960494DF}">
                 <a14:hiddenLine xmlns:a14="http://schemas.microsoft.com/office/drawing/2010/main" w="9525">
                   <a:solidFill>
                     <a:srgbClr val="000000"/>
@@ -18196,7 +18335,7 @@
               <a:noFill/>
             </a:ln>
             <a:extLst>
-              <a:ext uri="{91240B29-F687-4F45-9708-019B960494DF}">
+              <a:ext uri="{91240B29-F687-4f45-9708-019B960494DF}">
                 <a14:hiddenLine xmlns:a14="http://schemas.microsoft.com/office/drawing/2010/main" w="9525">
                   <a:solidFill>
                     <a:srgbClr val="000000"/>
@@ -18250,7 +18389,7 @@
               <a:noFill/>
             </a:ln>
             <a:extLst>
-              <a:ext uri="{91240B29-F687-4F45-9708-019B960494DF}">
+              <a:ext uri="{91240B29-F687-4f45-9708-019B960494DF}">
                 <a14:hiddenLine xmlns:a14="http://schemas.microsoft.com/office/drawing/2010/main" w="9525">
                   <a:solidFill>
                     <a:srgbClr val="000000"/>
@@ -18355,7 +18494,7 @@
               <a:noFill/>
             </a:ln>
             <a:extLst>
-              <a:ext uri="{91240B29-F687-4F45-9708-019B960494DF}">
+              <a:ext uri="{91240B29-F687-4f45-9708-019B960494DF}">
                 <a14:hiddenLine xmlns:a14="http://schemas.microsoft.com/office/drawing/2010/main" w="9525">
                   <a:solidFill>
                     <a:srgbClr val="000000"/>
@@ -18716,13 +18855,13 @@
   <p:clrMapOvr>
     <a:masterClrMapping/>
   </p:clrMapOvr>
-  <p:transition>
+  <p:transition xmlns:p14="http://schemas.microsoft.com/office/powerpoint/2010/main">
     <p:fade/>
   </p:transition>
   <p:timing>
     <p:tnLst>
       <p:par>
-        <p:cTn id="1" dur="indefinite" restart="never" nodeType="tmRoot">
+        <p:cTn xmlns:p14="http://schemas.microsoft.com/office/powerpoint/2010/main" id="1" dur="indefinite" restart="never" nodeType="tmRoot">
           <p:childTnLst>
             <p:seq concurrent="1" nextAc="seek">
               <p:cTn id="2" dur="indefinite" nodeType="mainSeq">
@@ -19209,6 +19348,235 @@
             <p:ph type="body" sz="quarter" idx="10"/>
           </p:nvPr>
         </p:nvSpPr>
+        <p:spPr>
+          <a:xfrm>
+            <a:off x="519112" y="1447799"/>
+            <a:ext cx="11149013" cy="4424364"/>
+          </a:xfrm>
+        </p:spPr>
+        <p:txBody>
+          <a:bodyPr/>
+          <a:lstStyle/>
+          <a:p>
+            <a:r>
+              <a:rPr lang="en-US" dirty="0" smtClean="0"/>
+              <a:t>Live SDK</a:t>
+            </a:r>
+            <a:r>
+              <a:rPr lang="en-US" baseline="0" dirty="0" smtClean="0"/>
+              <a:t> </a:t>
+            </a:r>
+          </a:p>
+          <a:p>
+            <a:pPr lvl="1"/>
+            <a:r>
+              <a:rPr lang="en-US" dirty="0" smtClean="0"/>
+              <a:t>Available via </a:t>
+            </a:r>
+            <a:r>
+              <a:rPr lang="en-US" dirty="0" err="1" smtClean="0"/>
+              <a:t>NuGet</a:t>
+            </a:r>
+            <a:endParaRPr lang="en-US" dirty="0" smtClean="0"/>
+          </a:p>
+          <a:p>
+            <a:pPr lvl="0"/>
+            <a:r>
+              <a:rPr lang="en-US" dirty="0" err="1" smtClean="0"/>
+              <a:t>Microsoft.Live.LiveAuthClient</a:t>
+            </a:r>
+            <a:r>
+              <a:rPr lang="en-US" dirty="0" smtClean="0"/>
+              <a:t> class</a:t>
+            </a:r>
+          </a:p>
+          <a:p>
+            <a:pPr lvl="1"/>
+            <a:r>
+              <a:rPr lang="en-US" dirty="0" smtClean="0"/>
+              <a:t>Manages Access / Refresh tokens</a:t>
+            </a:r>
+          </a:p>
+          <a:p>
+            <a:pPr lvl="0"/>
+            <a:r>
+              <a:rPr lang="en-US" dirty="0" smtClean="0"/>
+              <a:t>Scope</a:t>
+            </a:r>
+          </a:p>
+          <a:p>
+            <a:pPr lvl="1"/>
+            <a:r>
+              <a:rPr lang="en-US" sz="1800" dirty="0" err="1" smtClean="0"/>
+              <a:t>Office.OneNote_Create</a:t>
+            </a:r>
+            <a:r>
+              <a:rPr lang="en-US" sz="1800" dirty="0" smtClean="0"/>
+              <a:t>, </a:t>
+            </a:r>
+            <a:r>
+              <a:rPr lang="en-US" sz="1800" dirty="0" err="1" smtClean="0"/>
+              <a:t>Office.OneNote_Update</a:t>
+            </a:r>
+            <a:r>
+              <a:rPr lang="en-US" sz="1800" dirty="0" smtClean="0"/>
+              <a:t>, </a:t>
+            </a:r>
+            <a:r>
+              <a:rPr lang="en-US" sz="1800" dirty="0" err="1" smtClean="0"/>
+              <a:t>Office.OneNote_Update_By_App</a:t>
+            </a:r>
+            <a:r>
+              <a:rPr lang="en-US" sz="1800" dirty="0" smtClean="0"/>
+              <a:t>, </a:t>
+            </a:r>
+            <a:r>
+              <a:rPr lang="en-US" sz="1800" dirty="0" err="1" smtClean="0"/>
+              <a:t>Office.OneNote</a:t>
+            </a:r>
+            <a:endParaRPr lang="en-US" sz="1800" dirty="0" smtClean="0"/>
+          </a:p>
+          <a:p>
+            <a:pPr lvl="1"/>
+            <a:r>
+              <a:rPr lang="en-US" sz="1800" dirty="0" smtClean="0"/>
+              <a:t>(</a:t>
+            </a:r>
+            <a:r>
+              <a:rPr lang="en-US" sz="1800" dirty="0" err="1" smtClean="0"/>
+              <a:t>WL.SignIn</a:t>
+            </a:r>
+            <a:r>
+              <a:rPr lang="en-US" sz="1800" dirty="0" smtClean="0"/>
+              <a:t> &amp; </a:t>
+            </a:r>
+            <a:r>
+              <a:rPr lang="en-US" sz="1800" dirty="0" err="1" smtClean="0"/>
+              <a:t>WL.Offline_Access</a:t>
+            </a:r>
+            <a:r>
+              <a:rPr lang="en-US" sz="1800" dirty="0" smtClean="0"/>
+              <a:t> required for using Refresh Token</a:t>
+            </a:r>
+            <a:r>
+              <a:rPr lang="en-US" sz="1800" dirty="0" smtClean="0"/>
+              <a:t>)</a:t>
+            </a:r>
+          </a:p>
+          <a:p>
+            <a:pPr lvl="1"/>
+            <a:r>
+              <a:rPr lang="en-US" sz="1800" dirty="0" smtClean="0">
+                <a:hlinkClick r:id="rId2"/>
+              </a:rPr>
+              <a:t>Permission Scope reference</a:t>
+            </a:r>
+            <a:r>
+              <a:rPr lang="en-US" sz="1800" dirty="0">
+                <a:hlinkClick r:id="rId2"/>
+              </a:rPr>
+              <a:t> </a:t>
+            </a:r>
+            <a:r>
+              <a:rPr lang="en-US" sz="1800" dirty="0" smtClean="0">
+                <a:hlinkClick r:id="rId2"/>
+              </a:rPr>
+              <a:t>documentation on MSDN</a:t>
+            </a:r>
+            <a:endParaRPr lang="en-US" sz="1800" dirty="0" smtClean="0"/>
+          </a:p>
+        </p:txBody>
+      </p:sp>
+      <p:sp>
+        <p:nvSpPr>
+          <p:cNvPr id="3" name="Title 2"/>
+          <p:cNvSpPr>
+            <a:spLocks noGrp="1"/>
+          </p:cNvSpPr>
+          <p:nvPr>
+            <p:ph type="title"/>
+          </p:nvPr>
+        </p:nvSpPr>
+        <p:spPr/>
+        <p:txBody>
+          <a:bodyPr/>
+          <a:lstStyle/>
+          <a:p>
+            <a:r>
+              <a:rPr lang="en-US" dirty="0" smtClean="0"/>
+              <a:t>Authenticate the User</a:t>
+            </a:r>
+            <a:endParaRPr lang="en-US" dirty="0"/>
+          </a:p>
+        </p:txBody>
+      </p:sp>
+      <p:sp>
+        <p:nvSpPr>
+          <p:cNvPr id="4" name="Slide Number Placeholder 3"/>
+          <p:cNvSpPr>
+            <a:spLocks noGrp="1"/>
+          </p:cNvSpPr>
+          <p:nvPr>
+            <p:ph type="sldNum" sz="quarter" idx="12"/>
+          </p:nvPr>
+        </p:nvSpPr>
+        <p:spPr/>
+        <p:txBody>
+          <a:bodyPr/>
+          <a:lstStyle/>
+          <a:p>
+            <a:fld id="{727B4C2D-45E2-4621-8491-2995EB46A674}" type="slidenum">
+              <a:rPr lang="en-US" smtClean="0"/>
+              <a:pPr/>
+              <a:t>20</a:t>
+            </a:fld>
+            <a:endParaRPr lang="en-US" dirty="0"/>
+          </a:p>
+        </p:txBody>
+      </p:sp>
+    </p:spTree>
+    <p:extLst>
+      <p:ext uri="{BB962C8B-B14F-4D97-AF65-F5344CB8AC3E}">
+        <p14:creationId xmlns:p14="http://schemas.microsoft.com/office/powerpoint/2010/main" val="935314102"/>
+      </p:ext>
+    </p:extLst>
+  </p:cSld>
+  <p:clrMapOvr>
+    <a:masterClrMapping/>
+  </p:clrMapOvr>
+  <p:transition xmlns:p14="http://schemas.microsoft.com/office/powerpoint/2010/main">
+    <p:fade/>
+  </p:transition>
+</p:sld>
+</file>
+
+<file path=ppt/slides/slide21.xml><?xml version="1.0" encoding="utf-8"?>
+<p:sld xmlns:a="http://schemas.openxmlformats.org/drawingml/2006/main" xmlns:r="http://schemas.openxmlformats.org/officeDocument/2006/relationships" xmlns:p="http://schemas.openxmlformats.org/presentationml/2006/main">
+  <p:cSld>
+    <p:spTree>
+      <p:nvGrpSpPr>
+        <p:cNvPr id="1" name=""/>
+        <p:cNvGrpSpPr/>
+        <p:nvPr/>
+      </p:nvGrpSpPr>
+      <p:grpSpPr>
+        <a:xfrm>
+          <a:off x="0" y="0"/>
+          <a:ext cx="0" cy="0"/>
+          <a:chOff x="0" y="0"/>
+          <a:chExt cx="0" cy="0"/>
+        </a:xfrm>
+      </p:grpSpPr>
+      <p:sp>
+        <p:nvSpPr>
+          <p:cNvPr id="2" name="Text Placeholder 1"/>
+          <p:cNvSpPr>
+            <a:spLocks noGrp="1"/>
+          </p:cNvSpPr>
+          <p:nvPr>
+            <p:ph type="body" sz="quarter" idx="10"/>
+          </p:nvPr>
+        </p:nvSpPr>
         <p:spPr/>
         <p:txBody>
           <a:bodyPr/>
@@ -19293,7 +19661,7 @@
             <a:fld id="{727B4C2D-45E2-4621-8491-2995EB46A674}" type="slidenum">
               <a:rPr lang="en-US" smtClean="0"/>
               <a:pPr/>
-              <a:t>20</a:t>
+              <a:t>21</a:t>
             </a:fld>
             <a:endParaRPr lang="en-US" dirty="0"/>
           </a:p>
@@ -19338,13 +19706,13 @@
   <p:clrMapOvr>
     <a:masterClrMapping/>
   </p:clrMapOvr>
-  <p:transition>
+  <p:transition xmlns:p14="http://schemas.microsoft.com/office/powerpoint/2010/main">
     <p:fade/>
   </p:transition>
 </p:sld>
 </file>
 
-<file path=ppt/slides/slide21.xml><?xml version="1.0" encoding="utf-8"?>
+<file path=ppt/slides/slide22.xml><?xml version="1.0" encoding="utf-8"?>
 <p:sld xmlns:a="http://schemas.openxmlformats.org/drawingml/2006/main" xmlns:r="http://schemas.openxmlformats.org/officeDocument/2006/relationships" xmlns:p="http://schemas.openxmlformats.org/presentationml/2006/main">
   <p:cSld>
     <p:spTree>
@@ -19437,9 +19805,56 @@
           <a:p>
             <a:pPr lvl="1"/>
             <a:r>
+              <a:rPr lang="en-US" dirty="0" smtClean="0">
+                <a:hlinkClick r:id="rId2"/>
+              </a:rPr>
+              <a:t>https://apigee.com/onenote/embed/console/onenote</a:t>
+            </a:r>
+            <a:r>
+              <a:rPr lang="en-US" dirty="0" smtClean="0">
+                <a:hlinkClick r:id="rId2"/>
+              </a:rPr>
+              <a:t>/</a:t>
+            </a:r>
+            <a:r>
               <a:rPr lang="en-US" dirty="0" smtClean="0"/>
-              <a:t>https://apigee.com/onenote/embed/console/onenote/</a:t>
-            </a:r>
+              <a:t> (production)</a:t>
+            </a:r>
+          </a:p>
+          <a:p>
+            <a:pPr lvl="1"/>
+            <a:r>
+              <a:rPr lang="en-US" dirty="0">
+                <a:hlinkClick r:id="rId3"/>
+              </a:rPr>
+              <a:t>https://apigee.com/</a:t>
+            </a:r>
+            <a:r>
+              <a:rPr lang="en-US" dirty="0" smtClean="0">
+                <a:hlinkClick r:id="rId3"/>
+              </a:rPr>
+              <a:t>onenote_beta/</a:t>
+            </a:r>
+            <a:r>
+              <a:rPr lang="en-US" dirty="0">
+                <a:hlinkClick r:id="rId3"/>
+              </a:rPr>
+              <a:t>embed/console/</a:t>
+            </a:r>
+            <a:r>
+              <a:rPr lang="en-US" dirty="0" smtClean="0">
+                <a:hlinkClick r:id="rId3"/>
+              </a:rPr>
+              <a:t>onenote_beta/ </a:t>
+            </a:r>
+            <a:r>
+              <a:rPr lang="en-US" dirty="0" smtClean="0"/>
+              <a:t>(bleeding edge, beta)</a:t>
+            </a:r>
+            <a:endParaRPr lang="en-US" dirty="0"/>
+          </a:p>
+          <a:p>
+            <a:pPr lvl="1"/>
             <a:endParaRPr lang="en-US" dirty="0"/>
           </a:p>
         </p:txBody>
@@ -19485,7 +19900,7 @@
             <a:fld id="{727B4C2D-45E2-4621-8491-2995EB46A674}" type="slidenum">
               <a:rPr lang="en-US" smtClean="0"/>
               <a:pPr/>
-              <a:t>21</a:t>
+              <a:t>22</a:t>
             </a:fld>
             <a:endParaRPr lang="en-US" dirty="0"/>
           </a:p>
@@ -19500,7 +19915,7 @@
           <p:nvPr/>
         </p:nvPicPr>
         <p:blipFill>
-          <a:blip r:embed="rId2"/>
+          <a:blip r:embed="rId4"/>
           <a:stretch>
             <a:fillRect/>
           </a:stretch>
@@ -19525,13 +19940,13 @@
   <p:clrMapOvr>
     <a:masterClrMapping/>
   </p:clrMapOvr>
-  <p:transition>
+  <p:transition xmlns:p14="http://schemas.microsoft.com/office/powerpoint/2010/main">
     <p:fade/>
   </p:transition>
 </p:sld>
 </file>
 
-<file path=ppt/slides/slide22.xml><?xml version="1.0" encoding="utf-8"?>
+<file path=ppt/slides/slide23.xml><?xml version="1.0" encoding="utf-8"?>
 <p:sld xmlns:a="http://schemas.openxmlformats.org/drawingml/2006/main" xmlns:r="http://schemas.openxmlformats.org/officeDocument/2006/relationships" xmlns:p="http://schemas.openxmlformats.org/presentationml/2006/main">
   <p:cSld>
     <p:spTree>
@@ -19659,7 +20074,24 @@
             <a:pPr lvl="0"/>
             <a:r>
               <a:rPr lang="en-US" dirty="0" smtClean="0"/>
-              <a:t>No updates to existing pages</a:t>
+              <a:t>PATCH </a:t>
+            </a:r>
+            <a:r>
+              <a:rPr lang="en-US" sz="2400" dirty="0">
+                <a:solidFill>
+                  <a:schemeClr val="tx1"/>
+                </a:solidFill>
+                <a:latin typeface="Consolas" panose="020B0609020204030204" pitchFamily="49" charset="0"/>
+                <a:cs typeface="Consolas" panose="020B0609020204030204" pitchFamily="49" charset="0"/>
+              </a:rPr>
+              <a:t>(Beta)</a:t>
+            </a:r>
+          </a:p>
+          <a:p>
+            <a:pPr lvl="1"/>
+            <a:r>
+              <a:rPr lang="en-US" dirty="0" smtClean="0"/>
+              <a:t>Pages</a:t>
             </a:r>
             <a:endParaRPr lang="en-US" dirty="0"/>
           </a:p>
@@ -19714,11 +20146,111 @@
               </a:rPr>
               <a:t>https://www.onenote.com/api/v1.0/</a:t>
             </a:r>
-            <a:endParaRPr lang="en-US" sz="2400" dirty="0" smtClean="0">
+            <a:br>
+              <a:rPr lang="en-US" sz="2400" kern="1200" spc="-70" baseline="0" dirty="0" smtClean="0">
+                <a:solidFill>
+                  <a:schemeClr val="tx1"/>
+                </a:solidFill>
+                <a:effectLst/>
+                <a:latin typeface="Consolas" panose="020B0609020204030204" pitchFamily="49" charset="0"/>
+                <a:cs typeface="Consolas" panose="020B0609020204030204" pitchFamily="49" charset="0"/>
+              </a:rPr>
+            </a:br>
+            <a:r>
+              <a:rPr lang="en-US" sz="2400" kern="1200" spc="-70" baseline="0" dirty="0" smtClean="0">
+                <a:solidFill>
+                  <a:schemeClr val="tx1"/>
+                </a:solidFill>
+                <a:effectLst/>
+                <a:latin typeface="Consolas" panose="020B0609020204030204" pitchFamily="49" charset="0"/>
+                <a:cs typeface="Consolas" panose="020B0609020204030204" pitchFamily="49" charset="0"/>
+              </a:rPr>
+              <a:t/>
+            </a:r>
+            <a:br>
+              <a:rPr lang="en-US" sz="2400" kern="1200" spc="-70" baseline="0" dirty="0" smtClean="0">
+                <a:solidFill>
+                  <a:schemeClr val="tx1"/>
+                </a:solidFill>
+                <a:effectLst/>
+                <a:latin typeface="Consolas" panose="020B0609020204030204" pitchFamily="49" charset="0"/>
+                <a:cs typeface="Consolas" panose="020B0609020204030204" pitchFamily="49" charset="0"/>
+              </a:rPr>
+            </a:br>
+            <a:endParaRPr lang="en-US" sz="2400" kern="1200" spc="-70" baseline="0" dirty="0" smtClean="0">
               <a:solidFill>
                 <a:schemeClr val="tx1"/>
               </a:solidFill>
               <a:effectLst/>
+              <a:latin typeface="Consolas" panose="020B0609020204030204" pitchFamily="49" charset="0"/>
+              <a:cs typeface="Consolas" panose="020B0609020204030204" pitchFamily="49" charset="0"/>
+            </a:endParaRPr>
+          </a:p>
+          <a:p>
+            <a:pPr marL="0" marR="0" lvl="0" indent="0" algn="l" defTabSz="914363" rtl="0" eaLnBrk="1" fontAlgn="auto" latinLnBrk="0" hangingPunct="1">
+              <a:lnSpc>
+                <a:spcPct val="90000"/>
+              </a:lnSpc>
+              <a:spcBef>
+                <a:spcPts val="1200"/>
+              </a:spcBef>
+              <a:spcAft>
+                <a:spcPts val="0"/>
+              </a:spcAft>
+              <a:buClrTx/>
+              <a:buSzPct val="80000"/>
+              <a:buFont typeface="Arial" pitchFamily="34" charset="0"/>
+              <a:buNone/>
+              <a:tabLst/>
+              <a:defRPr/>
+            </a:pPr>
+            <a:r>
+              <a:rPr lang="en-US" dirty="0"/>
+              <a:t>Beta URI</a:t>
+            </a:r>
+          </a:p>
+          <a:p>
+            <a:pPr marL="0" marR="0" lvl="0" indent="0" algn="l" defTabSz="914363" rtl="0" eaLnBrk="1" fontAlgn="auto" latinLnBrk="0" hangingPunct="1">
+              <a:lnSpc>
+                <a:spcPct val="90000"/>
+              </a:lnSpc>
+              <a:spcBef>
+                <a:spcPts val="1200"/>
+              </a:spcBef>
+              <a:spcAft>
+                <a:spcPts val="0"/>
+              </a:spcAft>
+              <a:buClrTx/>
+              <a:buSzPct val="80000"/>
+              <a:buFont typeface="Arial" pitchFamily="34" charset="0"/>
+              <a:buNone/>
+              <a:tabLst/>
+              <a:defRPr/>
+            </a:pPr>
+            <a:r>
+              <a:rPr lang="en-US" sz="2400" dirty="0">
+                <a:solidFill>
+                  <a:schemeClr val="tx1"/>
+                </a:solidFill>
+                <a:latin typeface="Consolas" panose="020B0609020204030204" pitchFamily="49" charset="0"/>
+                <a:cs typeface="Consolas" panose="020B0609020204030204" pitchFamily="49" charset="0"/>
+              </a:rPr>
+              <a:t>https://</a:t>
+            </a:r>
+            <a:r>
+              <a:rPr lang="en-US" sz="2400" dirty="0" smtClean="0">
+                <a:solidFill>
+                  <a:schemeClr val="tx1"/>
+                </a:solidFill>
+                <a:latin typeface="Consolas" panose="020B0609020204030204" pitchFamily="49" charset="0"/>
+                <a:cs typeface="Consolas" panose="020B0609020204030204" pitchFamily="49" charset="0"/>
+              </a:rPr>
+              <a:t>www.onenote.com/beta/</a:t>
+            </a:r>
+            <a:endParaRPr lang="en-US" sz="2400" dirty="0">
+              <a:solidFill>
+                <a:schemeClr val="tx1"/>
+              </a:solidFill>
               <a:latin typeface="Consolas" panose="020B0609020204030204" pitchFamily="49" charset="0"/>
               <a:cs typeface="Consolas" panose="020B0609020204030204" pitchFamily="49" charset="0"/>
             </a:endParaRPr>
@@ -19743,7 +20275,7 @@
             <a:fld id="{727B4C2D-45E2-4621-8491-2995EB46A674}" type="slidenum">
               <a:rPr lang="en-US" smtClean="0"/>
               <a:pPr/>
-              <a:t>22</a:t>
+              <a:t>23</a:t>
             </a:fld>
             <a:endParaRPr lang="en-US" dirty="0"/>
           </a:p>
@@ -19759,13 +20291,13 @@
   <p:clrMapOvr>
     <a:masterClrMapping/>
   </p:clrMapOvr>
-  <p:transition>
+  <p:transition xmlns:p14="http://schemas.microsoft.com/office/powerpoint/2010/main">
     <p:fade/>
   </p:transition>
 </p:sld>
 </file>
 
-<file path=ppt/slides/slide23.xml><?xml version="1.0" encoding="utf-8"?>
+<file path=ppt/slides/slide24.xml><?xml version="1.0" encoding="utf-8"?>
 <p:sld xmlns:a="http://schemas.openxmlformats.org/drawingml/2006/main" xmlns:r="http://schemas.openxmlformats.org/officeDocument/2006/relationships" xmlns:p="http://schemas.openxmlformats.org/presentationml/2006/main">
   <p:cSld>
     <p:spTree>
@@ -19857,14 +20389,14 @@
   <p:timing>
     <p:tnLst>
       <p:par>
-        <p:cTn id="1" dur="indefinite" restart="never" nodeType="tmRoot"/>
+        <p:cTn xmlns:p14="http://schemas.microsoft.com/office/powerpoint/2010/main" id="1" dur="indefinite" restart="never" nodeType="tmRoot"/>
       </p:par>
     </p:tnLst>
   </p:timing>
 </p:sld>
 </file>
 
-<file path=ppt/slides/slide24.xml><?xml version="1.0" encoding="utf-8"?>
+<file path=ppt/slides/slide25.xml><?xml version="1.0" encoding="utf-8"?>
 <p:sld xmlns:a="http://schemas.openxmlformats.org/drawingml/2006/main" xmlns:r="http://schemas.openxmlformats.org/officeDocument/2006/relationships" xmlns:p="http://schemas.openxmlformats.org/presentationml/2006/main">
   <p:cSld>
     <p:spTree>
@@ -19949,7 +20481,7 @@
             <a:fld id="{727B4C2D-45E2-4621-8491-2995EB46A674}" type="slidenum">
               <a:rPr lang="en-US" smtClean="0"/>
               <a:pPr/>
-              <a:t>24</a:t>
+              <a:t>25</a:t>
             </a:fld>
             <a:endParaRPr lang="en-US" dirty="0"/>
           </a:p>
@@ -19980,14 +20512,14 @@
   <p:timing>
     <p:tnLst>
       <p:par>
-        <p:cTn id="1" dur="indefinite" restart="never" nodeType="tmRoot"/>
+        <p:cTn xmlns:p14="http://schemas.microsoft.com/office/powerpoint/2010/main" id="1" dur="indefinite" restart="never" nodeType="tmRoot"/>
       </p:par>
     </p:tnLst>
   </p:timing>
 </p:sld>
 </file>
 
-<file path=ppt/slides/slide25.xml><?xml version="1.0" encoding="utf-8"?>
+<file path=ppt/slides/slide26.xml><?xml version="1.0" encoding="utf-8"?>
 <p:sld xmlns:a="http://schemas.openxmlformats.org/drawingml/2006/main" xmlns:r="http://schemas.openxmlformats.org/officeDocument/2006/relationships" xmlns:p="http://schemas.openxmlformats.org/presentationml/2006/main">
   <p:cSld>
     <p:spTree>
@@ -21855,20 +22387,20 @@
   <p:clrMapOvr>
     <a:masterClrMapping/>
   </p:clrMapOvr>
-  <p:transition>
+  <p:transition xmlns:p14="http://schemas.microsoft.com/office/powerpoint/2010/main">
     <p:fade/>
   </p:transition>
   <p:timing>
     <p:tnLst>
       <p:par>
-        <p:cTn id="1" dur="indefinite" restart="never" nodeType="tmRoot"/>
+        <p:cTn xmlns:p14="http://schemas.microsoft.com/office/powerpoint/2010/main" id="1" dur="indefinite" restart="never" nodeType="tmRoot"/>
       </p:par>
     </p:tnLst>
   </p:timing>
 </p:sld>
 </file>
 
-<file path=ppt/slides/slide26.xml><?xml version="1.0" encoding="utf-8"?>
+<file path=ppt/slides/slide27.xml><?xml version="1.0" encoding="utf-8"?>
 <p:sld xmlns:a="http://schemas.openxmlformats.org/drawingml/2006/main" xmlns:r="http://schemas.openxmlformats.org/officeDocument/2006/relationships" xmlns:p="http://schemas.openxmlformats.org/presentationml/2006/main">
   <p:cSld>
     <p:spTree>
@@ -23575,7 +24107,7 @@
             <a:fld id="{727B4C2D-45E2-4621-8491-2995EB46A674}" type="slidenum">
               <a:rPr lang="en-US" smtClean="0"/>
               <a:pPr/>
-              <a:t>26</a:t>
+              <a:t>27</a:t>
             </a:fld>
             <a:endParaRPr lang="en-US" dirty="0"/>
           </a:p>
@@ -23591,20 +24123,20 @@
   <p:clrMapOvr>
     <a:masterClrMapping/>
   </p:clrMapOvr>
-  <p:transition>
+  <p:transition xmlns:p14="http://schemas.microsoft.com/office/powerpoint/2010/main">
     <p:fade/>
   </p:transition>
   <p:timing>
     <p:tnLst>
       <p:par>
-        <p:cTn id="1" dur="indefinite" restart="never" nodeType="tmRoot"/>
+        <p:cTn xmlns:p14="http://schemas.microsoft.com/office/powerpoint/2010/main" id="1" dur="indefinite" restart="never" nodeType="tmRoot"/>
       </p:par>
     </p:tnLst>
   </p:timing>
 </p:sld>
 </file>
 
-<file path=ppt/slides/slide27.xml><?xml version="1.0" encoding="utf-8"?>
+<file path=ppt/slides/slide28.xml><?xml version="1.0" encoding="utf-8"?>
 <p:sld xmlns:a="http://schemas.openxmlformats.org/drawingml/2006/main" xmlns:r="http://schemas.openxmlformats.org/officeDocument/2006/relationships" xmlns:p="http://schemas.openxmlformats.org/presentationml/2006/main">
   <p:cSld>
     <p:spTree>
@@ -24606,7 +25138,7 @@
             <a:fld id="{727B4C2D-45E2-4621-8491-2995EB46A674}" type="slidenum">
               <a:rPr lang="en-US" smtClean="0"/>
               <a:pPr/>
-              <a:t>27</a:t>
+              <a:t>28</a:t>
             </a:fld>
             <a:endParaRPr lang="en-US" dirty="0"/>
           </a:p>
@@ -24622,20 +25154,20 @@
   <p:clrMapOvr>
     <a:masterClrMapping/>
   </p:clrMapOvr>
-  <p:transition>
+  <p:transition xmlns:p14="http://schemas.microsoft.com/office/powerpoint/2010/main">
     <p:fade/>
   </p:transition>
   <p:timing>
     <p:tnLst>
       <p:par>
-        <p:cTn id="1" dur="indefinite" restart="never" nodeType="tmRoot"/>
+        <p:cTn xmlns:p14="http://schemas.microsoft.com/office/powerpoint/2010/main" id="1" dur="indefinite" restart="never" nodeType="tmRoot"/>
       </p:par>
     </p:tnLst>
   </p:timing>
 </p:sld>
 </file>
 
-<file path=ppt/slides/slide28.xml><?xml version="1.0" encoding="utf-8"?>
+<file path=ppt/slides/slide29.xml><?xml version="1.0" encoding="utf-8"?>
 <p:sld xmlns:a="http://schemas.openxmlformats.org/drawingml/2006/main" xmlns:r="http://schemas.openxmlformats.org/officeDocument/2006/relationships" xmlns:p="http://schemas.openxmlformats.org/presentationml/2006/main">
   <p:cSld>
     <p:spTree>
@@ -24815,7 +25347,7 @@
             <a:fld id="{727B4C2D-45E2-4621-8491-2995EB46A674}" type="slidenum">
               <a:rPr lang="en-US" smtClean="0"/>
               <a:pPr/>
-              <a:t>28</a:t>
+              <a:t>29</a:t>
             </a:fld>
             <a:endParaRPr lang="en-US" dirty="0"/>
           </a:p>
@@ -24831,1747 +25363,7 @@
   <p:clrMapOvr>
     <a:masterClrMapping/>
   </p:clrMapOvr>
-  <p:transition>
-    <p:fade/>
-  </p:transition>
-</p:sld>
-</file>
-
-<file path=ppt/slides/slide29.xml><?xml version="1.0" encoding="utf-8"?>
-<p:sld xmlns:a="http://schemas.openxmlformats.org/drawingml/2006/main" xmlns:r="http://schemas.openxmlformats.org/officeDocument/2006/relationships" xmlns:p="http://schemas.openxmlformats.org/presentationml/2006/main">
-  <p:cSld>
-    <p:spTree>
-      <p:nvGrpSpPr>
-        <p:cNvPr id="1" name=""/>
-        <p:cNvGrpSpPr/>
-        <p:nvPr/>
-      </p:nvGrpSpPr>
-      <p:grpSpPr>
-        <a:xfrm>
-          <a:off x="0" y="0"/>
-          <a:ext cx="0" cy="0"/>
-          <a:chOff x="0" y="0"/>
-          <a:chExt cx="0" cy="0"/>
-        </a:xfrm>
-      </p:grpSpPr>
-      <p:sp>
-        <p:nvSpPr>
-          <p:cNvPr id="3" name="Title 2"/>
-          <p:cNvSpPr>
-            <a:spLocks noGrp="1"/>
-          </p:cNvSpPr>
-          <p:nvPr>
-            <p:ph type="title"/>
-          </p:nvPr>
-        </p:nvSpPr>
-        <p:spPr/>
-        <p:txBody>
-          <a:bodyPr/>
-          <a:lstStyle/>
-          <a:p>
-            <a:r>
-              <a:rPr lang="en-US" dirty="0" smtClean="0"/>
-              <a:t>Capture Embedded File</a:t>
-            </a:r>
-            <a:endParaRPr lang="en-US" dirty="0"/>
-          </a:p>
-        </p:txBody>
-      </p:sp>
-      <p:sp>
-        <p:nvSpPr>
-          <p:cNvPr id="4" name="Slide Number Placeholder 3"/>
-          <p:cNvSpPr>
-            <a:spLocks noGrp="1"/>
-          </p:cNvSpPr>
-          <p:nvPr>
-            <p:ph type="sldNum" sz="quarter" idx="12"/>
-          </p:nvPr>
-        </p:nvSpPr>
-        <p:spPr/>
-        <p:txBody>
-          <a:bodyPr/>
-          <a:lstStyle/>
-          <a:p>
-            <a:fld id="{727B4C2D-45E2-4621-8491-2995EB46A674}" type="slidenum">
-              <a:rPr lang="en-US" smtClean="0"/>
-              <a:pPr/>
-              <a:t>29</a:t>
-            </a:fld>
-            <a:endParaRPr lang="en-US" dirty="0"/>
-          </a:p>
-        </p:txBody>
-      </p:sp>
-      <p:sp>
-        <p:nvSpPr>
-          <p:cNvPr id="5" name="Text Placeholder 1"/>
-          <p:cNvSpPr>
-            <a:spLocks noGrp="1"/>
-          </p:cNvSpPr>
-          <p:nvPr>
-            <p:ph type="body" sz="quarter" idx="10"/>
-          </p:nvPr>
-        </p:nvSpPr>
-        <p:spPr>
-          <a:xfrm>
-            <a:off x="519111" y="1132112"/>
-            <a:ext cx="11466059" cy="5257801"/>
-          </a:xfrm>
-        </p:spPr>
-        <p:txBody>
-          <a:bodyPr/>
-          <a:lstStyle/>
-          <a:p>
-            <a:r>
-              <a:rPr lang="en-US" sz="1800" dirty="0" err="1" smtClean="0">
-                <a:solidFill>
-                  <a:srgbClr val="0000FF"/>
-                </a:solidFill>
-                <a:highlight>
-                  <a:srgbClr val="FFFFFF"/>
-                </a:highlight>
-                <a:latin typeface="Consolas" panose="020B0609020204030204" pitchFamily="49" charset="0"/>
-              </a:rPr>
-              <a:t>var</a:t>
-            </a:r>
-            <a:r>
-              <a:rPr lang="en-US" sz="1800" dirty="0" smtClean="0">
-                <a:solidFill>
-                  <a:srgbClr val="000000"/>
-                </a:solidFill>
-                <a:highlight>
-                  <a:srgbClr val="FFFFFF"/>
-                </a:highlight>
-                <a:latin typeface="Consolas" panose="020B0609020204030204" pitchFamily="49" charset="0"/>
-              </a:rPr>
-              <a:t> client = </a:t>
-            </a:r>
-            <a:r>
-              <a:rPr lang="en-US" sz="1800" dirty="0" smtClean="0">
-                <a:solidFill>
-                  <a:srgbClr val="0000FF"/>
-                </a:solidFill>
-                <a:highlight>
-                  <a:srgbClr val="FFFFFF"/>
-                </a:highlight>
-                <a:latin typeface="Consolas" panose="020B0609020204030204" pitchFamily="49" charset="0"/>
-              </a:rPr>
-              <a:t>new</a:t>
-            </a:r>
-            <a:r>
-              <a:rPr lang="en-US" sz="1800" dirty="0" smtClean="0">
-                <a:solidFill>
-                  <a:srgbClr val="000000"/>
-                </a:solidFill>
-                <a:highlight>
-                  <a:srgbClr val="FFFFFF"/>
-                </a:highlight>
-                <a:latin typeface="Consolas" panose="020B0609020204030204" pitchFamily="49" charset="0"/>
-              </a:rPr>
-              <a:t> </a:t>
-            </a:r>
-            <a:r>
-              <a:rPr lang="en-US" sz="1800" dirty="0" err="1" smtClean="0">
-                <a:solidFill>
-                  <a:srgbClr val="2B91AF"/>
-                </a:solidFill>
-                <a:highlight>
-                  <a:srgbClr val="FFFFFF"/>
-                </a:highlight>
-                <a:latin typeface="Consolas" panose="020B0609020204030204" pitchFamily="49" charset="0"/>
-              </a:rPr>
-              <a:t>HttpClient</a:t>
-            </a:r>
-            <a:r>
-              <a:rPr lang="en-US" sz="1800" dirty="0" smtClean="0">
-                <a:solidFill>
-                  <a:srgbClr val="000000"/>
-                </a:solidFill>
-                <a:highlight>
-                  <a:srgbClr val="FFFFFF"/>
-                </a:highlight>
-                <a:latin typeface="Consolas" panose="020B0609020204030204" pitchFamily="49" charset="0"/>
-              </a:rPr>
-              <a:t>();</a:t>
-            </a:r>
-            <a:r>
-              <a:rPr lang="en-US" sz="1800" dirty="0" smtClean="0">
-                <a:solidFill>
-                  <a:srgbClr val="008000"/>
-                </a:solidFill>
-                <a:highlight>
-                  <a:srgbClr val="FFFFFF"/>
-                </a:highlight>
-                <a:latin typeface="Consolas" panose="020B0609020204030204" pitchFamily="49" charset="0"/>
-              </a:rPr>
-              <a:t>// [set Accept and Authorization headers as previous </a:t>
-            </a:r>
-            <a:r>
-              <a:rPr lang="en-US" sz="1800" dirty="0">
-                <a:solidFill>
-                  <a:srgbClr val="008000"/>
-                </a:solidFill>
-                <a:highlight>
-                  <a:srgbClr val="FFFFFF"/>
-                </a:highlight>
-                <a:latin typeface="Consolas" panose="020B0609020204030204" pitchFamily="49" charset="0"/>
-              </a:rPr>
-              <a:t>example]</a:t>
-            </a:r>
-            <a:br>
-              <a:rPr lang="en-US" sz="1800" dirty="0">
-                <a:solidFill>
-                  <a:srgbClr val="008000"/>
-                </a:solidFill>
-                <a:highlight>
-                  <a:srgbClr val="FFFFFF"/>
-                </a:highlight>
-                <a:latin typeface="Consolas" panose="020B0609020204030204" pitchFamily="49" charset="0"/>
-              </a:rPr>
-            </a:br>
-            <a:r>
-              <a:rPr lang="en-US" sz="1800" dirty="0" smtClean="0">
-                <a:solidFill>
-                  <a:srgbClr val="000000"/>
-                </a:solidFill>
-                <a:highlight>
-                  <a:srgbClr val="FFFFFF"/>
-                </a:highlight>
-                <a:latin typeface="Consolas" panose="020B0609020204030204" pitchFamily="49" charset="0"/>
-              </a:rPr>
-              <a:t/>
-            </a:r>
-            <a:br>
-              <a:rPr lang="en-US" sz="1800" dirty="0" smtClean="0">
-                <a:solidFill>
-                  <a:srgbClr val="000000"/>
-                </a:solidFill>
-                <a:highlight>
-                  <a:srgbClr val="FFFFFF"/>
-                </a:highlight>
-                <a:latin typeface="Consolas" panose="020B0609020204030204" pitchFamily="49" charset="0"/>
-              </a:rPr>
-            </a:br>
-            <a:r>
-              <a:rPr lang="en-US" sz="1800" dirty="0" smtClean="0">
-                <a:solidFill>
-                  <a:srgbClr val="0000FF"/>
-                </a:solidFill>
-                <a:highlight>
-                  <a:srgbClr val="FFFFFF"/>
-                </a:highlight>
-                <a:latin typeface="Consolas" panose="020B0609020204030204" pitchFamily="49" charset="0"/>
-              </a:rPr>
-              <a:t>string</a:t>
-            </a:r>
-            <a:r>
-              <a:rPr lang="en-US" sz="1800" dirty="0" smtClean="0">
-                <a:solidFill>
-                  <a:srgbClr val="000000"/>
-                </a:solidFill>
-                <a:highlight>
-                  <a:srgbClr val="FFFFFF"/>
-                </a:highlight>
-                <a:latin typeface="Consolas" panose="020B0609020204030204" pitchFamily="49" charset="0"/>
-              </a:rPr>
-              <a:t> </a:t>
-            </a:r>
-            <a:r>
-              <a:rPr lang="en-US" sz="1800" dirty="0" err="1" smtClean="0">
-                <a:solidFill>
-                  <a:srgbClr val="000000"/>
-                </a:solidFill>
-                <a:highlight>
-                  <a:srgbClr val="FFFFFF"/>
-                </a:highlight>
-                <a:latin typeface="Consolas" panose="020B0609020204030204" pitchFamily="49" charset="0"/>
-              </a:rPr>
-              <a:t>simpleHtml</a:t>
-            </a:r>
-            <a:r>
-              <a:rPr lang="en-US" sz="1800" dirty="0" smtClean="0">
-                <a:solidFill>
-                  <a:srgbClr val="000000"/>
-                </a:solidFill>
-                <a:highlight>
-                  <a:srgbClr val="FFFFFF"/>
-                </a:highlight>
-                <a:latin typeface="Consolas" panose="020B0609020204030204" pitchFamily="49" charset="0"/>
-              </a:rPr>
-              <a:t> = </a:t>
-            </a:r>
-            <a:r>
-              <a:rPr lang="en-US" sz="1800" dirty="0" smtClean="0">
-                <a:solidFill>
-                  <a:srgbClr val="008000"/>
-                </a:solidFill>
-                <a:highlight>
-                  <a:srgbClr val="FFFFFF"/>
-                </a:highlight>
-                <a:latin typeface="Consolas" panose="020B0609020204030204" pitchFamily="49" charset="0"/>
-              </a:rPr>
-              <a:t>// [similar to previous example]</a:t>
-            </a:r>
-            <a:br>
-              <a:rPr lang="en-US" sz="1800" dirty="0" smtClean="0">
-                <a:solidFill>
-                  <a:srgbClr val="008000"/>
-                </a:solidFill>
-                <a:highlight>
-                  <a:srgbClr val="FFFFFF"/>
-                </a:highlight>
-                <a:latin typeface="Consolas" panose="020B0609020204030204" pitchFamily="49" charset="0"/>
-              </a:rPr>
-            </a:br>
-            <a:r>
-              <a:rPr lang="en-US" sz="1800" dirty="0" smtClean="0">
-                <a:solidFill>
-                  <a:srgbClr val="008000"/>
-                </a:solidFill>
-                <a:highlight>
-                  <a:srgbClr val="FFFFFF"/>
-                </a:highlight>
-                <a:latin typeface="Consolas" panose="020B0609020204030204" pitchFamily="49" charset="0"/>
-              </a:rPr>
-              <a:t>  </a:t>
-            </a:r>
-            <a:r>
-              <a:rPr lang="en-US" sz="1800" dirty="0" smtClean="0">
-                <a:solidFill>
-                  <a:srgbClr val="A31515"/>
-                </a:solidFill>
-                <a:highlight>
-                  <a:srgbClr val="FFFFFF"/>
-                </a:highlight>
-                <a:latin typeface="Consolas" panose="020B0609020204030204" pitchFamily="49" charset="0"/>
-              </a:rPr>
-              <a:t>"&lt;object data=\"name:file1\" data-attachment=\"file1.docx\" </a:t>
-            </a:r>
-            <a:br>
-              <a:rPr lang="en-US" sz="1800" dirty="0" smtClean="0">
-                <a:solidFill>
-                  <a:srgbClr val="A31515"/>
-                </a:solidFill>
-                <a:highlight>
-                  <a:srgbClr val="FFFFFF"/>
-                </a:highlight>
-                <a:latin typeface="Consolas" panose="020B0609020204030204" pitchFamily="49" charset="0"/>
-              </a:rPr>
-            </a:br>
-            <a:r>
-              <a:rPr lang="en-US" sz="1800" dirty="0" smtClean="0">
-                <a:solidFill>
-                  <a:srgbClr val="A31515"/>
-                </a:solidFill>
-                <a:highlight>
-                  <a:srgbClr val="FFFFFF"/>
-                </a:highlight>
-                <a:latin typeface="Consolas" panose="020B0609020204030204" pitchFamily="49" charset="0"/>
-              </a:rPr>
-              <a:t>           type=\"application/</a:t>
-            </a:r>
-            <a:r>
-              <a:rPr lang="en-US" sz="1800" dirty="0" err="1" smtClean="0">
-                <a:solidFill>
-                  <a:srgbClr val="A31515"/>
-                </a:solidFill>
-                <a:highlight>
-                  <a:srgbClr val="FFFFFF"/>
-                </a:highlight>
-                <a:latin typeface="Consolas" panose="020B0609020204030204" pitchFamily="49" charset="0"/>
-              </a:rPr>
-              <a:t>vnd.openxmlformats-officedocument.wordprocessingml.document</a:t>
-            </a:r>
-            <a:r>
-              <a:rPr lang="en-US" sz="1800" dirty="0" smtClean="0">
-                <a:solidFill>
-                  <a:srgbClr val="A31515"/>
-                </a:solidFill>
-                <a:highlight>
-                  <a:srgbClr val="FFFFFF"/>
-                </a:highlight>
-                <a:latin typeface="Consolas" panose="020B0609020204030204" pitchFamily="49" charset="0"/>
-              </a:rPr>
-              <a:t>\" /&gt;"</a:t>
-            </a:r>
-            <a:br>
-              <a:rPr lang="en-US" sz="1800" dirty="0" smtClean="0">
-                <a:solidFill>
-                  <a:srgbClr val="A31515"/>
-                </a:solidFill>
-                <a:highlight>
-                  <a:srgbClr val="FFFFFF"/>
-                </a:highlight>
-                <a:latin typeface="Consolas" panose="020B0609020204030204" pitchFamily="49" charset="0"/>
-              </a:rPr>
-            </a:br>
-            <a:r>
-              <a:rPr lang="en-US" sz="1800" dirty="0" smtClean="0">
-                <a:solidFill>
-                  <a:srgbClr val="008000"/>
-                </a:solidFill>
-                <a:highlight>
-                  <a:srgbClr val="FFFFFF"/>
-                </a:highlight>
-                <a:latin typeface="Consolas" panose="020B0609020204030204" pitchFamily="49" charset="0"/>
-              </a:rPr>
-              <a:t/>
-            </a:r>
-            <a:br>
-              <a:rPr lang="en-US" sz="1800" dirty="0" smtClean="0">
-                <a:solidFill>
-                  <a:srgbClr val="008000"/>
-                </a:solidFill>
-                <a:highlight>
-                  <a:srgbClr val="FFFFFF"/>
-                </a:highlight>
-                <a:latin typeface="Consolas" panose="020B0609020204030204" pitchFamily="49" charset="0"/>
-              </a:rPr>
-            </a:br>
-            <a:r>
-              <a:rPr lang="en-US" sz="1800" dirty="0" smtClean="0">
-                <a:solidFill>
-                  <a:srgbClr val="0000FF"/>
-                </a:solidFill>
-                <a:highlight>
-                  <a:srgbClr val="FFFFFF"/>
-                </a:highlight>
-                <a:latin typeface="Consolas" panose="020B0609020204030204" pitchFamily="49" charset="0"/>
-              </a:rPr>
-              <a:t>using</a:t>
-            </a:r>
-            <a:r>
-              <a:rPr lang="en-US" sz="1800" dirty="0" smtClean="0">
-                <a:solidFill>
-                  <a:srgbClr val="000000"/>
-                </a:solidFill>
-                <a:highlight>
-                  <a:srgbClr val="FFFFFF"/>
-                </a:highlight>
-                <a:latin typeface="Consolas" panose="020B0609020204030204" pitchFamily="49" charset="0"/>
-              </a:rPr>
-              <a:t> (</a:t>
-            </a:r>
-            <a:r>
-              <a:rPr lang="en-US" sz="1800" dirty="0" err="1" smtClean="0">
-                <a:solidFill>
-                  <a:srgbClr val="0000FF"/>
-                </a:solidFill>
-                <a:highlight>
-                  <a:srgbClr val="FFFFFF"/>
-                </a:highlight>
-                <a:latin typeface="Consolas" panose="020B0609020204030204" pitchFamily="49" charset="0"/>
-              </a:rPr>
-              <a:t>var</a:t>
-            </a:r>
-            <a:r>
-              <a:rPr lang="en-US" sz="1800" dirty="0" smtClean="0">
-                <a:solidFill>
-                  <a:srgbClr val="000000"/>
-                </a:solidFill>
-                <a:highlight>
-                  <a:srgbClr val="FFFFFF"/>
-                </a:highlight>
-                <a:latin typeface="Consolas" panose="020B0609020204030204" pitchFamily="49" charset="0"/>
-              </a:rPr>
-              <a:t> </a:t>
-            </a:r>
-            <a:r>
-              <a:rPr lang="en-US" sz="1800" dirty="0" err="1" smtClean="0">
-                <a:solidFill>
-                  <a:srgbClr val="000000"/>
-                </a:solidFill>
-                <a:highlight>
-                  <a:srgbClr val="FFFFFF"/>
-                </a:highlight>
-                <a:latin typeface="Consolas" panose="020B0609020204030204" pitchFamily="49" charset="0"/>
-              </a:rPr>
-              <a:t>fileContent</a:t>
-            </a:r>
-            <a:r>
-              <a:rPr lang="en-US" sz="1800" dirty="0" smtClean="0">
-                <a:solidFill>
-                  <a:srgbClr val="000000"/>
-                </a:solidFill>
-                <a:highlight>
-                  <a:srgbClr val="FFFFFF"/>
-                </a:highlight>
-                <a:latin typeface="Consolas" panose="020B0609020204030204" pitchFamily="49" charset="0"/>
-              </a:rPr>
-              <a:t> = </a:t>
-            </a:r>
-            <a:r>
-              <a:rPr lang="en-US" sz="1800" dirty="0" smtClean="0">
-                <a:solidFill>
-                  <a:srgbClr val="0000FF"/>
-                </a:solidFill>
-                <a:highlight>
-                  <a:srgbClr val="FFFFFF"/>
-                </a:highlight>
-                <a:latin typeface="Consolas" panose="020B0609020204030204" pitchFamily="49" charset="0"/>
-              </a:rPr>
-              <a:t>new</a:t>
-            </a:r>
-            <a:r>
-              <a:rPr lang="en-US" sz="1800" dirty="0" smtClean="0">
-                <a:solidFill>
-                  <a:srgbClr val="000000"/>
-                </a:solidFill>
-                <a:highlight>
-                  <a:srgbClr val="FFFFFF"/>
-                </a:highlight>
-                <a:latin typeface="Consolas" panose="020B0609020204030204" pitchFamily="49" charset="0"/>
-              </a:rPr>
-              <a:t> </a:t>
-            </a:r>
-            <a:r>
-              <a:rPr lang="en-US" sz="1800" dirty="0" err="1" smtClean="0">
-                <a:solidFill>
-                  <a:srgbClr val="2B91AF"/>
-                </a:solidFill>
-                <a:highlight>
-                  <a:srgbClr val="FFFFFF"/>
-                </a:highlight>
-                <a:latin typeface="Consolas" panose="020B0609020204030204" pitchFamily="49" charset="0"/>
-              </a:rPr>
-              <a:t>StreamContent</a:t>
-            </a:r>
-            <a:r>
-              <a:rPr lang="en-US" sz="1800" dirty="0" smtClean="0">
-                <a:solidFill>
-                  <a:srgbClr val="000000"/>
-                </a:solidFill>
-                <a:highlight>
-                  <a:srgbClr val="FFFFFF"/>
-                </a:highlight>
-                <a:latin typeface="Consolas" panose="020B0609020204030204" pitchFamily="49" charset="0"/>
-              </a:rPr>
-              <a:t>(</a:t>
-            </a:r>
-            <a:r>
-              <a:rPr lang="en-US" sz="1800" dirty="0" smtClean="0">
-                <a:solidFill>
-                  <a:srgbClr val="0000FF"/>
-                </a:solidFill>
-                <a:highlight>
-                  <a:srgbClr val="FFFFFF"/>
-                </a:highlight>
-                <a:latin typeface="Consolas" panose="020B0609020204030204" pitchFamily="49" charset="0"/>
-              </a:rPr>
-              <a:t>await</a:t>
-            </a:r>
-            <a:r>
-              <a:rPr lang="en-US" sz="1800" dirty="0" smtClean="0">
-                <a:solidFill>
-                  <a:srgbClr val="000000"/>
-                </a:solidFill>
-                <a:highlight>
-                  <a:srgbClr val="FFFFFF"/>
-                </a:highlight>
-                <a:latin typeface="Consolas" panose="020B0609020204030204" pitchFamily="49" charset="0"/>
-              </a:rPr>
-              <a:t> </a:t>
-            </a:r>
-            <a:r>
-              <a:rPr lang="en-US" sz="1800" dirty="0" err="1" smtClean="0">
-                <a:solidFill>
-                  <a:srgbClr val="000000"/>
-                </a:solidFill>
-                <a:highlight>
-                  <a:srgbClr val="FFFFFF"/>
-                </a:highlight>
-                <a:latin typeface="Consolas" panose="020B0609020204030204" pitchFamily="49" charset="0"/>
-              </a:rPr>
-              <a:t>GetBinaryStream</a:t>
-            </a:r>
-            <a:r>
-              <a:rPr lang="en-US" sz="1800" dirty="0" smtClean="0">
-                <a:solidFill>
-                  <a:srgbClr val="000000"/>
-                </a:solidFill>
-                <a:highlight>
-                  <a:srgbClr val="FFFFFF"/>
-                </a:highlight>
-                <a:latin typeface="Consolas" panose="020B0609020204030204" pitchFamily="49" charset="0"/>
-              </a:rPr>
-              <a:t>(</a:t>
-            </a:r>
-            <a:r>
-              <a:rPr lang="en-US" sz="1800" dirty="0" smtClean="0">
-                <a:solidFill>
-                  <a:srgbClr val="A31515"/>
-                </a:solidFill>
-                <a:highlight>
-                  <a:srgbClr val="FFFFFF"/>
-                </a:highlight>
-                <a:latin typeface="Consolas" panose="020B0609020204030204" pitchFamily="49" charset="0"/>
-              </a:rPr>
-              <a:t>"assets\\file1.docx"</a:t>
-            </a:r>
-            <a:r>
-              <a:rPr lang="en-US" sz="1800" dirty="0" smtClean="0">
-                <a:solidFill>
-                  <a:srgbClr val="000000"/>
-                </a:solidFill>
-                <a:highlight>
-                  <a:srgbClr val="FFFFFF"/>
-                </a:highlight>
-                <a:latin typeface="Consolas" panose="020B0609020204030204" pitchFamily="49" charset="0"/>
-              </a:rPr>
-              <a:t>)))</a:t>
-            </a:r>
-            <a:br>
-              <a:rPr lang="en-US" sz="1800" dirty="0" smtClean="0">
-                <a:solidFill>
-                  <a:srgbClr val="000000"/>
-                </a:solidFill>
-                <a:highlight>
-                  <a:srgbClr val="FFFFFF"/>
-                </a:highlight>
-                <a:latin typeface="Consolas" panose="020B0609020204030204" pitchFamily="49" charset="0"/>
-              </a:rPr>
-            </a:br>
-            <a:r>
-              <a:rPr lang="en-US" sz="1800" dirty="0" smtClean="0">
-                <a:solidFill>
-                  <a:srgbClr val="000000"/>
-                </a:solidFill>
-                <a:highlight>
-                  <a:srgbClr val="FFFFFF"/>
-                </a:highlight>
-                <a:latin typeface="Consolas" panose="020B0609020204030204" pitchFamily="49" charset="0"/>
-              </a:rPr>
-              <a:t>{</a:t>
-            </a:r>
-            <a:br>
-              <a:rPr lang="en-US" sz="1800" dirty="0" smtClean="0">
-                <a:solidFill>
-                  <a:srgbClr val="000000"/>
-                </a:solidFill>
-                <a:highlight>
-                  <a:srgbClr val="FFFFFF"/>
-                </a:highlight>
-                <a:latin typeface="Consolas" panose="020B0609020204030204" pitchFamily="49" charset="0"/>
-              </a:rPr>
-            </a:br>
-            <a:r>
-              <a:rPr lang="en-US" sz="1800" dirty="0" smtClean="0">
-                <a:solidFill>
-                  <a:srgbClr val="000000"/>
-                </a:solidFill>
-                <a:highlight>
-                  <a:srgbClr val="FFFFFF"/>
-                </a:highlight>
-                <a:latin typeface="Consolas" panose="020B0609020204030204" pitchFamily="49" charset="0"/>
-              </a:rPr>
-              <a:t>  </a:t>
-            </a:r>
-            <a:r>
-              <a:rPr lang="en-US" sz="1800" dirty="0" err="1" smtClean="0">
-                <a:solidFill>
-                  <a:srgbClr val="000000"/>
-                </a:solidFill>
-                <a:highlight>
-                  <a:srgbClr val="FFFFFF"/>
-                </a:highlight>
-                <a:latin typeface="Consolas" panose="020B0609020204030204" pitchFamily="49" charset="0"/>
-              </a:rPr>
-              <a:t>fileContent.Headers.ContentType</a:t>
-            </a:r>
-            <a:r>
-              <a:rPr lang="en-US" sz="1800" dirty="0" smtClean="0">
-                <a:solidFill>
-                  <a:srgbClr val="000000"/>
-                </a:solidFill>
-                <a:highlight>
-                  <a:srgbClr val="FFFFFF"/>
-                </a:highlight>
-                <a:latin typeface="Consolas" panose="020B0609020204030204" pitchFamily="49" charset="0"/>
-              </a:rPr>
-              <a:t> = </a:t>
-            </a:r>
-            <a:r>
-              <a:rPr lang="en-US" sz="1800" dirty="0" smtClean="0">
-                <a:solidFill>
-                  <a:srgbClr val="0000FF"/>
-                </a:solidFill>
-                <a:highlight>
-                  <a:srgbClr val="FFFFFF"/>
-                </a:highlight>
-                <a:latin typeface="Consolas" panose="020B0609020204030204" pitchFamily="49" charset="0"/>
-              </a:rPr>
-              <a:t>new</a:t>
-            </a:r>
-            <a:r>
-              <a:rPr lang="en-US" sz="1800" dirty="0" smtClean="0">
-                <a:solidFill>
-                  <a:srgbClr val="000000"/>
-                </a:solidFill>
-                <a:highlight>
-                  <a:srgbClr val="FFFFFF"/>
-                </a:highlight>
-                <a:latin typeface="Consolas" panose="020B0609020204030204" pitchFamily="49" charset="0"/>
-              </a:rPr>
-              <a:t> </a:t>
-            </a:r>
-            <a:r>
-              <a:rPr lang="en-US" sz="1800" dirty="0" err="1" smtClean="0">
-                <a:solidFill>
-                  <a:srgbClr val="2B91AF"/>
-                </a:solidFill>
-                <a:highlight>
-                  <a:srgbClr val="FFFFFF"/>
-                </a:highlight>
-                <a:latin typeface="Consolas" panose="020B0609020204030204" pitchFamily="49" charset="0"/>
-              </a:rPr>
-              <a:t>MediaTypeHeaderValue</a:t>
-            </a:r>
-            <a:r>
-              <a:rPr lang="en-US" sz="1800" dirty="0" smtClean="0">
-                <a:solidFill>
-                  <a:srgbClr val="000000"/>
-                </a:solidFill>
-                <a:highlight>
-                  <a:srgbClr val="FFFFFF"/>
-                </a:highlight>
-                <a:latin typeface="Consolas" panose="020B0609020204030204" pitchFamily="49" charset="0"/>
-              </a:rPr>
-              <a:t>(</a:t>
-            </a:r>
-            <a:br>
-              <a:rPr lang="en-US" sz="1800" dirty="0" smtClean="0">
-                <a:solidFill>
-                  <a:srgbClr val="000000"/>
-                </a:solidFill>
-                <a:highlight>
-                  <a:srgbClr val="FFFFFF"/>
-                </a:highlight>
-                <a:latin typeface="Consolas" panose="020B0609020204030204" pitchFamily="49" charset="0"/>
-              </a:rPr>
-            </a:br>
-            <a:r>
-              <a:rPr lang="en-US" sz="1800" dirty="0" smtClean="0">
-                <a:solidFill>
-                  <a:srgbClr val="000000"/>
-                </a:solidFill>
-                <a:highlight>
-                  <a:srgbClr val="FFFFFF"/>
-                </a:highlight>
-                <a:latin typeface="Consolas" panose="020B0609020204030204" pitchFamily="49" charset="0"/>
-              </a:rPr>
-              <a:t>              </a:t>
-            </a:r>
-            <a:r>
-              <a:rPr lang="en-US" sz="1800" dirty="0" smtClean="0">
-                <a:solidFill>
-                  <a:srgbClr val="A31515"/>
-                </a:solidFill>
-                <a:highlight>
-                  <a:srgbClr val="FFFFFF"/>
-                </a:highlight>
-                <a:latin typeface="Consolas" panose="020B0609020204030204" pitchFamily="49" charset="0"/>
-              </a:rPr>
-              <a:t>"application/</a:t>
-            </a:r>
-            <a:r>
-              <a:rPr lang="en-US" sz="1800" dirty="0" err="1" smtClean="0">
-                <a:solidFill>
-                  <a:srgbClr val="A31515"/>
-                </a:solidFill>
-                <a:highlight>
-                  <a:srgbClr val="FFFFFF"/>
-                </a:highlight>
-                <a:latin typeface="Consolas" panose="020B0609020204030204" pitchFamily="49" charset="0"/>
-              </a:rPr>
-              <a:t>vnd.openxmlformats-officedocument.wordprocessingml.document</a:t>
-            </a:r>
-            <a:r>
-              <a:rPr lang="en-US" sz="1800" dirty="0" smtClean="0">
-                <a:solidFill>
-                  <a:srgbClr val="A31515"/>
-                </a:solidFill>
-                <a:highlight>
-                  <a:srgbClr val="FFFFFF"/>
-                </a:highlight>
-                <a:latin typeface="Consolas" panose="020B0609020204030204" pitchFamily="49" charset="0"/>
-              </a:rPr>
-              <a:t>"</a:t>
-            </a:r>
-            <a:r>
-              <a:rPr lang="en-US" sz="1800" dirty="0" smtClean="0">
-                <a:solidFill>
-                  <a:srgbClr val="000000"/>
-                </a:solidFill>
-                <a:highlight>
-                  <a:srgbClr val="FFFFFF"/>
-                </a:highlight>
-                <a:latin typeface="Consolas" panose="020B0609020204030204" pitchFamily="49" charset="0"/>
-              </a:rPr>
-              <a:t>);</a:t>
-            </a:r>
-            <a:br>
-              <a:rPr lang="en-US" sz="1800" dirty="0" smtClean="0">
-                <a:solidFill>
-                  <a:srgbClr val="000000"/>
-                </a:solidFill>
-                <a:highlight>
-                  <a:srgbClr val="FFFFFF"/>
-                </a:highlight>
-                <a:latin typeface="Consolas" panose="020B0609020204030204" pitchFamily="49" charset="0"/>
-              </a:rPr>
-            </a:br>
-            <a:r>
-              <a:rPr lang="en-US" sz="1800" dirty="0" smtClean="0">
-                <a:solidFill>
-                  <a:srgbClr val="000000"/>
-                </a:solidFill>
-                <a:highlight>
-                  <a:srgbClr val="FFFFFF"/>
-                </a:highlight>
-                <a:latin typeface="Consolas" panose="020B0609020204030204" pitchFamily="49" charset="0"/>
-              </a:rPr>
-              <a:t/>
-            </a:r>
-            <a:br>
-              <a:rPr lang="en-US" sz="1800" dirty="0" smtClean="0">
-                <a:solidFill>
-                  <a:srgbClr val="000000"/>
-                </a:solidFill>
-                <a:highlight>
-                  <a:srgbClr val="FFFFFF"/>
-                </a:highlight>
-                <a:latin typeface="Consolas" panose="020B0609020204030204" pitchFamily="49" charset="0"/>
-              </a:rPr>
-            </a:br>
-            <a:r>
-              <a:rPr lang="en-US" sz="1800" dirty="0" smtClean="0">
-                <a:solidFill>
-                  <a:srgbClr val="000000"/>
-                </a:solidFill>
-                <a:highlight>
-                  <a:srgbClr val="FFFFFF"/>
-                </a:highlight>
-                <a:latin typeface="Consolas" panose="020B0609020204030204" pitchFamily="49" charset="0"/>
-              </a:rPr>
-              <a:t>  </a:t>
-            </a:r>
-            <a:r>
-              <a:rPr lang="en-US" sz="1800" dirty="0" err="1" smtClean="0">
-                <a:solidFill>
-                  <a:srgbClr val="0000FF"/>
-                </a:solidFill>
-                <a:highlight>
-                  <a:srgbClr val="FFFFFF"/>
-                </a:highlight>
-                <a:latin typeface="Consolas" panose="020B0609020204030204" pitchFamily="49" charset="0"/>
-              </a:rPr>
-              <a:t>var</a:t>
-            </a:r>
-            <a:r>
-              <a:rPr lang="en-US" sz="1800" dirty="0" smtClean="0">
-                <a:solidFill>
-                  <a:srgbClr val="000000"/>
-                </a:solidFill>
-                <a:highlight>
-                  <a:srgbClr val="FFFFFF"/>
-                </a:highlight>
-                <a:latin typeface="Consolas" panose="020B0609020204030204" pitchFamily="49" charset="0"/>
-              </a:rPr>
-              <a:t> </a:t>
-            </a:r>
-            <a:r>
-              <a:rPr lang="en-US" sz="1800" dirty="0" err="1" smtClean="0">
-                <a:solidFill>
-                  <a:srgbClr val="000000"/>
-                </a:solidFill>
-                <a:highlight>
-                  <a:srgbClr val="FFFFFF"/>
-                </a:highlight>
-                <a:latin typeface="Consolas" panose="020B0609020204030204" pitchFamily="49" charset="0"/>
-              </a:rPr>
-              <a:t>endPoint</a:t>
-            </a:r>
-            <a:r>
-              <a:rPr lang="en-US" sz="1800" dirty="0" smtClean="0">
-                <a:solidFill>
-                  <a:srgbClr val="000000"/>
-                </a:solidFill>
-                <a:highlight>
-                  <a:srgbClr val="FFFFFF"/>
-                </a:highlight>
-                <a:latin typeface="Consolas" panose="020B0609020204030204" pitchFamily="49" charset="0"/>
-              </a:rPr>
-              <a:t> = </a:t>
-            </a:r>
-            <a:r>
-              <a:rPr lang="en-US" sz="1800" dirty="0" smtClean="0">
-                <a:solidFill>
-                  <a:srgbClr val="0000FF"/>
-                </a:solidFill>
-                <a:highlight>
-                  <a:srgbClr val="FFFFFF"/>
-                </a:highlight>
-                <a:latin typeface="Consolas" panose="020B0609020204030204" pitchFamily="49" charset="0"/>
-              </a:rPr>
-              <a:t>new</a:t>
-            </a:r>
-            <a:r>
-              <a:rPr lang="en-US" sz="1800" dirty="0" smtClean="0">
-                <a:solidFill>
-                  <a:srgbClr val="000000"/>
-                </a:solidFill>
-                <a:highlight>
-                  <a:srgbClr val="FFFFFF"/>
-                </a:highlight>
-                <a:latin typeface="Consolas" panose="020B0609020204030204" pitchFamily="49" charset="0"/>
-              </a:rPr>
-              <a:t> </a:t>
-            </a:r>
-            <a:r>
-              <a:rPr lang="en-US" sz="1800" dirty="0" smtClean="0">
-                <a:solidFill>
-                  <a:srgbClr val="2B91AF"/>
-                </a:solidFill>
-                <a:highlight>
-                  <a:srgbClr val="FFFFFF"/>
-                </a:highlight>
-                <a:latin typeface="Consolas" panose="020B0609020204030204" pitchFamily="49" charset="0"/>
-              </a:rPr>
-              <a:t>Uri(</a:t>
-            </a:r>
-            <a:r>
-              <a:rPr lang="en-US" sz="1800" dirty="0" smtClean="0">
-                <a:solidFill>
-                  <a:srgbClr val="A31515"/>
-                </a:solidFill>
-                <a:highlight>
-                  <a:srgbClr val="FFFFFF"/>
-                </a:highlight>
-                <a:latin typeface="Consolas" panose="020B0609020204030204" pitchFamily="49" charset="0"/>
-              </a:rPr>
-              <a:t>"https://www.onenote.com/api/v1.0/pages"</a:t>
-            </a:r>
-            <a:r>
-              <a:rPr lang="en-US" sz="1800" dirty="0" smtClean="0">
-                <a:solidFill>
-                  <a:srgbClr val="000000"/>
-                </a:solidFill>
-                <a:highlight>
-                  <a:srgbClr val="FFFFFF"/>
-                </a:highlight>
-                <a:latin typeface="Consolas" panose="020B0609020204030204" pitchFamily="49" charset="0"/>
-              </a:rPr>
-              <a:t>);</a:t>
-            </a:r>
-            <a:br>
-              <a:rPr lang="en-US" sz="1800" dirty="0" smtClean="0">
-                <a:solidFill>
-                  <a:srgbClr val="000000"/>
-                </a:solidFill>
-                <a:highlight>
-                  <a:srgbClr val="FFFFFF"/>
-                </a:highlight>
-                <a:latin typeface="Consolas" panose="020B0609020204030204" pitchFamily="49" charset="0"/>
-              </a:rPr>
-            </a:br>
-            <a:r>
-              <a:rPr lang="en-US" sz="1800" dirty="0" smtClean="0">
-                <a:solidFill>
-                  <a:srgbClr val="000000"/>
-                </a:solidFill>
-                <a:highlight>
-                  <a:srgbClr val="FFFFFF"/>
-                </a:highlight>
-                <a:latin typeface="Consolas" panose="020B0609020204030204" pitchFamily="49" charset="0"/>
-              </a:rPr>
-              <a:t>  </a:t>
-            </a:r>
-            <a:r>
-              <a:rPr lang="en-US" sz="1800" dirty="0" err="1" smtClean="0">
-                <a:solidFill>
-                  <a:srgbClr val="0000FF"/>
-                </a:solidFill>
-                <a:highlight>
-                  <a:srgbClr val="FFFFFF"/>
-                </a:highlight>
-                <a:latin typeface="Consolas" panose="020B0609020204030204" pitchFamily="49" charset="0"/>
-              </a:rPr>
-              <a:t>var</a:t>
-            </a:r>
-            <a:r>
-              <a:rPr lang="en-US" sz="1800" dirty="0" smtClean="0">
-                <a:solidFill>
-                  <a:srgbClr val="000000"/>
-                </a:solidFill>
-                <a:highlight>
-                  <a:srgbClr val="FFFFFF"/>
-                </a:highlight>
-                <a:latin typeface="Consolas" panose="020B0609020204030204" pitchFamily="49" charset="0"/>
-              </a:rPr>
-              <a:t> </a:t>
-            </a:r>
-            <a:r>
-              <a:rPr lang="en-US" sz="1800" dirty="0" err="1" smtClean="0">
-                <a:solidFill>
-                  <a:srgbClr val="000000"/>
-                </a:solidFill>
-                <a:highlight>
-                  <a:srgbClr val="FFFFFF"/>
-                </a:highlight>
-                <a:latin typeface="Consolas" panose="020B0609020204030204" pitchFamily="49" charset="0"/>
-              </a:rPr>
-              <a:t>createMessage</a:t>
-            </a:r>
-            <a:r>
-              <a:rPr lang="en-US" sz="1800" dirty="0" smtClean="0">
-                <a:solidFill>
-                  <a:srgbClr val="000000"/>
-                </a:solidFill>
-                <a:highlight>
-                  <a:srgbClr val="FFFFFF"/>
-                </a:highlight>
-                <a:latin typeface="Consolas" panose="020B0609020204030204" pitchFamily="49" charset="0"/>
-              </a:rPr>
-              <a:t> = </a:t>
-            </a:r>
-            <a:r>
-              <a:rPr lang="en-US" sz="1800" dirty="0" smtClean="0">
-                <a:solidFill>
-                  <a:srgbClr val="0000FF"/>
-                </a:solidFill>
-                <a:highlight>
-                  <a:srgbClr val="FFFFFF"/>
-                </a:highlight>
-                <a:latin typeface="Consolas" panose="020B0609020204030204" pitchFamily="49" charset="0"/>
-              </a:rPr>
-              <a:t>new</a:t>
-            </a:r>
-            <a:r>
-              <a:rPr lang="en-US" sz="1800" dirty="0" smtClean="0">
-                <a:solidFill>
-                  <a:srgbClr val="000000"/>
-                </a:solidFill>
-                <a:highlight>
-                  <a:srgbClr val="FFFFFF"/>
-                </a:highlight>
-                <a:latin typeface="Consolas" panose="020B0609020204030204" pitchFamily="49" charset="0"/>
-              </a:rPr>
-              <a:t> </a:t>
-            </a:r>
-            <a:r>
-              <a:rPr lang="en-US" sz="1800" dirty="0" err="1" smtClean="0">
-                <a:solidFill>
-                  <a:srgbClr val="2B91AF"/>
-                </a:solidFill>
-                <a:highlight>
-                  <a:srgbClr val="FFFFFF"/>
-                </a:highlight>
-                <a:latin typeface="Consolas" panose="020B0609020204030204" pitchFamily="49" charset="0"/>
-              </a:rPr>
-              <a:t>HttpRequestMessage</a:t>
-            </a:r>
-            <a:r>
-              <a:rPr lang="en-US" sz="1800" dirty="0" smtClean="0">
-                <a:solidFill>
-                  <a:srgbClr val="000000"/>
-                </a:solidFill>
-                <a:highlight>
-                  <a:srgbClr val="FFFFFF"/>
-                </a:highlight>
-                <a:latin typeface="Consolas" panose="020B0609020204030204" pitchFamily="49" charset="0"/>
-              </a:rPr>
-              <a:t>(</a:t>
-            </a:r>
-            <a:r>
-              <a:rPr lang="en-US" sz="1800" dirty="0" err="1" smtClean="0">
-                <a:solidFill>
-                  <a:srgbClr val="2B91AF"/>
-                </a:solidFill>
-                <a:highlight>
-                  <a:srgbClr val="FFFFFF"/>
-                </a:highlight>
-                <a:latin typeface="Consolas" panose="020B0609020204030204" pitchFamily="49" charset="0"/>
-              </a:rPr>
-              <a:t>HttpMethod</a:t>
-            </a:r>
-            <a:r>
-              <a:rPr lang="en-US" sz="1800" dirty="0" err="1" smtClean="0">
-                <a:solidFill>
-                  <a:srgbClr val="000000"/>
-                </a:solidFill>
-                <a:highlight>
-                  <a:srgbClr val="FFFFFF"/>
-                </a:highlight>
-                <a:latin typeface="Consolas" panose="020B0609020204030204" pitchFamily="49" charset="0"/>
-              </a:rPr>
-              <a:t>.Post</a:t>
-            </a:r>
-            <a:r>
-              <a:rPr lang="en-US" sz="1800" dirty="0" smtClean="0">
-                <a:solidFill>
-                  <a:srgbClr val="000000"/>
-                </a:solidFill>
-                <a:highlight>
-                  <a:srgbClr val="FFFFFF"/>
-                </a:highlight>
-                <a:latin typeface="Consolas" panose="020B0609020204030204" pitchFamily="49" charset="0"/>
-              </a:rPr>
-              <a:t>, </a:t>
-            </a:r>
-            <a:r>
-              <a:rPr lang="en-US" sz="1800" dirty="0" err="1" smtClean="0">
-                <a:solidFill>
-                  <a:srgbClr val="000000"/>
-                </a:solidFill>
-                <a:highlight>
-                  <a:srgbClr val="FFFFFF"/>
-                </a:highlight>
-                <a:latin typeface="Consolas" panose="020B0609020204030204" pitchFamily="49" charset="0"/>
-              </a:rPr>
-              <a:t>endPoint</a:t>
-            </a:r>
-            <a:r>
-              <a:rPr lang="en-US" sz="1800" dirty="0" smtClean="0">
-                <a:solidFill>
-                  <a:srgbClr val="000000"/>
-                </a:solidFill>
-                <a:highlight>
-                  <a:srgbClr val="FFFFFF"/>
-                </a:highlight>
-                <a:latin typeface="Consolas" panose="020B0609020204030204" pitchFamily="49" charset="0"/>
-              </a:rPr>
-              <a:t>)</a:t>
-            </a:r>
-            <a:br>
-              <a:rPr lang="en-US" sz="1800" dirty="0" smtClean="0">
-                <a:solidFill>
-                  <a:srgbClr val="000000"/>
-                </a:solidFill>
-                <a:highlight>
-                  <a:srgbClr val="FFFFFF"/>
-                </a:highlight>
-                <a:latin typeface="Consolas" panose="020B0609020204030204" pitchFamily="49" charset="0"/>
-              </a:rPr>
-            </a:br>
-            <a:r>
-              <a:rPr lang="en-US" sz="1800" dirty="0" smtClean="0">
-                <a:solidFill>
-                  <a:srgbClr val="000000"/>
-                </a:solidFill>
-                <a:highlight>
-                  <a:srgbClr val="FFFFFF"/>
-                </a:highlight>
-                <a:latin typeface="Consolas" panose="020B0609020204030204" pitchFamily="49" charset="0"/>
-              </a:rPr>
-              <a:t>  </a:t>
-            </a:r>
-            <a:r>
-              <a:rPr lang="en-US" sz="1800" dirty="0" err="1" smtClean="0">
-                <a:solidFill>
-                  <a:srgbClr val="000000"/>
-                </a:solidFill>
-                <a:highlight>
-                  <a:srgbClr val="FFFFFF"/>
-                </a:highlight>
-                <a:latin typeface="Consolas" panose="020B0609020204030204" pitchFamily="49" charset="0"/>
-              </a:rPr>
-              <a:t>createMessage.Content</a:t>
-            </a:r>
-            <a:r>
-              <a:rPr lang="en-US" sz="1800" dirty="0" smtClean="0">
-                <a:solidFill>
-                  <a:srgbClr val="000000"/>
-                </a:solidFill>
-                <a:highlight>
-                  <a:srgbClr val="FFFFFF"/>
-                </a:highlight>
-                <a:latin typeface="Consolas" panose="020B0609020204030204" pitchFamily="49" charset="0"/>
-              </a:rPr>
-              <a:t> = </a:t>
-            </a:r>
-            <a:br>
-              <a:rPr lang="en-US" sz="1800" dirty="0" smtClean="0">
-                <a:solidFill>
-                  <a:srgbClr val="000000"/>
-                </a:solidFill>
-                <a:highlight>
-                  <a:srgbClr val="FFFFFF"/>
-                </a:highlight>
-                <a:latin typeface="Consolas" panose="020B0609020204030204" pitchFamily="49" charset="0"/>
-              </a:rPr>
-            </a:br>
-            <a:r>
-              <a:rPr lang="en-US" sz="1800" dirty="0" smtClean="0">
-                <a:solidFill>
-                  <a:srgbClr val="000000"/>
-                </a:solidFill>
-                <a:highlight>
-                  <a:srgbClr val="FFFFFF"/>
-                </a:highlight>
-                <a:latin typeface="Consolas" panose="020B0609020204030204" pitchFamily="49" charset="0"/>
-              </a:rPr>
-              <a:t>    </a:t>
-            </a:r>
-            <a:r>
-              <a:rPr lang="en-US" sz="1800" dirty="0" smtClean="0">
-                <a:solidFill>
-                  <a:srgbClr val="0000FF"/>
-                </a:solidFill>
-                <a:highlight>
-                  <a:srgbClr val="FFFFFF"/>
-                </a:highlight>
-                <a:latin typeface="Consolas" panose="020B0609020204030204" pitchFamily="49" charset="0"/>
-              </a:rPr>
-              <a:t>new</a:t>
-            </a:r>
-            <a:r>
-              <a:rPr lang="en-US" sz="1800" dirty="0" smtClean="0">
-                <a:solidFill>
-                  <a:srgbClr val="000000"/>
-                </a:solidFill>
-                <a:highlight>
-                  <a:srgbClr val="FFFFFF"/>
-                </a:highlight>
-                <a:latin typeface="Consolas" panose="020B0609020204030204" pitchFamily="49" charset="0"/>
-              </a:rPr>
-              <a:t> </a:t>
-            </a:r>
-            <a:r>
-              <a:rPr lang="en-US" sz="1800" dirty="0" err="1" smtClean="0">
-                <a:solidFill>
-                  <a:srgbClr val="2B91AF"/>
-                </a:solidFill>
-                <a:highlight>
-                  <a:srgbClr val="FFFFFF"/>
-                </a:highlight>
-                <a:latin typeface="Consolas" panose="020B0609020204030204" pitchFamily="49" charset="0"/>
-              </a:rPr>
-              <a:t>MultipartFormDataContent</a:t>
-            </a:r>
-            <a:r>
-              <a:rPr lang="en-US" sz="1800" dirty="0" smtClean="0">
-                <a:solidFill>
-                  <a:srgbClr val="2B91AF"/>
-                </a:solidFill>
-                <a:highlight>
-                  <a:srgbClr val="FFFFFF"/>
-                </a:highlight>
-                <a:latin typeface="Consolas" panose="020B0609020204030204" pitchFamily="49" charset="0"/>
-              </a:rPr>
-              <a:t/>
-            </a:r>
-            <a:br>
-              <a:rPr lang="en-US" sz="1800" dirty="0" smtClean="0">
-                <a:solidFill>
-                  <a:srgbClr val="2B91AF"/>
-                </a:solidFill>
-                <a:highlight>
-                  <a:srgbClr val="FFFFFF"/>
-                </a:highlight>
-                <a:latin typeface="Consolas" panose="020B0609020204030204" pitchFamily="49" charset="0"/>
-              </a:rPr>
-            </a:br>
-            <a:r>
-              <a:rPr lang="en-US" sz="1800" dirty="0" smtClean="0">
-                <a:solidFill>
-                  <a:srgbClr val="2B91AF"/>
-                </a:solidFill>
-                <a:highlight>
-                  <a:srgbClr val="FFFFFF"/>
-                </a:highlight>
-                <a:latin typeface="Consolas" panose="020B0609020204030204" pitchFamily="49" charset="0"/>
-              </a:rPr>
-              <a:t>    </a:t>
-            </a:r>
-            <a:r>
-              <a:rPr lang="en-US" sz="1800" dirty="0" smtClean="0">
-                <a:solidFill>
-                  <a:srgbClr val="000000"/>
-                </a:solidFill>
-                <a:highlight>
-                  <a:srgbClr val="FFFFFF"/>
-                </a:highlight>
-                <a:latin typeface="Consolas" panose="020B0609020204030204" pitchFamily="49" charset="0"/>
-              </a:rPr>
-              <a:t>{</a:t>
-            </a:r>
-            <a:r>
-              <a:rPr lang="en-US" sz="1800" dirty="0" smtClean="0">
-                <a:solidFill>
-                  <a:srgbClr val="2B91AF"/>
-                </a:solidFill>
-                <a:highlight>
-                  <a:srgbClr val="FFFFFF"/>
-                </a:highlight>
-                <a:latin typeface="Consolas" panose="020B0609020204030204" pitchFamily="49" charset="0"/>
-              </a:rPr>
-              <a:t/>
-            </a:r>
-            <a:br>
-              <a:rPr lang="en-US" sz="1800" dirty="0" smtClean="0">
-                <a:solidFill>
-                  <a:srgbClr val="2B91AF"/>
-                </a:solidFill>
-                <a:highlight>
-                  <a:srgbClr val="FFFFFF"/>
-                </a:highlight>
-                <a:latin typeface="Consolas" panose="020B0609020204030204" pitchFamily="49" charset="0"/>
-              </a:rPr>
-            </a:br>
-            <a:r>
-              <a:rPr lang="en-US" sz="1800" dirty="0" smtClean="0">
-                <a:solidFill>
-                  <a:srgbClr val="2B91AF"/>
-                </a:solidFill>
-                <a:highlight>
-                  <a:srgbClr val="FFFFFF"/>
-                </a:highlight>
-                <a:latin typeface="Consolas" panose="020B0609020204030204" pitchFamily="49" charset="0"/>
-              </a:rPr>
-              <a:t>      </a:t>
-            </a:r>
-            <a:r>
-              <a:rPr lang="en-US" sz="1800" dirty="0" smtClean="0">
-                <a:solidFill>
-                  <a:srgbClr val="000000"/>
-                </a:solidFill>
-                <a:highlight>
-                  <a:srgbClr val="FFFFFF"/>
-                </a:highlight>
-                <a:latin typeface="Consolas" panose="020B0609020204030204" pitchFamily="49" charset="0"/>
-              </a:rPr>
-              <a:t>{</a:t>
-            </a:r>
-            <a:r>
-              <a:rPr lang="en-US" sz="1800" dirty="0">
-                <a:solidFill>
-                  <a:srgbClr val="0000FF"/>
-                </a:solidFill>
-                <a:highlight>
-                  <a:srgbClr val="FFFFFF"/>
-                </a:highlight>
-                <a:latin typeface="Consolas" panose="020B0609020204030204" pitchFamily="49" charset="0"/>
-              </a:rPr>
-              <a:t>new</a:t>
-            </a:r>
-            <a:r>
-              <a:rPr lang="en-US" sz="1800" dirty="0">
-                <a:solidFill>
-                  <a:srgbClr val="000000"/>
-                </a:solidFill>
-                <a:highlight>
-                  <a:srgbClr val="FFFFFF"/>
-                </a:highlight>
-                <a:latin typeface="Consolas" panose="020B0609020204030204" pitchFamily="49" charset="0"/>
-              </a:rPr>
-              <a:t> </a:t>
-            </a:r>
-            <a:r>
-              <a:rPr lang="en-US" sz="1800" dirty="0" err="1">
-                <a:solidFill>
-                  <a:srgbClr val="2B91AF"/>
-                </a:solidFill>
-                <a:highlight>
-                  <a:srgbClr val="FFFFFF"/>
-                </a:highlight>
-                <a:latin typeface="Consolas" panose="020B0609020204030204" pitchFamily="49" charset="0"/>
-              </a:rPr>
-              <a:t>StringContent</a:t>
-            </a:r>
-            <a:r>
-              <a:rPr lang="en-US" sz="1800" dirty="0">
-                <a:solidFill>
-                  <a:srgbClr val="000000"/>
-                </a:solidFill>
-                <a:highlight>
-                  <a:srgbClr val="FFFFFF"/>
-                </a:highlight>
-                <a:latin typeface="Consolas" panose="020B0609020204030204" pitchFamily="49" charset="0"/>
-              </a:rPr>
-              <a:t>(</a:t>
-            </a:r>
-            <a:r>
-              <a:rPr lang="en-US" sz="1800" dirty="0" err="1">
-                <a:solidFill>
-                  <a:srgbClr val="000000"/>
-                </a:solidFill>
-                <a:highlight>
-                  <a:srgbClr val="FFFFFF"/>
-                </a:highlight>
-                <a:latin typeface="Consolas" panose="020B0609020204030204" pitchFamily="49" charset="0"/>
-              </a:rPr>
-              <a:t>simpleHtml</a:t>
-            </a:r>
-            <a:r>
-              <a:rPr lang="en-US" sz="1800" dirty="0">
-                <a:solidFill>
-                  <a:srgbClr val="000000"/>
-                </a:solidFill>
-                <a:highlight>
-                  <a:srgbClr val="FFFFFF"/>
-                </a:highlight>
-                <a:latin typeface="Consolas" panose="020B0609020204030204" pitchFamily="49" charset="0"/>
-              </a:rPr>
-              <a:t>, System.Text.</a:t>
-            </a:r>
-            <a:r>
-              <a:rPr lang="en-US" sz="1800" dirty="0">
-                <a:solidFill>
-                  <a:srgbClr val="2B91AF"/>
-                </a:solidFill>
-                <a:highlight>
-                  <a:srgbClr val="FFFFFF"/>
-                </a:highlight>
-                <a:latin typeface="Consolas" panose="020B0609020204030204" pitchFamily="49" charset="0"/>
-              </a:rPr>
-              <a:t>Encoding</a:t>
-            </a:r>
-            <a:r>
-              <a:rPr lang="en-US" sz="1800" dirty="0">
-                <a:solidFill>
-                  <a:srgbClr val="000000"/>
-                </a:solidFill>
-                <a:highlight>
-                  <a:srgbClr val="FFFFFF"/>
-                </a:highlight>
-                <a:latin typeface="Consolas" panose="020B0609020204030204" pitchFamily="49" charset="0"/>
-              </a:rPr>
-              <a:t>.UTF8, </a:t>
-            </a:r>
-            <a:r>
-              <a:rPr lang="en-US" sz="1800" dirty="0">
-                <a:solidFill>
-                  <a:srgbClr val="A31515"/>
-                </a:solidFill>
-                <a:highlight>
-                  <a:srgbClr val="FFFFFF"/>
-                </a:highlight>
-                <a:latin typeface="Consolas" panose="020B0609020204030204" pitchFamily="49" charset="0"/>
-              </a:rPr>
-              <a:t>"text/html"</a:t>
-            </a:r>
-            <a:r>
-              <a:rPr lang="en-US" sz="1800" dirty="0">
-                <a:solidFill>
-                  <a:srgbClr val="000000"/>
-                </a:solidFill>
-                <a:highlight>
-                  <a:srgbClr val="FFFFFF"/>
-                </a:highlight>
-                <a:latin typeface="Consolas" panose="020B0609020204030204" pitchFamily="49" charset="0"/>
-              </a:rPr>
-              <a:t>), </a:t>
-            </a:r>
-            <a:r>
-              <a:rPr lang="en-US" sz="1800" dirty="0">
-                <a:solidFill>
-                  <a:srgbClr val="A31515"/>
-                </a:solidFill>
-                <a:highlight>
-                  <a:srgbClr val="FFFFFF"/>
-                </a:highlight>
-                <a:latin typeface="Consolas" panose="020B0609020204030204" pitchFamily="49" charset="0"/>
-              </a:rPr>
-              <a:t>"Presentation</a:t>
-            </a:r>
-            <a:r>
-              <a:rPr lang="en-US" sz="1800" dirty="0" smtClean="0">
-                <a:solidFill>
-                  <a:srgbClr val="A31515"/>
-                </a:solidFill>
-                <a:highlight>
-                  <a:srgbClr val="FFFFFF"/>
-                </a:highlight>
-                <a:latin typeface="Consolas" panose="020B0609020204030204" pitchFamily="49" charset="0"/>
-              </a:rPr>
-              <a:t>"</a:t>
-            </a:r>
-            <a:r>
-              <a:rPr lang="en-US" sz="1800" dirty="0" smtClean="0">
-                <a:solidFill>
-                  <a:srgbClr val="000000"/>
-                </a:solidFill>
-                <a:highlight>
-                  <a:srgbClr val="FFFFFF"/>
-                </a:highlight>
-                <a:latin typeface="Consolas" panose="020B0609020204030204" pitchFamily="49" charset="0"/>
-              </a:rPr>
-              <a:t>},</a:t>
-            </a:r>
-            <a:br>
-              <a:rPr lang="en-US" sz="1800" dirty="0" smtClean="0">
-                <a:solidFill>
-                  <a:srgbClr val="000000"/>
-                </a:solidFill>
-                <a:highlight>
-                  <a:srgbClr val="FFFFFF"/>
-                </a:highlight>
-                <a:latin typeface="Consolas" panose="020B0609020204030204" pitchFamily="49" charset="0"/>
-              </a:rPr>
-            </a:br>
-            <a:r>
-              <a:rPr lang="en-US" sz="1800" dirty="0" smtClean="0">
-                <a:solidFill>
-                  <a:srgbClr val="000000"/>
-                </a:solidFill>
-                <a:highlight>
-                  <a:srgbClr val="FFFFFF"/>
-                </a:highlight>
-                <a:latin typeface="Consolas" panose="020B0609020204030204" pitchFamily="49" charset="0"/>
-              </a:rPr>
-              <a:t>      {</a:t>
-            </a:r>
-            <a:r>
-              <a:rPr lang="en-US" sz="1800" dirty="0" err="1" smtClean="0">
-                <a:solidFill>
-                  <a:srgbClr val="000000"/>
-                </a:solidFill>
-                <a:highlight>
-                  <a:srgbClr val="FFFFFF"/>
-                </a:highlight>
-                <a:latin typeface="Consolas" panose="020B0609020204030204" pitchFamily="49" charset="0"/>
-              </a:rPr>
-              <a:t>fileContent</a:t>
-            </a:r>
-            <a:r>
-              <a:rPr lang="en-US" sz="1800" dirty="0">
-                <a:solidFill>
-                  <a:srgbClr val="000000"/>
-                </a:solidFill>
-                <a:highlight>
-                  <a:srgbClr val="FFFFFF"/>
-                </a:highlight>
-                <a:latin typeface="Consolas" panose="020B0609020204030204" pitchFamily="49" charset="0"/>
-              </a:rPr>
-              <a:t>, </a:t>
-            </a:r>
-            <a:r>
-              <a:rPr lang="en-US" sz="1800" dirty="0" smtClean="0">
-                <a:solidFill>
-                  <a:srgbClr val="A31515"/>
-                </a:solidFill>
-                <a:highlight>
-                  <a:srgbClr val="FFFFFF"/>
-                </a:highlight>
-                <a:latin typeface="Consolas" panose="020B0609020204030204" pitchFamily="49" charset="0"/>
-              </a:rPr>
-              <a:t>"file1" </a:t>
-            </a:r>
-            <a:r>
-              <a:rPr lang="en-US" sz="1800" dirty="0" smtClean="0">
-                <a:solidFill>
-                  <a:srgbClr val="000000"/>
-                </a:solidFill>
-                <a:highlight>
-                  <a:srgbClr val="FFFFFF"/>
-                </a:highlight>
-                <a:latin typeface="Consolas" panose="020B0609020204030204" pitchFamily="49" charset="0"/>
-              </a:rPr>
-              <a:t>}</a:t>
-            </a:r>
-            <a:br>
-              <a:rPr lang="en-US" sz="1800" dirty="0" smtClean="0">
-                <a:solidFill>
-                  <a:srgbClr val="000000"/>
-                </a:solidFill>
-                <a:highlight>
-                  <a:srgbClr val="FFFFFF"/>
-                </a:highlight>
-                <a:latin typeface="Consolas" panose="020B0609020204030204" pitchFamily="49" charset="0"/>
-              </a:rPr>
-            </a:br>
-            <a:r>
-              <a:rPr lang="en-US" sz="1800" dirty="0" smtClean="0">
-                <a:solidFill>
-                  <a:srgbClr val="000000"/>
-                </a:solidFill>
-                <a:highlight>
-                  <a:srgbClr val="FFFFFF"/>
-                </a:highlight>
-                <a:latin typeface="Consolas" panose="020B0609020204030204" pitchFamily="49" charset="0"/>
-              </a:rPr>
-              <a:t>    };</a:t>
-            </a:r>
-            <a:r>
-              <a:rPr lang="en-US" sz="1800" dirty="0">
-                <a:solidFill>
-                  <a:srgbClr val="000000"/>
-                </a:solidFill>
-                <a:highlight>
-                  <a:srgbClr val="FFFFFF"/>
-                </a:highlight>
-                <a:latin typeface="Consolas" panose="020B0609020204030204" pitchFamily="49" charset="0"/>
-              </a:rPr>
-              <a:t/>
-            </a:r>
-            <a:br>
-              <a:rPr lang="en-US" sz="1800" dirty="0">
-                <a:solidFill>
-                  <a:srgbClr val="000000"/>
-                </a:solidFill>
-                <a:highlight>
-                  <a:srgbClr val="FFFFFF"/>
-                </a:highlight>
-                <a:latin typeface="Consolas" panose="020B0609020204030204" pitchFamily="49" charset="0"/>
-              </a:rPr>
-            </a:br>
-            <a:r>
-              <a:rPr lang="en-US" sz="1800" dirty="0" smtClean="0">
-                <a:solidFill>
-                  <a:srgbClr val="000000"/>
-                </a:solidFill>
-                <a:highlight>
-                  <a:srgbClr val="FFFFFF"/>
-                </a:highlight>
-                <a:latin typeface="Consolas" panose="020B0609020204030204" pitchFamily="49" charset="0"/>
-              </a:rPr>
-              <a:t>};</a:t>
-            </a:r>
-            <a:r>
-              <a:rPr lang="en-US" sz="1800" dirty="0">
-                <a:solidFill>
-                  <a:srgbClr val="000000"/>
-                </a:solidFill>
-                <a:highlight>
-                  <a:srgbClr val="FFFFFF"/>
-                </a:highlight>
-                <a:latin typeface="Consolas" panose="020B0609020204030204" pitchFamily="49" charset="0"/>
-              </a:rPr>
-              <a:t/>
-            </a:r>
-            <a:br>
-              <a:rPr lang="en-US" sz="1800" dirty="0">
-                <a:solidFill>
-                  <a:srgbClr val="000000"/>
-                </a:solidFill>
-                <a:highlight>
-                  <a:srgbClr val="FFFFFF"/>
-                </a:highlight>
-                <a:latin typeface="Consolas" panose="020B0609020204030204" pitchFamily="49" charset="0"/>
-              </a:rPr>
-            </a:br>
-            <a:r>
-              <a:rPr lang="en-US" sz="1800" dirty="0" err="1" smtClean="0">
-                <a:solidFill>
-                  <a:srgbClr val="2B91AF"/>
-                </a:solidFill>
-                <a:highlight>
-                  <a:srgbClr val="FFFFFF"/>
-                </a:highlight>
-                <a:latin typeface="Consolas" panose="020B0609020204030204" pitchFamily="49" charset="0"/>
-              </a:rPr>
-              <a:t>HttpResponseMessage</a:t>
-            </a:r>
-            <a:r>
-              <a:rPr lang="en-US" sz="1800" dirty="0" smtClean="0">
-                <a:solidFill>
-                  <a:srgbClr val="000000"/>
-                </a:solidFill>
-                <a:highlight>
-                  <a:srgbClr val="FFFFFF"/>
-                </a:highlight>
-                <a:latin typeface="Consolas" panose="020B0609020204030204" pitchFamily="49" charset="0"/>
-              </a:rPr>
-              <a:t> response = </a:t>
-            </a:r>
-            <a:r>
-              <a:rPr lang="en-US" sz="1800" dirty="0" smtClean="0">
-                <a:solidFill>
-                  <a:srgbClr val="0000FF"/>
-                </a:solidFill>
-                <a:highlight>
-                  <a:srgbClr val="FFFFFF"/>
-                </a:highlight>
-                <a:latin typeface="Consolas" panose="020B0609020204030204" pitchFamily="49" charset="0"/>
-              </a:rPr>
-              <a:t>await</a:t>
-            </a:r>
-            <a:r>
-              <a:rPr lang="en-US" sz="1800" dirty="0" smtClean="0">
-                <a:solidFill>
-                  <a:srgbClr val="000000"/>
-                </a:solidFill>
-                <a:highlight>
-                  <a:srgbClr val="FFFFFF"/>
-                </a:highlight>
-                <a:latin typeface="Consolas" panose="020B0609020204030204" pitchFamily="49" charset="0"/>
-              </a:rPr>
-              <a:t> </a:t>
-            </a:r>
-            <a:r>
-              <a:rPr lang="en-US" sz="1800" dirty="0" err="1" smtClean="0">
-                <a:solidFill>
-                  <a:srgbClr val="000000"/>
-                </a:solidFill>
-                <a:highlight>
-                  <a:srgbClr val="FFFFFF"/>
-                </a:highlight>
-                <a:latin typeface="Consolas" panose="020B0609020204030204" pitchFamily="49" charset="0"/>
-              </a:rPr>
-              <a:t>client.SendAsync</a:t>
-            </a:r>
-            <a:r>
-              <a:rPr lang="en-US" sz="1800" dirty="0" smtClean="0">
-                <a:solidFill>
-                  <a:srgbClr val="000000"/>
-                </a:solidFill>
-                <a:highlight>
-                  <a:srgbClr val="FFFFFF"/>
-                </a:highlight>
-                <a:latin typeface="Consolas" panose="020B0609020204030204" pitchFamily="49" charset="0"/>
-              </a:rPr>
-              <a:t>(</a:t>
-            </a:r>
-            <a:r>
-              <a:rPr lang="en-US" sz="1800" dirty="0" err="1" smtClean="0">
-                <a:solidFill>
-                  <a:srgbClr val="000000"/>
-                </a:solidFill>
-                <a:highlight>
-                  <a:srgbClr val="FFFFFF"/>
-                </a:highlight>
-                <a:latin typeface="Consolas" panose="020B0609020204030204" pitchFamily="49" charset="0"/>
-              </a:rPr>
-              <a:t>createMessage</a:t>
-            </a:r>
-            <a:r>
-              <a:rPr lang="en-US" sz="1800" dirty="0" smtClean="0">
-                <a:solidFill>
-                  <a:srgbClr val="000000"/>
-                </a:solidFill>
-                <a:highlight>
-                  <a:srgbClr val="FFFFFF"/>
-                </a:highlight>
-                <a:latin typeface="Consolas" panose="020B0609020204030204" pitchFamily="49" charset="0"/>
-              </a:rPr>
-              <a:t>);</a:t>
-            </a:r>
-            <a:endParaRPr lang="en-US" sz="1800" dirty="0" smtClean="0">
-              <a:gradFill>
-                <a:gsLst>
-                  <a:gs pos="100000">
-                    <a:srgbClr val="DC3C00"/>
-                  </a:gs>
-                  <a:gs pos="0">
-                    <a:srgbClr val="DC3C00"/>
-                  </a:gs>
-                </a:gsLst>
-                <a:lin ang="5400000" scaled="0"/>
-              </a:gradFill>
-            </a:endParaRPr>
-          </a:p>
-        </p:txBody>
-      </p:sp>
-    </p:spTree>
-    <p:extLst>
-      <p:ext uri="{BB962C8B-B14F-4D97-AF65-F5344CB8AC3E}">
-        <p14:creationId xmlns:p14="http://schemas.microsoft.com/office/powerpoint/2010/main" val="3260838473"/>
-      </p:ext>
-    </p:extLst>
-  </p:cSld>
-  <p:clrMapOvr>
-    <a:masterClrMapping/>
-  </p:clrMapOvr>
-  <p:transition>
+  <p:transition xmlns:p14="http://schemas.microsoft.com/office/powerpoint/2010/main">
     <p:fade/>
   </p:transition>
 </p:sld>
@@ -26922,13 +25714,13 @@
   <p:clrMapOvr>
     <a:masterClrMapping/>
   </p:clrMapOvr>
-  <p:transition>
+  <p:transition xmlns:p14="http://schemas.microsoft.com/office/powerpoint/2010/main">
     <p:fade/>
   </p:transition>
   <p:timing>
     <p:tnLst>
       <p:par>
-        <p:cTn id="1" dur="indefinite" restart="never" nodeType="tmRoot"/>
+        <p:cTn xmlns:p14="http://schemas.microsoft.com/office/powerpoint/2010/main" id="1" dur="indefinite" restart="never" nodeType="tmRoot"/>
       </p:par>
     </p:tnLst>
   </p:timing>
@@ -26969,7 +25761,7 @@
           <a:p>
             <a:r>
               <a:rPr lang="en-US" dirty="0" smtClean="0"/>
-              <a:t>Capture PDF</a:t>
+              <a:t>Capture Embedded File</a:t>
             </a:r>
             <a:endParaRPr lang="en-US" dirty="0"/>
           </a:p>
@@ -26994,6 +25786,1746 @@
               <a:rPr lang="en-US" smtClean="0"/>
               <a:pPr/>
               <a:t>30</a:t>
+            </a:fld>
+            <a:endParaRPr lang="en-US" dirty="0"/>
+          </a:p>
+        </p:txBody>
+      </p:sp>
+      <p:sp>
+        <p:nvSpPr>
+          <p:cNvPr id="5" name="Text Placeholder 1"/>
+          <p:cNvSpPr>
+            <a:spLocks noGrp="1"/>
+          </p:cNvSpPr>
+          <p:nvPr>
+            <p:ph type="body" sz="quarter" idx="10"/>
+          </p:nvPr>
+        </p:nvSpPr>
+        <p:spPr>
+          <a:xfrm>
+            <a:off x="519111" y="1132112"/>
+            <a:ext cx="11466059" cy="5257801"/>
+          </a:xfrm>
+        </p:spPr>
+        <p:txBody>
+          <a:bodyPr/>
+          <a:lstStyle/>
+          <a:p>
+            <a:r>
+              <a:rPr lang="en-US" sz="1800" dirty="0" err="1" smtClean="0">
+                <a:solidFill>
+                  <a:srgbClr val="0000FF"/>
+                </a:solidFill>
+                <a:highlight>
+                  <a:srgbClr val="FFFFFF"/>
+                </a:highlight>
+                <a:latin typeface="Consolas" panose="020B0609020204030204" pitchFamily="49" charset="0"/>
+              </a:rPr>
+              <a:t>var</a:t>
+            </a:r>
+            <a:r>
+              <a:rPr lang="en-US" sz="1800" dirty="0" smtClean="0">
+                <a:solidFill>
+                  <a:srgbClr val="000000"/>
+                </a:solidFill>
+                <a:highlight>
+                  <a:srgbClr val="FFFFFF"/>
+                </a:highlight>
+                <a:latin typeface="Consolas" panose="020B0609020204030204" pitchFamily="49" charset="0"/>
+              </a:rPr>
+              <a:t> client = </a:t>
+            </a:r>
+            <a:r>
+              <a:rPr lang="en-US" sz="1800" dirty="0" smtClean="0">
+                <a:solidFill>
+                  <a:srgbClr val="0000FF"/>
+                </a:solidFill>
+                <a:highlight>
+                  <a:srgbClr val="FFFFFF"/>
+                </a:highlight>
+                <a:latin typeface="Consolas" panose="020B0609020204030204" pitchFamily="49" charset="0"/>
+              </a:rPr>
+              <a:t>new</a:t>
+            </a:r>
+            <a:r>
+              <a:rPr lang="en-US" sz="1800" dirty="0" smtClean="0">
+                <a:solidFill>
+                  <a:srgbClr val="000000"/>
+                </a:solidFill>
+                <a:highlight>
+                  <a:srgbClr val="FFFFFF"/>
+                </a:highlight>
+                <a:latin typeface="Consolas" panose="020B0609020204030204" pitchFamily="49" charset="0"/>
+              </a:rPr>
+              <a:t> </a:t>
+            </a:r>
+            <a:r>
+              <a:rPr lang="en-US" sz="1800" dirty="0" err="1" smtClean="0">
+                <a:solidFill>
+                  <a:srgbClr val="2B91AF"/>
+                </a:solidFill>
+                <a:highlight>
+                  <a:srgbClr val="FFFFFF"/>
+                </a:highlight>
+                <a:latin typeface="Consolas" panose="020B0609020204030204" pitchFamily="49" charset="0"/>
+              </a:rPr>
+              <a:t>HttpClient</a:t>
+            </a:r>
+            <a:r>
+              <a:rPr lang="en-US" sz="1800" dirty="0" smtClean="0">
+                <a:solidFill>
+                  <a:srgbClr val="000000"/>
+                </a:solidFill>
+                <a:highlight>
+                  <a:srgbClr val="FFFFFF"/>
+                </a:highlight>
+                <a:latin typeface="Consolas" panose="020B0609020204030204" pitchFamily="49" charset="0"/>
+              </a:rPr>
+              <a:t>();</a:t>
+            </a:r>
+            <a:r>
+              <a:rPr lang="en-US" sz="1800" dirty="0" smtClean="0">
+                <a:solidFill>
+                  <a:srgbClr val="008000"/>
+                </a:solidFill>
+                <a:highlight>
+                  <a:srgbClr val="FFFFFF"/>
+                </a:highlight>
+                <a:latin typeface="Consolas" panose="020B0609020204030204" pitchFamily="49" charset="0"/>
+              </a:rPr>
+              <a:t>// [set Accept and Authorization headers as previous </a:t>
+            </a:r>
+            <a:r>
+              <a:rPr lang="en-US" sz="1800" dirty="0">
+                <a:solidFill>
+                  <a:srgbClr val="008000"/>
+                </a:solidFill>
+                <a:highlight>
+                  <a:srgbClr val="FFFFFF"/>
+                </a:highlight>
+                <a:latin typeface="Consolas" panose="020B0609020204030204" pitchFamily="49" charset="0"/>
+              </a:rPr>
+              <a:t>example]</a:t>
+            </a:r>
+            <a:br>
+              <a:rPr lang="en-US" sz="1800" dirty="0">
+                <a:solidFill>
+                  <a:srgbClr val="008000"/>
+                </a:solidFill>
+                <a:highlight>
+                  <a:srgbClr val="FFFFFF"/>
+                </a:highlight>
+                <a:latin typeface="Consolas" panose="020B0609020204030204" pitchFamily="49" charset="0"/>
+              </a:rPr>
+            </a:br>
+            <a:r>
+              <a:rPr lang="en-US" sz="1800" dirty="0" smtClean="0">
+                <a:solidFill>
+                  <a:srgbClr val="000000"/>
+                </a:solidFill>
+                <a:highlight>
+                  <a:srgbClr val="FFFFFF"/>
+                </a:highlight>
+                <a:latin typeface="Consolas" panose="020B0609020204030204" pitchFamily="49" charset="0"/>
+              </a:rPr>
+              <a:t/>
+            </a:r>
+            <a:br>
+              <a:rPr lang="en-US" sz="1800" dirty="0" smtClean="0">
+                <a:solidFill>
+                  <a:srgbClr val="000000"/>
+                </a:solidFill>
+                <a:highlight>
+                  <a:srgbClr val="FFFFFF"/>
+                </a:highlight>
+                <a:latin typeface="Consolas" panose="020B0609020204030204" pitchFamily="49" charset="0"/>
+              </a:rPr>
+            </a:br>
+            <a:r>
+              <a:rPr lang="en-US" sz="1800" dirty="0" smtClean="0">
+                <a:solidFill>
+                  <a:srgbClr val="0000FF"/>
+                </a:solidFill>
+                <a:highlight>
+                  <a:srgbClr val="FFFFFF"/>
+                </a:highlight>
+                <a:latin typeface="Consolas" panose="020B0609020204030204" pitchFamily="49" charset="0"/>
+              </a:rPr>
+              <a:t>string</a:t>
+            </a:r>
+            <a:r>
+              <a:rPr lang="en-US" sz="1800" dirty="0" smtClean="0">
+                <a:solidFill>
+                  <a:srgbClr val="000000"/>
+                </a:solidFill>
+                <a:highlight>
+                  <a:srgbClr val="FFFFFF"/>
+                </a:highlight>
+                <a:latin typeface="Consolas" panose="020B0609020204030204" pitchFamily="49" charset="0"/>
+              </a:rPr>
+              <a:t> </a:t>
+            </a:r>
+            <a:r>
+              <a:rPr lang="en-US" sz="1800" dirty="0" err="1" smtClean="0">
+                <a:solidFill>
+                  <a:srgbClr val="000000"/>
+                </a:solidFill>
+                <a:highlight>
+                  <a:srgbClr val="FFFFFF"/>
+                </a:highlight>
+                <a:latin typeface="Consolas" panose="020B0609020204030204" pitchFamily="49" charset="0"/>
+              </a:rPr>
+              <a:t>simpleHtml</a:t>
+            </a:r>
+            <a:r>
+              <a:rPr lang="en-US" sz="1800" dirty="0" smtClean="0">
+                <a:solidFill>
+                  <a:srgbClr val="000000"/>
+                </a:solidFill>
+                <a:highlight>
+                  <a:srgbClr val="FFFFFF"/>
+                </a:highlight>
+                <a:latin typeface="Consolas" panose="020B0609020204030204" pitchFamily="49" charset="0"/>
+              </a:rPr>
+              <a:t> = </a:t>
+            </a:r>
+            <a:r>
+              <a:rPr lang="en-US" sz="1800" dirty="0" smtClean="0">
+                <a:solidFill>
+                  <a:srgbClr val="008000"/>
+                </a:solidFill>
+                <a:highlight>
+                  <a:srgbClr val="FFFFFF"/>
+                </a:highlight>
+                <a:latin typeface="Consolas" panose="020B0609020204030204" pitchFamily="49" charset="0"/>
+              </a:rPr>
+              <a:t>// [similar to previous example]</a:t>
+            </a:r>
+            <a:br>
+              <a:rPr lang="en-US" sz="1800" dirty="0" smtClean="0">
+                <a:solidFill>
+                  <a:srgbClr val="008000"/>
+                </a:solidFill>
+                <a:highlight>
+                  <a:srgbClr val="FFFFFF"/>
+                </a:highlight>
+                <a:latin typeface="Consolas" panose="020B0609020204030204" pitchFamily="49" charset="0"/>
+              </a:rPr>
+            </a:br>
+            <a:r>
+              <a:rPr lang="en-US" sz="1800" dirty="0" smtClean="0">
+                <a:solidFill>
+                  <a:srgbClr val="008000"/>
+                </a:solidFill>
+                <a:highlight>
+                  <a:srgbClr val="FFFFFF"/>
+                </a:highlight>
+                <a:latin typeface="Consolas" panose="020B0609020204030204" pitchFamily="49" charset="0"/>
+              </a:rPr>
+              <a:t>  </a:t>
+            </a:r>
+            <a:r>
+              <a:rPr lang="en-US" sz="1800" dirty="0" smtClean="0">
+                <a:solidFill>
+                  <a:srgbClr val="A31515"/>
+                </a:solidFill>
+                <a:highlight>
+                  <a:srgbClr val="FFFFFF"/>
+                </a:highlight>
+                <a:latin typeface="Consolas" panose="020B0609020204030204" pitchFamily="49" charset="0"/>
+              </a:rPr>
+              <a:t>"&lt;object data=\"name:file1\" data-attachment=\"file1.docx\" </a:t>
+            </a:r>
+            <a:br>
+              <a:rPr lang="en-US" sz="1800" dirty="0" smtClean="0">
+                <a:solidFill>
+                  <a:srgbClr val="A31515"/>
+                </a:solidFill>
+                <a:highlight>
+                  <a:srgbClr val="FFFFFF"/>
+                </a:highlight>
+                <a:latin typeface="Consolas" panose="020B0609020204030204" pitchFamily="49" charset="0"/>
+              </a:rPr>
+            </a:br>
+            <a:r>
+              <a:rPr lang="en-US" sz="1800" dirty="0" smtClean="0">
+                <a:solidFill>
+                  <a:srgbClr val="A31515"/>
+                </a:solidFill>
+                <a:highlight>
+                  <a:srgbClr val="FFFFFF"/>
+                </a:highlight>
+                <a:latin typeface="Consolas" panose="020B0609020204030204" pitchFamily="49" charset="0"/>
+              </a:rPr>
+              <a:t>           type=\"application/</a:t>
+            </a:r>
+            <a:r>
+              <a:rPr lang="en-US" sz="1800" dirty="0" err="1" smtClean="0">
+                <a:solidFill>
+                  <a:srgbClr val="A31515"/>
+                </a:solidFill>
+                <a:highlight>
+                  <a:srgbClr val="FFFFFF"/>
+                </a:highlight>
+                <a:latin typeface="Consolas" panose="020B0609020204030204" pitchFamily="49" charset="0"/>
+              </a:rPr>
+              <a:t>vnd.openxmlformats-officedocument.wordprocessingml.document</a:t>
+            </a:r>
+            <a:r>
+              <a:rPr lang="en-US" sz="1800" dirty="0" smtClean="0">
+                <a:solidFill>
+                  <a:srgbClr val="A31515"/>
+                </a:solidFill>
+                <a:highlight>
+                  <a:srgbClr val="FFFFFF"/>
+                </a:highlight>
+                <a:latin typeface="Consolas" panose="020B0609020204030204" pitchFamily="49" charset="0"/>
+              </a:rPr>
+              <a:t>\" /&gt;"</a:t>
+            </a:r>
+            <a:br>
+              <a:rPr lang="en-US" sz="1800" dirty="0" smtClean="0">
+                <a:solidFill>
+                  <a:srgbClr val="A31515"/>
+                </a:solidFill>
+                <a:highlight>
+                  <a:srgbClr val="FFFFFF"/>
+                </a:highlight>
+                <a:latin typeface="Consolas" panose="020B0609020204030204" pitchFamily="49" charset="0"/>
+              </a:rPr>
+            </a:br>
+            <a:r>
+              <a:rPr lang="en-US" sz="1800" dirty="0" smtClean="0">
+                <a:solidFill>
+                  <a:srgbClr val="008000"/>
+                </a:solidFill>
+                <a:highlight>
+                  <a:srgbClr val="FFFFFF"/>
+                </a:highlight>
+                <a:latin typeface="Consolas" panose="020B0609020204030204" pitchFamily="49" charset="0"/>
+              </a:rPr>
+              <a:t/>
+            </a:r>
+            <a:br>
+              <a:rPr lang="en-US" sz="1800" dirty="0" smtClean="0">
+                <a:solidFill>
+                  <a:srgbClr val="008000"/>
+                </a:solidFill>
+                <a:highlight>
+                  <a:srgbClr val="FFFFFF"/>
+                </a:highlight>
+                <a:latin typeface="Consolas" panose="020B0609020204030204" pitchFamily="49" charset="0"/>
+              </a:rPr>
+            </a:br>
+            <a:r>
+              <a:rPr lang="en-US" sz="1800" dirty="0" smtClean="0">
+                <a:solidFill>
+                  <a:srgbClr val="0000FF"/>
+                </a:solidFill>
+                <a:highlight>
+                  <a:srgbClr val="FFFFFF"/>
+                </a:highlight>
+                <a:latin typeface="Consolas" panose="020B0609020204030204" pitchFamily="49" charset="0"/>
+              </a:rPr>
+              <a:t>using</a:t>
+            </a:r>
+            <a:r>
+              <a:rPr lang="en-US" sz="1800" dirty="0" smtClean="0">
+                <a:solidFill>
+                  <a:srgbClr val="000000"/>
+                </a:solidFill>
+                <a:highlight>
+                  <a:srgbClr val="FFFFFF"/>
+                </a:highlight>
+                <a:latin typeface="Consolas" panose="020B0609020204030204" pitchFamily="49" charset="0"/>
+              </a:rPr>
+              <a:t> (</a:t>
+            </a:r>
+            <a:r>
+              <a:rPr lang="en-US" sz="1800" dirty="0" err="1" smtClean="0">
+                <a:solidFill>
+                  <a:srgbClr val="0000FF"/>
+                </a:solidFill>
+                <a:highlight>
+                  <a:srgbClr val="FFFFFF"/>
+                </a:highlight>
+                <a:latin typeface="Consolas" panose="020B0609020204030204" pitchFamily="49" charset="0"/>
+              </a:rPr>
+              <a:t>var</a:t>
+            </a:r>
+            <a:r>
+              <a:rPr lang="en-US" sz="1800" dirty="0" smtClean="0">
+                <a:solidFill>
+                  <a:srgbClr val="000000"/>
+                </a:solidFill>
+                <a:highlight>
+                  <a:srgbClr val="FFFFFF"/>
+                </a:highlight>
+                <a:latin typeface="Consolas" panose="020B0609020204030204" pitchFamily="49" charset="0"/>
+              </a:rPr>
+              <a:t> </a:t>
+            </a:r>
+            <a:r>
+              <a:rPr lang="en-US" sz="1800" dirty="0" err="1" smtClean="0">
+                <a:solidFill>
+                  <a:srgbClr val="000000"/>
+                </a:solidFill>
+                <a:highlight>
+                  <a:srgbClr val="FFFFFF"/>
+                </a:highlight>
+                <a:latin typeface="Consolas" panose="020B0609020204030204" pitchFamily="49" charset="0"/>
+              </a:rPr>
+              <a:t>fileContent</a:t>
+            </a:r>
+            <a:r>
+              <a:rPr lang="en-US" sz="1800" dirty="0" smtClean="0">
+                <a:solidFill>
+                  <a:srgbClr val="000000"/>
+                </a:solidFill>
+                <a:highlight>
+                  <a:srgbClr val="FFFFFF"/>
+                </a:highlight>
+                <a:latin typeface="Consolas" panose="020B0609020204030204" pitchFamily="49" charset="0"/>
+              </a:rPr>
+              <a:t> = </a:t>
+            </a:r>
+            <a:r>
+              <a:rPr lang="en-US" sz="1800" dirty="0" smtClean="0">
+                <a:solidFill>
+                  <a:srgbClr val="0000FF"/>
+                </a:solidFill>
+                <a:highlight>
+                  <a:srgbClr val="FFFFFF"/>
+                </a:highlight>
+                <a:latin typeface="Consolas" panose="020B0609020204030204" pitchFamily="49" charset="0"/>
+              </a:rPr>
+              <a:t>new</a:t>
+            </a:r>
+            <a:r>
+              <a:rPr lang="en-US" sz="1800" dirty="0" smtClean="0">
+                <a:solidFill>
+                  <a:srgbClr val="000000"/>
+                </a:solidFill>
+                <a:highlight>
+                  <a:srgbClr val="FFFFFF"/>
+                </a:highlight>
+                <a:latin typeface="Consolas" panose="020B0609020204030204" pitchFamily="49" charset="0"/>
+              </a:rPr>
+              <a:t> </a:t>
+            </a:r>
+            <a:r>
+              <a:rPr lang="en-US" sz="1800" dirty="0" err="1" smtClean="0">
+                <a:solidFill>
+                  <a:srgbClr val="2B91AF"/>
+                </a:solidFill>
+                <a:highlight>
+                  <a:srgbClr val="FFFFFF"/>
+                </a:highlight>
+                <a:latin typeface="Consolas" panose="020B0609020204030204" pitchFamily="49" charset="0"/>
+              </a:rPr>
+              <a:t>StreamContent</a:t>
+            </a:r>
+            <a:r>
+              <a:rPr lang="en-US" sz="1800" dirty="0" smtClean="0">
+                <a:solidFill>
+                  <a:srgbClr val="000000"/>
+                </a:solidFill>
+                <a:highlight>
+                  <a:srgbClr val="FFFFFF"/>
+                </a:highlight>
+                <a:latin typeface="Consolas" panose="020B0609020204030204" pitchFamily="49" charset="0"/>
+              </a:rPr>
+              <a:t>(</a:t>
+            </a:r>
+            <a:r>
+              <a:rPr lang="en-US" sz="1800" dirty="0" smtClean="0">
+                <a:solidFill>
+                  <a:srgbClr val="0000FF"/>
+                </a:solidFill>
+                <a:highlight>
+                  <a:srgbClr val="FFFFFF"/>
+                </a:highlight>
+                <a:latin typeface="Consolas" panose="020B0609020204030204" pitchFamily="49" charset="0"/>
+              </a:rPr>
+              <a:t>await</a:t>
+            </a:r>
+            <a:r>
+              <a:rPr lang="en-US" sz="1800" dirty="0" smtClean="0">
+                <a:solidFill>
+                  <a:srgbClr val="000000"/>
+                </a:solidFill>
+                <a:highlight>
+                  <a:srgbClr val="FFFFFF"/>
+                </a:highlight>
+                <a:latin typeface="Consolas" panose="020B0609020204030204" pitchFamily="49" charset="0"/>
+              </a:rPr>
+              <a:t> </a:t>
+            </a:r>
+            <a:r>
+              <a:rPr lang="en-US" sz="1800" dirty="0" err="1" smtClean="0">
+                <a:solidFill>
+                  <a:srgbClr val="000000"/>
+                </a:solidFill>
+                <a:highlight>
+                  <a:srgbClr val="FFFFFF"/>
+                </a:highlight>
+                <a:latin typeface="Consolas" panose="020B0609020204030204" pitchFamily="49" charset="0"/>
+              </a:rPr>
+              <a:t>GetBinaryStream</a:t>
+            </a:r>
+            <a:r>
+              <a:rPr lang="en-US" sz="1800" dirty="0" smtClean="0">
+                <a:solidFill>
+                  <a:srgbClr val="000000"/>
+                </a:solidFill>
+                <a:highlight>
+                  <a:srgbClr val="FFFFFF"/>
+                </a:highlight>
+                <a:latin typeface="Consolas" panose="020B0609020204030204" pitchFamily="49" charset="0"/>
+              </a:rPr>
+              <a:t>(</a:t>
+            </a:r>
+            <a:r>
+              <a:rPr lang="en-US" sz="1800" dirty="0" smtClean="0">
+                <a:solidFill>
+                  <a:srgbClr val="A31515"/>
+                </a:solidFill>
+                <a:highlight>
+                  <a:srgbClr val="FFFFFF"/>
+                </a:highlight>
+                <a:latin typeface="Consolas" panose="020B0609020204030204" pitchFamily="49" charset="0"/>
+              </a:rPr>
+              <a:t>"assets\\file1.docx"</a:t>
+            </a:r>
+            <a:r>
+              <a:rPr lang="en-US" sz="1800" dirty="0" smtClean="0">
+                <a:solidFill>
+                  <a:srgbClr val="000000"/>
+                </a:solidFill>
+                <a:highlight>
+                  <a:srgbClr val="FFFFFF"/>
+                </a:highlight>
+                <a:latin typeface="Consolas" panose="020B0609020204030204" pitchFamily="49" charset="0"/>
+              </a:rPr>
+              <a:t>)))</a:t>
+            </a:r>
+            <a:br>
+              <a:rPr lang="en-US" sz="1800" dirty="0" smtClean="0">
+                <a:solidFill>
+                  <a:srgbClr val="000000"/>
+                </a:solidFill>
+                <a:highlight>
+                  <a:srgbClr val="FFFFFF"/>
+                </a:highlight>
+                <a:latin typeface="Consolas" panose="020B0609020204030204" pitchFamily="49" charset="0"/>
+              </a:rPr>
+            </a:br>
+            <a:r>
+              <a:rPr lang="en-US" sz="1800" dirty="0" smtClean="0">
+                <a:solidFill>
+                  <a:srgbClr val="000000"/>
+                </a:solidFill>
+                <a:highlight>
+                  <a:srgbClr val="FFFFFF"/>
+                </a:highlight>
+                <a:latin typeface="Consolas" panose="020B0609020204030204" pitchFamily="49" charset="0"/>
+              </a:rPr>
+              <a:t>{</a:t>
+            </a:r>
+            <a:br>
+              <a:rPr lang="en-US" sz="1800" dirty="0" smtClean="0">
+                <a:solidFill>
+                  <a:srgbClr val="000000"/>
+                </a:solidFill>
+                <a:highlight>
+                  <a:srgbClr val="FFFFFF"/>
+                </a:highlight>
+                <a:latin typeface="Consolas" panose="020B0609020204030204" pitchFamily="49" charset="0"/>
+              </a:rPr>
+            </a:br>
+            <a:r>
+              <a:rPr lang="en-US" sz="1800" dirty="0" smtClean="0">
+                <a:solidFill>
+                  <a:srgbClr val="000000"/>
+                </a:solidFill>
+                <a:highlight>
+                  <a:srgbClr val="FFFFFF"/>
+                </a:highlight>
+                <a:latin typeface="Consolas" panose="020B0609020204030204" pitchFamily="49" charset="0"/>
+              </a:rPr>
+              <a:t>  </a:t>
+            </a:r>
+            <a:r>
+              <a:rPr lang="en-US" sz="1800" dirty="0" err="1" smtClean="0">
+                <a:solidFill>
+                  <a:srgbClr val="000000"/>
+                </a:solidFill>
+                <a:highlight>
+                  <a:srgbClr val="FFFFFF"/>
+                </a:highlight>
+                <a:latin typeface="Consolas" panose="020B0609020204030204" pitchFamily="49" charset="0"/>
+              </a:rPr>
+              <a:t>fileContent.Headers.ContentType</a:t>
+            </a:r>
+            <a:r>
+              <a:rPr lang="en-US" sz="1800" dirty="0" smtClean="0">
+                <a:solidFill>
+                  <a:srgbClr val="000000"/>
+                </a:solidFill>
+                <a:highlight>
+                  <a:srgbClr val="FFFFFF"/>
+                </a:highlight>
+                <a:latin typeface="Consolas" panose="020B0609020204030204" pitchFamily="49" charset="0"/>
+              </a:rPr>
+              <a:t> = </a:t>
+            </a:r>
+            <a:r>
+              <a:rPr lang="en-US" sz="1800" dirty="0" smtClean="0">
+                <a:solidFill>
+                  <a:srgbClr val="0000FF"/>
+                </a:solidFill>
+                <a:highlight>
+                  <a:srgbClr val="FFFFFF"/>
+                </a:highlight>
+                <a:latin typeface="Consolas" panose="020B0609020204030204" pitchFamily="49" charset="0"/>
+              </a:rPr>
+              <a:t>new</a:t>
+            </a:r>
+            <a:r>
+              <a:rPr lang="en-US" sz="1800" dirty="0" smtClean="0">
+                <a:solidFill>
+                  <a:srgbClr val="000000"/>
+                </a:solidFill>
+                <a:highlight>
+                  <a:srgbClr val="FFFFFF"/>
+                </a:highlight>
+                <a:latin typeface="Consolas" panose="020B0609020204030204" pitchFamily="49" charset="0"/>
+              </a:rPr>
+              <a:t> </a:t>
+            </a:r>
+            <a:r>
+              <a:rPr lang="en-US" sz="1800" dirty="0" err="1" smtClean="0">
+                <a:solidFill>
+                  <a:srgbClr val="2B91AF"/>
+                </a:solidFill>
+                <a:highlight>
+                  <a:srgbClr val="FFFFFF"/>
+                </a:highlight>
+                <a:latin typeface="Consolas" panose="020B0609020204030204" pitchFamily="49" charset="0"/>
+              </a:rPr>
+              <a:t>MediaTypeHeaderValue</a:t>
+            </a:r>
+            <a:r>
+              <a:rPr lang="en-US" sz="1800" dirty="0" smtClean="0">
+                <a:solidFill>
+                  <a:srgbClr val="000000"/>
+                </a:solidFill>
+                <a:highlight>
+                  <a:srgbClr val="FFFFFF"/>
+                </a:highlight>
+                <a:latin typeface="Consolas" panose="020B0609020204030204" pitchFamily="49" charset="0"/>
+              </a:rPr>
+              <a:t>(</a:t>
+            </a:r>
+            <a:br>
+              <a:rPr lang="en-US" sz="1800" dirty="0" smtClean="0">
+                <a:solidFill>
+                  <a:srgbClr val="000000"/>
+                </a:solidFill>
+                <a:highlight>
+                  <a:srgbClr val="FFFFFF"/>
+                </a:highlight>
+                <a:latin typeface="Consolas" panose="020B0609020204030204" pitchFamily="49" charset="0"/>
+              </a:rPr>
+            </a:br>
+            <a:r>
+              <a:rPr lang="en-US" sz="1800" dirty="0" smtClean="0">
+                <a:solidFill>
+                  <a:srgbClr val="000000"/>
+                </a:solidFill>
+                <a:highlight>
+                  <a:srgbClr val="FFFFFF"/>
+                </a:highlight>
+                <a:latin typeface="Consolas" panose="020B0609020204030204" pitchFamily="49" charset="0"/>
+              </a:rPr>
+              <a:t>              </a:t>
+            </a:r>
+            <a:r>
+              <a:rPr lang="en-US" sz="1800" dirty="0" smtClean="0">
+                <a:solidFill>
+                  <a:srgbClr val="A31515"/>
+                </a:solidFill>
+                <a:highlight>
+                  <a:srgbClr val="FFFFFF"/>
+                </a:highlight>
+                <a:latin typeface="Consolas" panose="020B0609020204030204" pitchFamily="49" charset="0"/>
+              </a:rPr>
+              <a:t>"application/</a:t>
+            </a:r>
+            <a:r>
+              <a:rPr lang="en-US" sz="1800" dirty="0" err="1" smtClean="0">
+                <a:solidFill>
+                  <a:srgbClr val="A31515"/>
+                </a:solidFill>
+                <a:highlight>
+                  <a:srgbClr val="FFFFFF"/>
+                </a:highlight>
+                <a:latin typeface="Consolas" panose="020B0609020204030204" pitchFamily="49" charset="0"/>
+              </a:rPr>
+              <a:t>vnd.openxmlformats-officedocument.wordprocessingml.document</a:t>
+            </a:r>
+            <a:r>
+              <a:rPr lang="en-US" sz="1800" dirty="0" smtClean="0">
+                <a:solidFill>
+                  <a:srgbClr val="A31515"/>
+                </a:solidFill>
+                <a:highlight>
+                  <a:srgbClr val="FFFFFF"/>
+                </a:highlight>
+                <a:latin typeface="Consolas" panose="020B0609020204030204" pitchFamily="49" charset="0"/>
+              </a:rPr>
+              <a:t>"</a:t>
+            </a:r>
+            <a:r>
+              <a:rPr lang="en-US" sz="1800" dirty="0" smtClean="0">
+                <a:solidFill>
+                  <a:srgbClr val="000000"/>
+                </a:solidFill>
+                <a:highlight>
+                  <a:srgbClr val="FFFFFF"/>
+                </a:highlight>
+                <a:latin typeface="Consolas" panose="020B0609020204030204" pitchFamily="49" charset="0"/>
+              </a:rPr>
+              <a:t>);</a:t>
+            </a:r>
+            <a:br>
+              <a:rPr lang="en-US" sz="1800" dirty="0" smtClean="0">
+                <a:solidFill>
+                  <a:srgbClr val="000000"/>
+                </a:solidFill>
+                <a:highlight>
+                  <a:srgbClr val="FFFFFF"/>
+                </a:highlight>
+                <a:latin typeface="Consolas" panose="020B0609020204030204" pitchFamily="49" charset="0"/>
+              </a:rPr>
+            </a:br>
+            <a:r>
+              <a:rPr lang="en-US" sz="1800" dirty="0" smtClean="0">
+                <a:solidFill>
+                  <a:srgbClr val="000000"/>
+                </a:solidFill>
+                <a:highlight>
+                  <a:srgbClr val="FFFFFF"/>
+                </a:highlight>
+                <a:latin typeface="Consolas" panose="020B0609020204030204" pitchFamily="49" charset="0"/>
+              </a:rPr>
+              <a:t/>
+            </a:r>
+            <a:br>
+              <a:rPr lang="en-US" sz="1800" dirty="0" smtClean="0">
+                <a:solidFill>
+                  <a:srgbClr val="000000"/>
+                </a:solidFill>
+                <a:highlight>
+                  <a:srgbClr val="FFFFFF"/>
+                </a:highlight>
+                <a:latin typeface="Consolas" panose="020B0609020204030204" pitchFamily="49" charset="0"/>
+              </a:rPr>
+            </a:br>
+            <a:r>
+              <a:rPr lang="en-US" sz="1800" dirty="0" smtClean="0">
+                <a:solidFill>
+                  <a:srgbClr val="000000"/>
+                </a:solidFill>
+                <a:highlight>
+                  <a:srgbClr val="FFFFFF"/>
+                </a:highlight>
+                <a:latin typeface="Consolas" panose="020B0609020204030204" pitchFamily="49" charset="0"/>
+              </a:rPr>
+              <a:t>  </a:t>
+            </a:r>
+            <a:r>
+              <a:rPr lang="en-US" sz="1800" dirty="0" err="1" smtClean="0">
+                <a:solidFill>
+                  <a:srgbClr val="0000FF"/>
+                </a:solidFill>
+                <a:highlight>
+                  <a:srgbClr val="FFFFFF"/>
+                </a:highlight>
+                <a:latin typeface="Consolas" panose="020B0609020204030204" pitchFamily="49" charset="0"/>
+              </a:rPr>
+              <a:t>var</a:t>
+            </a:r>
+            <a:r>
+              <a:rPr lang="en-US" sz="1800" dirty="0" smtClean="0">
+                <a:solidFill>
+                  <a:srgbClr val="000000"/>
+                </a:solidFill>
+                <a:highlight>
+                  <a:srgbClr val="FFFFFF"/>
+                </a:highlight>
+                <a:latin typeface="Consolas" panose="020B0609020204030204" pitchFamily="49" charset="0"/>
+              </a:rPr>
+              <a:t> </a:t>
+            </a:r>
+            <a:r>
+              <a:rPr lang="en-US" sz="1800" dirty="0" err="1" smtClean="0">
+                <a:solidFill>
+                  <a:srgbClr val="000000"/>
+                </a:solidFill>
+                <a:highlight>
+                  <a:srgbClr val="FFFFFF"/>
+                </a:highlight>
+                <a:latin typeface="Consolas" panose="020B0609020204030204" pitchFamily="49" charset="0"/>
+              </a:rPr>
+              <a:t>endPoint</a:t>
+            </a:r>
+            <a:r>
+              <a:rPr lang="en-US" sz="1800" dirty="0" smtClean="0">
+                <a:solidFill>
+                  <a:srgbClr val="000000"/>
+                </a:solidFill>
+                <a:highlight>
+                  <a:srgbClr val="FFFFFF"/>
+                </a:highlight>
+                <a:latin typeface="Consolas" panose="020B0609020204030204" pitchFamily="49" charset="0"/>
+              </a:rPr>
+              <a:t> = </a:t>
+            </a:r>
+            <a:r>
+              <a:rPr lang="en-US" sz="1800" dirty="0" smtClean="0">
+                <a:solidFill>
+                  <a:srgbClr val="0000FF"/>
+                </a:solidFill>
+                <a:highlight>
+                  <a:srgbClr val="FFFFFF"/>
+                </a:highlight>
+                <a:latin typeface="Consolas" panose="020B0609020204030204" pitchFamily="49" charset="0"/>
+              </a:rPr>
+              <a:t>new</a:t>
+            </a:r>
+            <a:r>
+              <a:rPr lang="en-US" sz="1800" dirty="0" smtClean="0">
+                <a:solidFill>
+                  <a:srgbClr val="000000"/>
+                </a:solidFill>
+                <a:highlight>
+                  <a:srgbClr val="FFFFFF"/>
+                </a:highlight>
+                <a:latin typeface="Consolas" panose="020B0609020204030204" pitchFamily="49" charset="0"/>
+              </a:rPr>
+              <a:t> </a:t>
+            </a:r>
+            <a:r>
+              <a:rPr lang="en-US" sz="1800" dirty="0" smtClean="0">
+                <a:solidFill>
+                  <a:srgbClr val="2B91AF"/>
+                </a:solidFill>
+                <a:highlight>
+                  <a:srgbClr val="FFFFFF"/>
+                </a:highlight>
+                <a:latin typeface="Consolas" panose="020B0609020204030204" pitchFamily="49" charset="0"/>
+              </a:rPr>
+              <a:t>Uri(</a:t>
+            </a:r>
+            <a:r>
+              <a:rPr lang="en-US" sz="1800" dirty="0" smtClean="0">
+                <a:solidFill>
+                  <a:srgbClr val="A31515"/>
+                </a:solidFill>
+                <a:highlight>
+                  <a:srgbClr val="FFFFFF"/>
+                </a:highlight>
+                <a:latin typeface="Consolas" panose="020B0609020204030204" pitchFamily="49" charset="0"/>
+              </a:rPr>
+              <a:t>"https://www.onenote.com/api/v1.0/pages"</a:t>
+            </a:r>
+            <a:r>
+              <a:rPr lang="en-US" sz="1800" dirty="0" smtClean="0">
+                <a:solidFill>
+                  <a:srgbClr val="000000"/>
+                </a:solidFill>
+                <a:highlight>
+                  <a:srgbClr val="FFFFFF"/>
+                </a:highlight>
+                <a:latin typeface="Consolas" panose="020B0609020204030204" pitchFamily="49" charset="0"/>
+              </a:rPr>
+              <a:t>);</a:t>
+            </a:r>
+            <a:br>
+              <a:rPr lang="en-US" sz="1800" dirty="0" smtClean="0">
+                <a:solidFill>
+                  <a:srgbClr val="000000"/>
+                </a:solidFill>
+                <a:highlight>
+                  <a:srgbClr val="FFFFFF"/>
+                </a:highlight>
+                <a:latin typeface="Consolas" panose="020B0609020204030204" pitchFamily="49" charset="0"/>
+              </a:rPr>
+            </a:br>
+            <a:r>
+              <a:rPr lang="en-US" sz="1800" dirty="0" smtClean="0">
+                <a:solidFill>
+                  <a:srgbClr val="000000"/>
+                </a:solidFill>
+                <a:highlight>
+                  <a:srgbClr val="FFFFFF"/>
+                </a:highlight>
+                <a:latin typeface="Consolas" panose="020B0609020204030204" pitchFamily="49" charset="0"/>
+              </a:rPr>
+              <a:t>  </a:t>
+            </a:r>
+            <a:r>
+              <a:rPr lang="en-US" sz="1800" dirty="0" err="1" smtClean="0">
+                <a:solidFill>
+                  <a:srgbClr val="0000FF"/>
+                </a:solidFill>
+                <a:highlight>
+                  <a:srgbClr val="FFFFFF"/>
+                </a:highlight>
+                <a:latin typeface="Consolas" panose="020B0609020204030204" pitchFamily="49" charset="0"/>
+              </a:rPr>
+              <a:t>var</a:t>
+            </a:r>
+            <a:r>
+              <a:rPr lang="en-US" sz="1800" dirty="0" smtClean="0">
+                <a:solidFill>
+                  <a:srgbClr val="000000"/>
+                </a:solidFill>
+                <a:highlight>
+                  <a:srgbClr val="FFFFFF"/>
+                </a:highlight>
+                <a:latin typeface="Consolas" panose="020B0609020204030204" pitchFamily="49" charset="0"/>
+              </a:rPr>
+              <a:t> </a:t>
+            </a:r>
+            <a:r>
+              <a:rPr lang="en-US" sz="1800" dirty="0" err="1" smtClean="0">
+                <a:solidFill>
+                  <a:srgbClr val="000000"/>
+                </a:solidFill>
+                <a:highlight>
+                  <a:srgbClr val="FFFFFF"/>
+                </a:highlight>
+                <a:latin typeface="Consolas" panose="020B0609020204030204" pitchFamily="49" charset="0"/>
+              </a:rPr>
+              <a:t>createMessage</a:t>
+            </a:r>
+            <a:r>
+              <a:rPr lang="en-US" sz="1800" dirty="0" smtClean="0">
+                <a:solidFill>
+                  <a:srgbClr val="000000"/>
+                </a:solidFill>
+                <a:highlight>
+                  <a:srgbClr val="FFFFFF"/>
+                </a:highlight>
+                <a:latin typeface="Consolas" panose="020B0609020204030204" pitchFamily="49" charset="0"/>
+              </a:rPr>
+              <a:t> = </a:t>
+            </a:r>
+            <a:r>
+              <a:rPr lang="en-US" sz="1800" dirty="0" smtClean="0">
+                <a:solidFill>
+                  <a:srgbClr val="0000FF"/>
+                </a:solidFill>
+                <a:highlight>
+                  <a:srgbClr val="FFFFFF"/>
+                </a:highlight>
+                <a:latin typeface="Consolas" panose="020B0609020204030204" pitchFamily="49" charset="0"/>
+              </a:rPr>
+              <a:t>new</a:t>
+            </a:r>
+            <a:r>
+              <a:rPr lang="en-US" sz="1800" dirty="0" smtClean="0">
+                <a:solidFill>
+                  <a:srgbClr val="000000"/>
+                </a:solidFill>
+                <a:highlight>
+                  <a:srgbClr val="FFFFFF"/>
+                </a:highlight>
+                <a:latin typeface="Consolas" panose="020B0609020204030204" pitchFamily="49" charset="0"/>
+              </a:rPr>
+              <a:t> </a:t>
+            </a:r>
+            <a:r>
+              <a:rPr lang="en-US" sz="1800" dirty="0" err="1" smtClean="0">
+                <a:solidFill>
+                  <a:srgbClr val="2B91AF"/>
+                </a:solidFill>
+                <a:highlight>
+                  <a:srgbClr val="FFFFFF"/>
+                </a:highlight>
+                <a:latin typeface="Consolas" panose="020B0609020204030204" pitchFamily="49" charset="0"/>
+              </a:rPr>
+              <a:t>HttpRequestMessage</a:t>
+            </a:r>
+            <a:r>
+              <a:rPr lang="en-US" sz="1800" dirty="0" smtClean="0">
+                <a:solidFill>
+                  <a:srgbClr val="000000"/>
+                </a:solidFill>
+                <a:highlight>
+                  <a:srgbClr val="FFFFFF"/>
+                </a:highlight>
+                <a:latin typeface="Consolas" panose="020B0609020204030204" pitchFamily="49" charset="0"/>
+              </a:rPr>
+              <a:t>(</a:t>
+            </a:r>
+            <a:r>
+              <a:rPr lang="en-US" sz="1800" dirty="0" err="1" smtClean="0">
+                <a:solidFill>
+                  <a:srgbClr val="2B91AF"/>
+                </a:solidFill>
+                <a:highlight>
+                  <a:srgbClr val="FFFFFF"/>
+                </a:highlight>
+                <a:latin typeface="Consolas" panose="020B0609020204030204" pitchFamily="49" charset="0"/>
+              </a:rPr>
+              <a:t>HttpMethod</a:t>
+            </a:r>
+            <a:r>
+              <a:rPr lang="en-US" sz="1800" dirty="0" err="1" smtClean="0">
+                <a:solidFill>
+                  <a:srgbClr val="000000"/>
+                </a:solidFill>
+                <a:highlight>
+                  <a:srgbClr val="FFFFFF"/>
+                </a:highlight>
+                <a:latin typeface="Consolas" panose="020B0609020204030204" pitchFamily="49" charset="0"/>
+              </a:rPr>
+              <a:t>.Post</a:t>
+            </a:r>
+            <a:r>
+              <a:rPr lang="en-US" sz="1800" dirty="0" smtClean="0">
+                <a:solidFill>
+                  <a:srgbClr val="000000"/>
+                </a:solidFill>
+                <a:highlight>
+                  <a:srgbClr val="FFFFFF"/>
+                </a:highlight>
+                <a:latin typeface="Consolas" panose="020B0609020204030204" pitchFamily="49" charset="0"/>
+              </a:rPr>
+              <a:t>, </a:t>
+            </a:r>
+            <a:r>
+              <a:rPr lang="en-US" sz="1800" dirty="0" err="1" smtClean="0">
+                <a:solidFill>
+                  <a:srgbClr val="000000"/>
+                </a:solidFill>
+                <a:highlight>
+                  <a:srgbClr val="FFFFFF"/>
+                </a:highlight>
+                <a:latin typeface="Consolas" panose="020B0609020204030204" pitchFamily="49" charset="0"/>
+              </a:rPr>
+              <a:t>endPoint</a:t>
+            </a:r>
+            <a:r>
+              <a:rPr lang="en-US" sz="1800" dirty="0" smtClean="0">
+                <a:solidFill>
+                  <a:srgbClr val="000000"/>
+                </a:solidFill>
+                <a:highlight>
+                  <a:srgbClr val="FFFFFF"/>
+                </a:highlight>
+                <a:latin typeface="Consolas" panose="020B0609020204030204" pitchFamily="49" charset="0"/>
+              </a:rPr>
+              <a:t>)</a:t>
+            </a:r>
+            <a:br>
+              <a:rPr lang="en-US" sz="1800" dirty="0" smtClean="0">
+                <a:solidFill>
+                  <a:srgbClr val="000000"/>
+                </a:solidFill>
+                <a:highlight>
+                  <a:srgbClr val="FFFFFF"/>
+                </a:highlight>
+                <a:latin typeface="Consolas" panose="020B0609020204030204" pitchFamily="49" charset="0"/>
+              </a:rPr>
+            </a:br>
+            <a:r>
+              <a:rPr lang="en-US" sz="1800" dirty="0" smtClean="0">
+                <a:solidFill>
+                  <a:srgbClr val="000000"/>
+                </a:solidFill>
+                <a:highlight>
+                  <a:srgbClr val="FFFFFF"/>
+                </a:highlight>
+                <a:latin typeface="Consolas" panose="020B0609020204030204" pitchFamily="49" charset="0"/>
+              </a:rPr>
+              <a:t>  </a:t>
+            </a:r>
+            <a:r>
+              <a:rPr lang="en-US" sz="1800" dirty="0" err="1" smtClean="0">
+                <a:solidFill>
+                  <a:srgbClr val="000000"/>
+                </a:solidFill>
+                <a:highlight>
+                  <a:srgbClr val="FFFFFF"/>
+                </a:highlight>
+                <a:latin typeface="Consolas" panose="020B0609020204030204" pitchFamily="49" charset="0"/>
+              </a:rPr>
+              <a:t>createMessage.Content</a:t>
+            </a:r>
+            <a:r>
+              <a:rPr lang="en-US" sz="1800" dirty="0" smtClean="0">
+                <a:solidFill>
+                  <a:srgbClr val="000000"/>
+                </a:solidFill>
+                <a:highlight>
+                  <a:srgbClr val="FFFFFF"/>
+                </a:highlight>
+                <a:latin typeface="Consolas" panose="020B0609020204030204" pitchFamily="49" charset="0"/>
+              </a:rPr>
+              <a:t> = </a:t>
+            </a:r>
+            <a:br>
+              <a:rPr lang="en-US" sz="1800" dirty="0" smtClean="0">
+                <a:solidFill>
+                  <a:srgbClr val="000000"/>
+                </a:solidFill>
+                <a:highlight>
+                  <a:srgbClr val="FFFFFF"/>
+                </a:highlight>
+                <a:latin typeface="Consolas" panose="020B0609020204030204" pitchFamily="49" charset="0"/>
+              </a:rPr>
+            </a:br>
+            <a:r>
+              <a:rPr lang="en-US" sz="1800" dirty="0" smtClean="0">
+                <a:solidFill>
+                  <a:srgbClr val="000000"/>
+                </a:solidFill>
+                <a:highlight>
+                  <a:srgbClr val="FFFFFF"/>
+                </a:highlight>
+                <a:latin typeface="Consolas" panose="020B0609020204030204" pitchFamily="49" charset="0"/>
+              </a:rPr>
+              <a:t>    </a:t>
+            </a:r>
+            <a:r>
+              <a:rPr lang="en-US" sz="1800" dirty="0" smtClean="0">
+                <a:solidFill>
+                  <a:srgbClr val="0000FF"/>
+                </a:solidFill>
+                <a:highlight>
+                  <a:srgbClr val="FFFFFF"/>
+                </a:highlight>
+                <a:latin typeface="Consolas" panose="020B0609020204030204" pitchFamily="49" charset="0"/>
+              </a:rPr>
+              <a:t>new</a:t>
+            </a:r>
+            <a:r>
+              <a:rPr lang="en-US" sz="1800" dirty="0" smtClean="0">
+                <a:solidFill>
+                  <a:srgbClr val="000000"/>
+                </a:solidFill>
+                <a:highlight>
+                  <a:srgbClr val="FFFFFF"/>
+                </a:highlight>
+                <a:latin typeface="Consolas" panose="020B0609020204030204" pitchFamily="49" charset="0"/>
+              </a:rPr>
+              <a:t> </a:t>
+            </a:r>
+            <a:r>
+              <a:rPr lang="en-US" sz="1800" dirty="0" err="1" smtClean="0">
+                <a:solidFill>
+                  <a:srgbClr val="2B91AF"/>
+                </a:solidFill>
+                <a:highlight>
+                  <a:srgbClr val="FFFFFF"/>
+                </a:highlight>
+                <a:latin typeface="Consolas" panose="020B0609020204030204" pitchFamily="49" charset="0"/>
+              </a:rPr>
+              <a:t>MultipartFormDataContent</a:t>
+            </a:r>
+            <a:r>
+              <a:rPr lang="en-US" sz="1800" dirty="0" smtClean="0">
+                <a:solidFill>
+                  <a:srgbClr val="2B91AF"/>
+                </a:solidFill>
+                <a:highlight>
+                  <a:srgbClr val="FFFFFF"/>
+                </a:highlight>
+                <a:latin typeface="Consolas" panose="020B0609020204030204" pitchFamily="49" charset="0"/>
+              </a:rPr>
+              <a:t/>
+            </a:r>
+            <a:br>
+              <a:rPr lang="en-US" sz="1800" dirty="0" smtClean="0">
+                <a:solidFill>
+                  <a:srgbClr val="2B91AF"/>
+                </a:solidFill>
+                <a:highlight>
+                  <a:srgbClr val="FFFFFF"/>
+                </a:highlight>
+                <a:latin typeface="Consolas" panose="020B0609020204030204" pitchFamily="49" charset="0"/>
+              </a:rPr>
+            </a:br>
+            <a:r>
+              <a:rPr lang="en-US" sz="1800" dirty="0" smtClean="0">
+                <a:solidFill>
+                  <a:srgbClr val="2B91AF"/>
+                </a:solidFill>
+                <a:highlight>
+                  <a:srgbClr val="FFFFFF"/>
+                </a:highlight>
+                <a:latin typeface="Consolas" panose="020B0609020204030204" pitchFamily="49" charset="0"/>
+              </a:rPr>
+              <a:t>    </a:t>
+            </a:r>
+            <a:r>
+              <a:rPr lang="en-US" sz="1800" dirty="0" smtClean="0">
+                <a:solidFill>
+                  <a:srgbClr val="000000"/>
+                </a:solidFill>
+                <a:highlight>
+                  <a:srgbClr val="FFFFFF"/>
+                </a:highlight>
+                <a:latin typeface="Consolas" panose="020B0609020204030204" pitchFamily="49" charset="0"/>
+              </a:rPr>
+              <a:t>{</a:t>
+            </a:r>
+            <a:r>
+              <a:rPr lang="en-US" sz="1800" dirty="0" smtClean="0">
+                <a:solidFill>
+                  <a:srgbClr val="2B91AF"/>
+                </a:solidFill>
+                <a:highlight>
+                  <a:srgbClr val="FFFFFF"/>
+                </a:highlight>
+                <a:latin typeface="Consolas" panose="020B0609020204030204" pitchFamily="49" charset="0"/>
+              </a:rPr>
+              <a:t/>
+            </a:r>
+            <a:br>
+              <a:rPr lang="en-US" sz="1800" dirty="0" smtClean="0">
+                <a:solidFill>
+                  <a:srgbClr val="2B91AF"/>
+                </a:solidFill>
+                <a:highlight>
+                  <a:srgbClr val="FFFFFF"/>
+                </a:highlight>
+                <a:latin typeface="Consolas" panose="020B0609020204030204" pitchFamily="49" charset="0"/>
+              </a:rPr>
+            </a:br>
+            <a:r>
+              <a:rPr lang="en-US" sz="1800" dirty="0" smtClean="0">
+                <a:solidFill>
+                  <a:srgbClr val="2B91AF"/>
+                </a:solidFill>
+                <a:highlight>
+                  <a:srgbClr val="FFFFFF"/>
+                </a:highlight>
+                <a:latin typeface="Consolas" panose="020B0609020204030204" pitchFamily="49" charset="0"/>
+              </a:rPr>
+              <a:t>      </a:t>
+            </a:r>
+            <a:r>
+              <a:rPr lang="en-US" sz="1800" dirty="0" smtClean="0">
+                <a:solidFill>
+                  <a:srgbClr val="000000"/>
+                </a:solidFill>
+                <a:highlight>
+                  <a:srgbClr val="FFFFFF"/>
+                </a:highlight>
+                <a:latin typeface="Consolas" panose="020B0609020204030204" pitchFamily="49" charset="0"/>
+              </a:rPr>
+              <a:t>{</a:t>
+            </a:r>
+            <a:r>
+              <a:rPr lang="en-US" sz="1800" dirty="0">
+                <a:solidFill>
+                  <a:srgbClr val="0000FF"/>
+                </a:solidFill>
+                <a:highlight>
+                  <a:srgbClr val="FFFFFF"/>
+                </a:highlight>
+                <a:latin typeface="Consolas" panose="020B0609020204030204" pitchFamily="49" charset="0"/>
+              </a:rPr>
+              <a:t>new</a:t>
+            </a:r>
+            <a:r>
+              <a:rPr lang="en-US" sz="1800" dirty="0">
+                <a:solidFill>
+                  <a:srgbClr val="000000"/>
+                </a:solidFill>
+                <a:highlight>
+                  <a:srgbClr val="FFFFFF"/>
+                </a:highlight>
+                <a:latin typeface="Consolas" panose="020B0609020204030204" pitchFamily="49" charset="0"/>
+              </a:rPr>
+              <a:t> </a:t>
+            </a:r>
+            <a:r>
+              <a:rPr lang="en-US" sz="1800" dirty="0" err="1">
+                <a:solidFill>
+                  <a:srgbClr val="2B91AF"/>
+                </a:solidFill>
+                <a:highlight>
+                  <a:srgbClr val="FFFFFF"/>
+                </a:highlight>
+                <a:latin typeface="Consolas" panose="020B0609020204030204" pitchFamily="49" charset="0"/>
+              </a:rPr>
+              <a:t>StringContent</a:t>
+            </a:r>
+            <a:r>
+              <a:rPr lang="en-US" sz="1800" dirty="0">
+                <a:solidFill>
+                  <a:srgbClr val="000000"/>
+                </a:solidFill>
+                <a:highlight>
+                  <a:srgbClr val="FFFFFF"/>
+                </a:highlight>
+                <a:latin typeface="Consolas" panose="020B0609020204030204" pitchFamily="49" charset="0"/>
+              </a:rPr>
+              <a:t>(</a:t>
+            </a:r>
+            <a:r>
+              <a:rPr lang="en-US" sz="1800" dirty="0" err="1">
+                <a:solidFill>
+                  <a:srgbClr val="000000"/>
+                </a:solidFill>
+                <a:highlight>
+                  <a:srgbClr val="FFFFFF"/>
+                </a:highlight>
+                <a:latin typeface="Consolas" panose="020B0609020204030204" pitchFamily="49" charset="0"/>
+              </a:rPr>
+              <a:t>simpleHtml</a:t>
+            </a:r>
+            <a:r>
+              <a:rPr lang="en-US" sz="1800" dirty="0">
+                <a:solidFill>
+                  <a:srgbClr val="000000"/>
+                </a:solidFill>
+                <a:highlight>
+                  <a:srgbClr val="FFFFFF"/>
+                </a:highlight>
+                <a:latin typeface="Consolas" panose="020B0609020204030204" pitchFamily="49" charset="0"/>
+              </a:rPr>
+              <a:t>, System.Text.</a:t>
+            </a:r>
+            <a:r>
+              <a:rPr lang="en-US" sz="1800" dirty="0">
+                <a:solidFill>
+                  <a:srgbClr val="2B91AF"/>
+                </a:solidFill>
+                <a:highlight>
+                  <a:srgbClr val="FFFFFF"/>
+                </a:highlight>
+                <a:latin typeface="Consolas" panose="020B0609020204030204" pitchFamily="49" charset="0"/>
+              </a:rPr>
+              <a:t>Encoding</a:t>
+            </a:r>
+            <a:r>
+              <a:rPr lang="en-US" sz="1800" dirty="0">
+                <a:solidFill>
+                  <a:srgbClr val="000000"/>
+                </a:solidFill>
+                <a:highlight>
+                  <a:srgbClr val="FFFFFF"/>
+                </a:highlight>
+                <a:latin typeface="Consolas" panose="020B0609020204030204" pitchFamily="49" charset="0"/>
+              </a:rPr>
+              <a:t>.UTF8, </a:t>
+            </a:r>
+            <a:r>
+              <a:rPr lang="en-US" sz="1800" dirty="0">
+                <a:solidFill>
+                  <a:srgbClr val="A31515"/>
+                </a:solidFill>
+                <a:highlight>
+                  <a:srgbClr val="FFFFFF"/>
+                </a:highlight>
+                <a:latin typeface="Consolas" panose="020B0609020204030204" pitchFamily="49" charset="0"/>
+              </a:rPr>
+              <a:t>"text/html"</a:t>
+            </a:r>
+            <a:r>
+              <a:rPr lang="en-US" sz="1800" dirty="0">
+                <a:solidFill>
+                  <a:srgbClr val="000000"/>
+                </a:solidFill>
+                <a:highlight>
+                  <a:srgbClr val="FFFFFF"/>
+                </a:highlight>
+                <a:latin typeface="Consolas" panose="020B0609020204030204" pitchFamily="49" charset="0"/>
+              </a:rPr>
+              <a:t>), </a:t>
+            </a:r>
+            <a:r>
+              <a:rPr lang="en-US" sz="1800" dirty="0">
+                <a:solidFill>
+                  <a:srgbClr val="A31515"/>
+                </a:solidFill>
+                <a:highlight>
+                  <a:srgbClr val="FFFFFF"/>
+                </a:highlight>
+                <a:latin typeface="Consolas" panose="020B0609020204030204" pitchFamily="49" charset="0"/>
+              </a:rPr>
+              <a:t>"Presentation</a:t>
+            </a:r>
+            <a:r>
+              <a:rPr lang="en-US" sz="1800" dirty="0" smtClean="0">
+                <a:solidFill>
+                  <a:srgbClr val="A31515"/>
+                </a:solidFill>
+                <a:highlight>
+                  <a:srgbClr val="FFFFFF"/>
+                </a:highlight>
+                <a:latin typeface="Consolas" panose="020B0609020204030204" pitchFamily="49" charset="0"/>
+              </a:rPr>
+              <a:t>"</a:t>
+            </a:r>
+            <a:r>
+              <a:rPr lang="en-US" sz="1800" dirty="0" smtClean="0">
+                <a:solidFill>
+                  <a:srgbClr val="000000"/>
+                </a:solidFill>
+                <a:highlight>
+                  <a:srgbClr val="FFFFFF"/>
+                </a:highlight>
+                <a:latin typeface="Consolas" panose="020B0609020204030204" pitchFamily="49" charset="0"/>
+              </a:rPr>
+              <a:t>},</a:t>
+            </a:r>
+            <a:br>
+              <a:rPr lang="en-US" sz="1800" dirty="0" smtClean="0">
+                <a:solidFill>
+                  <a:srgbClr val="000000"/>
+                </a:solidFill>
+                <a:highlight>
+                  <a:srgbClr val="FFFFFF"/>
+                </a:highlight>
+                <a:latin typeface="Consolas" panose="020B0609020204030204" pitchFamily="49" charset="0"/>
+              </a:rPr>
+            </a:br>
+            <a:r>
+              <a:rPr lang="en-US" sz="1800" dirty="0" smtClean="0">
+                <a:solidFill>
+                  <a:srgbClr val="000000"/>
+                </a:solidFill>
+                <a:highlight>
+                  <a:srgbClr val="FFFFFF"/>
+                </a:highlight>
+                <a:latin typeface="Consolas" panose="020B0609020204030204" pitchFamily="49" charset="0"/>
+              </a:rPr>
+              <a:t>      {</a:t>
+            </a:r>
+            <a:r>
+              <a:rPr lang="en-US" sz="1800" dirty="0" err="1" smtClean="0">
+                <a:solidFill>
+                  <a:srgbClr val="000000"/>
+                </a:solidFill>
+                <a:highlight>
+                  <a:srgbClr val="FFFFFF"/>
+                </a:highlight>
+                <a:latin typeface="Consolas" panose="020B0609020204030204" pitchFamily="49" charset="0"/>
+              </a:rPr>
+              <a:t>fileContent</a:t>
+            </a:r>
+            <a:r>
+              <a:rPr lang="en-US" sz="1800" dirty="0">
+                <a:solidFill>
+                  <a:srgbClr val="000000"/>
+                </a:solidFill>
+                <a:highlight>
+                  <a:srgbClr val="FFFFFF"/>
+                </a:highlight>
+                <a:latin typeface="Consolas" panose="020B0609020204030204" pitchFamily="49" charset="0"/>
+              </a:rPr>
+              <a:t>, </a:t>
+            </a:r>
+            <a:r>
+              <a:rPr lang="en-US" sz="1800" dirty="0" smtClean="0">
+                <a:solidFill>
+                  <a:srgbClr val="A31515"/>
+                </a:solidFill>
+                <a:highlight>
+                  <a:srgbClr val="FFFFFF"/>
+                </a:highlight>
+                <a:latin typeface="Consolas" panose="020B0609020204030204" pitchFamily="49" charset="0"/>
+              </a:rPr>
+              <a:t>"file1" </a:t>
+            </a:r>
+            <a:r>
+              <a:rPr lang="en-US" sz="1800" dirty="0" smtClean="0">
+                <a:solidFill>
+                  <a:srgbClr val="000000"/>
+                </a:solidFill>
+                <a:highlight>
+                  <a:srgbClr val="FFFFFF"/>
+                </a:highlight>
+                <a:latin typeface="Consolas" panose="020B0609020204030204" pitchFamily="49" charset="0"/>
+              </a:rPr>
+              <a:t>}</a:t>
+            </a:r>
+            <a:br>
+              <a:rPr lang="en-US" sz="1800" dirty="0" smtClean="0">
+                <a:solidFill>
+                  <a:srgbClr val="000000"/>
+                </a:solidFill>
+                <a:highlight>
+                  <a:srgbClr val="FFFFFF"/>
+                </a:highlight>
+                <a:latin typeface="Consolas" panose="020B0609020204030204" pitchFamily="49" charset="0"/>
+              </a:rPr>
+            </a:br>
+            <a:r>
+              <a:rPr lang="en-US" sz="1800" dirty="0" smtClean="0">
+                <a:solidFill>
+                  <a:srgbClr val="000000"/>
+                </a:solidFill>
+                <a:highlight>
+                  <a:srgbClr val="FFFFFF"/>
+                </a:highlight>
+                <a:latin typeface="Consolas" panose="020B0609020204030204" pitchFamily="49" charset="0"/>
+              </a:rPr>
+              <a:t>    };</a:t>
+            </a:r>
+            <a:r>
+              <a:rPr lang="en-US" sz="1800" dirty="0">
+                <a:solidFill>
+                  <a:srgbClr val="000000"/>
+                </a:solidFill>
+                <a:highlight>
+                  <a:srgbClr val="FFFFFF"/>
+                </a:highlight>
+                <a:latin typeface="Consolas" panose="020B0609020204030204" pitchFamily="49" charset="0"/>
+              </a:rPr>
+              <a:t/>
+            </a:r>
+            <a:br>
+              <a:rPr lang="en-US" sz="1800" dirty="0">
+                <a:solidFill>
+                  <a:srgbClr val="000000"/>
+                </a:solidFill>
+                <a:highlight>
+                  <a:srgbClr val="FFFFFF"/>
+                </a:highlight>
+                <a:latin typeface="Consolas" panose="020B0609020204030204" pitchFamily="49" charset="0"/>
+              </a:rPr>
+            </a:br>
+            <a:r>
+              <a:rPr lang="en-US" sz="1800" dirty="0" smtClean="0">
+                <a:solidFill>
+                  <a:srgbClr val="000000"/>
+                </a:solidFill>
+                <a:highlight>
+                  <a:srgbClr val="FFFFFF"/>
+                </a:highlight>
+                <a:latin typeface="Consolas" panose="020B0609020204030204" pitchFamily="49" charset="0"/>
+              </a:rPr>
+              <a:t>};</a:t>
+            </a:r>
+            <a:r>
+              <a:rPr lang="en-US" sz="1800" dirty="0">
+                <a:solidFill>
+                  <a:srgbClr val="000000"/>
+                </a:solidFill>
+                <a:highlight>
+                  <a:srgbClr val="FFFFFF"/>
+                </a:highlight>
+                <a:latin typeface="Consolas" panose="020B0609020204030204" pitchFamily="49" charset="0"/>
+              </a:rPr>
+              <a:t/>
+            </a:r>
+            <a:br>
+              <a:rPr lang="en-US" sz="1800" dirty="0">
+                <a:solidFill>
+                  <a:srgbClr val="000000"/>
+                </a:solidFill>
+                <a:highlight>
+                  <a:srgbClr val="FFFFFF"/>
+                </a:highlight>
+                <a:latin typeface="Consolas" panose="020B0609020204030204" pitchFamily="49" charset="0"/>
+              </a:rPr>
+            </a:br>
+            <a:r>
+              <a:rPr lang="en-US" sz="1800" dirty="0" err="1" smtClean="0">
+                <a:solidFill>
+                  <a:srgbClr val="2B91AF"/>
+                </a:solidFill>
+                <a:highlight>
+                  <a:srgbClr val="FFFFFF"/>
+                </a:highlight>
+                <a:latin typeface="Consolas" panose="020B0609020204030204" pitchFamily="49" charset="0"/>
+              </a:rPr>
+              <a:t>HttpResponseMessage</a:t>
+            </a:r>
+            <a:r>
+              <a:rPr lang="en-US" sz="1800" dirty="0" smtClean="0">
+                <a:solidFill>
+                  <a:srgbClr val="000000"/>
+                </a:solidFill>
+                <a:highlight>
+                  <a:srgbClr val="FFFFFF"/>
+                </a:highlight>
+                <a:latin typeface="Consolas" panose="020B0609020204030204" pitchFamily="49" charset="0"/>
+              </a:rPr>
+              <a:t> response = </a:t>
+            </a:r>
+            <a:r>
+              <a:rPr lang="en-US" sz="1800" dirty="0" smtClean="0">
+                <a:solidFill>
+                  <a:srgbClr val="0000FF"/>
+                </a:solidFill>
+                <a:highlight>
+                  <a:srgbClr val="FFFFFF"/>
+                </a:highlight>
+                <a:latin typeface="Consolas" panose="020B0609020204030204" pitchFamily="49" charset="0"/>
+              </a:rPr>
+              <a:t>await</a:t>
+            </a:r>
+            <a:r>
+              <a:rPr lang="en-US" sz="1800" dirty="0" smtClean="0">
+                <a:solidFill>
+                  <a:srgbClr val="000000"/>
+                </a:solidFill>
+                <a:highlight>
+                  <a:srgbClr val="FFFFFF"/>
+                </a:highlight>
+                <a:latin typeface="Consolas" panose="020B0609020204030204" pitchFamily="49" charset="0"/>
+              </a:rPr>
+              <a:t> </a:t>
+            </a:r>
+            <a:r>
+              <a:rPr lang="en-US" sz="1800" dirty="0" err="1" smtClean="0">
+                <a:solidFill>
+                  <a:srgbClr val="000000"/>
+                </a:solidFill>
+                <a:highlight>
+                  <a:srgbClr val="FFFFFF"/>
+                </a:highlight>
+                <a:latin typeface="Consolas" panose="020B0609020204030204" pitchFamily="49" charset="0"/>
+              </a:rPr>
+              <a:t>client.SendAsync</a:t>
+            </a:r>
+            <a:r>
+              <a:rPr lang="en-US" sz="1800" dirty="0" smtClean="0">
+                <a:solidFill>
+                  <a:srgbClr val="000000"/>
+                </a:solidFill>
+                <a:highlight>
+                  <a:srgbClr val="FFFFFF"/>
+                </a:highlight>
+                <a:latin typeface="Consolas" panose="020B0609020204030204" pitchFamily="49" charset="0"/>
+              </a:rPr>
+              <a:t>(</a:t>
+            </a:r>
+            <a:r>
+              <a:rPr lang="en-US" sz="1800" dirty="0" err="1" smtClean="0">
+                <a:solidFill>
+                  <a:srgbClr val="000000"/>
+                </a:solidFill>
+                <a:highlight>
+                  <a:srgbClr val="FFFFFF"/>
+                </a:highlight>
+                <a:latin typeface="Consolas" panose="020B0609020204030204" pitchFamily="49" charset="0"/>
+              </a:rPr>
+              <a:t>createMessage</a:t>
+            </a:r>
+            <a:r>
+              <a:rPr lang="en-US" sz="1800" dirty="0" smtClean="0">
+                <a:solidFill>
+                  <a:srgbClr val="000000"/>
+                </a:solidFill>
+                <a:highlight>
+                  <a:srgbClr val="FFFFFF"/>
+                </a:highlight>
+                <a:latin typeface="Consolas" panose="020B0609020204030204" pitchFamily="49" charset="0"/>
+              </a:rPr>
+              <a:t>);</a:t>
+            </a:r>
+            <a:endParaRPr lang="en-US" sz="1800" dirty="0" smtClean="0">
+              <a:gradFill>
+                <a:gsLst>
+                  <a:gs pos="100000">
+                    <a:srgbClr val="DC3C00"/>
+                  </a:gs>
+                  <a:gs pos="0">
+                    <a:srgbClr val="DC3C00"/>
+                  </a:gs>
+                </a:gsLst>
+                <a:lin ang="5400000" scaled="0"/>
+              </a:gradFill>
+            </a:endParaRPr>
+          </a:p>
+        </p:txBody>
+      </p:sp>
+    </p:spTree>
+    <p:extLst>
+      <p:ext uri="{BB962C8B-B14F-4D97-AF65-F5344CB8AC3E}">
+        <p14:creationId xmlns:p14="http://schemas.microsoft.com/office/powerpoint/2010/main" val="3260838473"/>
+      </p:ext>
+    </p:extLst>
+  </p:cSld>
+  <p:clrMapOvr>
+    <a:masterClrMapping/>
+  </p:clrMapOvr>
+  <p:transition xmlns:p14="http://schemas.microsoft.com/office/powerpoint/2010/main">
+    <p:fade/>
+  </p:transition>
+</p:sld>
+</file>
+
+<file path=ppt/slides/slide31.xml><?xml version="1.0" encoding="utf-8"?>
+<p:sld xmlns:a="http://schemas.openxmlformats.org/drawingml/2006/main" xmlns:r="http://schemas.openxmlformats.org/officeDocument/2006/relationships" xmlns:p="http://schemas.openxmlformats.org/presentationml/2006/main">
+  <p:cSld>
+    <p:spTree>
+      <p:nvGrpSpPr>
+        <p:cNvPr id="1" name=""/>
+        <p:cNvGrpSpPr/>
+        <p:nvPr/>
+      </p:nvGrpSpPr>
+      <p:grpSpPr>
+        <a:xfrm>
+          <a:off x="0" y="0"/>
+          <a:ext cx="0" cy="0"/>
+          <a:chOff x="0" y="0"/>
+          <a:chExt cx="0" cy="0"/>
+        </a:xfrm>
+      </p:grpSpPr>
+      <p:sp>
+        <p:nvSpPr>
+          <p:cNvPr id="3" name="Title 2"/>
+          <p:cNvSpPr>
+            <a:spLocks noGrp="1"/>
+          </p:cNvSpPr>
+          <p:nvPr>
+            <p:ph type="title"/>
+          </p:nvPr>
+        </p:nvSpPr>
+        <p:spPr/>
+        <p:txBody>
+          <a:bodyPr/>
+          <a:lstStyle/>
+          <a:p>
+            <a:r>
+              <a:rPr lang="en-US" dirty="0" smtClean="0"/>
+              <a:t>Capture PDF</a:t>
+            </a:r>
+            <a:endParaRPr lang="en-US" dirty="0"/>
+          </a:p>
+        </p:txBody>
+      </p:sp>
+      <p:sp>
+        <p:nvSpPr>
+          <p:cNvPr id="4" name="Slide Number Placeholder 3"/>
+          <p:cNvSpPr>
+            <a:spLocks noGrp="1"/>
+          </p:cNvSpPr>
+          <p:nvPr>
+            <p:ph type="sldNum" sz="quarter" idx="12"/>
+          </p:nvPr>
+        </p:nvSpPr>
+        <p:spPr/>
+        <p:txBody>
+          <a:bodyPr/>
+          <a:lstStyle/>
+          <a:p>
+            <a:fld id="{727B4C2D-45E2-4621-8491-2995EB46A674}" type="slidenum">
+              <a:rPr lang="en-US" smtClean="0"/>
+              <a:pPr/>
+              <a:t>31</a:t>
             </a:fld>
             <a:endParaRPr lang="en-US" dirty="0"/>
           </a:p>
@@ -28706,13 +29238,13 @@
   <p:clrMapOvr>
     <a:masterClrMapping/>
   </p:clrMapOvr>
-  <p:transition>
+  <p:transition xmlns:p14="http://schemas.microsoft.com/office/powerpoint/2010/main">
     <p:fade/>
   </p:transition>
 </p:sld>
 </file>
 
-<file path=ppt/slides/slide31.xml><?xml version="1.0" encoding="utf-8"?>
+<file path=ppt/slides/slide32.xml><?xml version="1.0" encoding="utf-8"?>
 <p:sld xmlns:a="http://schemas.openxmlformats.org/drawingml/2006/main" xmlns:r="http://schemas.openxmlformats.org/officeDocument/2006/relationships" xmlns:p="http://schemas.openxmlformats.org/presentationml/2006/main">
   <p:cSld>
     <p:spTree>
@@ -28800,14 +29332,14 @@
   <p:timing>
     <p:tnLst>
       <p:par>
-        <p:cTn id="1" dur="indefinite" restart="never" nodeType="tmRoot"/>
+        <p:cTn xmlns:p14="http://schemas.microsoft.com/office/powerpoint/2010/main" id="1" dur="indefinite" restart="never" nodeType="tmRoot"/>
       </p:par>
     </p:tnLst>
   </p:timing>
 </p:sld>
 </file>
 
-<file path=ppt/slides/slide32.xml><?xml version="1.0" encoding="utf-8"?>
+<file path=ppt/slides/slide33.xml><?xml version="1.0" encoding="utf-8"?>
 <p:sld xmlns:a="http://schemas.openxmlformats.org/drawingml/2006/main" xmlns:r="http://schemas.openxmlformats.org/officeDocument/2006/relationships" xmlns:p="http://schemas.openxmlformats.org/presentationml/2006/main">
   <p:cSld>
     <p:spTree>
@@ -28845,108 +29377,206 @@
           <a:lstStyle/>
           <a:p>
             <a:r>
-              <a:rPr lang="en-US" dirty="0" smtClean="0"/>
+              <a:rPr lang="en-US" sz="3200" dirty="0" smtClean="0"/>
               <a:t>OneNote</a:t>
             </a:r>
           </a:p>
           <a:p>
             <a:pPr lvl="1"/>
             <a:r>
-              <a:rPr lang="en-US" dirty="0" smtClean="0"/>
+              <a:rPr lang="en-US" dirty="0" smtClean="0">
+                <a:hlinkClick r:id="rId3"/>
+              </a:rPr>
               <a:t>https</a:t>
             </a:r>
             <a:r>
-              <a:rPr lang="en-US" dirty="0"/>
+              <a:rPr lang="en-US" dirty="0">
+                <a:hlinkClick r:id="rId3"/>
+              </a:rPr>
               <a:t>://</a:t>
             </a:r>
             <a:r>
-              <a:rPr lang="en-US" dirty="0" smtClean="0"/>
+              <a:rPr lang="en-US" dirty="0" smtClean="0">
+                <a:hlinkClick r:id="rId3"/>
+              </a:rPr>
               <a:t>www.onenote.com</a:t>
             </a:r>
-          </a:p>
-          <a:p>
-            <a:r>
-              <a:rPr lang="en-US" dirty="0" smtClean="0"/>
-              <a:t>API Documentation</a:t>
-            </a:r>
+            <a:endParaRPr lang="en-US" dirty="0" smtClean="0"/>
+          </a:p>
+          <a:p>
+            <a:r>
+              <a:rPr lang="en-US" sz="3200" dirty="0" smtClean="0"/>
+              <a:t>OneNote </a:t>
+            </a:r>
+            <a:r>
+              <a:rPr lang="en-US" sz="3200" dirty="0" err="1" smtClean="0"/>
+              <a:t>Dev</a:t>
+            </a:r>
+            <a:r>
+              <a:rPr lang="en-US" sz="3200" dirty="0" smtClean="0"/>
+              <a:t> Center</a:t>
+            </a:r>
+            <a:endParaRPr lang="en-US" sz="3200" dirty="0" smtClean="0"/>
           </a:p>
           <a:p>
             <a:pPr lvl="1"/>
             <a:r>
-              <a:rPr lang="en-US" dirty="0" smtClean="0"/>
+              <a:rPr lang="en-US" dirty="0" smtClean="0">
+                <a:hlinkClick r:id="rId4"/>
+              </a:rPr>
               <a:t>http</a:t>
             </a:r>
             <a:r>
-              <a:rPr lang="en-US" dirty="0"/>
+              <a:rPr lang="en-US" dirty="0">
+                <a:hlinkClick r:id="rId4"/>
+              </a:rPr>
               <a:t>://</a:t>
             </a:r>
             <a:r>
-              <a:rPr lang="en-US" dirty="0" smtClean="0"/>
+              <a:rPr lang="en-US" dirty="0" smtClean="0">
+                <a:hlinkClick r:id="rId4"/>
+              </a:rPr>
               <a:t>dev.onenote.com</a:t>
             </a:r>
-          </a:p>
-          <a:p>
-            <a:r>
-              <a:rPr lang="en-US" dirty="0" smtClean="0"/>
-              <a:t>Clipper</a:t>
-            </a:r>
+            <a:endParaRPr lang="en-US" dirty="0" smtClean="0"/>
+          </a:p>
+          <a:p>
+            <a:r>
+              <a:rPr lang="en-US" sz="3200" dirty="0" smtClean="0"/>
+              <a:t>OneNote </a:t>
+            </a:r>
+            <a:r>
+              <a:rPr lang="en-US" sz="3200" dirty="0" err="1" smtClean="0"/>
+              <a:t>Dev</a:t>
+            </a:r>
+            <a:r>
+              <a:rPr lang="en-US" sz="3200" dirty="0" smtClean="0"/>
+              <a:t> Blog</a:t>
+            </a:r>
+            <a:endParaRPr lang="en-US" sz="3200" dirty="0" smtClean="0"/>
           </a:p>
           <a:p>
             <a:pPr lvl="1"/>
             <a:r>
-              <a:rPr lang="en-US" dirty="0" smtClean="0"/>
+              <a:rPr lang="en-US" dirty="0">
+                <a:hlinkClick r:id="rId5"/>
+              </a:rPr>
+              <a:t>http://</a:t>
+            </a:r>
+            <a:r>
+              <a:rPr lang="en-US" dirty="0" err="1">
+                <a:hlinkClick r:id="rId5"/>
+              </a:rPr>
+              <a:t>blogs.msdn.com</a:t>
+            </a:r>
+            <a:r>
+              <a:rPr lang="en-US" dirty="0">
+                <a:hlinkClick r:id="rId5"/>
+              </a:rPr>
+              <a:t>/b/</a:t>
+            </a:r>
+            <a:r>
+              <a:rPr lang="en-US" dirty="0" err="1">
+                <a:hlinkClick r:id="rId5"/>
+              </a:rPr>
+              <a:t>onenotedev</a:t>
+            </a:r>
+            <a:r>
+              <a:rPr lang="en-US" dirty="0" smtClean="0">
+                <a:hlinkClick r:id="rId5"/>
+              </a:rPr>
+              <a:t>/</a:t>
+            </a:r>
+            <a:endParaRPr lang="en-US" dirty="0" smtClean="0"/>
+          </a:p>
+          <a:p>
+            <a:r>
+              <a:rPr lang="en-US" sz="3200" dirty="0" smtClean="0"/>
+              <a:t>App Registration</a:t>
+            </a:r>
+          </a:p>
+          <a:p>
+            <a:pPr lvl="1"/>
+            <a:r>
+              <a:rPr lang="en-US" dirty="0" smtClean="0">
+                <a:hlinkClick r:id="rId6"/>
+              </a:rPr>
+              <a:t>http://</a:t>
+            </a:r>
+            <a:r>
+              <a:rPr lang="en-US" dirty="0" err="1" smtClean="0">
+                <a:hlinkClick r:id="rId6"/>
+              </a:rPr>
+              <a:t>msdn.microsoft.com</a:t>
+            </a:r>
+            <a:r>
+              <a:rPr lang="en-US" dirty="0" smtClean="0">
+                <a:hlinkClick r:id="rId6"/>
+              </a:rPr>
+              <a:t>/en-us/library/ff751474.aspx</a:t>
+            </a:r>
+            <a:endParaRPr lang="en-US" dirty="0" smtClean="0"/>
+          </a:p>
+          <a:p>
+            <a:r>
+              <a:rPr lang="en-US" sz="3200" dirty="0" smtClean="0"/>
+              <a:t>API Playground</a:t>
+            </a:r>
+          </a:p>
+          <a:p>
+            <a:pPr lvl="1"/>
+            <a:r>
+              <a:rPr lang="en-US" dirty="0" smtClean="0">
+                <a:hlinkClick r:id="rId7"/>
+              </a:rPr>
               <a:t>https</a:t>
             </a:r>
             <a:r>
-              <a:rPr lang="en-US" dirty="0"/>
+              <a:rPr lang="en-US" dirty="0">
+                <a:hlinkClick r:id="rId7"/>
+              </a:rPr>
               <a:t>://</a:t>
             </a:r>
             <a:r>
-              <a:rPr lang="en-US" dirty="0" smtClean="0"/>
-              <a:t>www.onenote.com/Clipper/OneNote</a:t>
-            </a:r>
-          </a:p>
-          <a:p>
-            <a:r>
-              <a:rPr lang="en-US" dirty="0" smtClean="0"/>
-              <a:t>App Registration</a:t>
-            </a:r>
-          </a:p>
-          <a:p>
-            <a:pPr lvl="1"/>
-            <a:r>
-              <a:rPr lang="en-US" dirty="0" smtClean="0"/>
-              <a:t>http</a:t>
-            </a:r>
-            <a:r>
-              <a:rPr lang="en-US" dirty="0"/>
-              <a:t>://</a:t>
-            </a:r>
-            <a:r>
-              <a:rPr lang="en-US" dirty="0" smtClean="0"/>
-              <a:t>msdn.microsoft.com/en-us/library/ff751474.aspx</a:t>
-            </a:r>
-          </a:p>
-          <a:p>
-            <a:r>
-              <a:rPr lang="en-US" dirty="0" smtClean="0"/>
-              <a:t>Test Console</a:t>
-            </a:r>
-          </a:p>
-          <a:p>
-            <a:pPr lvl="1"/>
-            <a:r>
-              <a:rPr lang="en-US" dirty="0" smtClean="0"/>
-              <a:t>https</a:t>
-            </a:r>
-            <a:r>
-              <a:rPr lang="en-US" dirty="0"/>
-              <a:t>://</a:t>
-            </a:r>
-            <a:r>
-              <a:rPr lang="en-US" dirty="0" smtClean="0"/>
+              <a:rPr lang="en-US" dirty="0" smtClean="0">
+                <a:hlinkClick r:id="rId7"/>
+              </a:rPr>
               <a:t>apigee.com/onenote/embed/console/onenote</a:t>
             </a:r>
+            <a:endParaRPr lang="en-US" dirty="0" smtClean="0"/>
+          </a:p>
+          <a:p>
+            <a:pPr lvl="1">
+              <a:spcBef>
+                <a:spcPts val="600"/>
+              </a:spcBef>
+              <a:buSzPct val="80000"/>
+            </a:pPr>
+            <a:r>
+              <a:rPr lang="en-US" dirty="0">
+                <a:hlinkClick r:id="rId8"/>
+              </a:rPr>
+              <a:t>https://apigee.com/</a:t>
+            </a:r>
+            <a:r>
+              <a:rPr lang="en-US" dirty="0" smtClean="0">
+                <a:hlinkClick r:id="rId8"/>
+              </a:rPr>
+              <a:t>onenote_beta/</a:t>
+            </a:r>
+            <a:r>
+              <a:rPr lang="en-US" dirty="0">
+                <a:hlinkClick r:id="rId8"/>
+              </a:rPr>
+              <a:t>embed/console/</a:t>
+            </a:r>
+            <a:r>
+              <a:rPr lang="en-US" dirty="0" err="1" smtClean="0">
+                <a:hlinkClick r:id="rId8"/>
+              </a:rPr>
+              <a:t>onenote_beta</a:t>
+            </a:r>
+            <a:endParaRPr lang="en-US" dirty="0"/>
           </a:p>
           <a:p>
             <a:endParaRPr lang="en-US" dirty="0"/>
@@ -28995,13 +29625,13 @@
   <p:clrMapOvr>
     <a:masterClrMapping/>
   </p:clrMapOvr>
-  <p:transition>
+  <p:transition xmlns:p14="http://schemas.microsoft.com/office/powerpoint/2010/main">
     <p:fade/>
   </p:transition>
 </p:sld>
 </file>
 
-<file path=ppt/slides/slide33.xml><?xml version="1.0" encoding="utf-8"?>
+<file path=ppt/slides/slide34.xml><?xml version="1.0" encoding="utf-8"?>
 <p:sld xmlns:a="http://schemas.openxmlformats.org/drawingml/2006/main" xmlns:r="http://schemas.openxmlformats.org/officeDocument/2006/relationships" xmlns:p="http://schemas.openxmlformats.org/presentationml/2006/main">
   <p:cSld>
     <p:spTree>
@@ -29162,14 +29792,14 @@
   <p:timing>
     <p:tnLst>
       <p:par>
-        <p:cTn id="1" dur="indefinite" restart="never" nodeType="tmRoot"/>
+        <p:cTn xmlns:p14="http://schemas.microsoft.com/office/powerpoint/2010/main" id="1" dur="indefinite" restart="never" nodeType="tmRoot"/>
       </p:par>
     </p:tnLst>
   </p:timing>
 </p:sld>
 </file>
 
-<file path=ppt/slides/slide34.xml><?xml version="1.0" encoding="utf-8"?>
+<file path=ppt/slides/slide35.xml><?xml version="1.0" encoding="utf-8"?>
 <p:sld xmlns:a="http://schemas.openxmlformats.org/drawingml/2006/main" xmlns:r="http://schemas.openxmlformats.org/officeDocument/2006/relationships" xmlns:p="http://schemas.openxmlformats.org/presentationml/2006/main">
   <p:cSld>
     <p:spTree>
@@ -31923,7 +32553,7 @@
   <p:timing>
     <p:tnLst>
       <p:par>
-        <p:cTn id="1" dur="indefinite" restart="never" nodeType="tmRoot">
+        <p:cTn xmlns:p14="http://schemas.microsoft.com/office/powerpoint/2010/main" id="1" dur="indefinite" restart="never" nodeType="tmRoot">
           <p:childTnLst>
             <p:seq concurrent="1" nextAc="seek">
               <p:cTn id="2" dur="indefinite" nodeType="mainSeq">
@@ -34090,7 +34720,7 @@
 </p:sld>
 </file>
 
-<file path=ppt/slides/slide35.xml><?xml version="1.0" encoding="utf-8"?>
+<file path=ppt/slides/slide36.xml><?xml version="1.0" encoding="utf-8"?>
 <p:sld xmlns:a="http://schemas.openxmlformats.org/drawingml/2006/main" xmlns:r="http://schemas.openxmlformats.org/officeDocument/2006/relationships" xmlns:p="http://schemas.openxmlformats.org/presentationml/2006/main">
   <p:cSld>
     <p:spTree>
@@ -34818,7 +35448,7 @@
               <a:noFill/>
             </a:ln>
             <a:extLst>
-              <a:ext uri="{91240B29-F687-4F45-9708-019B960494DF}">
+              <a:ext uri="{91240B29-F687-4f45-9708-019B960494DF}">
                 <a14:hiddenLine xmlns:a14="http://schemas.microsoft.com/office/drawing/2010/main" w="9525">
                   <a:solidFill>
                     <a:srgbClr val="000000"/>
@@ -35011,7 +35641,7 @@
               <a:noFill/>
             </a:ln>
             <a:extLst>
-              <a:ext uri="{91240B29-F687-4F45-9708-019B960494DF}">
+              <a:ext uri="{91240B29-F687-4f45-9708-019B960494DF}">
                 <a14:hiddenLine xmlns:a14="http://schemas.microsoft.com/office/drawing/2010/main" w="9525">
                   <a:solidFill>
                     <a:srgbClr val="000000"/>
@@ -35160,7 +35790,7 @@
               <a:noFill/>
             </a:ln>
             <a:extLst>
-              <a:ext uri="{91240B29-F687-4F45-9708-019B960494DF}">
+              <a:ext uri="{91240B29-F687-4f45-9708-019B960494DF}">
                 <a14:hiddenLine xmlns:a14="http://schemas.microsoft.com/office/drawing/2010/main" w="9525">
                   <a:solidFill>
                     <a:srgbClr val="000000"/>
@@ -35212,7 +35842,7 @@
               <a:noFill/>
             </a:ln>
             <a:extLst>
-              <a:ext uri="{91240B29-F687-4F45-9708-019B960494DF}">
+              <a:ext uri="{91240B29-F687-4f45-9708-019B960494DF}">
                 <a14:hiddenLine xmlns:a14="http://schemas.microsoft.com/office/drawing/2010/main" w="9525">
                   <a:solidFill>
                     <a:srgbClr val="000000"/>
@@ -35264,7 +35894,7 @@
               <a:noFill/>
             </a:ln>
             <a:extLst>
-              <a:ext uri="{91240B29-F687-4F45-9708-019B960494DF}">
+              <a:ext uri="{91240B29-F687-4f45-9708-019B960494DF}">
                 <a14:hiddenLine xmlns:a14="http://schemas.microsoft.com/office/drawing/2010/main" w="9525">
                   <a:solidFill>
                     <a:srgbClr val="000000"/>
@@ -35367,7 +35997,7 @@
               <a:noFill/>
             </a:ln>
             <a:extLst>
-              <a:ext uri="{91240B29-F687-4F45-9708-019B960494DF}">
+              <a:ext uri="{91240B29-F687-4f45-9708-019B960494DF}">
                 <a14:hiddenLine xmlns:a14="http://schemas.microsoft.com/office/drawing/2010/main" w="9525">
                   <a:solidFill>
                     <a:srgbClr val="000000"/>
@@ -35500,7 +36130,7 @@
   <p:timing>
     <p:tnLst>
       <p:par>
-        <p:cTn id="1" dur="indefinite" restart="never" nodeType="tmRoot">
+        <p:cTn xmlns:p14="http://schemas.microsoft.com/office/powerpoint/2010/main" id="1" dur="indefinite" restart="never" nodeType="tmRoot">
           <p:childTnLst>
             <p:seq concurrent="1" nextAc="seek">
               <p:cTn id="2" dur="indefinite" nodeType="mainSeq">
@@ -36255,7 +36885,7 @@
 </p:sld>
 </file>
 
-<file path=ppt/slides/slide36.xml><?xml version="1.0" encoding="utf-8"?>
+<file path=ppt/slides/slide37.xml><?xml version="1.0" encoding="utf-8"?>
 <p:sld xmlns:a="http://schemas.openxmlformats.org/drawingml/2006/main" xmlns:r="http://schemas.openxmlformats.org/officeDocument/2006/relationships" xmlns:p="http://schemas.openxmlformats.org/presentationml/2006/main">
   <p:cSld>
     <p:spTree>
@@ -37000,14 +37630,14 @@
             <a:noFill/>
           </a:ln>
           <a:extLst>
-            <a:ext uri="{909E8E84-426E-40DD-AFC4-6F175D3DCCD1}">
+            <a:ext uri="{909E8E84-426E-40dd-AFC4-6F175D3DCCD1}">
               <a14:hiddenFill xmlns:a14="http://schemas.microsoft.com/office/drawing/2010/main">
                 <a:solidFill>
                   <a:srgbClr val="FFFFFF"/>
                 </a:solidFill>
               </a14:hiddenFill>
             </a:ext>
-            <a:ext uri="{91240B29-F687-4F45-9708-019B960494DF}">
+            <a:ext uri="{91240B29-F687-4f45-9708-019B960494DF}">
               <a14:hiddenLine xmlns:a14="http://schemas.microsoft.com/office/drawing/2010/main" w="9525">
                 <a:solidFill>
                   <a:srgbClr val="000000"/>
@@ -37045,7 +37675,7 @@
   <p:timing>
     <p:tnLst>
       <p:par>
-        <p:cTn id="1" dur="indefinite" restart="never" nodeType="tmRoot">
+        <p:cTn xmlns:p14="http://schemas.microsoft.com/office/powerpoint/2010/main" id="1" dur="indefinite" restart="never" nodeType="tmRoot">
           <p:childTnLst>
             <p:seq concurrent="1" nextAc="seek">
               <p:cTn id="2" dur="indefinite" nodeType="mainSeq">
@@ -37258,7 +37888,7 @@
 </p:sld>
 </file>
 
-<file path=ppt/slides/slide37.xml><?xml version="1.0" encoding="utf-8"?>
+<file path=ppt/slides/slide38.xml><?xml version="1.0" encoding="utf-8"?>
 <p:sld xmlns:a="http://schemas.openxmlformats.org/drawingml/2006/main" xmlns:r="http://schemas.openxmlformats.org/officeDocument/2006/relationships" xmlns:p="http://schemas.openxmlformats.org/presentationml/2006/main">
   <p:cSld>
     <p:spTree>
@@ -39844,20 +40474,20 @@
   <p:clrMapOvr>
     <a:masterClrMapping/>
   </p:clrMapOvr>
-  <p:transition>
+  <p:transition xmlns:p14="http://schemas.microsoft.com/office/powerpoint/2010/main">
     <p:fade/>
   </p:transition>
   <p:timing>
     <p:tnLst>
       <p:par>
-        <p:cTn id="1" dur="indefinite" restart="never" nodeType="tmRoot"/>
+        <p:cTn xmlns:p14="http://schemas.microsoft.com/office/powerpoint/2010/main" id="1" dur="indefinite" restart="never" nodeType="tmRoot"/>
       </p:par>
     </p:tnLst>
   </p:timing>
 </p:sld>
 </file>
 
-<file path=ppt/slides/slide38.xml><?xml version="1.0" encoding="utf-8"?>
+<file path=ppt/slides/slide39.xml><?xml version="1.0" encoding="utf-8"?>
 <p:sld xmlns:a="http://schemas.openxmlformats.org/drawingml/2006/main" xmlns:r="http://schemas.openxmlformats.org/officeDocument/2006/relationships" xmlns:p="http://schemas.openxmlformats.org/presentationml/2006/main">
   <p:cSld>
     <p:spTree>
@@ -40235,7 +40865,7 @@
   <p:timing>
     <p:tnLst>
       <p:par>
-        <p:cTn id="1" dur="indefinite" restart="never" nodeType="tmRoot"/>
+        <p:cTn xmlns:p14="http://schemas.microsoft.com/office/powerpoint/2010/main" id="1" dur="indefinite" restart="never" nodeType="tmRoot"/>
       </p:par>
     </p:tnLst>
   </p:timing>
@@ -40333,13 +40963,13 @@
   <p:clrMapOvr>
     <a:masterClrMapping/>
   </p:clrMapOvr>
-  <p:transition>
+  <p:transition xmlns:p14="http://schemas.microsoft.com/office/powerpoint/2010/main">
     <p:fade/>
   </p:transition>
   <p:timing>
     <p:tnLst>
       <p:par>
-        <p:cTn id="1" dur="indefinite" restart="never" nodeType="tmRoot"/>
+        <p:cTn xmlns:p14="http://schemas.microsoft.com/office/powerpoint/2010/main" id="1" dur="indefinite" restart="never" nodeType="tmRoot"/>
       </p:par>
     </p:tnLst>
   </p:timing>
@@ -40503,7 +41133,7 @@
   <p:timing>
     <p:tnLst>
       <p:par>
-        <p:cTn id="1" dur="indefinite" restart="never" nodeType="tmRoot"/>
+        <p:cTn xmlns:p14="http://schemas.microsoft.com/office/powerpoint/2010/main" id="1" dur="indefinite" restart="never" nodeType="tmRoot"/>
       </p:par>
     </p:tnLst>
   </p:timing>
@@ -40594,7 +41224,7 @@
   <p:timing>
     <p:tnLst>
       <p:par>
-        <p:cTn id="1" dur="indefinite" restart="never" nodeType="tmRoot"/>
+        <p:cTn xmlns:p14="http://schemas.microsoft.com/office/powerpoint/2010/main" id="1" dur="indefinite" restart="never" nodeType="tmRoot"/>
       </p:par>
     </p:tnLst>
   </p:timing>
@@ -40662,13 +41292,6 @@
             </a:r>
           </a:p>
           <a:p>
-            <a:pPr lvl="1"/>
-            <a:r>
-              <a:rPr lang="en-US" dirty="0" smtClean="0"/>
-              <a:t>CRUD API for Common entity types (Recipes, Movies, Books, Restaurants, Tasks, …)</a:t>
-            </a:r>
-          </a:p>
-          <a:p>
             <a:r>
               <a:rPr lang="en-US" dirty="0" smtClean="0"/>
               <a:t>Find anything quickly</a:t>
@@ -40683,13 +41306,6 @@
             <a:r>
               <a:rPr lang="en-US" dirty="0" smtClean="0"/>
               <a:t>recognition, image processing, schematized content, and tags</a:t>
-            </a:r>
-          </a:p>
-          <a:p>
-            <a:pPr marL="0" lvl="1"/>
-            <a:r>
-              <a:rPr lang="en-US" dirty="0" smtClean="0"/>
-              <a:t>Full text search and structured queries</a:t>
             </a:r>
           </a:p>
           <a:p>
@@ -40778,7 +41394,7 @@
   <p:timing>
     <p:tnLst>
       <p:par>
-        <p:cTn id="1" dur="indefinite" restart="never" nodeType="tmRoot"/>
+        <p:cTn xmlns:p14="http://schemas.microsoft.com/office/powerpoint/2010/main" id="1" dur="indefinite" restart="never" nodeType="tmRoot"/>
       </p:par>
     </p:tnLst>
   </p:timing>
@@ -41195,13 +41811,13 @@
   <p:clrMapOvr>
     <a:masterClrMapping/>
   </p:clrMapOvr>
-  <p:transition>
+  <p:transition xmlns:p14="http://schemas.microsoft.com/office/powerpoint/2010/main">
     <p:fade/>
   </p:transition>
   <p:timing>
     <p:tnLst>
       <p:par>
-        <p:cTn id="1" dur="indefinite" restart="never" nodeType="tmRoot"/>
+        <p:cTn xmlns:p14="http://schemas.microsoft.com/office/powerpoint/2010/main" id="1" dur="indefinite" restart="never" nodeType="tmRoot"/>
       </p:par>
     </p:tnLst>
   </p:timing>
@@ -41292,7 +41908,7 @@
   <p:timing>
     <p:tnLst>
       <p:par>
-        <p:cTn id="1" dur="indefinite" restart="never" nodeType="tmRoot"/>
+        <p:cTn xmlns:p14="http://schemas.microsoft.com/office/powerpoint/2010/main" id="1" dur="indefinite" restart="never" nodeType="tmRoot"/>
       </p:par>
     </p:tnLst>
   </p:timing>
@@ -41586,7 +42202,7 @@
   <a:extraClrSchemeLst/>
   <a:extLst>
     <a:ext uri="{05A4C25C-085E-4340-85A3-A5531E510DB2}">
-      <thm15:themeFamily xmlns:thm15="http://schemas.microsoft.com/office/thememl/2012/main" name="Office_Template_16x9_WHITE.potx" id="{BAC85760-2BE3-4369-8D6A-792FA239637A}" vid="{0B6ECECE-D832-4A6D-9382-4D4E764C03DC}"/>
+      <thm15:themeFamily xmlns:thm15="http://schemas.microsoft.com/office/thememl/2012/main" xmlns="" name="Office_Template_16x9_WHITE.potx" id="{BAC85760-2BE3-4369-8D6A-792FA239637A}" vid="{0B6ECECE-D832-4A6D-9382-4D4E764C03DC}"/>
     </a:ext>
   </a:extLst>
 </a:theme>
@@ -41879,7 +42495,7 @@
   <a:extraClrSchemeLst/>
   <a:extLst>
     <a:ext uri="{05A4C25C-085E-4340-85A3-A5531E510DB2}">
-      <thm15:themeFamily xmlns:thm15="http://schemas.microsoft.com/office/thememl/2012/main" name="Office_Template_16x9_WHITE.potx" id="{BAC85760-2BE3-4369-8D6A-792FA239637A}" vid="{A93E73D1-45C6-4FF9-A009-9C9E7F69F4DC}"/>
+      <thm15:themeFamily xmlns:thm15="http://schemas.microsoft.com/office/thememl/2012/main" xmlns="" name="Office_Template_16x9_WHITE.potx" id="{BAC85760-2BE3-4369-8D6A-792FA239637A}" vid="{A93E73D1-45C6-4FF9-A009-9C9E7F69F4DC}"/>
     </a:ext>
   </a:extLst>
 </a:theme>
@@ -42452,21 +43068,21 @@
 </file>
 
 <file path=customXml/item1.xml><?xml version="1.0" encoding="utf-8"?>
+<p:properties xmlns:p="http://schemas.microsoft.com/office/2006/metadata/properties" xmlns:xsi="http://www.w3.org/2001/XMLSchema-instance" xmlns:pc="http://schemas.microsoft.com/office/infopath/2007/PartnerControls">
+  <documentManagement>
+    <Company xmlns="http://schemas.microsoft.com/sharepoint/v3">Critical Path</Company>
+    <Project xmlns="c7dd7a47-5eb0-4219-9c75-8258c822be9e" xsi:nil="true"/>
+  </documentManagement>
+</p:properties>
+</file>
+
+<file path=customXml/item2.xml><?xml version="1.0" encoding="utf-8"?>
 <?mso-contentType ?>
 <FormTemplates xmlns="http://schemas.microsoft.com/sharepoint/v3/contenttype/forms">
   <Display>DocumentLibraryForm</Display>
   <Edit>DocumentLibraryForm</Edit>
   <New>DocumentLibraryForm</New>
 </FormTemplates>
-</file>
-
-<file path=customXml/item2.xml><?xml version="1.0" encoding="utf-8"?>
-<p:properties xmlns:p="http://schemas.microsoft.com/office/2006/metadata/properties" xmlns:xsi="http://www.w3.org/2001/XMLSchema-instance" xmlns:pc="http://schemas.microsoft.com/office/infopath/2007/PartnerControls">
-  <documentManagement>
-    <Company xmlns="http://schemas.microsoft.com/sharepoint/v3">Critical Path</Company>
-    <Project xmlns="c7dd7a47-5eb0-4219-9c75-8258c822be9e" xsi:nil="true"/>
-  </documentManagement>
-</p:properties>
 </file>
 
 <file path=customXml/item3.xml><?xml version="1.0" encoding="utf-8"?>
@@ -42609,26 +43225,26 @@
 </file>
 
 <file path=customXml/itemProps1.xml><?xml version="1.0" encoding="utf-8"?>
-<ds:datastoreItem xmlns:ds="http://schemas.openxmlformats.org/officeDocument/2006/customXml" ds:itemID="{E1E0CE18-CA03-4891-9CD8-3448778E3D53}">
+<ds:datastoreItem xmlns:ds="http://schemas.openxmlformats.org/officeDocument/2006/customXml" ds:itemID="{DA593625-DB14-4FB0-B5A9-3269FA9C120B}">
   <ds:schemaRefs>
-    <ds:schemaRef ds:uri="http://schemas.microsoft.com/sharepoint/v3/contenttype/forms"/>
+    <ds:schemaRef ds:uri="http://schemas.microsoft.com/sharepoint/v3"/>
+    <ds:schemaRef ds:uri="http://www.w3.org/XML/1998/namespace"/>
+    <ds:schemaRef ds:uri="http://purl.org/dc/elements/1.1/"/>
+    <ds:schemaRef ds:uri="http://purl.org/dc/terms/"/>
+    <ds:schemaRef ds:uri="http://purl.org/dc/dcmitype/"/>
+    <ds:schemaRef ds:uri="http://schemas.microsoft.com/office/2006/documentManagement/types"/>
+    <ds:schemaRef ds:uri="http://schemas.microsoft.com/office/infopath/2007/PartnerControls"/>
+    <ds:schemaRef ds:uri="http://schemas.openxmlformats.org/package/2006/metadata/core-properties"/>
+    <ds:schemaRef ds:uri="c7dd7a47-5eb0-4219-9c75-8258c822be9e"/>
+    <ds:schemaRef ds:uri="http://schemas.microsoft.com/office/2006/metadata/properties"/>
   </ds:schemaRefs>
 </ds:datastoreItem>
 </file>
 
 <file path=customXml/itemProps2.xml><?xml version="1.0" encoding="utf-8"?>
-<ds:datastoreItem xmlns:ds="http://schemas.openxmlformats.org/officeDocument/2006/customXml" ds:itemID="{DA593625-DB14-4FB0-B5A9-3269FA9C120B}">
+<ds:datastoreItem xmlns:ds="http://schemas.openxmlformats.org/officeDocument/2006/customXml" ds:itemID="{E1E0CE18-CA03-4891-9CD8-3448778E3D53}">
   <ds:schemaRefs>
-    <ds:schemaRef ds:uri="http://schemas.microsoft.com/office/2006/metadata/properties"/>
-    <ds:schemaRef ds:uri="http://schemas.microsoft.com/office/2006/documentManagement/types"/>
-    <ds:schemaRef ds:uri="http://purl.org/dc/terms/"/>
-    <ds:schemaRef ds:uri="http://purl.org/dc/elements/1.1/"/>
-    <ds:schemaRef ds:uri="http://purl.org/dc/dcmitype/"/>
-    <ds:schemaRef ds:uri="http://www.w3.org/XML/1998/namespace"/>
-    <ds:schemaRef ds:uri="http://schemas.microsoft.com/office/infopath/2007/PartnerControls"/>
-    <ds:schemaRef ds:uri="http://schemas.openxmlformats.org/package/2006/metadata/core-properties"/>
-    <ds:schemaRef ds:uri="c7dd7a47-5eb0-4219-9c75-8258c822be9e"/>
-    <ds:schemaRef ds:uri="http://schemas.microsoft.com/sharepoint/v3"/>
+    <ds:schemaRef ds:uri="http://schemas.microsoft.com/sharepoint/v3/contenttype/forms"/>
   </ds:schemaRefs>
 </ds:datastoreItem>
 </file>
